--- a/position.pptx
+++ b/position.pptx
@@ -8,8 +8,8 @@
     <p:notesMasterId r:id="rId4"/>
   </p:notesMasterIdLst>
   <p:sldIdLst>
-    <p:sldId id="256" r:id="rId2"/>
-    <p:sldId id="257" r:id="rId3"/>
+    <p:sldId id="257" r:id="rId2"/>
+    <p:sldId id="256" r:id="rId3"/>
   </p:sldIdLst>
   <p:sldSz cx="12192000" cy="6858000"/>
   <p:notesSz cx="6858000" cy="9144000"/>
@@ -198,7 +198,7 @@
           <a:p>
             <a:fld id="{98125669-4230-4A9E-999F-BF115143650C}" type="datetimeFigureOut">
               <a:rPr kumimoji="1" lang="ja-JP" altLang="en-US" smtClean="0"/>
-              <a:t>2021/7/28</a:t>
+              <a:t>2021/8/3</a:t>
             </a:fld>
             <a:endParaRPr kumimoji="1" lang="ja-JP" altLang="en-US"/>
           </a:p>
@@ -562,7 +562,7 @@
           <a:p>
             <a:fld id="{0A5D6487-7B34-4175-BA5B-E11B08768363}" type="slidenum">
               <a:rPr kumimoji="1" lang="ja-JP" altLang="en-US" smtClean="0"/>
-              <a:t>2</a:t>
+              <a:t>1</a:t>
             </a:fld>
             <a:endParaRPr kumimoji="1" lang="ja-JP" altLang="en-US"/>
           </a:p>
@@ -728,7 +728,7 @@
           <a:p>
             <a:fld id="{E3DEF428-208D-4894-970D-3901F29AD818}" type="datetimeFigureOut">
               <a:rPr kumimoji="1" lang="ja-JP" altLang="en-US" smtClean="0"/>
-              <a:t>2021/7/28</a:t>
+              <a:t>2021/8/3</a:t>
             </a:fld>
             <a:endParaRPr kumimoji="1" lang="ja-JP" altLang="en-US"/>
           </a:p>
@@ -958,7 +958,7 @@
           <a:p>
             <a:fld id="{E3DEF428-208D-4894-970D-3901F29AD818}" type="datetimeFigureOut">
               <a:rPr kumimoji="1" lang="ja-JP" altLang="en-US" smtClean="0"/>
-              <a:t>2021/7/28</a:t>
+              <a:t>2021/8/3</a:t>
             </a:fld>
             <a:endParaRPr kumimoji="1" lang="ja-JP" altLang="en-US"/>
           </a:p>
@@ -1198,7 +1198,7 @@
           <a:p>
             <a:fld id="{E3DEF428-208D-4894-970D-3901F29AD818}" type="datetimeFigureOut">
               <a:rPr kumimoji="1" lang="ja-JP" altLang="en-US" smtClean="0"/>
-              <a:t>2021/7/28</a:t>
+              <a:t>2021/8/3</a:t>
             </a:fld>
             <a:endParaRPr kumimoji="1" lang="ja-JP" altLang="en-US"/>
           </a:p>
@@ -1428,7 +1428,7 @@
           <a:p>
             <a:fld id="{E3DEF428-208D-4894-970D-3901F29AD818}" type="datetimeFigureOut">
               <a:rPr kumimoji="1" lang="ja-JP" altLang="en-US" smtClean="0"/>
-              <a:t>2021/7/28</a:t>
+              <a:t>2021/8/3</a:t>
             </a:fld>
             <a:endParaRPr kumimoji="1" lang="ja-JP" altLang="en-US"/>
           </a:p>
@@ -1703,7 +1703,7 @@
           <a:p>
             <a:fld id="{E3DEF428-208D-4894-970D-3901F29AD818}" type="datetimeFigureOut">
               <a:rPr kumimoji="1" lang="ja-JP" altLang="en-US" smtClean="0"/>
-              <a:t>2021/7/28</a:t>
+              <a:t>2021/8/3</a:t>
             </a:fld>
             <a:endParaRPr kumimoji="1" lang="ja-JP" altLang="en-US"/>
           </a:p>
@@ -2032,7 +2032,7 @@
           <a:p>
             <a:fld id="{E3DEF428-208D-4894-970D-3901F29AD818}" type="datetimeFigureOut">
               <a:rPr kumimoji="1" lang="ja-JP" altLang="en-US" smtClean="0"/>
-              <a:t>2021/7/28</a:t>
+              <a:t>2021/8/3</a:t>
             </a:fld>
             <a:endParaRPr kumimoji="1" lang="ja-JP" altLang="en-US"/>
           </a:p>
@@ -2508,7 +2508,7 @@
           <a:p>
             <a:fld id="{E3DEF428-208D-4894-970D-3901F29AD818}" type="datetimeFigureOut">
               <a:rPr kumimoji="1" lang="ja-JP" altLang="en-US" smtClean="0"/>
-              <a:t>2021/7/28</a:t>
+              <a:t>2021/8/3</a:t>
             </a:fld>
             <a:endParaRPr kumimoji="1" lang="ja-JP" altLang="en-US"/>
           </a:p>
@@ -2649,7 +2649,7 @@
           <a:p>
             <a:fld id="{E3DEF428-208D-4894-970D-3901F29AD818}" type="datetimeFigureOut">
               <a:rPr kumimoji="1" lang="ja-JP" altLang="en-US" smtClean="0"/>
-              <a:t>2021/7/28</a:t>
+              <a:t>2021/8/3</a:t>
             </a:fld>
             <a:endParaRPr kumimoji="1" lang="ja-JP" altLang="en-US"/>
           </a:p>
@@ -2762,7 +2762,7 @@
           <a:p>
             <a:fld id="{E3DEF428-208D-4894-970D-3901F29AD818}" type="datetimeFigureOut">
               <a:rPr kumimoji="1" lang="ja-JP" altLang="en-US" smtClean="0"/>
-              <a:t>2021/7/28</a:t>
+              <a:t>2021/8/3</a:t>
             </a:fld>
             <a:endParaRPr kumimoji="1" lang="ja-JP" altLang="en-US"/>
           </a:p>
@@ -3105,7 +3105,7 @@
           <a:p>
             <a:fld id="{E3DEF428-208D-4894-970D-3901F29AD818}" type="datetimeFigureOut">
               <a:rPr kumimoji="1" lang="ja-JP" altLang="en-US" smtClean="0"/>
-              <a:t>2021/7/28</a:t>
+              <a:t>2021/8/3</a:t>
             </a:fld>
             <a:endParaRPr kumimoji="1" lang="ja-JP" altLang="en-US"/>
           </a:p>
@@ -3393,7 +3393,7 @@
           <a:p>
             <a:fld id="{E3DEF428-208D-4894-970D-3901F29AD818}" type="datetimeFigureOut">
               <a:rPr kumimoji="1" lang="ja-JP" altLang="en-US" smtClean="0"/>
-              <a:t>2021/7/28</a:t>
+              <a:t>2021/8/3</a:t>
             </a:fld>
             <a:endParaRPr kumimoji="1" lang="ja-JP" altLang="en-US"/>
           </a:p>
@@ -3666,7 +3666,7 @@
           <a:p>
             <a:fld id="{E3DEF428-208D-4894-970D-3901F29AD818}" type="datetimeFigureOut">
               <a:rPr kumimoji="1" lang="ja-JP" altLang="en-US" smtClean="0"/>
-              <a:t>2021/7/28</a:t>
+              <a:t>2021/8/3</a:t>
             </a:fld>
             <a:endParaRPr kumimoji="1" lang="ja-JP" altLang="en-US"/>
           </a:p>
@@ -4095,6 +4095,4277 @@
           <p:cNvGraphicFramePr>
             <a:graphicFrameLocks noGrp="1"/>
           </p:cNvGraphicFramePr>
+          <p:nvPr/>
+        </p:nvGraphicFramePr>
+        <p:xfrm>
+          <a:off x="1535576" y="727724"/>
+          <a:ext cx="9444852" cy="5964270"/>
+        </p:xfrm>
+        <a:graphic>
+          <a:graphicData uri="http://schemas.openxmlformats.org/drawingml/2006/table">
+            <a:tbl>
+              <a:tblPr>
+                <a:tableStyleId>{5C22544A-7EE6-4342-B048-85BDC9FD1C3A}</a:tableStyleId>
+              </a:tblPr>
+              <a:tblGrid>
+                <a:gridCol w="524714">
+                  <a:extLst>
+                    <a:ext uri="{9D8B030D-6E8A-4147-A177-3AD203B41FA5}">
+                      <a16:colId xmlns:a16="http://schemas.microsoft.com/office/drawing/2014/main" val="2353861698"/>
+                    </a:ext>
+                  </a:extLst>
+                </a:gridCol>
+                <a:gridCol w="524714">
+                  <a:extLst>
+                    <a:ext uri="{9D8B030D-6E8A-4147-A177-3AD203B41FA5}">
+                      <a16:colId xmlns:a16="http://schemas.microsoft.com/office/drawing/2014/main" val="2735365660"/>
+                    </a:ext>
+                  </a:extLst>
+                </a:gridCol>
+                <a:gridCol w="524714">
+                  <a:extLst>
+                    <a:ext uri="{9D8B030D-6E8A-4147-A177-3AD203B41FA5}">
+                      <a16:colId xmlns:a16="http://schemas.microsoft.com/office/drawing/2014/main" val="3262327200"/>
+                    </a:ext>
+                  </a:extLst>
+                </a:gridCol>
+                <a:gridCol w="524714">
+                  <a:extLst>
+                    <a:ext uri="{9D8B030D-6E8A-4147-A177-3AD203B41FA5}">
+                      <a16:colId xmlns:a16="http://schemas.microsoft.com/office/drawing/2014/main" val="3877163821"/>
+                    </a:ext>
+                  </a:extLst>
+                </a:gridCol>
+                <a:gridCol w="524714">
+                  <a:extLst>
+                    <a:ext uri="{9D8B030D-6E8A-4147-A177-3AD203B41FA5}">
+                      <a16:colId xmlns:a16="http://schemas.microsoft.com/office/drawing/2014/main" val="1410611288"/>
+                    </a:ext>
+                  </a:extLst>
+                </a:gridCol>
+                <a:gridCol w="524714">
+                  <a:extLst>
+                    <a:ext uri="{9D8B030D-6E8A-4147-A177-3AD203B41FA5}">
+                      <a16:colId xmlns:a16="http://schemas.microsoft.com/office/drawing/2014/main" val="1865361871"/>
+                    </a:ext>
+                  </a:extLst>
+                </a:gridCol>
+                <a:gridCol w="524714">
+                  <a:extLst>
+                    <a:ext uri="{9D8B030D-6E8A-4147-A177-3AD203B41FA5}">
+                      <a16:colId xmlns:a16="http://schemas.microsoft.com/office/drawing/2014/main" val="204369485"/>
+                    </a:ext>
+                  </a:extLst>
+                </a:gridCol>
+                <a:gridCol w="524714">
+                  <a:extLst>
+                    <a:ext uri="{9D8B030D-6E8A-4147-A177-3AD203B41FA5}">
+                      <a16:colId xmlns:a16="http://schemas.microsoft.com/office/drawing/2014/main" val="134617063"/>
+                    </a:ext>
+                  </a:extLst>
+                </a:gridCol>
+                <a:gridCol w="524714">
+                  <a:extLst>
+                    <a:ext uri="{9D8B030D-6E8A-4147-A177-3AD203B41FA5}">
+                      <a16:colId xmlns:a16="http://schemas.microsoft.com/office/drawing/2014/main" val="2040928400"/>
+                    </a:ext>
+                  </a:extLst>
+                </a:gridCol>
+                <a:gridCol w="524714">
+                  <a:extLst>
+                    <a:ext uri="{9D8B030D-6E8A-4147-A177-3AD203B41FA5}">
+                      <a16:colId xmlns:a16="http://schemas.microsoft.com/office/drawing/2014/main" val="1184395749"/>
+                    </a:ext>
+                  </a:extLst>
+                </a:gridCol>
+                <a:gridCol w="524714">
+                  <a:extLst>
+                    <a:ext uri="{9D8B030D-6E8A-4147-A177-3AD203B41FA5}">
+                      <a16:colId xmlns:a16="http://schemas.microsoft.com/office/drawing/2014/main" val="2005275472"/>
+                    </a:ext>
+                  </a:extLst>
+                </a:gridCol>
+                <a:gridCol w="524714">
+                  <a:extLst>
+                    <a:ext uri="{9D8B030D-6E8A-4147-A177-3AD203B41FA5}">
+                      <a16:colId xmlns:a16="http://schemas.microsoft.com/office/drawing/2014/main" val="3482882439"/>
+                    </a:ext>
+                  </a:extLst>
+                </a:gridCol>
+                <a:gridCol w="524714">
+                  <a:extLst>
+                    <a:ext uri="{9D8B030D-6E8A-4147-A177-3AD203B41FA5}">
+                      <a16:colId xmlns:a16="http://schemas.microsoft.com/office/drawing/2014/main" val="1118756785"/>
+                    </a:ext>
+                  </a:extLst>
+                </a:gridCol>
+                <a:gridCol w="524714">
+                  <a:extLst>
+                    <a:ext uri="{9D8B030D-6E8A-4147-A177-3AD203B41FA5}">
+                      <a16:colId xmlns:a16="http://schemas.microsoft.com/office/drawing/2014/main" val="2810762907"/>
+                    </a:ext>
+                  </a:extLst>
+                </a:gridCol>
+                <a:gridCol w="524714">
+                  <a:extLst>
+                    <a:ext uri="{9D8B030D-6E8A-4147-A177-3AD203B41FA5}">
+                      <a16:colId xmlns:a16="http://schemas.microsoft.com/office/drawing/2014/main" val="2376980172"/>
+                    </a:ext>
+                  </a:extLst>
+                </a:gridCol>
+                <a:gridCol w="524714">
+                  <a:extLst>
+                    <a:ext uri="{9D8B030D-6E8A-4147-A177-3AD203B41FA5}">
+                      <a16:colId xmlns:a16="http://schemas.microsoft.com/office/drawing/2014/main" val="1844653986"/>
+                    </a:ext>
+                  </a:extLst>
+                </a:gridCol>
+                <a:gridCol w="524714">
+                  <a:extLst>
+                    <a:ext uri="{9D8B030D-6E8A-4147-A177-3AD203B41FA5}">
+                      <a16:colId xmlns:a16="http://schemas.microsoft.com/office/drawing/2014/main" val="4175700290"/>
+                    </a:ext>
+                  </a:extLst>
+                </a:gridCol>
+                <a:gridCol w="524714">
+                  <a:extLst>
+                    <a:ext uri="{9D8B030D-6E8A-4147-A177-3AD203B41FA5}">
+                      <a16:colId xmlns:a16="http://schemas.microsoft.com/office/drawing/2014/main" val="3121511968"/>
+                    </a:ext>
+                  </a:extLst>
+                </a:gridCol>
+              </a:tblGrid>
+              <a:tr h="458790">
+                <a:tc>
+                  <a:txBody>
+                    <a:bodyPr/>
+                    <a:lstStyle/>
+                    <a:p>
+                      <a:endParaRPr kumimoji="1" lang="ja-JP" altLang="en-US" sz="800"/>
+                    </a:p>
+                  </a:txBody>
+                  <a:tcPr/>
+                </a:tc>
+                <a:tc>
+                  <a:txBody>
+                    <a:bodyPr/>
+                    <a:lstStyle/>
+                    <a:p>
+                      <a:endParaRPr kumimoji="1" lang="ja-JP" altLang="en-US" sz="800"/>
+                    </a:p>
+                  </a:txBody>
+                  <a:tcPr/>
+                </a:tc>
+                <a:tc>
+                  <a:txBody>
+                    <a:bodyPr/>
+                    <a:lstStyle/>
+                    <a:p>
+                      <a:endParaRPr kumimoji="1" lang="ja-JP" altLang="en-US" sz="800"/>
+                    </a:p>
+                  </a:txBody>
+                  <a:tcPr/>
+                </a:tc>
+                <a:tc>
+                  <a:txBody>
+                    <a:bodyPr/>
+                    <a:lstStyle/>
+                    <a:p>
+                      <a:endParaRPr kumimoji="1" lang="ja-JP" altLang="en-US" sz="800"/>
+                    </a:p>
+                  </a:txBody>
+                  <a:tcPr/>
+                </a:tc>
+                <a:tc>
+                  <a:txBody>
+                    <a:bodyPr/>
+                    <a:lstStyle/>
+                    <a:p>
+                      <a:endParaRPr kumimoji="1" lang="ja-JP" altLang="en-US" sz="800"/>
+                    </a:p>
+                  </a:txBody>
+                  <a:tcPr/>
+                </a:tc>
+                <a:tc>
+                  <a:txBody>
+                    <a:bodyPr/>
+                    <a:lstStyle/>
+                    <a:p>
+                      <a:endParaRPr kumimoji="1" lang="ja-JP" altLang="en-US" sz="800" dirty="0"/>
+                    </a:p>
+                  </a:txBody>
+                  <a:tcPr/>
+                </a:tc>
+                <a:tc>
+                  <a:txBody>
+                    <a:bodyPr/>
+                    <a:lstStyle/>
+                    <a:p>
+                      <a:endParaRPr kumimoji="1" lang="ja-JP" altLang="en-US" sz="800"/>
+                    </a:p>
+                  </a:txBody>
+                  <a:tcPr/>
+                </a:tc>
+                <a:tc>
+                  <a:txBody>
+                    <a:bodyPr/>
+                    <a:lstStyle/>
+                    <a:p>
+                      <a:endParaRPr kumimoji="1" lang="ja-JP" altLang="en-US" sz="800"/>
+                    </a:p>
+                  </a:txBody>
+                  <a:tcPr/>
+                </a:tc>
+                <a:tc>
+                  <a:txBody>
+                    <a:bodyPr/>
+                    <a:lstStyle/>
+                    <a:p>
+                      <a:endParaRPr kumimoji="1" lang="ja-JP" altLang="en-US" sz="800"/>
+                    </a:p>
+                  </a:txBody>
+                  <a:tcPr/>
+                </a:tc>
+                <a:tc>
+                  <a:txBody>
+                    <a:bodyPr/>
+                    <a:lstStyle/>
+                    <a:p>
+                      <a:endParaRPr kumimoji="1" lang="ja-JP" altLang="en-US" sz="800" dirty="0"/>
+                    </a:p>
+                  </a:txBody>
+                  <a:tcPr/>
+                </a:tc>
+                <a:tc>
+                  <a:txBody>
+                    <a:bodyPr/>
+                    <a:lstStyle/>
+                    <a:p>
+                      <a:endParaRPr kumimoji="1" lang="ja-JP" altLang="en-US" sz="800"/>
+                    </a:p>
+                  </a:txBody>
+                  <a:tcPr/>
+                </a:tc>
+                <a:tc>
+                  <a:txBody>
+                    <a:bodyPr/>
+                    <a:lstStyle/>
+                    <a:p>
+                      <a:endParaRPr kumimoji="1" lang="ja-JP" altLang="en-US" sz="800"/>
+                    </a:p>
+                  </a:txBody>
+                  <a:tcPr/>
+                </a:tc>
+                <a:tc>
+                  <a:txBody>
+                    <a:bodyPr/>
+                    <a:lstStyle/>
+                    <a:p>
+                      <a:endParaRPr kumimoji="1" lang="ja-JP" altLang="en-US" sz="800"/>
+                    </a:p>
+                  </a:txBody>
+                  <a:tcPr/>
+                </a:tc>
+                <a:tc>
+                  <a:txBody>
+                    <a:bodyPr/>
+                    <a:lstStyle/>
+                    <a:p>
+                      <a:endParaRPr kumimoji="1" lang="ja-JP" altLang="en-US" sz="800"/>
+                    </a:p>
+                  </a:txBody>
+                  <a:tcPr/>
+                </a:tc>
+                <a:tc>
+                  <a:txBody>
+                    <a:bodyPr/>
+                    <a:lstStyle/>
+                    <a:p>
+                      <a:endParaRPr kumimoji="1" lang="ja-JP" altLang="en-US" sz="800"/>
+                    </a:p>
+                  </a:txBody>
+                  <a:tcPr/>
+                </a:tc>
+                <a:tc>
+                  <a:txBody>
+                    <a:bodyPr/>
+                    <a:lstStyle/>
+                    <a:p>
+                      <a:endParaRPr kumimoji="1" lang="ja-JP" altLang="en-US" sz="800"/>
+                    </a:p>
+                  </a:txBody>
+                  <a:tcPr/>
+                </a:tc>
+                <a:tc>
+                  <a:txBody>
+                    <a:bodyPr/>
+                    <a:lstStyle/>
+                    <a:p>
+                      <a:endParaRPr kumimoji="1" lang="ja-JP" altLang="en-US" sz="800"/>
+                    </a:p>
+                  </a:txBody>
+                  <a:tcPr/>
+                </a:tc>
+                <a:tc>
+                  <a:txBody>
+                    <a:bodyPr/>
+                    <a:lstStyle/>
+                    <a:p>
+                      <a:endParaRPr kumimoji="1" lang="ja-JP" altLang="en-US" sz="800"/>
+                    </a:p>
+                  </a:txBody>
+                  <a:tcPr/>
+                </a:tc>
+                <a:extLst>
+                  <a:ext uri="{0D108BD9-81ED-4DB2-BD59-A6C34878D82A}">
+                    <a16:rowId xmlns:a16="http://schemas.microsoft.com/office/drawing/2014/main" val="1905640508"/>
+                  </a:ext>
+                </a:extLst>
+              </a:tr>
+              <a:tr h="458790">
+                <a:tc>
+                  <a:txBody>
+                    <a:bodyPr/>
+                    <a:lstStyle/>
+                    <a:p>
+                      <a:endParaRPr kumimoji="1" lang="ja-JP" altLang="en-US" sz="800"/>
+                    </a:p>
+                  </a:txBody>
+                  <a:tcPr/>
+                </a:tc>
+                <a:tc>
+                  <a:txBody>
+                    <a:bodyPr/>
+                    <a:lstStyle/>
+                    <a:p>
+                      <a:endParaRPr kumimoji="1" lang="ja-JP" altLang="en-US" sz="800"/>
+                    </a:p>
+                  </a:txBody>
+                  <a:tcPr/>
+                </a:tc>
+                <a:tc>
+                  <a:txBody>
+                    <a:bodyPr/>
+                    <a:lstStyle/>
+                    <a:p>
+                      <a:endParaRPr kumimoji="1" lang="ja-JP" altLang="en-US" sz="800"/>
+                    </a:p>
+                  </a:txBody>
+                  <a:tcPr/>
+                </a:tc>
+                <a:tc>
+                  <a:txBody>
+                    <a:bodyPr/>
+                    <a:lstStyle/>
+                    <a:p>
+                      <a:endParaRPr kumimoji="1" lang="ja-JP" altLang="en-US" sz="800"/>
+                    </a:p>
+                  </a:txBody>
+                  <a:tcPr/>
+                </a:tc>
+                <a:tc>
+                  <a:txBody>
+                    <a:bodyPr/>
+                    <a:lstStyle/>
+                    <a:p>
+                      <a:endParaRPr kumimoji="1" lang="ja-JP" altLang="en-US" sz="800"/>
+                    </a:p>
+                  </a:txBody>
+                  <a:tcPr/>
+                </a:tc>
+                <a:tc>
+                  <a:txBody>
+                    <a:bodyPr/>
+                    <a:lstStyle/>
+                    <a:p>
+                      <a:endParaRPr kumimoji="1" lang="ja-JP" altLang="en-US" sz="800"/>
+                    </a:p>
+                  </a:txBody>
+                  <a:tcPr/>
+                </a:tc>
+                <a:tc>
+                  <a:txBody>
+                    <a:bodyPr/>
+                    <a:lstStyle/>
+                    <a:p>
+                      <a:endParaRPr kumimoji="1" lang="ja-JP" altLang="en-US" sz="800"/>
+                    </a:p>
+                  </a:txBody>
+                  <a:tcPr/>
+                </a:tc>
+                <a:tc>
+                  <a:txBody>
+                    <a:bodyPr/>
+                    <a:lstStyle/>
+                    <a:p>
+                      <a:endParaRPr kumimoji="1" lang="ja-JP" altLang="en-US" sz="800"/>
+                    </a:p>
+                  </a:txBody>
+                  <a:tcPr/>
+                </a:tc>
+                <a:tc>
+                  <a:txBody>
+                    <a:bodyPr/>
+                    <a:lstStyle/>
+                    <a:p>
+                      <a:endParaRPr kumimoji="1" lang="ja-JP" altLang="en-US" sz="800"/>
+                    </a:p>
+                  </a:txBody>
+                  <a:tcPr/>
+                </a:tc>
+                <a:tc>
+                  <a:txBody>
+                    <a:bodyPr/>
+                    <a:lstStyle/>
+                    <a:p>
+                      <a:endParaRPr kumimoji="1" lang="ja-JP" altLang="en-US" sz="800"/>
+                    </a:p>
+                  </a:txBody>
+                  <a:tcPr/>
+                </a:tc>
+                <a:tc>
+                  <a:txBody>
+                    <a:bodyPr/>
+                    <a:lstStyle/>
+                    <a:p>
+                      <a:endParaRPr kumimoji="1" lang="ja-JP" altLang="en-US" sz="800"/>
+                    </a:p>
+                  </a:txBody>
+                  <a:tcPr/>
+                </a:tc>
+                <a:tc>
+                  <a:txBody>
+                    <a:bodyPr/>
+                    <a:lstStyle/>
+                    <a:p>
+                      <a:endParaRPr kumimoji="1" lang="ja-JP" altLang="en-US" sz="800"/>
+                    </a:p>
+                  </a:txBody>
+                  <a:tcPr/>
+                </a:tc>
+                <a:tc>
+                  <a:txBody>
+                    <a:bodyPr/>
+                    <a:lstStyle/>
+                    <a:p>
+                      <a:endParaRPr kumimoji="1" lang="ja-JP" altLang="en-US" sz="800" dirty="0"/>
+                    </a:p>
+                  </a:txBody>
+                  <a:tcPr/>
+                </a:tc>
+                <a:tc>
+                  <a:txBody>
+                    <a:bodyPr/>
+                    <a:lstStyle/>
+                    <a:p>
+                      <a:endParaRPr kumimoji="1" lang="ja-JP" altLang="en-US" sz="800"/>
+                    </a:p>
+                  </a:txBody>
+                  <a:tcPr/>
+                </a:tc>
+                <a:tc>
+                  <a:txBody>
+                    <a:bodyPr/>
+                    <a:lstStyle/>
+                    <a:p>
+                      <a:endParaRPr kumimoji="1" lang="ja-JP" altLang="en-US" sz="800"/>
+                    </a:p>
+                  </a:txBody>
+                  <a:tcPr/>
+                </a:tc>
+                <a:tc>
+                  <a:txBody>
+                    <a:bodyPr/>
+                    <a:lstStyle/>
+                    <a:p>
+                      <a:endParaRPr kumimoji="1" lang="ja-JP" altLang="en-US" sz="800"/>
+                    </a:p>
+                  </a:txBody>
+                  <a:tcPr/>
+                </a:tc>
+                <a:tc>
+                  <a:txBody>
+                    <a:bodyPr/>
+                    <a:lstStyle/>
+                    <a:p>
+                      <a:endParaRPr kumimoji="1" lang="ja-JP" altLang="en-US" sz="800"/>
+                    </a:p>
+                  </a:txBody>
+                  <a:tcPr/>
+                </a:tc>
+                <a:tc>
+                  <a:txBody>
+                    <a:bodyPr/>
+                    <a:lstStyle/>
+                    <a:p>
+                      <a:endParaRPr kumimoji="1" lang="ja-JP" altLang="en-US" sz="800"/>
+                    </a:p>
+                  </a:txBody>
+                  <a:tcPr/>
+                </a:tc>
+                <a:extLst>
+                  <a:ext uri="{0D108BD9-81ED-4DB2-BD59-A6C34878D82A}">
+                    <a16:rowId xmlns:a16="http://schemas.microsoft.com/office/drawing/2014/main" val="2212434784"/>
+                  </a:ext>
+                </a:extLst>
+              </a:tr>
+              <a:tr h="458790">
+                <a:tc>
+                  <a:txBody>
+                    <a:bodyPr/>
+                    <a:lstStyle/>
+                    <a:p>
+                      <a:endParaRPr kumimoji="1" lang="ja-JP" altLang="en-US" sz="800"/>
+                    </a:p>
+                  </a:txBody>
+                  <a:tcPr/>
+                </a:tc>
+                <a:tc>
+                  <a:txBody>
+                    <a:bodyPr/>
+                    <a:lstStyle/>
+                    <a:p>
+                      <a:endParaRPr kumimoji="1" lang="ja-JP" altLang="en-US" sz="800"/>
+                    </a:p>
+                  </a:txBody>
+                  <a:tcPr/>
+                </a:tc>
+                <a:tc>
+                  <a:txBody>
+                    <a:bodyPr/>
+                    <a:lstStyle/>
+                    <a:p>
+                      <a:endParaRPr kumimoji="1" lang="ja-JP" altLang="en-US" sz="800"/>
+                    </a:p>
+                  </a:txBody>
+                  <a:tcPr/>
+                </a:tc>
+                <a:tc>
+                  <a:txBody>
+                    <a:bodyPr/>
+                    <a:lstStyle/>
+                    <a:p>
+                      <a:endParaRPr kumimoji="1" lang="ja-JP" altLang="en-US" sz="800"/>
+                    </a:p>
+                  </a:txBody>
+                  <a:tcPr/>
+                </a:tc>
+                <a:tc>
+                  <a:txBody>
+                    <a:bodyPr/>
+                    <a:lstStyle/>
+                    <a:p>
+                      <a:endParaRPr kumimoji="1" lang="ja-JP" altLang="en-US" sz="800"/>
+                    </a:p>
+                  </a:txBody>
+                  <a:tcPr/>
+                </a:tc>
+                <a:tc>
+                  <a:txBody>
+                    <a:bodyPr/>
+                    <a:lstStyle/>
+                    <a:p>
+                      <a:endParaRPr kumimoji="1" lang="ja-JP" altLang="en-US" sz="800"/>
+                    </a:p>
+                  </a:txBody>
+                  <a:tcPr/>
+                </a:tc>
+                <a:tc>
+                  <a:txBody>
+                    <a:bodyPr/>
+                    <a:lstStyle/>
+                    <a:p>
+                      <a:endParaRPr kumimoji="1" lang="ja-JP" altLang="en-US" sz="800"/>
+                    </a:p>
+                  </a:txBody>
+                  <a:tcPr/>
+                </a:tc>
+                <a:tc>
+                  <a:txBody>
+                    <a:bodyPr/>
+                    <a:lstStyle/>
+                    <a:p>
+                      <a:endParaRPr kumimoji="1" lang="ja-JP" altLang="en-US" sz="800"/>
+                    </a:p>
+                  </a:txBody>
+                  <a:tcPr/>
+                </a:tc>
+                <a:tc>
+                  <a:txBody>
+                    <a:bodyPr/>
+                    <a:lstStyle/>
+                    <a:p>
+                      <a:endParaRPr kumimoji="1" lang="ja-JP" altLang="en-US" sz="800"/>
+                    </a:p>
+                  </a:txBody>
+                  <a:tcPr/>
+                </a:tc>
+                <a:tc>
+                  <a:txBody>
+                    <a:bodyPr/>
+                    <a:lstStyle/>
+                    <a:p>
+                      <a:endParaRPr kumimoji="1" lang="ja-JP" altLang="en-US" sz="800"/>
+                    </a:p>
+                  </a:txBody>
+                  <a:tcPr/>
+                </a:tc>
+                <a:tc>
+                  <a:txBody>
+                    <a:bodyPr/>
+                    <a:lstStyle/>
+                    <a:p>
+                      <a:endParaRPr kumimoji="1" lang="ja-JP" altLang="en-US" sz="800"/>
+                    </a:p>
+                  </a:txBody>
+                  <a:tcPr/>
+                </a:tc>
+                <a:tc>
+                  <a:txBody>
+                    <a:bodyPr/>
+                    <a:lstStyle/>
+                    <a:p>
+                      <a:endParaRPr kumimoji="1" lang="ja-JP" altLang="en-US" sz="800"/>
+                    </a:p>
+                  </a:txBody>
+                  <a:tcPr/>
+                </a:tc>
+                <a:tc>
+                  <a:txBody>
+                    <a:bodyPr/>
+                    <a:lstStyle/>
+                    <a:p>
+                      <a:endParaRPr kumimoji="1" lang="ja-JP" altLang="en-US" sz="800"/>
+                    </a:p>
+                  </a:txBody>
+                  <a:tcPr/>
+                </a:tc>
+                <a:tc>
+                  <a:txBody>
+                    <a:bodyPr/>
+                    <a:lstStyle/>
+                    <a:p>
+                      <a:endParaRPr kumimoji="1" lang="ja-JP" altLang="en-US" sz="800"/>
+                    </a:p>
+                  </a:txBody>
+                  <a:tcPr/>
+                </a:tc>
+                <a:tc>
+                  <a:txBody>
+                    <a:bodyPr/>
+                    <a:lstStyle/>
+                    <a:p>
+                      <a:endParaRPr kumimoji="1" lang="ja-JP" altLang="en-US" sz="800"/>
+                    </a:p>
+                  </a:txBody>
+                  <a:tcPr/>
+                </a:tc>
+                <a:tc>
+                  <a:txBody>
+                    <a:bodyPr/>
+                    <a:lstStyle/>
+                    <a:p>
+                      <a:endParaRPr kumimoji="1" lang="ja-JP" altLang="en-US" sz="800"/>
+                    </a:p>
+                  </a:txBody>
+                  <a:tcPr/>
+                </a:tc>
+                <a:tc>
+                  <a:txBody>
+                    <a:bodyPr/>
+                    <a:lstStyle/>
+                    <a:p>
+                      <a:endParaRPr kumimoji="1" lang="ja-JP" altLang="en-US" sz="800"/>
+                    </a:p>
+                  </a:txBody>
+                  <a:tcPr/>
+                </a:tc>
+                <a:tc>
+                  <a:txBody>
+                    <a:bodyPr/>
+                    <a:lstStyle/>
+                    <a:p>
+                      <a:endParaRPr kumimoji="1" lang="ja-JP" altLang="en-US" sz="800"/>
+                    </a:p>
+                  </a:txBody>
+                  <a:tcPr/>
+                </a:tc>
+                <a:extLst>
+                  <a:ext uri="{0D108BD9-81ED-4DB2-BD59-A6C34878D82A}">
+                    <a16:rowId xmlns:a16="http://schemas.microsoft.com/office/drawing/2014/main" val="430557182"/>
+                  </a:ext>
+                </a:extLst>
+              </a:tr>
+              <a:tr h="458790">
+                <a:tc>
+                  <a:txBody>
+                    <a:bodyPr/>
+                    <a:lstStyle/>
+                    <a:p>
+                      <a:endParaRPr kumimoji="1" lang="ja-JP" altLang="en-US" sz="800"/>
+                    </a:p>
+                  </a:txBody>
+                  <a:tcPr/>
+                </a:tc>
+                <a:tc>
+                  <a:txBody>
+                    <a:bodyPr/>
+                    <a:lstStyle/>
+                    <a:p>
+                      <a:endParaRPr kumimoji="1" lang="ja-JP" altLang="en-US" sz="800"/>
+                    </a:p>
+                  </a:txBody>
+                  <a:tcPr/>
+                </a:tc>
+                <a:tc>
+                  <a:txBody>
+                    <a:bodyPr/>
+                    <a:lstStyle/>
+                    <a:p>
+                      <a:endParaRPr kumimoji="1" lang="ja-JP" altLang="en-US" sz="800"/>
+                    </a:p>
+                  </a:txBody>
+                  <a:tcPr/>
+                </a:tc>
+                <a:tc>
+                  <a:txBody>
+                    <a:bodyPr/>
+                    <a:lstStyle/>
+                    <a:p>
+                      <a:endParaRPr kumimoji="1" lang="ja-JP" altLang="en-US" sz="800"/>
+                    </a:p>
+                  </a:txBody>
+                  <a:tcPr/>
+                </a:tc>
+                <a:tc>
+                  <a:txBody>
+                    <a:bodyPr/>
+                    <a:lstStyle/>
+                    <a:p>
+                      <a:endParaRPr kumimoji="1" lang="ja-JP" altLang="en-US" sz="800"/>
+                    </a:p>
+                  </a:txBody>
+                  <a:tcPr/>
+                </a:tc>
+                <a:tc>
+                  <a:txBody>
+                    <a:bodyPr/>
+                    <a:lstStyle/>
+                    <a:p>
+                      <a:endParaRPr kumimoji="1" lang="ja-JP" altLang="en-US" sz="800"/>
+                    </a:p>
+                  </a:txBody>
+                  <a:tcPr/>
+                </a:tc>
+                <a:tc>
+                  <a:txBody>
+                    <a:bodyPr/>
+                    <a:lstStyle/>
+                    <a:p>
+                      <a:endParaRPr kumimoji="1" lang="ja-JP" altLang="en-US" sz="800"/>
+                    </a:p>
+                  </a:txBody>
+                  <a:tcPr/>
+                </a:tc>
+                <a:tc>
+                  <a:txBody>
+                    <a:bodyPr/>
+                    <a:lstStyle/>
+                    <a:p>
+                      <a:endParaRPr kumimoji="1" lang="ja-JP" altLang="en-US" sz="800"/>
+                    </a:p>
+                  </a:txBody>
+                  <a:tcPr/>
+                </a:tc>
+                <a:tc>
+                  <a:txBody>
+                    <a:bodyPr/>
+                    <a:lstStyle/>
+                    <a:p>
+                      <a:endParaRPr kumimoji="1" lang="ja-JP" altLang="en-US" sz="800"/>
+                    </a:p>
+                  </a:txBody>
+                  <a:tcPr/>
+                </a:tc>
+                <a:tc>
+                  <a:txBody>
+                    <a:bodyPr/>
+                    <a:lstStyle/>
+                    <a:p>
+                      <a:endParaRPr kumimoji="1" lang="ja-JP" altLang="en-US" sz="800"/>
+                    </a:p>
+                  </a:txBody>
+                  <a:tcPr/>
+                </a:tc>
+                <a:tc>
+                  <a:txBody>
+                    <a:bodyPr/>
+                    <a:lstStyle/>
+                    <a:p>
+                      <a:endParaRPr kumimoji="1" lang="ja-JP" altLang="en-US" sz="800"/>
+                    </a:p>
+                  </a:txBody>
+                  <a:tcPr/>
+                </a:tc>
+                <a:tc>
+                  <a:txBody>
+                    <a:bodyPr/>
+                    <a:lstStyle/>
+                    <a:p>
+                      <a:endParaRPr kumimoji="1" lang="ja-JP" altLang="en-US" sz="800"/>
+                    </a:p>
+                  </a:txBody>
+                  <a:tcPr/>
+                </a:tc>
+                <a:tc>
+                  <a:txBody>
+                    <a:bodyPr/>
+                    <a:lstStyle/>
+                    <a:p>
+                      <a:endParaRPr kumimoji="1" lang="ja-JP" altLang="en-US" sz="800"/>
+                    </a:p>
+                  </a:txBody>
+                  <a:tcPr/>
+                </a:tc>
+                <a:tc>
+                  <a:txBody>
+                    <a:bodyPr/>
+                    <a:lstStyle/>
+                    <a:p>
+                      <a:endParaRPr kumimoji="1" lang="ja-JP" altLang="en-US" sz="800"/>
+                    </a:p>
+                  </a:txBody>
+                  <a:tcPr/>
+                </a:tc>
+                <a:tc>
+                  <a:txBody>
+                    <a:bodyPr/>
+                    <a:lstStyle/>
+                    <a:p>
+                      <a:endParaRPr kumimoji="1" lang="ja-JP" altLang="en-US" sz="800"/>
+                    </a:p>
+                  </a:txBody>
+                  <a:tcPr/>
+                </a:tc>
+                <a:tc>
+                  <a:txBody>
+                    <a:bodyPr/>
+                    <a:lstStyle/>
+                    <a:p>
+                      <a:endParaRPr kumimoji="1" lang="ja-JP" altLang="en-US" sz="800"/>
+                    </a:p>
+                  </a:txBody>
+                  <a:tcPr/>
+                </a:tc>
+                <a:tc>
+                  <a:txBody>
+                    <a:bodyPr/>
+                    <a:lstStyle/>
+                    <a:p>
+                      <a:endParaRPr kumimoji="1" lang="ja-JP" altLang="en-US" sz="800"/>
+                    </a:p>
+                  </a:txBody>
+                  <a:tcPr/>
+                </a:tc>
+                <a:tc>
+                  <a:txBody>
+                    <a:bodyPr/>
+                    <a:lstStyle/>
+                    <a:p>
+                      <a:endParaRPr kumimoji="1" lang="ja-JP" altLang="en-US" sz="800"/>
+                    </a:p>
+                  </a:txBody>
+                  <a:tcPr/>
+                </a:tc>
+                <a:extLst>
+                  <a:ext uri="{0D108BD9-81ED-4DB2-BD59-A6C34878D82A}">
+                    <a16:rowId xmlns:a16="http://schemas.microsoft.com/office/drawing/2014/main" val="1889777964"/>
+                  </a:ext>
+                </a:extLst>
+              </a:tr>
+              <a:tr h="458790">
+                <a:tc>
+                  <a:txBody>
+                    <a:bodyPr/>
+                    <a:lstStyle/>
+                    <a:p>
+                      <a:endParaRPr kumimoji="1" lang="ja-JP" altLang="en-US" sz="800"/>
+                    </a:p>
+                  </a:txBody>
+                  <a:tcPr/>
+                </a:tc>
+                <a:tc>
+                  <a:txBody>
+                    <a:bodyPr/>
+                    <a:lstStyle/>
+                    <a:p>
+                      <a:endParaRPr kumimoji="1" lang="ja-JP" altLang="en-US" sz="800"/>
+                    </a:p>
+                  </a:txBody>
+                  <a:tcPr/>
+                </a:tc>
+                <a:tc>
+                  <a:txBody>
+                    <a:bodyPr/>
+                    <a:lstStyle/>
+                    <a:p>
+                      <a:endParaRPr kumimoji="1" lang="ja-JP" altLang="en-US" sz="800"/>
+                    </a:p>
+                  </a:txBody>
+                  <a:tcPr/>
+                </a:tc>
+                <a:tc>
+                  <a:txBody>
+                    <a:bodyPr/>
+                    <a:lstStyle/>
+                    <a:p>
+                      <a:endParaRPr kumimoji="1" lang="ja-JP" altLang="en-US" sz="800"/>
+                    </a:p>
+                  </a:txBody>
+                  <a:tcPr/>
+                </a:tc>
+                <a:tc>
+                  <a:txBody>
+                    <a:bodyPr/>
+                    <a:lstStyle/>
+                    <a:p>
+                      <a:endParaRPr kumimoji="1" lang="ja-JP" altLang="en-US" sz="800"/>
+                    </a:p>
+                  </a:txBody>
+                  <a:tcPr/>
+                </a:tc>
+                <a:tc>
+                  <a:txBody>
+                    <a:bodyPr/>
+                    <a:lstStyle/>
+                    <a:p>
+                      <a:endParaRPr kumimoji="1" lang="ja-JP" altLang="en-US" sz="800"/>
+                    </a:p>
+                  </a:txBody>
+                  <a:tcPr/>
+                </a:tc>
+                <a:tc>
+                  <a:txBody>
+                    <a:bodyPr/>
+                    <a:lstStyle/>
+                    <a:p>
+                      <a:endParaRPr kumimoji="1" lang="ja-JP" altLang="en-US" sz="800"/>
+                    </a:p>
+                  </a:txBody>
+                  <a:tcPr/>
+                </a:tc>
+                <a:tc>
+                  <a:txBody>
+                    <a:bodyPr/>
+                    <a:lstStyle/>
+                    <a:p>
+                      <a:endParaRPr kumimoji="1" lang="ja-JP" altLang="en-US" sz="800"/>
+                    </a:p>
+                  </a:txBody>
+                  <a:tcPr/>
+                </a:tc>
+                <a:tc>
+                  <a:txBody>
+                    <a:bodyPr/>
+                    <a:lstStyle/>
+                    <a:p>
+                      <a:endParaRPr kumimoji="1" lang="ja-JP" altLang="en-US" sz="800"/>
+                    </a:p>
+                  </a:txBody>
+                  <a:tcPr/>
+                </a:tc>
+                <a:tc>
+                  <a:txBody>
+                    <a:bodyPr/>
+                    <a:lstStyle/>
+                    <a:p>
+                      <a:endParaRPr kumimoji="1" lang="ja-JP" altLang="en-US" sz="800"/>
+                    </a:p>
+                  </a:txBody>
+                  <a:tcPr/>
+                </a:tc>
+                <a:tc>
+                  <a:txBody>
+                    <a:bodyPr/>
+                    <a:lstStyle/>
+                    <a:p>
+                      <a:endParaRPr kumimoji="1" lang="ja-JP" altLang="en-US" sz="800"/>
+                    </a:p>
+                  </a:txBody>
+                  <a:tcPr/>
+                </a:tc>
+                <a:tc>
+                  <a:txBody>
+                    <a:bodyPr/>
+                    <a:lstStyle/>
+                    <a:p>
+                      <a:endParaRPr kumimoji="1" lang="ja-JP" altLang="en-US" sz="800"/>
+                    </a:p>
+                  </a:txBody>
+                  <a:tcPr/>
+                </a:tc>
+                <a:tc>
+                  <a:txBody>
+                    <a:bodyPr/>
+                    <a:lstStyle/>
+                    <a:p>
+                      <a:endParaRPr kumimoji="1" lang="ja-JP" altLang="en-US" sz="800"/>
+                    </a:p>
+                  </a:txBody>
+                  <a:tcPr/>
+                </a:tc>
+                <a:tc>
+                  <a:txBody>
+                    <a:bodyPr/>
+                    <a:lstStyle/>
+                    <a:p>
+                      <a:endParaRPr kumimoji="1" lang="ja-JP" altLang="en-US" sz="800"/>
+                    </a:p>
+                  </a:txBody>
+                  <a:tcPr/>
+                </a:tc>
+                <a:tc>
+                  <a:txBody>
+                    <a:bodyPr/>
+                    <a:lstStyle/>
+                    <a:p>
+                      <a:endParaRPr kumimoji="1" lang="ja-JP" altLang="en-US" sz="800"/>
+                    </a:p>
+                  </a:txBody>
+                  <a:tcPr/>
+                </a:tc>
+                <a:tc>
+                  <a:txBody>
+                    <a:bodyPr/>
+                    <a:lstStyle/>
+                    <a:p>
+                      <a:endParaRPr kumimoji="1" lang="ja-JP" altLang="en-US" sz="800"/>
+                    </a:p>
+                  </a:txBody>
+                  <a:tcPr/>
+                </a:tc>
+                <a:tc>
+                  <a:txBody>
+                    <a:bodyPr/>
+                    <a:lstStyle/>
+                    <a:p>
+                      <a:endParaRPr kumimoji="1" lang="ja-JP" altLang="en-US" sz="800"/>
+                    </a:p>
+                  </a:txBody>
+                  <a:tcPr/>
+                </a:tc>
+                <a:tc>
+                  <a:txBody>
+                    <a:bodyPr/>
+                    <a:lstStyle/>
+                    <a:p>
+                      <a:endParaRPr kumimoji="1" lang="ja-JP" altLang="en-US" sz="800"/>
+                    </a:p>
+                  </a:txBody>
+                  <a:tcPr/>
+                </a:tc>
+                <a:extLst>
+                  <a:ext uri="{0D108BD9-81ED-4DB2-BD59-A6C34878D82A}">
+                    <a16:rowId xmlns:a16="http://schemas.microsoft.com/office/drawing/2014/main" val="4237162179"/>
+                  </a:ext>
+                </a:extLst>
+              </a:tr>
+              <a:tr h="458790">
+                <a:tc>
+                  <a:txBody>
+                    <a:bodyPr/>
+                    <a:lstStyle/>
+                    <a:p>
+                      <a:endParaRPr kumimoji="1" lang="ja-JP" altLang="en-US" sz="800"/>
+                    </a:p>
+                  </a:txBody>
+                  <a:tcPr/>
+                </a:tc>
+                <a:tc>
+                  <a:txBody>
+                    <a:bodyPr/>
+                    <a:lstStyle/>
+                    <a:p>
+                      <a:endParaRPr kumimoji="1" lang="ja-JP" altLang="en-US" sz="800"/>
+                    </a:p>
+                  </a:txBody>
+                  <a:tcPr/>
+                </a:tc>
+                <a:tc>
+                  <a:txBody>
+                    <a:bodyPr/>
+                    <a:lstStyle/>
+                    <a:p>
+                      <a:endParaRPr kumimoji="1" lang="ja-JP" altLang="en-US" sz="800"/>
+                    </a:p>
+                  </a:txBody>
+                  <a:tcPr/>
+                </a:tc>
+                <a:tc>
+                  <a:txBody>
+                    <a:bodyPr/>
+                    <a:lstStyle/>
+                    <a:p>
+                      <a:endParaRPr kumimoji="1" lang="ja-JP" altLang="en-US" sz="800"/>
+                    </a:p>
+                  </a:txBody>
+                  <a:tcPr/>
+                </a:tc>
+                <a:tc>
+                  <a:txBody>
+                    <a:bodyPr/>
+                    <a:lstStyle/>
+                    <a:p>
+                      <a:endParaRPr kumimoji="1" lang="ja-JP" altLang="en-US" sz="800"/>
+                    </a:p>
+                  </a:txBody>
+                  <a:tcPr/>
+                </a:tc>
+                <a:tc>
+                  <a:txBody>
+                    <a:bodyPr/>
+                    <a:lstStyle/>
+                    <a:p>
+                      <a:endParaRPr kumimoji="1" lang="ja-JP" altLang="en-US" sz="800"/>
+                    </a:p>
+                  </a:txBody>
+                  <a:tcPr/>
+                </a:tc>
+                <a:tc>
+                  <a:txBody>
+                    <a:bodyPr/>
+                    <a:lstStyle/>
+                    <a:p>
+                      <a:endParaRPr kumimoji="1" lang="ja-JP" altLang="en-US" sz="800"/>
+                    </a:p>
+                  </a:txBody>
+                  <a:tcPr/>
+                </a:tc>
+                <a:tc>
+                  <a:txBody>
+                    <a:bodyPr/>
+                    <a:lstStyle/>
+                    <a:p>
+                      <a:endParaRPr kumimoji="1" lang="ja-JP" altLang="en-US" sz="800"/>
+                    </a:p>
+                  </a:txBody>
+                  <a:tcPr/>
+                </a:tc>
+                <a:tc>
+                  <a:txBody>
+                    <a:bodyPr/>
+                    <a:lstStyle/>
+                    <a:p>
+                      <a:endParaRPr kumimoji="1" lang="ja-JP" altLang="en-US" sz="800"/>
+                    </a:p>
+                  </a:txBody>
+                  <a:tcPr/>
+                </a:tc>
+                <a:tc>
+                  <a:txBody>
+                    <a:bodyPr/>
+                    <a:lstStyle/>
+                    <a:p>
+                      <a:endParaRPr kumimoji="1" lang="ja-JP" altLang="en-US" sz="800"/>
+                    </a:p>
+                  </a:txBody>
+                  <a:tcPr/>
+                </a:tc>
+                <a:tc>
+                  <a:txBody>
+                    <a:bodyPr/>
+                    <a:lstStyle/>
+                    <a:p>
+                      <a:endParaRPr kumimoji="1" lang="ja-JP" altLang="en-US" sz="800"/>
+                    </a:p>
+                  </a:txBody>
+                  <a:tcPr/>
+                </a:tc>
+                <a:tc>
+                  <a:txBody>
+                    <a:bodyPr/>
+                    <a:lstStyle/>
+                    <a:p>
+                      <a:endParaRPr kumimoji="1" lang="ja-JP" altLang="en-US" sz="800"/>
+                    </a:p>
+                  </a:txBody>
+                  <a:tcPr/>
+                </a:tc>
+                <a:tc>
+                  <a:txBody>
+                    <a:bodyPr/>
+                    <a:lstStyle/>
+                    <a:p>
+                      <a:endParaRPr kumimoji="1" lang="ja-JP" altLang="en-US" sz="800"/>
+                    </a:p>
+                  </a:txBody>
+                  <a:tcPr/>
+                </a:tc>
+                <a:tc>
+                  <a:txBody>
+                    <a:bodyPr/>
+                    <a:lstStyle/>
+                    <a:p>
+                      <a:endParaRPr kumimoji="1" lang="ja-JP" altLang="en-US" sz="800"/>
+                    </a:p>
+                  </a:txBody>
+                  <a:tcPr/>
+                </a:tc>
+                <a:tc>
+                  <a:txBody>
+                    <a:bodyPr/>
+                    <a:lstStyle/>
+                    <a:p>
+                      <a:endParaRPr kumimoji="1" lang="ja-JP" altLang="en-US" sz="800"/>
+                    </a:p>
+                  </a:txBody>
+                  <a:tcPr/>
+                </a:tc>
+                <a:tc>
+                  <a:txBody>
+                    <a:bodyPr/>
+                    <a:lstStyle/>
+                    <a:p>
+                      <a:endParaRPr kumimoji="1" lang="ja-JP" altLang="en-US" sz="800"/>
+                    </a:p>
+                  </a:txBody>
+                  <a:tcPr/>
+                </a:tc>
+                <a:tc>
+                  <a:txBody>
+                    <a:bodyPr/>
+                    <a:lstStyle/>
+                    <a:p>
+                      <a:endParaRPr kumimoji="1" lang="ja-JP" altLang="en-US" sz="800"/>
+                    </a:p>
+                  </a:txBody>
+                  <a:tcPr/>
+                </a:tc>
+                <a:tc>
+                  <a:txBody>
+                    <a:bodyPr/>
+                    <a:lstStyle/>
+                    <a:p>
+                      <a:endParaRPr kumimoji="1" lang="ja-JP" altLang="en-US" sz="800"/>
+                    </a:p>
+                  </a:txBody>
+                  <a:tcPr/>
+                </a:tc>
+                <a:extLst>
+                  <a:ext uri="{0D108BD9-81ED-4DB2-BD59-A6C34878D82A}">
+                    <a16:rowId xmlns:a16="http://schemas.microsoft.com/office/drawing/2014/main" val="133675700"/>
+                  </a:ext>
+                </a:extLst>
+              </a:tr>
+              <a:tr h="458790">
+                <a:tc>
+                  <a:txBody>
+                    <a:bodyPr/>
+                    <a:lstStyle/>
+                    <a:p>
+                      <a:endParaRPr kumimoji="1" lang="ja-JP" altLang="en-US" sz="800"/>
+                    </a:p>
+                  </a:txBody>
+                  <a:tcPr/>
+                </a:tc>
+                <a:tc>
+                  <a:txBody>
+                    <a:bodyPr/>
+                    <a:lstStyle/>
+                    <a:p>
+                      <a:endParaRPr kumimoji="1" lang="ja-JP" altLang="en-US" sz="800"/>
+                    </a:p>
+                  </a:txBody>
+                  <a:tcPr/>
+                </a:tc>
+                <a:tc>
+                  <a:txBody>
+                    <a:bodyPr/>
+                    <a:lstStyle/>
+                    <a:p>
+                      <a:endParaRPr kumimoji="1" lang="ja-JP" altLang="en-US" sz="800"/>
+                    </a:p>
+                  </a:txBody>
+                  <a:tcPr/>
+                </a:tc>
+                <a:tc>
+                  <a:txBody>
+                    <a:bodyPr/>
+                    <a:lstStyle/>
+                    <a:p>
+                      <a:endParaRPr kumimoji="1" lang="ja-JP" altLang="en-US" sz="800"/>
+                    </a:p>
+                  </a:txBody>
+                  <a:tcPr/>
+                </a:tc>
+                <a:tc>
+                  <a:txBody>
+                    <a:bodyPr/>
+                    <a:lstStyle/>
+                    <a:p>
+                      <a:endParaRPr kumimoji="1" lang="ja-JP" altLang="en-US" sz="800"/>
+                    </a:p>
+                  </a:txBody>
+                  <a:tcPr/>
+                </a:tc>
+                <a:tc>
+                  <a:txBody>
+                    <a:bodyPr/>
+                    <a:lstStyle/>
+                    <a:p>
+                      <a:endParaRPr kumimoji="1" lang="ja-JP" altLang="en-US" sz="800"/>
+                    </a:p>
+                  </a:txBody>
+                  <a:tcPr/>
+                </a:tc>
+                <a:tc>
+                  <a:txBody>
+                    <a:bodyPr/>
+                    <a:lstStyle/>
+                    <a:p>
+                      <a:endParaRPr kumimoji="1" lang="ja-JP" altLang="en-US" sz="800"/>
+                    </a:p>
+                  </a:txBody>
+                  <a:tcPr/>
+                </a:tc>
+                <a:tc>
+                  <a:txBody>
+                    <a:bodyPr/>
+                    <a:lstStyle/>
+                    <a:p>
+                      <a:endParaRPr kumimoji="1" lang="ja-JP" altLang="en-US" sz="800"/>
+                    </a:p>
+                  </a:txBody>
+                  <a:tcPr/>
+                </a:tc>
+                <a:tc>
+                  <a:txBody>
+                    <a:bodyPr/>
+                    <a:lstStyle/>
+                    <a:p>
+                      <a:endParaRPr kumimoji="1" lang="ja-JP" altLang="en-US" sz="800"/>
+                    </a:p>
+                  </a:txBody>
+                  <a:tcPr/>
+                </a:tc>
+                <a:tc>
+                  <a:txBody>
+                    <a:bodyPr/>
+                    <a:lstStyle/>
+                    <a:p>
+                      <a:endParaRPr kumimoji="1" lang="ja-JP" altLang="en-US" sz="800"/>
+                    </a:p>
+                  </a:txBody>
+                  <a:tcPr/>
+                </a:tc>
+                <a:tc>
+                  <a:txBody>
+                    <a:bodyPr/>
+                    <a:lstStyle/>
+                    <a:p>
+                      <a:endParaRPr kumimoji="1" lang="ja-JP" altLang="en-US" sz="800"/>
+                    </a:p>
+                  </a:txBody>
+                  <a:tcPr/>
+                </a:tc>
+                <a:tc>
+                  <a:txBody>
+                    <a:bodyPr/>
+                    <a:lstStyle/>
+                    <a:p>
+                      <a:endParaRPr kumimoji="1" lang="ja-JP" altLang="en-US" sz="800"/>
+                    </a:p>
+                  </a:txBody>
+                  <a:tcPr/>
+                </a:tc>
+                <a:tc>
+                  <a:txBody>
+                    <a:bodyPr/>
+                    <a:lstStyle/>
+                    <a:p>
+                      <a:endParaRPr kumimoji="1" lang="ja-JP" altLang="en-US" sz="800"/>
+                    </a:p>
+                  </a:txBody>
+                  <a:tcPr/>
+                </a:tc>
+                <a:tc>
+                  <a:txBody>
+                    <a:bodyPr/>
+                    <a:lstStyle/>
+                    <a:p>
+                      <a:endParaRPr kumimoji="1" lang="ja-JP" altLang="en-US" sz="800"/>
+                    </a:p>
+                  </a:txBody>
+                  <a:tcPr/>
+                </a:tc>
+                <a:tc>
+                  <a:txBody>
+                    <a:bodyPr/>
+                    <a:lstStyle/>
+                    <a:p>
+                      <a:endParaRPr kumimoji="1" lang="ja-JP" altLang="en-US" sz="800"/>
+                    </a:p>
+                  </a:txBody>
+                  <a:tcPr/>
+                </a:tc>
+                <a:tc>
+                  <a:txBody>
+                    <a:bodyPr/>
+                    <a:lstStyle/>
+                    <a:p>
+                      <a:endParaRPr kumimoji="1" lang="ja-JP" altLang="en-US" sz="800"/>
+                    </a:p>
+                  </a:txBody>
+                  <a:tcPr/>
+                </a:tc>
+                <a:tc>
+                  <a:txBody>
+                    <a:bodyPr/>
+                    <a:lstStyle/>
+                    <a:p>
+                      <a:endParaRPr kumimoji="1" lang="ja-JP" altLang="en-US" sz="800"/>
+                    </a:p>
+                  </a:txBody>
+                  <a:tcPr/>
+                </a:tc>
+                <a:tc>
+                  <a:txBody>
+                    <a:bodyPr/>
+                    <a:lstStyle/>
+                    <a:p>
+                      <a:endParaRPr kumimoji="1" lang="ja-JP" altLang="en-US" sz="800"/>
+                    </a:p>
+                  </a:txBody>
+                  <a:tcPr/>
+                </a:tc>
+                <a:extLst>
+                  <a:ext uri="{0D108BD9-81ED-4DB2-BD59-A6C34878D82A}">
+                    <a16:rowId xmlns:a16="http://schemas.microsoft.com/office/drawing/2014/main" val="1235163635"/>
+                  </a:ext>
+                </a:extLst>
+              </a:tr>
+              <a:tr h="458790">
+                <a:tc>
+                  <a:txBody>
+                    <a:bodyPr/>
+                    <a:lstStyle/>
+                    <a:p>
+                      <a:endParaRPr kumimoji="1" lang="ja-JP" altLang="en-US" sz="800"/>
+                    </a:p>
+                  </a:txBody>
+                  <a:tcPr/>
+                </a:tc>
+                <a:tc>
+                  <a:txBody>
+                    <a:bodyPr/>
+                    <a:lstStyle/>
+                    <a:p>
+                      <a:endParaRPr kumimoji="1" lang="ja-JP" altLang="en-US" sz="800"/>
+                    </a:p>
+                  </a:txBody>
+                  <a:tcPr/>
+                </a:tc>
+                <a:tc>
+                  <a:txBody>
+                    <a:bodyPr/>
+                    <a:lstStyle/>
+                    <a:p>
+                      <a:endParaRPr kumimoji="1" lang="ja-JP" altLang="en-US" sz="800"/>
+                    </a:p>
+                  </a:txBody>
+                  <a:tcPr/>
+                </a:tc>
+                <a:tc>
+                  <a:txBody>
+                    <a:bodyPr/>
+                    <a:lstStyle/>
+                    <a:p>
+                      <a:endParaRPr kumimoji="1" lang="ja-JP" altLang="en-US" sz="800"/>
+                    </a:p>
+                  </a:txBody>
+                  <a:tcPr/>
+                </a:tc>
+                <a:tc>
+                  <a:txBody>
+                    <a:bodyPr/>
+                    <a:lstStyle/>
+                    <a:p>
+                      <a:endParaRPr kumimoji="1" lang="ja-JP" altLang="en-US" sz="800"/>
+                    </a:p>
+                  </a:txBody>
+                  <a:tcPr/>
+                </a:tc>
+                <a:tc>
+                  <a:txBody>
+                    <a:bodyPr/>
+                    <a:lstStyle/>
+                    <a:p>
+                      <a:endParaRPr kumimoji="1" lang="ja-JP" altLang="en-US" sz="800"/>
+                    </a:p>
+                  </a:txBody>
+                  <a:tcPr/>
+                </a:tc>
+                <a:tc>
+                  <a:txBody>
+                    <a:bodyPr/>
+                    <a:lstStyle/>
+                    <a:p>
+                      <a:endParaRPr kumimoji="1" lang="ja-JP" altLang="en-US" sz="800"/>
+                    </a:p>
+                  </a:txBody>
+                  <a:tcPr/>
+                </a:tc>
+                <a:tc>
+                  <a:txBody>
+                    <a:bodyPr/>
+                    <a:lstStyle/>
+                    <a:p>
+                      <a:endParaRPr kumimoji="1" lang="ja-JP" altLang="en-US" sz="800"/>
+                    </a:p>
+                  </a:txBody>
+                  <a:tcPr/>
+                </a:tc>
+                <a:tc>
+                  <a:txBody>
+                    <a:bodyPr/>
+                    <a:lstStyle/>
+                    <a:p>
+                      <a:endParaRPr kumimoji="1" lang="ja-JP" altLang="en-US" sz="800" dirty="0"/>
+                    </a:p>
+                  </a:txBody>
+                  <a:tcPr/>
+                </a:tc>
+                <a:tc>
+                  <a:txBody>
+                    <a:bodyPr/>
+                    <a:lstStyle/>
+                    <a:p>
+                      <a:endParaRPr kumimoji="1" lang="ja-JP" altLang="en-US" sz="800" dirty="0"/>
+                    </a:p>
+                  </a:txBody>
+                  <a:tcPr/>
+                </a:tc>
+                <a:tc>
+                  <a:txBody>
+                    <a:bodyPr/>
+                    <a:lstStyle/>
+                    <a:p>
+                      <a:endParaRPr kumimoji="1" lang="ja-JP" altLang="en-US" sz="800" dirty="0"/>
+                    </a:p>
+                  </a:txBody>
+                  <a:tcPr/>
+                </a:tc>
+                <a:tc>
+                  <a:txBody>
+                    <a:bodyPr/>
+                    <a:lstStyle/>
+                    <a:p>
+                      <a:endParaRPr kumimoji="1" lang="ja-JP" altLang="en-US" sz="800" dirty="0"/>
+                    </a:p>
+                  </a:txBody>
+                  <a:tcPr/>
+                </a:tc>
+                <a:tc>
+                  <a:txBody>
+                    <a:bodyPr/>
+                    <a:lstStyle/>
+                    <a:p>
+                      <a:endParaRPr kumimoji="1" lang="ja-JP" altLang="en-US" sz="800" dirty="0"/>
+                    </a:p>
+                  </a:txBody>
+                  <a:tcPr/>
+                </a:tc>
+                <a:tc>
+                  <a:txBody>
+                    <a:bodyPr/>
+                    <a:lstStyle/>
+                    <a:p>
+                      <a:endParaRPr kumimoji="1" lang="ja-JP" altLang="en-US" sz="800" dirty="0"/>
+                    </a:p>
+                  </a:txBody>
+                  <a:tcPr/>
+                </a:tc>
+                <a:tc>
+                  <a:txBody>
+                    <a:bodyPr/>
+                    <a:lstStyle/>
+                    <a:p>
+                      <a:endParaRPr kumimoji="1" lang="ja-JP" altLang="en-US" sz="800" dirty="0"/>
+                    </a:p>
+                  </a:txBody>
+                  <a:tcPr/>
+                </a:tc>
+                <a:tc>
+                  <a:txBody>
+                    <a:bodyPr/>
+                    <a:lstStyle/>
+                    <a:p>
+                      <a:endParaRPr kumimoji="1" lang="ja-JP" altLang="en-US" sz="800" dirty="0"/>
+                    </a:p>
+                  </a:txBody>
+                  <a:tcPr/>
+                </a:tc>
+                <a:tc>
+                  <a:txBody>
+                    <a:bodyPr/>
+                    <a:lstStyle/>
+                    <a:p>
+                      <a:endParaRPr kumimoji="1" lang="ja-JP" altLang="en-US" sz="800" dirty="0"/>
+                    </a:p>
+                  </a:txBody>
+                  <a:tcPr/>
+                </a:tc>
+                <a:tc>
+                  <a:txBody>
+                    <a:bodyPr/>
+                    <a:lstStyle/>
+                    <a:p>
+                      <a:endParaRPr kumimoji="1" lang="ja-JP" altLang="en-US" sz="800" dirty="0"/>
+                    </a:p>
+                  </a:txBody>
+                  <a:tcPr/>
+                </a:tc>
+                <a:extLst>
+                  <a:ext uri="{0D108BD9-81ED-4DB2-BD59-A6C34878D82A}">
+                    <a16:rowId xmlns:a16="http://schemas.microsoft.com/office/drawing/2014/main" val="3124131586"/>
+                  </a:ext>
+                </a:extLst>
+              </a:tr>
+              <a:tr h="458790">
+                <a:tc>
+                  <a:txBody>
+                    <a:bodyPr/>
+                    <a:lstStyle/>
+                    <a:p>
+                      <a:endParaRPr kumimoji="1" lang="ja-JP" altLang="en-US" sz="800"/>
+                    </a:p>
+                  </a:txBody>
+                  <a:tcPr/>
+                </a:tc>
+                <a:tc>
+                  <a:txBody>
+                    <a:bodyPr/>
+                    <a:lstStyle/>
+                    <a:p>
+                      <a:endParaRPr kumimoji="1" lang="ja-JP" altLang="en-US" sz="800"/>
+                    </a:p>
+                  </a:txBody>
+                  <a:tcPr/>
+                </a:tc>
+                <a:tc>
+                  <a:txBody>
+                    <a:bodyPr/>
+                    <a:lstStyle/>
+                    <a:p>
+                      <a:endParaRPr kumimoji="1" lang="ja-JP" altLang="en-US" sz="800"/>
+                    </a:p>
+                  </a:txBody>
+                  <a:tcPr/>
+                </a:tc>
+                <a:tc>
+                  <a:txBody>
+                    <a:bodyPr/>
+                    <a:lstStyle/>
+                    <a:p>
+                      <a:endParaRPr kumimoji="1" lang="ja-JP" altLang="en-US" sz="800"/>
+                    </a:p>
+                  </a:txBody>
+                  <a:tcPr/>
+                </a:tc>
+                <a:tc>
+                  <a:txBody>
+                    <a:bodyPr/>
+                    <a:lstStyle/>
+                    <a:p>
+                      <a:endParaRPr kumimoji="1" lang="ja-JP" altLang="en-US" sz="800"/>
+                    </a:p>
+                  </a:txBody>
+                  <a:tcPr/>
+                </a:tc>
+                <a:tc>
+                  <a:txBody>
+                    <a:bodyPr/>
+                    <a:lstStyle/>
+                    <a:p>
+                      <a:endParaRPr kumimoji="1" lang="ja-JP" altLang="en-US" sz="800"/>
+                    </a:p>
+                  </a:txBody>
+                  <a:tcPr/>
+                </a:tc>
+                <a:tc>
+                  <a:txBody>
+                    <a:bodyPr/>
+                    <a:lstStyle/>
+                    <a:p>
+                      <a:endParaRPr kumimoji="1" lang="ja-JP" altLang="en-US" sz="800"/>
+                    </a:p>
+                  </a:txBody>
+                  <a:tcPr/>
+                </a:tc>
+                <a:tc>
+                  <a:txBody>
+                    <a:bodyPr/>
+                    <a:lstStyle/>
+                    <a:p>
+                      <a:endParaRPr kumimoji="1" lang="ja-JP" altLang="en-US" sz="800"/>
+                    </a:p>
+                  </a:txBody>
+                  <a:tcPr/>
+                </a:tc>
+                <a:tc>
+                  <a:txBody>
+                    <a:bodyPr/>
+                    <a:lstStyle/>
+                    <a:p>
+                      <a:endParaRPr kumimoji="1" lang="ja-JP" altLang="en-US" sz="800"/>
+                    </a:p>
+                  </a:txBody>
+                  <a:tcPr/>
+                </a:tc>
+                <a:tc>
+                  <a:txBody>
+                    <a:bodyPr/>
+                    <a:lstStyle/>
+                    <a:p>
+                      <a:endParaRPr kumimoji="1" lang="ja-JP" altLang="en-US" sz="800" dirty="0"/>
+                    </a:p>
+                  </a:txBody>
+                  <a:tcPr/>
+                </a:tc>
+                <a:tc>
+                  <a:txBody>
+                    <a:bodyPr/>
+                    <a:lstStyle/>
+                    <a:p>
+                      <a:endParaRPr kumimoji="1" lang="ja-JP" altLang="en-US" sz="800" dirty="0"/>
+                    </a:p>
+                  </a:txBody>
+                  <a:tcPr/>
+                </a:tc>
+                <a:tc>
+                  <a:txBody>
+                    <a:bodyPr/>
+                    <a:lstStyle/>
+                    <a:p>
+                      <a:endParaRPr kumimoji="1" lang="ja-JP" altLang="en-US" sz="800" dirty="0"/>
+                    </a:p>
+                  </a:txBody>
+                  <a:tcPr/>
+                </a:tc>
+                <a:tc>
+                  <a:txBody>
+                    <a:bodyPr/>
+                    <a:lstStyle/>
+                    <a:p>
+                      <a:endParaRPr kumimoji="1" lang="ja-JP" altLang="en-US" sz="800" dirty="0"/>
+                    </a:p>
+                  </a:txBody>
+                  <a:tcPr/>
+                </a:tc>
+                <a:tc>
+                  <a:txBody>
+                    <a:bodyPr/>
+                    <a:lstStyle/>
+                    <a:p>
+                      <a:endParaRPr kumimoji="1" lang="ja-JP" altLang="en-US" sz="800" dirty="0"/>
+                    </a:p>
+                  </a:txBody>
+                  <a:tcPr/>
+                </a:tc>
+                <a:tc>
+                  <a:txBody>
+                    <a:bodyPr/>
+                    <a:lstStyle/>
+                    <a:p>
+                      <a:endParaRPr kumimoji="1" lang="ja-JP" altLang="en-US" sz="800" dirty="0"/>
+                    </a:p>
+                  </a:txBody>
+                  <a:tcPr/>
+                </a:tc>
+                <a:tc>
+                  <a:txBody>
+                    <a:bodyPr/>
+                    <a:lstStyle/>
+                    <a:p>
+                      <a:endParaRPr kumimoji="1" lang="ja-JP" altLang="en-US" sz="800" dirty="0"/>
+                    </a:p>
+                  </a:txBody>
+                  <a:tcPr/>
+                </a:tc>
+                <a:tc>
+                  <a:txBody>
+                    <a:bodyPr/>
+                    <a:lstStyle/>
+                    <a:p>
+                      <a:endParaRPr kumimoji="1" lang="ja-JP" altLang="en-US" sz="800" dirty="0"/>
+                    </a:p>
+                  </a:txBody>
+                  <a:tcPr/>
+                </a:tc>
+                <a:tc>
+                  <a:txBody>
+                    <a:bodyPr/>
+                    <a:lstStyle/>
+                    <a:p>
+                      <a:endParaRPr kumimoji="1" lang="ja-JP" altLang="en-US" sz="800" dirty="0"/>
+                    </a:p>
+                  </a:txBody>
+                  <a:tcPr/>
+                </a:tc>
+                <a:extLst>
+                  <a:ext uri="{0D108BD9-81ED-4DB2-BD59-A6C34878D82A}">
+                    <a16:rowId xmlns:a16="http://schemas.microsoft.com/office/drawing/2014/main" val="442271358"/>
+                  </a:ext>
+                </a:extLst>
+              </a:tr>
+              <a:tr h="458790">
+                <a:tc>
+                  <a:txBody>
+                    <a:bodyPr/>
+                    <a:lstStyle/>
+                    <a:p>
+                      <a:endParaRPr kumimoji="1" lang="ja-JP" altLang="en-US" sz="800"/>
+                    </a:p>
+                  </a:txBody>
+                  <a:tcPr/>
+                </a:tc>
+                <a:tc>
+                  <a:txBody>
+                    <a:bodyPr/>
+                    <a:lstStyle/>
+                    <a:p>
+                      <a:endParaRPr kumimoji="1" lang="ja-JP" altLang="en-US" sz="800"/>
+                    </a:p>
+                  </a:txBody>
+                  <a:tcPr/>
+                </a:tc>
+                <a:tc>
+                  <a:txBody>
+                    <a:bodyPr/>
+                    <a:lstStyle/>
+                    <a:p>
+                      <a:endParaRPr kumimoji="1" lang="ja-JP" altLang="en-US" sz="800"/>
+                    </a:p>
+                  </a:txBody>
+                  <a:tcPr/>
+                </a:tc>
+                <a:tc>
+                  <a:txBody>
+                    <a:bodyPr/>
+                    <a:lstStyle/>
+                    <a:p>
+                      <a:endParaRPr kumimoji="1" lang="ja-JP" altLang="en-US" sz="800"/>
+                    </a:p>
+                  </a:txBody>
+                  <a:tcPr/>
+                </a:tc>
+                <a:tc>
+                  <a:txBody>
+                    <a:bodyPr/>
+                    <a:lstStyle/>
+                    <a:p>
+                      <a:endParaRPr kumimoji="1" lang="ja-JP" altLang="en-US" sz="800"/>
+                    </a:p>
+                  </a:txBody>
+                  <a:tcPr/>
+                </a:tc>
+                <a:tc>
+                  <a:txBody>
+                    <a:bodyPr/>
+                    <a:lstStyle/>
+                    <a:p>
+                      <a:endParaRPr kumimoji="1" lang="ja-JP" altLang="en-US" sz="800"/>
+                    </a:p>
+                  </a:txBody>
+                  <a:tcPr/>
+                </a:tc>
+                <a:tc>
+                  <a:txBody>
+                    <a:bodyPr/>
+                    <a:lstStyle/>
+                    <a:p>
+                      <a:endParaRPr kumimoji="1" lang="ja-JP" altLang="en-US" sz="800"/>
+                    </a:p>
+                  </a:txBody>
+                  <a:tcPr/>
+                </a:tc>
+                <a:tc>
+                  <a:txBody>
+                    <a:bodyPr/>
+                    <a:lstStyle/>
+                    <a:p>
+                      <a:endParaRPr kumimoji="1" lang="ja-JP" altLang="en-US" sz="800"/>
+                    </a:p>
+                  </a:txBody>
+                  <a:tcPr/>
+                </a:tc>
+                <a:tc>
+                  <a:txBody>
+                    <a:bodyPr/>
+                    <a:lstStyle/>
+                    <a:p>
+                      <a:endParaRPr kumimoji="1" lang="ja-JP" altLang="en-US" sz="800"/>
+                    </a:p>
+                  </a:txBody>
+                  <a:tcPr/>
+                </a:tc>
+                <a:tc>
+                  <a:txBody>
+                    <a:bodyPr/>
+                    <a:lstStyle/>
+                    <a:p>
+                      <a:endParaRPr kumimoji="1" lang="ja-JP" altLang="en-US" sz="800" dirty="0"/>
+                    </a:p>
+                  </a:txBody>
+                  <a:tcPr/>
+                </a:tc>
+                <a:tc>
+                  <a:txBody>
+                    <a:bodyPr/>
+                    <a:lstStyle/>
+                    <a:p>
+                      <a:endParaRPr kumimoji="1" lang="ja-JP" altLang="en-US" sz="800" dirty="0"/>
+                    </a:p>
+                  </a:txBody>
+                  <a:tcPr/>
+                </a:tc>
+                <a:tc>
+                  <a:txBody>
+                    <a:bodyPr/>
+                    <a:lstStyle/>
+                    <a:p>
+                      <a:endParaRPr kumimoji="1" lang="ja-JP" altLang="en-US" sz="800" dirty="0"/>
+                    </a:p>
+                  </a:txBody>
+                  <a:tcPr/>
+                </a:tc>
+                <a:tc>
+                  <a:txBody>
+                    <a:bodyPr/>
+                    <a:lstStyle/>
+                    <a:p>
+                      <a:endParaRPr kumimoji="1" lang="ja-JP" altLang="en-US" sz="800" dirty="0"/>
+                    </a:p>
+                  </a:txBody>
+                  <a:tcPr/>
+                </a:tc>
+                <a:tc>
+                  <a:txBody>
+                    <a:bodyPr/>
+                    <a:lstStyle/>
+                    <a:p>
+                      <a:endParaRPr kumimoji="1" lang="ja-JP" altLang="en-US" sz="800" dirty="0"/>
+                    </a:p>
+                  </a:txBody>
+                  <a:tcPr/>
+                </a:tc>
+                <a:tc>
+                  <a:txBody>
+                    <a:bodyPr/>
+                    <a:lstStyle/>
+                    <a:p>
+                      <a:endParaRPr kumimoji="1" lang="ja-JP" altLang="en-US" sz="800" dirty="0"/>
+                    </a:p>
+                  </a:txBody>
+                  <a:tcPr/>
+                </a:tc>
+                <a:tc>
+                  <a:txBody>
+                    <a:bodyPr/>
+                    <a:lstStyle/>
+                    <a:p>
+                      <a:endParaRPr kumimoji="1" lang="ja-JP" altLang="en-US" sz="800" dirty="0"/>
+                    </a:p>
+                  </a:txBody>
+                  <a:tcPr/>
+                </a:tc>
+                <a:tc>
+                  <a:txBody>
+                    <a:bodyPr/>
+                    <a:lstStyle/>
+                    <a:p>
+                      <a:endParaRPr kumimoji="1" lang="ja-JP" altLang="en-US" sz="800" dirty="0"/>
+                    </a:p>
+                  </a:txBody>
+                  <a:tcPr/>
+                </a:tc>
+                <a:tc>
+                  <a:txBody>
+                    <a:bodyPr/>
+                    <a:lstStyle/>
+                    <a:p>
+                      <a:endParaRPr kumimoji="1" lang="ja-JP" altLang="en-US" sz="800" dirty="0"/>
+                    </a:p>
+                  </a:txBody>
+                  <a:tcPr/>
+                </a:tc>
+                <a:extLst>
+                  <a:ext uri="{0D108BD9-81ED-4DB2-BD59-A6C34878D82A}">
+                    <a16:rowId xmlns:a16="http://schemas.microsoft.com/office/drawing/2014/main" val="3475717011"/>
+                  </a:ext>
+                </a:extLst>
+              </a:tr>
+              <a:tr h="458790">
+                <a:tc>
+                  <a:txBody>
+                    <a:bodyPr/>
+                    <a:lstStyle/>
+                    <a:p>
+                      <a:endParaRPr kumimoji="1" lang="ja-JP" altLang="en-US" sz="800"/>
+                    </a:p>
+                  </a:txBody>
+                  <a:tcPr/>
+                </a:tc>
+                <a:tc>
+                  <a:txBody>
+                    <a:bodyPr/>
+                    <a:lstStyle/>
+                    <a:p>
+                      <a:endParaRPr kumimoji="1" lang="ja-JP" altLang="en-US" sz="800"/>
+                    </a:p>
+                  </a:txBody>
+                  <a:tcPr/>
+                </a:tc>
+                <a:tc>
+                  <a:txBody>
+                    <a:bodyPr/>
+                    <a:lstStyle/>
+                    <a:p>
+                      <a:endParaRPr kumimoji="1" lang="ja-JP" altLang="en-US" sz="800"/>
+                    </a:p>
+                  </a:txBody>
+                  <a:tcPr/>
+                </a:tc>
+                <a:tc>
+                  <a:txBody>
+                    <a:bodyPr/>
+                    <a:lstStyle/>
+                    <a:p>
+                      <a:endParaRPr kumimoji="1" lang="ja-JP" altLang="en-US" sz="800"/>
+                    </a:p>
+                  </a:txBody>
+                  <a:tcPr/>
+                </a:tc>
+                <a:tc>
+                  <a:txBody>
+                    <a:bodyPr/>
+                    <a:lstStyle/>
+                    <a:p>
+                      <a:endParaRPr kumimoji="1" lang="ja-JP" altLang="en-US" sz="800"/>
+                    </a:p>
+                  </a:txBody>
+                  <a:tcPr/>
+                </a:tc>
+                <a:tc>
+                  <a:txBody>
+                    <a:bodyPr/>
+                    <a:lstStyle/>
+                    <a:p>
+                      <a:endParaRPr kumimoji="1" lang="ja-JP" altLang="en-US" sz="800"/>
+                    </a:p>
+                  </a:txBody>
+                  <a:tcPr/>
+                </a:tc>
+                <a:tc>
+                  <a:txBody>
+                    <a:bodyPr/>
+                    <a:lstStyle/>
+                    <a:p>
+                      <a:endParaRPr kumimoji="1" lang="ja-JP" altLang="en-US" sz="800"/>
+                    </a:p>
+                  </a:txBody>
+                  <a:tcPr/>
+                </a:tc>
+                <a:tc>
+                  <a:txBody>
+                    <a:bodyPr/>
+                    <a:lstStyle/>
+                    <a:p>
+                      <a:endParaRPr kumimoji="1" lang="ja-JP" altLang="en-US" sz="800"/>
+                    </a:p>
+                  </a:txBody>
+                  <a:tcPr/>
+                </a:tc>
+                <a:tc>
+                  <a:txBody>
+                    <a:bodyPr/>
+                    <a:lstStyle/>
+                    <a:p>
+                      <a:endParaRPr kumimoji="1" lang="ja-JP" altLang="en-US" sz="800"/>
+                    </a:p>
+                  </a:txBody>
+                  <a:tcPr/>
+                </a:tc>
+                <a:tc>
+                  <a:txBody>
+                    <a:bodyPr/>
+                    <a:lstStyle/>
+                    <a:p>
+                      <a:endParaRPr kumimoji="1" lang="ja-JP" altLang="en-US" sz="800" dirty="0"/>
+                    </a:p>
+                  </a:txBody>
+                  <a:tcPr/>
+                </a:tc>
+                <a:tc>
+                  <a:txBody>
+                    <a:bodyPr/>
+                    <a:lstStyle/>
+                    <a:p>
+                      <a:endParaRPr kumimoji="1" lang="ja-JP" altLang="en-US" sz="800" dirty="0"/>
+                    </a:p>
+                  </a:txBody>
+                  <a:tcPr/>
+                </a:tc>
+                <a:tc>
+                  <a:txBody>
+                    <a:bodyPr/>
+                    <a:lstStyle/>
+                    <a:p>
+                      <a:endParaRPr kumimoji="1" lang="ja-JP" altLang="en-US" sz="800" dirty="0"/>
+                    </a:p>
+                  </a:txBody>
+                  <a:tcPr/>
+                </a:tc>
+                <a:tc>
+                  <a:txBody>
+                    <a:bodyPr/>
+                    <a:lstStyle/>
+                    <a:p>
+                      <a:endParaRPr kumimoji="1" lang="ja-JP" altLang="en-US" sz="800" dirty="0"/>
+                    </a:p>
+                  </a:txBody>
+                  <a:tcPr/>
+                </a:tc>
+                <a:tc>
+                  <a:txBody>
+                    <a:bodyPr/>
+                    <a:lstStyle/>
+                    <a:p>
+                      <a:endParaRPr kumimoji="1" lang="ja-JP" altLang="en-US" sz="800" dirty="0"/>
+                    </a:p>
+                  </a:txBody>
+                  <a:tcPr/>
+                </a:tc>
+                <a:tc>
+                  <a:txBody>
+                    <a:bodyPr/>
+                    <a:lstStyle/>
+                    <a:p>
+                      <a:endParaRPr kumimoji="1" lang="ja-JP" altLang="en-US" sz="800" dirty="0"/>
+                    </a:p>
+                  </a:txBody>
+                  <a:tcPr/>
+                </a:tc>
+                <a:tc>
+                  <a:txBody>
+                    <a:bodyPr/>
+                    <a:lstStyle/>
+                    <a:p>
+                      <a:endParaRPr kumimoji="1" lang="ja-JP" altLang="en-US" sz="800" dirty="0"/>
+                    </a:p>
+                  </a:txBody>
+                  <a:tcPr/>
+                </a:tc>
+                <a:tc>
+                  <a:txBody>
+                    <a:bodyPr/>
+                    <a:lstStyle/>
+                    <a:p>
+                      <a:endParaRPr kumimoji="1" lang="ja-JP" altLang="en-US" sz="800" dirty="0"/>
+                    </a:p>
+                  </a:txBody>
+                  <a:tcPr/>
+                </a:tc>
+                <a:tc>
+                  <a:txBody>
+                    <a:bodyPr/>
+                    <a:lstStyle/>
+                    <a:p>
+                      <a:endParaRPr kumimoji="1" lang="ja-JP" altLang="en-US" sz="800" dirty="0"/>
+                    </a:p>
+                  </a:txBody>
+                  <a:tcPr/>
+                </a:tc>
+                <a:extLst>
+                  <a:ext uri="{0D108BD9-81ED-4DB2-BD59-A6C34878D82A}">
+                    <a16:rowId xmlns:a16="http://schemas.microsoft.com/office/drawing/2014/main" val="2472970756"/>
+                  </a:ext>
+                </a:extLst>
+              </a:tr>
+              <a:tr h="458790">
+                <a:tc>
+                  <a:txBody>
+                    <a:bodyPr/>
+                    <a:lstStyle/>
+                    <a:p>
+                      <a:endParaRPr kumimoji="1" lang="ja-JP" altLang="en-US" sz="800"/>
+                    </a:p>
+                  </a:txBody>
+                  <a:tcPr/>
+                </a:tc>
+                <a:tc>
+                  <a:txBody>
+                    <a:bodyPr/>
+                    <a:lstStyle/>
+                    <a:p>
+                      <a:endParaRPr kumimoji="1" lang="ja-JP" altLang="en-US" sz="800"/>
+                    </a:p>
+                  </a:txBody>
+                  <a:tcPr/>
+                </a:tc>
+                <a:tc>
+                  <a:txBody>
+                    <a:bodyPr/>
+                    <a:lstStyle/>
+                    <a:p>
+                      <a:endParaRPr kumimoji="1" lang="ja-JP" altLang="en-US" sz="800"/>
+                    </a:p>
+                  </a:txBody>
+                  <a:tcPr/>
+                </a:tc>
+                <a:tc>
+                  <a:txBody>
+                    <a:bodyPr/>
+                    <a:lstStyle/>
+                    <a:p>
+                      <a:endParaRPr kumimoji="1" lang="ja-JP" altLang="en-US" sz="800"/>
+                    </a:p>
+                  </a:txBody>
+                  <a:tcPr/>
+                </a:tc>
+                <a:tc>
+                  <a:txBody>
+                    <a:bodyPr/>
+                    <a:lstStyle/>
+                    <a:p>
+                      <a:endParaRPr kumimoji="1" lang="ja-JP" altLang="en-US" sz="800"/>
+                    </a:p>
+                  </a:txBody>
+                  <a:tcPr/>
+                </a:tc>
+                <a:tc>
+                  <a:txBody>
+                    <a:bodyPr/>
+                    <a:lstStyle/>
+                    <a:p>
+                      <a:endParaRPr kumimoji="1" lang="ja-JP" altLang="en-US" sz="800"/>
+                    </a:p>
+                  </a:txBody>
+                  <a:tcPr/>
+                </a:tc>
+                <a:tc>
+                  <a:txBody>
+                    <a:bodyPr/>
+                    <a:lstStyle/>
+                    <a:p>
+                      <a:endParaRPr kumimoji="1" lang="ja-JP" altLang="en-US" sz="800"/>
+                    </a:p>
+                  </a:txBody>
+                  <a:tcPr/>
+                </a:tc>
+                <a:tc>
+                  <a:txBody>
+                    <a:bodyPr/>
+                    <a:lstStyle/>
+                    <a:p>
+                      <a:endParaRPr kumimoji="1" lang="ja-JP" altLang="en-US" sz="800"/>
+                    </a:p>
+                  </a:txBody>
+                  <a:tcPr/>
+                </a:tc>
+                <a:tc>
+                  <a:txBody>
+                    <a:bodyPr/>
+                    <a:lstStyle/>
+                    <a:p>
+                      <a:endParaRPr kumimoji="1" lang="ja-JP" altLang="en-US" sz="800"/>
+                    </a:p>
+                  </a:txBody>
+                  <a:tcPr/>
+                </a:tc>
+                <a:tc>
+                  <a:txBody>
+                    <a:bodyPr/>
+                    <a:lstStyle/>
+                    <a:p>
+                      <a:endParaRPr kumimoji="1" lang="ja-JP" altLang="en-US" sz="800" dirty="0"/>
+                    </a:p>
+                  </a:txBody>
+                  <a:tcPr/>
+                </a:tc>
+                <a:tc>
+                  <a:txBody>
+                    <a:bodyPr/>
+                    <a:lstStyle/>
+                    <a:p>
+                      <a:endParaRPr kumimoji="1" lang="ja-JP" altLang="en-US" sz="800" dirty="0"/>
+                    </a:p>
+                  </a:txBody>
+                  <a:tcPr/>
+                </a:tc>
+                <a:tc>
+                  <a:txBody>
+                    <a:bodyPr/>
+                    <a:lstStyle/>
+                    <a:p>
+                      <a:endParaRPr kumimoji="1" lang="ja-JP" altLang="en-US" sz="800" dirty="0"/>
+                    </a:p>
+                  </a:txBody>
+                  <a:tcPr/>
+                </a:tc>
+                <a:tc>
+                  <a:txBody>
+                    <a:bodyPr/>
+                    <a:lstStyle/>
+                    <a:p>
+                      <a:endParaRPr kumimoji="1" lang="ja-JP" altLang="en-US" sz="800" dirty="0"/>
+                    </a:p>
+                  </a:txBody>
+                  <a:tcPr/>
+                </a:tc>
+                <a:tc>
+                  <a:txBody>
+                    <a:bodyPr/>
+                    <a:lstStyle/>
+                    <a:p>
+                      <a:endParaRPr kumimoji="1" lang="ja-JP" altLang="en-US" sz="800" dirty="0"/>
+                    </a:p>
+                  </a:txBody>
+                  <a:tcPr/>
+                </a:tc>
+                <a:tc>
+                  <a:txBody>
+                    <a:bodyPr/>
+                    <a:lstStyle/>
+                    <a:p>
+                      <a:endParaRPr kumimoji="1" lang="ja-JP" altLang="en-US" sz="800" dirty="0"/>
+                    </a:p>
+                  </a:txBody>
+                  <a:tcPr/>
+                </a:tc>
+                <a:tc>
+                  <a:txBody>
+                    <a:bodyPr/>
+                    <a:lstStyle/>
+                    <a:p>
+                      <a:endParaRPr kumimoji="1" lang="ja-JP" altLang="en-US" sz="800" dirty="0"/>
+                    </a:p>
+                  </a:txBody>
+                  <a:tcPr/>
+                </a:tc>
+                <a:tc>
+                  <a:txBody>
+                    <a:bodyPr/>
+                    <a:lstStyle/>
+                    <a:p>
+                      <a:endParaRPr kumimoji="1" lang="ja-JP" altLang="en-US" sz="800" dirty="0"/>
+                    </a:p>
+                  </a:txBody>
+                  <a:tcPr/>
+                </a:tc>
+                <a:tc>
+                  <a:txBody>
+                    <a:bodyPr/>
+                    <a:lstStyle/>
+                    <a:p>
+                      <a:endParaRPr kumimoji="1" lang="ja-JP" altLang="en-US" sz="800" dirty="0"/>
+                    </a:p>
+                  </a:txBody>
+                  <a:tcPr/>
+                </a:tc>
+                <a:extLst>
+                  <a:ext uri="{0D108BD9-81ED-4DB2-BD59-A6C34878D82A}">
+                    <a16:rowId xmlns:a16="http://schemas.microsoft.com/office/drawing/2014/main" val="788075729"/>
+                  </a:ext>
+                </a:extLst>
+              </a:tr>
+              <a:tr h="458790">
+                <a:tc>
+                  <a:txBody>
+                    <a:bodyPr/>
+                    <a:lstStyle/>
+                    <a:p>
+                      <a:endParaRPr kumimoji="1" lang="ja-JP" altLang="en-US" sz="800"/>
+                    </a:p>
+                  </a:txBody>
+                  <a:tcPr/>
+                </a:tc>
+                <a:tc>
+                  <a:txBody>
+                    <a:bodyPr/>
+                    <a:lstStyle/>
+                    <a:p>
+                      <a:endParaRPr kumimoji="1" lang="ja-JP" altLang="en-US" sz="800"/>
+                    </a:p>
+                  </a:txBody>
+                  <a:tcPr/>
+                </a:tc>
+                <a:tc>
+                  <a:txBody>
+                    <a:bodyPr/>
+                    <a:lstStyle/>
+                    <a:p>
+                      <a:endParaRPr kumimoji="1" lang="ja-JP" altLang="en-US" sz="800"/>
+                    </a:p>
+                  </a:txBody>
+                  <a:tcPr/>
+                </a:tc>
+                <a:tc>
+                  <a:txBody>
+                    <a:bodyPr/>
+                    <a:lstStyle/>
+                    <a:p>
+                      <a:endParaRPr kumimoji="1" lang="ja-JP" altLang="en-US" sz="800"/>
+                    </a:p>
+                  </a:txBody>
+                  <a:tcPr/>
+                </a:tc>
+                <a:tc>
+                  <a:txBody>
+                    <a:bodyPr/>
+                    <a:lstStyle/>
+                    <a:p>
+                      <a:endParaRPr kumimoji="1" lang="ja-JP" altLang="en-US" sz="800"/>
+                    </a:p>
+                  </a:txBody>
+                  <a:tcPr/>
+                </a:tc>
+                <a:tc>
+                  <a:txBody>
+                    <a:bodyPr/>
+                    <a:lstStyle/>
+                    <a:p>
+                      <a:endParaRPr kumimoji="1" lang="ja-JP" altLang="en-US" sz="800"/>
+                    </a:p>
+                  </a:txBody>
+                  <a:tcPr/>
+                </a:tc>
+                <a:tc>
+                  <a:txBody>
+                    <a:bodyPr/>
+                    <a:lstStyle/>
+                    <a:p>
+                      <a:endParaRPr kumimoji="1" lang="ja-JP" altLang="en-US" sz="800"/>
+                    </a:p>
+                  </a:txBody>
+                  <a:tcPr/>
+                </a:tc>
+                <a:tc>
+                  <a:txBody>
+                    <a:bodyPr/>
+                    <a:lstStyle/>
+                    <a:p>
+                      <a:endParaRPr kumimoji="1" lang="ja-JP" altLang="en-US" sz="800"/>
+                    </a:p>
+                  </a:txBody>
+                  <a:tcPr/>
+                </a:tc>
+                <a:tc>
+                  <a:txBody>
+                    <a:bodyPr/>
+                    <a:lstStyle/>
+                    <a:p>
+                      <a:endParaRPr kumimoji="1" lang="ja-JP" altLang="en-US" sz="800"/>
+                    </a:p>
+                  </a:txBody>
+                  <a:tcPr/>
+                </a:tc>
+                <a:tc>
+                  <a:txBody>
+                    <a:bodyPr/>
+                    <a:lstStyle/>
+                    <a:p>
+                      <a:endParaRPr kumimoji="1" lang="ja-JP" altLang="en-US" sz="800" dirty="0"/>
+                    </a:p>
+                  </a:txBody>
+                  <a:tcPr/>
+                </a:tc>
+                <a:tc>
+                  <a:txBody>
+                    <a:bodyPr/>
+                    <a:lstStyle/>
+                    <a:p>
+                      <a:endParaRPr kumimoji="1" lang="ja-JP" altLang="en-US" sz="800" dirty="0"/>
+                    </a:p>
+                  </a:txBody>
+                  <a:tcPr/>
+                </a:tc>
+                <a:tc>
+                  <a:txBody>
+                    <a:bodyPr/>
+                    <a:lstStyle/>
+                    <a:p>
+                      <a:endParaRPr kumimoji="1" lang="ja-JP" altLang="en-US" sz="800" dirty="0"/>
+                    </a:p>
+                  </a:txBody>
+                  <a:tcPr/>
+                </a:tc>
+                <a:tc>
+                  <a:txBody>
+                    <a:bodyPr/>
+                    <a:lstStyle/>
+                    <a:p>
+                      <a:endParaRPr kumimoji="1" lang="ja-JP" altLang="en-US" sz="800" dirty="0"/>
+                    </a:p>
+                  </a:txBody>
+                  <a:tcPr/>
+                </a:tc>
+                <a:tc>
+                  <a:txBody>
+                    <a:bodyPr/>
+                    <a:lstStyle/>
+                    <a:p>
+                      <a:endParaRPr kumimoji="1" lang="ja-JP" altLang="en-US" sz="800" dirty="0"/>
+                    </a:p>
+                  </a:txBody>
+                  <a:tcPr/>
+                </a:tc>
+                <a:tc>
+                  <a:txBody>
+                    <a:bodyPr/>
+                    <a:lstStyle/>
+                    <a:p>
+                      <a:endParaRPr kumimoji="1" lang="ja-JP" altLang="en-US" sz="800" dirty="0"/>
+                    </a:p>
+                  </a:txBody>
+                  <a:tcPr/>
+                </a:tc>
+                <a:tc>
+                  <a:txBody>
+                    <a:bodyPr/>
+                    <a:lstStyle/>
+                    <a:p>
+                      <a:endParaRPr kumimoji="1" lang="ja-JP" altLang="en-US" sz="800" dirty="0"/>
+                    </a:p>
+                  </a:txBody>
+                  <a:tcPr/>
+                </a:tc>
+                <a:tc>
+                  <a:txBody>
+                    <a:bodyPr/>
+                    <a:lstStyle/>
+                    <a:p>
+                      <a:endParaRPr kumimoji="1" lang="ja-JP" altLang="en-US" sz="800" dirty="0"/>
+                    </a:p>
+                  </a:txBody>
+                  <a:tcPr/>
+                </a:tc>
+                <a:tc>
+                  <a:txBody>
+                    <a:bodyPr/>
+                    <a:lstStyle/>
+                    <a:p>
+                      <a:endParaRPr kumimoji="1" lang="ja-JP" altLang="en-US" sz="800" dirty="0"/>
+                    </a:p>
+                  </a:txBody>
+                  <a:tcPr/>
+                </a:tc>
+                <a:extLst>
+                  <a:ext uri="{0D108BD9-81ED-4DB2-BD59-A6C34878D82A}">
+                    <a16:rowId xmlns:a16="http://schemas.microsoft.com/office/drawing/2014/main" val="2649154550"/>
+                  </a:ext>
+                </a:extLst>
+              </a:tr>
+            </a:tbl>
+          </a:graphicData>
+        </a:graphic>
+      </p:graphicFrame>
+      <p:cxnSp>
+        <p:nvCxnSpPr>
+          <p:cNvPr id="9" name="直線コネクタ 8">
+            <a:extLst>
+              <a:ext uri="{FF2B5EF4-FFF2-40B4-BE49-F238E27FC236}">
+                <a16:creationId xmlns:a16="http://schemas.microsoft.com/office/drawing/2014/main" id="{2971B035-466A-4896-985E-6D97D4B133B3}"/>
+              </a:ext>
+            </a:extLst>
+          </p:cNvPr>
+          <p:cNvCxnSpPr>
+            <a:cxnSpLocks/>
+          </p:cNvCxnSpPr>
+          <p:nvPr/>
+        </p:nvCxnSpPr>
+        <p:spPr>
+          <a:xfrm>
+            <a:off x="1535576" y="733432"/>
+            <a:ext cx="0" cy="4124318"/>
+          </a:xfrm>
+          <a:prstGeom prst="line">
+            <a:avLst/>
+          </a:prstGeom>
+          <a:ln w="15875">
+            <a:solidFill>
+              <a:schemeClr val="tx1"/>
+            </a:solidFill>
+          </a:ln>
+        </p:spPr>
+        <p:style>
+          <a:lnRef idx="1">
+            <a:schemeClr val="accent1"/>
+          </a:lnRef>
+          <a:fillRef idx="0">
+            <a:schemeClr val="accent1"/>
+          </a:fillRef>
+          <a:effectRef idx="0">
+            <a:schemeClr val="accent1"/>
+          </a:effectRef>
+          <a:fontRef idx="minor">
+            <a:schemeClr val="tx1"/>
+          </a:fontRef>
+        </p:style>
+      </p:cxnSp>
+      <p:cxnSp>
+        <p:nvCxnSpPr>
+          <p:cNvPr id="11" name="直線コネクタ 10">
+            <a:extLst>
+              <a:ext uri="{FF2B5EF4-FFF2-40B4-BE49-F238E27FC236}">
+                <a16:creationId xmlns:a16="http://schemas.microsoft.com/office/drawing/2014/main" id="{B5C291FE-B13E-4188-9860-98A85059B826}"/>
+              </a:ext>
+            </a:extLst>
+          </p:cNvPr>
+          <p:cNvCxnSpPr>
+            <a:cxnSpLocks/>
+          </p:cNvCxnSpPr>
+          <p:nvPr/>
+        </p:nvCxnSpPr>
+        <p:spPr>
+          <a:xfrm>
+            <a:off x="1530813" y="734511"/>
+            <a:ext cx="7098459" cy="0"/>
+          </a:xfrm>
+          <a:prstGeom prst="line">
+            <a:avLst/>
+          </a:prstGeom>
+          <a:ln w="15875">
+            <a:solidFill>
+              <a:schemeClr val="tx1"/>
+            </a:solidFill>
+          </a:ln>
+        </p:spPr>
+        <p:style>
+          <a:lnRef idx="1">
+            <a:schemeClr val="accent1"/>
+          </a:lnRef>
+          <a:fillRef idx="0">
+            <a:schemeClr val="accent1"/>
+          </a:fillRef>
+          <a:effectRef idx="0">
+            <a:schemeClr val="accent1"/>
+          </a:effectRef>
+          <a:fontRef idx="minor">
+            <a:schemeClr val="tx1"/>
+          </a:fontRef>
+        </p:style>
+      </p:cxnSp>
+      <p:sp>
+        <p:nvSpPr>
+          <p:cNvPr id="4" name="楕円 3">
+            <a:extLst>
+              <a:ext uri="{FF2B5EF4-FFF2-40B4-BE49-F238E27FC236}">
+                <a16:creationId xmlns:a16="http://schemas.microsoft.com/office/drawing/2014/main" id="{F11A78CE-6173-4277-9143-68E92B8415A6}"/>
+              </a:ext>
+            </a:extLst>
+          </p:cNvPr>
+          <p:cNvSpPr/>
+          <p:nvPr/>
+        </p:nvSpPr>
+        <p:spPr>
+          <a:xfrm>
+            <a:off x="4606709" y="1985897"/>
+            <a:ext cx="180000" cy="180000"/>
+          </a:xfrm>
+          <a:prstGeom prst="ellipse">
+            <a:avLst/>
+          </a:prstGeom>
+        </p:spPr>
+        <p:style>
+          <a:lnRef idx="2">
+            <a:schemeClr val="accent1">
+              <a:shade val="50000"/>
+            </a:schemeClr>
+          </a:lnRef>
+          <a:fillRef idx="1">
+            <a:schemeClr val="accent1"/>
+          </a:fillRef>
+          <a:effectRef idx="0">
+            <a:schemeClr val="accent1"/>
+          </a:effectRef>
+          <a:fontRef idx="minor">
+            <a:schemeClr val="lt1"/>
+          </a:fontRef>
+        </p:style>
+        <p:txBody>
+          <a:bodyPr rtlCol="0" anchor="ctr"/>
+          <a:lstStyle/>
+          <a:p>
+            <a:pPr algn="ctr"/>
+            <a:endParaRPr kumimoji="1" lang="ja-JP" altLang="en-US"/>
+          </a:p>
+        </p:txBody>
+      </p:sp>
+      <p:sp>
+        <p:nvSpPr>
+          <p:cNvPr id="6" name="楕円 5">
+            <a:extLst>
+              <a:ext uri="{FF2B5EF4-FFF2-40B4-BE49-F238E27FC236}">
+                <a16:creationId xmlns:a16="http://schemas.microsoft.com/office/drawing/2014/main" id="{54548464-B0F1-4C24-A619-1EC1FB3B5F38}"/>
+              </a:ext>
+            </a:extLst>
+          </p:cNvPr>
+          <p:cNvSpPr/>
+          <p:nvPr/>
+        </p:nvSpPr>
+        <p:spPr>
+          <a:xfrm>
+            <a:off x="4617536" y="2447530"/>
+            <a:ext cx="180000" cy="180000"/>
+          </a:xfrm>
+          <a:prstGeom prst="ellipse">
+            <a:avLst/>
+          </a:prstGeom>
+        </p:spPr>
+        <p:style>
+          <a:lnRef idx="2">
+            <a:schemeClr val="accent1">
+              <a:shade val="50000"/>
+            </a:schemeClr>
+          </a:lnRef>
+          <a:fillRef idx="1">
+            <a:schemeClr val="accent1"/>
+          </a:fillRef>
+          <a:effectRef idx="0">
+            <a:schemeClr val="accent1"/>
+          </a:effectRef>
+          <a:fontRef idx="minor">
+            <a:schemeClr val="lt1"/>
+          </a:fontRef>
+        </p:style>
+        <p:txBody>
+          <a:bodyPr rtlCol="0" anchor="ctr"/>
+          <a:lstStyle/>
+          <a:p>
+            <a:pPr algn="ctr"/>
+            <a:endParaRPr kumimoji="1" lang="ja-JP" altLang="en-US"/>
+          </a:p>
+        </p:txBody>
+      </p:sp>
+      <p:sp>
+        <p:nvSpPr>
+          <p:cNvPr id="15" name="楕円 14">
+            <a:extLst>
+              <a:ext uri="{FF2B5EF4-FFF2-40B4-BE49-F238E27FC236}">
+                <a16:creationId xmlns:a16="http://schemas.microsoft.com/office/drawing/2014/main" id="{D9BC0945-3532-4397-9DC1-264E701F7262}"/>
+              </a:ext>
+            </a:extLst>
+          </p:cNvPr>
+          <p:cNvSpPr/>
+          <p:nvPr/>
+        </p:nvSpPr>
+        <p:spPr>
+          <a:xfrm>
+            <a:off x="5133730" y="3376418"/>
+            <a:ext cx="180000" cy="180000"/>
+          </a:xfrm>
+          <a:prstGeom prst="ellipse">
+            <a:avLst/>
+          </a:prstGeom>
+        </p:spPr>
+        <p:style>
+          <a:lnRef idx="2">
+            <a:schemeClr val="accent1">
+              <a:shade val="50000"/>
+            </a:schemeClr>
+          </a:lnRef>
+          <a:fillRef idx="1">
+            <a:schemeClr val="accent1"/>
+          </a:fillRef>
+          <a:effectRef idx="0">
+            <a:schemeClr val="accent1"/>
+          </a:effectRef>
+          <a:fontRef idx="minor">
+            <a:schemeClr val="lt1"/>
+          </a:fontRef>
+        </p:style>
+        <p:txBody>
+          <a:bodyPr rtlCol="0" anchor="ctr"/>
+          <a:lstStyle/>
+          <a:p>
+            <a:pPr algn="ctr"/>
+            <a:endParaRPr kumimoji="1" lang="ja-JP" altLang="en-US"/>
+          </a:p>
+        </p:txBody>
+      </p:sp>
+      <p:sp>
+        <p:nvSpPr>
+          <p:cNvPr id="16" name="楕円 15">
+            <a:extLst>
+              <a:ext uri="{FF2B5EF4-FFF2-40B4-BE49-F238E27FC236}">
+                <a16:creationId xmlns:a16="http://schemas.microsoft.com/office/drawing/2014/main" id="{F9673B51-EBB5-4EE2-9521-313B55C18EF3}"/>
+              </a:ext>
+            </a:extLst>
+          </p:cNvPr>
+          <p:cNvSpPr/>
+          <p:nvPr/>
+        </p:nvSpPr>
+        <p:spPr>
+          <a:xfrm>
+            <a:off x="5133730" y="3838051"/>
+            <a:ext cx="180000" cy="180000"/>
+          </a:xfrm>
+          <a:prstGeom prst="ellipse">
+            <a:avLst/>
+          </a:prstGeom>
+        </p:spPr>
+        <p:style>
+          <a:lnRef idx="2">
+            <a:schemeClr val="accent1">
+              <a:shade val="50000"/>
+            </a:schemeClr>
+          </a:lnRef>
+          <a:fillRef idx="1">
+            <a:schemeClr val="accent1"/>
+          </a:fillRef>
+          <a:effectRef idx="0">
+            <a:schemeClr val="accent1"/>
+          </a:effectRef>
+          <a:fontRef idx="minor">
+            <a:schemeClr val="lt1"/>
+          </a:fontRef>
+        </p:style>
+        <p:txBody>
+          <a:bodyPr rtlCol="0" anchor="ctr"/>
+          <a:lstStyle/>
+          <a:p>
+            <a:pPr algn="ctr"/>
+            <a:endParaRPr kumimoji="1" lang="ja-JP" altLang="en-US"/>
+          </a:p>
+        </p:txBody>
+      </p:sp>
+      <p:sp>
+        <p:nvSpPr>
+          <p:cNvPr id="17" name="楕円 16">
+            <a:extLst>
+              <a:ext uri="{FF2B5EF4-FFF2-40B4-BE49-F238E27FC236}">
+                <a16:creationId xmlns:a16="http://schemas.microsoft.com/office/drawing/2014/main" id="{2F3A411B-BF67-4919-B1B8-3748CCE6ADB0}"/>
+              </a:ext>
+            </a:extLst>
+          </p:cNvPr>
+          <p:cNvSpPr/>
+          <p:nvPr/>
+        </p:nvSpPr>
+        <p:spPr>
+          <a:xfrm>
+            <a:off x="3559969" y="1100627"/>
+            <a:ext cx="180000" cy="180000"/>
+          </a:xfrm>
+          <a:prstGeom prst="ellipse">
+            <a:avLst/>
+          </a:prstGeom>
+          <a:solidFill>
+            <a:schemeClr val="accent2">
+              <a:lumMod val="60000"/>
+              <a:lumOff val="40000"/>
+            </a:schemeClr>
+          </a:solidFill>
+        </p:spPr>
+        <p:style>
+          <a:lnRef idx="2">
+            <a:schemeClr val="accent1">
+              <a:shade val="50000"/>
+            </a:schemeClr>
+          </a:lnRef>
+          <a:fillRef idx="1">
+            <a:schemeClr val="accent1"/>
+          </a:fillRef>
+          <a:effectRef idx="0">
+            <a:schemeClr val="accent1"/>
+          </a:effectRef>
+          <a:fontRef idx="minor">
+            <a:schemeClr val="lt1"/>
+          </a:fontRef>
+        </p:style>
+        <p:txBody>
+          <a:bodyPr rtlCol="0" anchor="ctr"/>
+          <a:lstStyle/>
+          <a:p>
+            <a:pPr algn="ctr"/>
+            <a:endParaRPr kumimoji="1" lang="ja-JP" altLang="en-US"/>
+          </a:p>
+        </p:txBody>
+      </p:sp>
+      <p:sp>
+        <p:nvSpPr>
+          <p:cNvPr id="18" name="楕円 17">
+            <a:extLst>
+              <a:ext uri="{FF2B5EF4-FFF2-40B4-BE49-F238E27FC236}">
+                <a16:creationId xmlns:a16="http://schemas.microsoft.com/office/drawing/2014/main" id="{72808DE2-9454-4B1C-98DE-26D74058BDE6}"/>
+              </a:ext>
+            </a:extLst>
+          </p:cNvPr>
+          <p:cNvSpPr/>
+          <p:nvPr/>
+        </p:nvSpPr>
+        <p:spPr>
+          <a:xfrm>
+            <a:off x="3559969" y="1553465"/>
+            <a:ext cx="180000" cy="180000"/>
+          </a:xfrm>
+          <a:prstGeom prst="ellipse">
+            <a:avLst/>
+          </a:prstGeom>
+          <a:solidFill>
+            <a:schemeClr val="accent2">
+              <a:lumMod val="60000"/>
+              <a:lumOff val="40000"/>
+            </a:schemeClr>
+          </a:solidFill>
+        </p:spPr>
+        <p:style>
+          <a:lnRef idx="2">
+            <a:schemeClr val="accent1">
+              <a:shade val="50000"/>
+            </a:schemeClr>
+          </a:lnRef>
+          <a:fillRef idx="1">
+            <a:schemeClr val="accent1"/>
+          </a:fillRef>
+          <a:effectRef idx="0">
+            <a:schemeClr val="accent1"/>
+          </a:effectRef>
+          <a:fontRef idx="minor">
+            <a:schemeClr val="lt1"/>
+          </a:fontRef>
+        </p:style>
+        <p:txBody>
+          <a:bodyPr rtlCol="0" anchor="ctr"/>
+          <a:lstStyle/>
+          <a:p>
+            <a:pPr algn="ctr"/>
+            <a:endParaRPr kumimoji="1" lang="ja-JP" altLang="en-US"/>
+          </a:p>
+        </p:txBody>
+      </p:sp>
+      <p:sp>
+        <p:nvSpPr>
+          <p:cNvPr id="19" name="楕円 18">
+            <a:extLst>
+              <a:ext uri="{FF2B5EF4-FFF2-40B4-BE49-F238E27FC236}">
+                <a16:creationId xmlns:a16="http://schemas.microsoft.com/office/drawing/2014/main" id="{77B133B1-5D83-4674-BEF9-10F53972CEAF}"/>
+              </a:ext>
+            </a:extLst>
+          </p:cNvPr>
+          <p:cNvSpPr/>
+          <p:nvPr/>
+        </p:nvSpPr>
+        <p:spPr>
+          <a:xfrm>
+            <a:off x="3559969" y="2030629"/>
+            <a:ext cx="180000" cy="180000"/>
+          </a:xfrm>
+          <a:prstGeom prst="ellipse">
+            <a:avLst/>
+          </a:prstGeom>
+          <a:solidFill>
+            <a:schemeClr val="accent2">
+              <a:lumMod val="60000"/>
+              <a:lumOff val="40000"/>
+            </a:schemeClr>
+          </a:solidFill>
+        </p:spPr>
+        <p:style>
+          <a:lnRef idx="2">
+            <a:schemeClr val="accent1">
+              <a:shade val="50000"/>
+            </a:schemeClr>
+          </a:lnRef>
+          <a:fillRef idx="1">
+            <a:schemeClr val="accent1"/>
+          </a:fillRef>
+          <a:effectRef idx="0">
+            <a:schemeClr val="accent1"/>
+          </a:effectRef>
+          <a:fontRef idx="minor">
+            <a:schemeClr val="lt1"/>
+          </a:fontRef>
+        </p:style>
+        <p:txBody>
+          <a:bodyPr rtlCol="0" anchor="ctr"/>
+          <a:lstStyle/>
+          <a:p>
+            <a:pPr algn="ctr"/>
+            <a:endParaRPr kumimoji="1" lang="ja-JP" altLang="en-US"/>
+          </a:p>
+        </p:txBody>
+      </p:sp>
+      <p:sp>
+        <p:nvSpPr>
+          <p:cNvPr id="20" name="楕円 19">
+            <a:extLst>
+              <a:ext uri="{FF2B5EF4-FFF2-40B4-BE49-F238E27FC236}">
+                <a16:creationId xmlns:a16="http://schemas.microsoft.com/office/drawing/2014/main" id="{D1D726DA-48C9-460A-A357-67430F2D33D6}"/>
+              </a:ext>
+            </a:extLst>
+          </p:cNvPr>
+          <p:cNvSpPr/>
+          <p:nvPr/>
+        </p:nvSpPr>
+        <p:spPr>
+          <a:xfrm>
+            <a:off x="3559969" y="2466772"/>
+            <a:ext cx="180000" cy="180000"/>
+          </a:xfrm>
+          <a:prstGeom prst="ellipse">
+            <a:avLst/>
+          </a:prstGeom>
+          <a:solidFill>
+            <a:schemeClr val="accent2">
+              <a:lumMod val="60000"/>
+              <a:lumOff val="40000"/>
+            </a:schemeClr>
+          </a:solidFill>
+        </p:spPr>
+        <p:style>
+          <a:lnRef idx="2">
+            <a:schemeClr val="accent1">
+              <a:shade val="50000"/>
+            </a:schemeClr>
+          </a:lnRef>
+          <a:fillRef idx="1">
+            <a:schemeClr val="accent1"/>
+          </a:fillRef>
+          <a:effectRef idx="0">
+            <a:schemeClr val="accent1"/>
+          </a:effectRef>
+          <a:fontRef idx="minor">
+            <a:schemeClr val="lt1"/>
+          </a:fontRef>
+        </p:style>
+        <p:txBody>
+          <a:bodyPr rtlCol="0" anchor="ctr"/>
+          <a:lstStyle/>
+          <a:p>
+            <a:pPr algn="ctr"/>
+            <a:endParaRPr kumimoji="1" lang="ja-JP" altLang="en-US"/>
+          </a:p>
+        </p:txBody>
+      </p:sp>
+      <p:sp>
+        <p:nvSpPr>
+          <p:cNvPr id="21" name="楕円 20">
+            <a:extLst>
+              <a:ext uri="{FF2B5EF4-FFF2-40B4-BE49-F238E27FC236}">
+                <a16:creationId xmlns:a16="http://schemas.microsoft.com/office/drawing/2014/main" id="{79678D53-80E6-47D2-BBAC-7B70AE306176}"/>
+              </a:ext>
+            </a:extLst>
+          </p:cNvPr>
+          <p:cNvSpPr/>
+          <p:nvPr/>
+        </p:nvSpPr>
+        <p:spPr>
+          <a:xfrm>
+            <a:off x="4076163" y="3407078"/>
+            <a:ext cx="180000" cy="180000"/>
+          </a:xfrm>
+          <a:prstGeom prst="ellipse">
+            <a:avLst/>
+          </a:prstGeom>
+          <a:solidFill>
+            <a:schemeClr val="accent2">
+              <a:lumMod val="60000"/>
+              <a:lumOff val="40000"/>
+            </a:schemeClr>
+          </a:solidFill>
+        </p:spPr>
+        <p:style>
+          <a:lnRef idx="2">
+            <a:schemeClr val="accent1">
+              <a:shade val="50000"/>
+            </a:schemeClr>
+          </a:lnRef>
+          <a:fillRef idx="1">
+            <a:schemeClr val="accent1"/>
+          </a:fillRef>
+          <a:effectRef idx="0">
+            <a:schemeClr val="accent1"/>
+          </a:effectRef>
+          <a:fontRef idx="minor">
+            <a:schemeClr val="lt1"/>
+          </a:fontRef>
+        </p:style>
+        <p:txBody>
+          <a:bodyPr rtlCol="0" anchor="ctr"/>
+          <a:lstStyle/>
+          <a:p>
+            <a:pPr algn="ctr"/>
+            <a:endParaRPr kumimoji="1" lang="ja-JP" altLang="en-US"/>
+          </a:p>
+        </p:txBody>
+      </p:sp>
+      <p:sp>
+        <p:nvSpPr>
+          <p:cNvPr id="22" name="楕円 21">
+            <a:extLst>
+              <a:ext uri="{FF2B5EF4-FFF2-40B4-BE49-F238E27FC236}">
+                <a16:creationId xmlns:a16="http://schemas.microsoft.com/office/drawing/2014/main" id="{F6151539-9B88-48F0-AE8B-B1B7ADAA03A6}"/>
+              </a:ext>
+            </a:extLst>
+          </p:cNvPr>
+          <p:cNvSpPr/>
+          <p:nvPr/>
+        </p:nvSpPr>
+        <p:spPr>
+          <a:xfrm>
+            <a:off x="4076163" y="3823038"/>
+            <a:ext cx="180000" cy="180000"/>
+          </a:xfrm>
+          <a:prstGeom prst="ellipse">
+            <a:avLst/>
+          </a:prstGeom>
+          <a:solidFill>
+            <a:schemeClr val="accent2">
+              <a:lumMod val="60000"/>
+              <a:lumOff val="40000"/>
+            </a:schemeClr>
+          </a:solidFill>
+        </p:spPr>
+        <p:style>
+          <a:lnRef idx="2">
+            <a:schemeClr val="accent1">
+              <a:shade val="50000"/>
+            </a:schemeClr>
+          </a:lnRef>
+          <a:fillRef idx="1">
+            <a:schemeClr val="accent1"/>
+          </a:fillRef>
+          <a:effectRef idx="0">
+            <a:schemeClr val="accent1"/>
+          </a:effectRef>
+          <a:fontRef idx="minor">
+            <a:schemeClr val="lt1"/>
+          </a:fontRef>
+        </p:style>
+        <p:txBody>
+          <a:bodyPr rtlCol="0" anchor="ctr"/>
+          <a:lstStyle/>
+          <a:p>
+            <a:pPr algn="ctr"/>
+            <a:endParaRPr kumimoji="1" lang="ja-JP" altLang="en-US"/>
+          </a:p>
+        </p:txBody>
+      </p:sp>
+      <p:sp>
+        <p:nvSpPr>
+          <p:cNvPr id="23" name="楕円 22">
+            <a:extLst>
+              <a:ext uri="{FF2B5EF4-FFF2-40B4-BE49-F238E27FC236}">
+                <a16:creationId xmlns:a16="http://schemas.microsoft.com/office/drawing/2014/main" id="{FA5736CE-F465-4097-BCD9-056FA97B254B}"/>
+              </a:ext>
+            </a:extLst>
+          </p:cNvPr>
+          <p:cNvSpPr/>
+          <p:nvPr/>
+        </p:nvSpPr>
+        <p:spPr>
+          <a:xfrm>
+            <a:off x="4076163" y="4280341"/>
+            <a:ext cx="180000" cy="180000"/>
+          </a:xfrm>
+          <a:prstGeom prst="ellipse">
+            <a:avLst/>
+          </a:prstGeom>
+          <a:solidFill>
+            <a:schemeClr val="accent2">
+              <a:lumMod val="60000"/>
+              <a:lumOff val="40000"/>
+            </a:schemeClr>
+          </a:solidFill>
+        </p:spPr>
+        <p:style>
+          <a:lnRef idx="2">
+            <a:schemeClr val="accent1">
+              <a:shade val="50000"/>
+            </a:schemeClr>
+          </a:lnRef>
+          <a:fillRef idx="1">
+            <a:schemeClr val="accent1"/>
+          </a:fillRef>
+          <a:effectRef idx="0">
+            <a:schemeClr val="accent1"/>
+          </a:effectRef>
+          <a:fontRef idx="minor">
+            <a:schemeClr val="lt1"/>
+          </a:fontRef>
+        </p:style>
+        <p:txBody>
+          <a:bodyPr rtlCol="0" anchor="ctr"/>
+          <a:lstStyle/>
+          <a:p>
+            <a:pPr algn="ctr"/>
+            <a:endParaRPr kumimoji="1" lang="ja-JP" altLang="en-US"/>
+          </a:p>
+        </p:txBody>
+      </p:sp>
+      <p:sp>
+        <p:nvSpPr>
+          <p:cNvPr id="24" name="楕円 23">
+            <a:extLst>
+              <a:ext uri="{FF2B5EF4-FFF2-40B4-BE49-F238E27FC236}">
+                <a16:creationId xmlns:a16="http://schemas.microsoft.com/office/drawing/2014/main" id="{193CE391-2D10-4764-8016-17BF44485FCB}"/>
+              </a:ext>
+            </a:extLst>
+          </p:cNvPr>
+          <p:cNvSpPr/>
+          <p:nvPr/>
+        </p:nvSpPr>
+        <p:spPr>
+          <a:xfrm>
+            <a:off x="4076163" y="4767750"/>
+            <a:ext cx="180000" cy="180000"/>
+          </a:xfrm>
+          <a:prstGeom prst="ellipse">
+            <a:avLst/>
+          </a:prstGeom>
+          <a:solidFill>
+            <a:schemeClr val="accent2">
+              <a:lumMod val="60000"/>
+              <a:lumOff val="40000"/>
+            </a:schemeClr>
+          </a:solidFill>
+        </p:spPr>
+        <p:style>
+          <a:lnRef idx="2">
+            <a:schemeClr val="accent1">
+              <a:shade val="50000"/>
+            </a:schemeClr>
+          </a:lnRef>
+          <a:fillRef idx="1">
+            <a:schemeClr val="accent1"/>
+          </a:fillRef>
+          <a:effectRef idx="0">
+            <a:schemeClr val="accent1"/>
+          </a:effectRef>
+          <a:fontRef idx="minor">
+            <a:schemeClr val="lt1"/>
+          </a:fontRef>
+        </p:style>
+        <p:txBody>
+          <a:bodyPr rtlCol="0" anchor="ctr"/>
+          <a:lstStyle/>
+          <a:p>
+            <a:pPr algn="ctr"/>
+            <a:endParaRPr kumimoji="1" lang="ja-JP" altLang="en-US"/>
+          </a:p>
+        </p:txBody>
+      </p:sp>
+      <p:sp>
+        <p:nvSpPr>
+          <p:cNvPr id="26" name="楕円 25">
+            <a:extLst>
+              <a:ext uri="{FF2B5EF4-FFF2-40B4-BE49-F238E27FC236}">
+                <a16:creationId xmlns:a16="http://schemas.microsoft.com/office/drawing/2014/main" id="{892C091E-5984-4A96-86EA-73AF325368A1}"/>
+              </a:ext>
+            </a:extLst>
+          </p:cNvPr>
+          <p:cNvSpPr/>
+          <p:nvPr/>
+        </p:nvSpPr>
+        <p:spPr>
+          <a:xfrm>
+            <a:off x="5662976" y="2013381"/>
+            <a:ext cx="180000" cy="180000"/>
+          </a:xfrm>
+          <a:prstGeom prst="ellipse">
+            <a:avLst/>
+          </a:prstGeom>
+          <a:solidFill>
+            <a:schemeClr val="accent4">
+              <a:lumMod val="60000"/>
+              <a:lumOff val="40000"/>
+            </a:schemeClr>
+          </a:solidFill>
+        </p:spPr>
+        <p:style>
+          <a:lnRef idx="2">
+            <a:schemeClr val="accent1">
+              <a:shade val="50000"/>
+            </a:schemeClr>
+          </a:lnRef>
+          <a:fillRef idx="1">
+            <a:schemeClr val="accent1"/>
+          </a:fillRef>
+          <a:effectRef idx="0">
+            <a:schemeClr val="accent1"/>
+          </a:effectRef>
+          <a:fontRef idx="minor">
+            <a:schemeClr val="lt1"/>
+          </a:fontRef>
+        </p:style>
+        <p:txBody>
+          <a:bodyPr rtlCol="0" anchor="ctr"/>
+          <a:lstStyle/>
+          <a:p>
+            <a:pPr algn="ctr"/>
+            <a:endParaRPr kumimoji="1" lang="ja-JP" altLang="en-US"/>
+          </a:p>
+        </p:txBody>
+      </p:sp>
+      <p:sp>
+        <p:nvSpPr>
+          <p:cNvPr id="27" name="楕円 26">
+            <a:extLst>
+              <a:ext uri="{FF2B5EF4-FFF2-40B4-BE49-F238E27FC236}">
+                <a16:creationId xmlns:a16="http://schemas.microsoft.com/office/drawing/2014/main" id="{800EB07A-4DA9-414A-8EFC-1BB499D0D1CF}"/>
+              </a:ext>
+            </a:extLst>
+          </p:cNvPr>
+          <p:cNvSpPr/>
+          <p:nvPr/>
+        </p:nvSpPr>
+        <p:spPr>
+          <a:xfrm>
+            <a:off x="5662976" y="1561647"/>
+            <a:ext cx="180000" cy="180000"/>
+          </a:xfrm>
+          <a:prstGeom prst="ellipse">
+            <a:avLst/>
+          </a:prstGeom>
+          <a:solidFill>
+            <a:schemeClr val="accent4">
+              <a:lumMod val="60000"/>
+              <a:lumOff val="40000"/>
+            </a:schemeClr>
+          </a:solidFill>
+        </p:spPr>
+        <p:style>
+          <a:lnRef idx="2">
+            <a:schemeClr val="accent1">
+              <a:shade val="50000"/>
+            </a:schemeClr>
+          </a:lnRef>
+          <a:fillRef idx="1">
+            <a:schemeClr val="accent1"/>
+          </a:fillRef>
+          <a:effectRef idx="0">
+            <a:schemeClr val="accent1"/>
+          </a:effectRef>
+          <a:fontRef idx="minor">
+            <a:schemeClr val="lt1"/>
+          </a:fontRef>
+        </p:style>
+        <p:txBody>
+          <a:bodyPr rtlCol="0" anchor="ctr"/>
+          <a:lstStyle/>
+          <a:p>
+            <a:pPr algn="ctr"/>
+            <a:endParaRPr kumimoji="1" lang="ja-JP" altLang="en-US"/>
+          </a:p>
+        </p:txBody>
+      </p:sp>
+      <p:sp>
+        <p:nvSpPr>
+          <p:cNvPr id="34" name="テキスト ボックス 33">
+            <a:extLst>
+              <a:ext uri="{FF2B5EF4-FFF2-40B4-BE49-F238E27FC236}">
+                <a16:creationId xmlns:a16="http://schemas.microsoft.com/office/drawing/2014/main" id="{68B5021D-CD40-4697-81BA-75EC24F270F8}"/>
+              </a:ext>
+            </a:extLst>
+          </p:cNvPr>
+          <p:cNvSpPr txBox="1"/>
+          <p:nvPr/>
+        </p:nvSpPr>
+        <p:spPr>
+          <a:xfrm>
+            <a:off x="1319623" y="415585"/>
+            <a:ext cx="410690" cy="246221"/>
+          </a:xfrm>
+          <a:prstGeom prst="rect">
+            <a:avLst/>
+          </a:prstGeom>
+          <a:noFill/>
+        </p:spPr>
+        <p:txBody>
+          <a:bodyPr wrap="none" rtlCol="0">
+            <a:spAutoFit/>
+          </a:bodyPr>
+          <a:lstStyle/>
+          <a:p>
+            <a:r>
+              <a:rPr kumimoji="1" lang="en-US" altLang="ja-JP" sz="1000" dirty="0"/>
+              <a:t>x=0</a:t>
+            </a:r>
+            <a:endParaRPr kumimoji="1" lang="ja-JP" altLang="en-US" sz="1000" dirty="0"/>
+          </a:p>
+        </p:txBody>
+      </p:sp>
+      <p:sp>
+        <p:nvSpPr>
+          <p:cNvPr id="35" name="テキスト ボックス 34">
+            <a:extLst>
+              <a:ext uri="{FF2B5EF4-FFF2-40B4-BE49-F238E27FC236}">
+                <a16:creationId xmlns:a16="http://schemas.microsoft.com/office/drawing/2014/main" id="{F5C3B077-98F4-40A1-8687-6B1E605C9485}"/>
+              </a:ext>
+            </a:extLst>
+          </p:cNvPr>
+          <p:cNvSpPr txBox="1"/>
+          <p:nvPr/>
+        </p:nvSpPr>
+        <p:spPr>
+          <a:xfrm>
+            <a:off x="1878423" y="415585"/>
+            <a:ext cx="410690" cy="246221"/>
+          </a:xfrm>
+          <a:prstGeom prst="rect">
+            <a:avLst/>
+          </a:prstGeom>
+          <a:noFill/>
+        </p:spPr>
+        <p:txBody>
+          <a:bodyPr wrap="none" rtlCol="0">
+            <a:spAutoFit/>
+          </a:bodyPr>
+          <a:lstStyle/>
+          <a:p>
+            <a:r>
+              <a:rPr kumimoji="1" lang="en-US" altLang="ja-JP" sz="1000" dirty="0"/>
+              <a:t>x=1</a:t>
+            </a:r>
+            <a:endParaRPr kumimoji="1" lang="ja-JP" altLang="en-US" sz="1000" dirty="0"/>
+          </a:p>
+        </p:txBody>
+      </p:sp>
+      <p:sp>
+        <p:nvSpPr>
+          <p:cNvPr id="36" name="テキスト ボックス 35">
+            <a:extLst>
+              <a:ext uri="{FF2B5EF4-FFF2-40B4-BE49-F238E27FC236}">
+                <a16:creationId xmlns:a16="http://schemas.microsoft.com/office/drawing/2014/main" id="{0458F8A7-6F5D-4C3D-A712-75177C4A3224}"/>
+              </a:ext>
+            </a:extLst>
+          </p:cNvPr>
+          <p:cNvSpPr txBox="1"/>
+          <p:nvPr/>
+        </p:nvSpPr>
+        <p:spPr>
+          <a:xfrm>
+            <a:off x="2437223" y="415585"/>
+            <a:ext cx="410690" cy="246221"/>
+          </a:xfrm>
+          <a:prstGeom prst="rect">
+            <a:avLst/>
+          </a:prstGeom>
+          <a:noFill/>
+        </p:spPr>
+        <p:txBody>
+          <a:bodyPr wrap="none" rtlCol="0">
+            <a:spAutoFit/>
+          </a:bodyPr>
+          <a:lstStyle/>
+          <a:p>
+            <a:r>
+              <a:rPr kumimoji="1" lang="en-US" altLang="ja-JP" sz="1000" dirty="0"/>
+              <a:t>x=2</a:t>
+            </a:r>
+            <a:endParaRPr kumimoji="1" lang="ja-JP" altLang="en-US" sz="1000" dirty="0"/>
+          </a:p>
+        </p:txBody>
+      </p:sp>
+      <p:sp>
+        <p:nvSpPr>
+          <p:cNvPr id="37" name="テキスト ボックス 36">
+            <a:extLst>
+              <a:ext uri="{FF2B5EF4-FFF2-40B4-BE49-F238E27FC236}">
+                <a16:creationId xmlns:a16="http://schemas.microsoft.com/office/drawing/2014/main" id="{AA4ED497-9EE7-4C9D-9242-BC47CCD9C3EF}"/>
+              </a:ext>
+            </a:extLst>
+          </p:cNvPr>
+          <p:cNvSpPr txBox="1"/>
+          <p:nvPr/>
+        </p:nvSpPr>
+        <p:spPr>
+          <a:xfrm>
+            <a:off x="2956911" y="415585"/>
+            <a:ext cx="410690" cy="246221"/>
+          </a:xfrm>
+          <a:prstGeom prst="rect">
+            <a:avLst/>
+          </a:prstGeom>
+          <a:noFill/>
+        </p:spPr>
+        <p:txBody>
+          <a:bodyPr wrap="none" rtlCol="0">
+            <a:spAutoFit/>
+          </a:bodyPr>
+          <a:lstStyle/>
+          <a:p>
+            <a:r>
+              <a:rPr kumimoji="1" lang="en-US" altLang="ja-JP" sz="1000" dirty="0"/>
+              <a:t>x=3</a:t>
+            </a:r>
+            <a:endParaRPr kumimoji="1" lang="ja-JP" altLang="en-US" sz="1000" dirty="0"/>
+          </a:p>
+        </p:txBody>
+      </p:sp>
+      <p:sp>
+        <p:nvSpPr>
+          <p:cNvPr id="38" name="テキスト ボックス 37">
+            <a:extLst>
+              <a:ext uri="{FF2B5EF4-FFF2-40B4-BE49-F238E27FC236}">
+                <a16:creationId xmlns:a16="http://schemas.microsoft.com/office/drawing/2014/main" id="{002EE19F-8696-40BE-B7EF-11D44A79FE44}"/>
+              </a:ext>
+            </a:extLst>
+          </p:cNvPr>
+          <p:cNvSpPr txBox="1"/>
+          <p:nvPr/>
+        </p:nvSpPr>
+        <p:spPr>
+          <a:xfrm>
+            <a:off x="3482663" y="415585"/>
+            <a:ext cx="410690" cy="246221"/>
+          </a:xfrm>
+          <a:prstGeom prst="rect">
+            <a:avLst/>
+          </a:prstGeom>
+          <a:noFill/>
+        </p:spPr>
+        <p:txBody>
+          <a:bodyPr wrap="none" rtlCol="0">
+            <a:spAutoFit/>
+          </a:bodyPr>
+          <a:lstStyle/>
+          <a:p>
+            <a:r>
+              <a:rPr kumimoji="1" lang="en-US" altLang="ja-JP" sz="1000" dirty="0"/>
+              <a:t>x=4</a:t>
+            </a:r>
+            <a:endParaRPr kumimoji="1" lang="ja-JP" altLang="en-US" sz="1000" dirty="0"/>
+          </a:p>
+        </p:txBody>
+      </p:sp>
+      <p:sp>
+        <p:nvSpPr>
+          <p:cNvPr id="39" name="テキスト ボックス 38">
+            <a:extLst>
+              <a:ext uri="{FF2B5EF4-FFF2-40B4-BE49-F238E27FC236}">
+                <a16:creationId xmlns:a16="http://schemas.microsoft.com/office/drawing/2014/main" id="{0E88C76E-92DF-4390-8AC7-328D6B7BB77D}"/>
+              </a:ext>
+            </a:extLst>
+          </p:cNvPr>
+          <p:cNvSpPr txBox="1"/>
+          <p:nvPr/>
+        </p:nvSpPr>
+        <p:spPr>
+          <a:xfrm>
+            <a:off x="3997701" y="415585"/>
+            <a:ext cx="410690" cy="246221"/>
+          </a:xfrm>
+          <a:prstGeom prst="rect">
+            <a:avLst/>
+          </a:prstGeom>
+          <a:noFill/>
+        </p:spPr>
+        <p:txBody>
+          <a:bodyPr wrap="none" rtlCol="0">
+            <a:spAutoFit/>
+          </a:bodyPr>
+          <a:lstStyle/>
+          <a:p>
+            <a:r>
+              <a:rPr kumimoji="1" lang="en-US" altLang="ja-JP" sz="1000" dirty="0"/>
+              <a:t>x=5</a:t>
+            </a:r>
+            <a:endParaRPr kumimoji="1" lang="ja-JP" altLang="en-US" sz="1000" dirty="0"/>
+          </a:p>
+        </p:txBody>
+      </p:sp>
+      <p:sp>
+        <p:nvSpPr>
+          <p:cNvPr id="40" name="テキスト ボックス 39">
+            <a:extLst>
+              <a:ext uri="{FF2B5EF4-FFF2-40B4-BE49-F238E27FC236}">
+                <a16:creationId xmlns:a16="http://schemas.microsoft.com/office/drawing/2014/main" id="{7F41EB26-4899-4501-BDFD-91EDC222E779}"/>
+              </a:ext>
+            </a:extLst>
+          </p:cNvPr>
+          <p:cNvSpPr txBox="1"/>
+          <p:nvPr/>
+        </p:nvSpPr>
+        <p:spPr>
+          <a:xfrm>
+            <a:off x="1067355" y="1049941"/>
+            <a:ext cx="410690" cy="246221"/>
+          </a:xfrm>
+          <a:prstGeom prst="rect">
+            <a:avLst/>
+          </a:prstGeom>
+          <a:noFill/>
+        </p:spPr>
+        <p:txBody>
+          <a:bodyPr wrap="none" rtlCol="0">
+            <a:spAutoFit/>
+          </a:bodyPr>
+          <a:lstStyle/>
+          <a:p>
+            <a:r>
+              <a:rPr kumimoji="1" lang="en-US" altLang="ja-JP" sz="1000" dirty="0"/>
+              <a:t>y=1</a:t>
+            </a:r>
+            <a:endParaRPr kumimoji="1" lang="ja-JP" altLang="en-US" sz="1000" dirty="0"/>
+          </a:p>
+        </p:txBody>
+      </p:sp>
+      <p:sp>
+        <p:nvSpPr>
+          <p:cNvPr id="41" name="テキスト ボックス 40">
+            <a:extLst>
+              <a:ext uri="{FF2B5EF4-FFF2-40B4-BE49-F238E27FC236}">
+                <a16:creationId xmlns:a16="http://schemas.microsoft.com/office/drawing/2014/main" id="{7398FB6C-7EA3-4C09-BDB5-9691E1BEAC07}"/>
+              </a:ext>
+            </a:extLst>
+          </p:cNvPr>
+          <p:cNvSpPr txBox="1"/>
+          <p:nvPr/>
+        </p:nvSpPr>
+        <p:spPr>
+          <a:xfrm>
+            <a:off x="1067355" y="1520355"/>
+            <a:ext cx="410690" cy="246221"/>
+          </a:xfrm>
+          <a:prstGeom prst="rect">
+            <a:avLst/>
+          </a:prstGeom>
+          <a:noFill/>
+        </p:spPr>
+        <p:txBody>
+          <a:bodyPr wrap="none" rtlCol="0">
+            <a:spAutoFit/>
+          </a:bodyPr>
+          <a:lstStyle/>
+          <a:p>
+            <a:r>
+              <a:rPr kumimoji="1" lang="en-US" altLang="ja-JP" sz="1000" dirty="0"/>
+              <a:t>y=2</a:t>
+            </a:r>
+            <a:endParaRPr kumimoji="1" lang="ja-JP" altLang="en-US" sz="1000" dirty="0"/>
+          </a:p>
+        </p:txBody>
+      </p:sp>
+      <p:sp>
+        <p:nvSpPr>
+          <p:cNvPr id="42" name="テキスト ボックス 41">
+            <a:extLst>
+              <a:ext uri="{FF2B5EF4-FFF2-40B4-BE49-F238E27FC236}">
+                <a16:creationId xmlns:a16="http://schemas.microsoft.com/office/drawing/2014/main" id="{55C445A6-4F20-4C39-A8F2-725EF94E2703}"/>
+              </a:ext>
+            </a:extLst>
+          </p:cNvPr>
+          <p:cNvSpPr txBox="1"/>
+          <p:nvPr/>
+        </p:nvSpPr>
+        <p:spPr>
+          <a:xfrm>
+            <a:off x="1067355" y="1982076"/>
+            <a:ext cx="410690" cy="246221"/>
+          </a:xfrm>
+          <a:prstGeom prst="rect">
+            <a:avLst/>
+          </a:prstGeom>
+          <a:noFill/>
+        </p:spPr>
+        <p:txBody>
+          <a:bodyPr wrap="none" rtlCol="0">
+            <a:spAutoFit/>
+          </a:bodyPr>
+          <a:lstStyle/>
+          <a:p>
+            <a:r>
+              <a:rPr kumimoji="1" lang="en-US" altLang="ja-JP" sz="1000" dirty="0"/>
+              <a:t>y=3</a:t>
+            </a:r>
+            <a:endParaRPr kumimoji="1" lang="ja-JP" altLang="en-US" sz="1000" dirty="0"/>
+          </a:p>
+        </p:txBody>
+      </p:sp>
+      <p:sp>
+        <p:nvSpPr>
+          <p:cNvPr id="43" name="テキスト ボックス 42">
+            <a:extLst>
+              <a:ext uri="{FF2B5EF4-FFF2-40B4-BE49-F238E27FC236}">
+                <a16:creationId xmlns:a16="http://schemas.microsoft.com/office/drawing/2014/main" id="{D77D1109-730F-4E84-BC96-10BF9B3DE8BD}"/>
+              </a:ext>
+            </a:extLst>
+          </p:cNvPr>
+          <p:cNvSpPr txBox="1"/>
+          <p:nvPr/>
+        </p:nvSpPr>
+        <p:spPr>
+          <a:xfrm>
+            <a:off x="1067355" y="2437786"/>
+            <a:ext cx="410690" cy="246221"/>
+          </a:xfrm>
+          <a:prstGeom prst="rect">
+            <a:avLst/>
+          </a:prstGeom>
+          <a:noFill/>
+        </p:spPr>
+        <p:txBody>
+          <a:bodyPr wrap="none" rtlCol="0">
+            <a:spAutoFit/>
+          </a:bodyPr>
+          <a:lstStyle/>
+          <a:p>
+            <a:r>
+              <a:rPr kumimoji="1" lang="en-US" altLang="ja-JP" sz="1000" dirty="0"/>
+              <a:t>y=4</a:t>
+            </a:r>
+            <a:endParaRPr kumimoji="1" lang="ja-JP" altLang="en-US" sz="1000" dirty="0"/>
+          </a:p>
+        </p:txBody>
+      </p:sp>
+      <p:sp>
+        <p:nvSpPr>
+          <p:cNvPr id="44" name="テキスト ボックス 43">
+            <a:extLst>
+              <a:ext uri="{FF2B5EF4-FFF2-40B4-BE49-F238E27FC236}">
+                <a16:creationId xmlns:a16="http://schemas.microsoft.com/office/drawing/2014/main" id="{07F294D3-9070-4220-98EE-603C4CEC0C8E}"/>
+              </a:ext>
+            </a:extLst>
+          </p:cNvPr>
+          <p:cNvSpPr txBox="1"/>
+          <p:nvPr/>
+        </p:nvSpPr>
+        <p:spPr>
+          <a:xfrm>
+            <a:off x="1067355" y="2905582"/>
+            <a:ext cx="410690" cy="246221"/>
+          </a:xfrm>
+          <a:prstGeom prst="rect">
+            <a:avLst/>
+          </a:prstGeom>
+          <a:noFill/>
+        </p:spPr>
+        <p:txBody>
+          <a:bodyPr wrap="none" rtlCol="0">
+            <a:spAutoFit/>
+          </a:bodyPr>
+          <a:lstStyle/>
+          <a:p>
+            <a:r>
+              <a:rPr kumimoji="1" lang="en-US" altLang="ja-JP" sz="1000" dirty="0"/>
+              <a:t>y=5</a:t>
+            </a:r>
+            <a:endParaRPr kumimoji="1" lang="ja-JP" altLang="en-US" sz="1000" dirty="0"/>
+          </a:p>
+        </p:txBody>
+      </p:sp>
+      <p:sp>
+        <p:nvSpPr>
+          <p:cNvPr id="45" name="テキスト ボックス 44">
+            <a:extLst>
+              <a:ext uri="{FF2B5EF4-FFF2-40B4-BE49-F238E27FC236}">
+                <a16:creationId xmlns:a16="http://schemas.microsoft.com/office/drawing/2014/main" id="{B55B1EAF-8E7C-485B-8C93-7047B1517D05}"/>
+              </a:ext>
+            </a:extLst>
+          </p:cNvPr>
+          <p:cNvSpPr txBox="1"/>
+          <p:nvPr/>
+        </p:nvSpPr>
+        <p:spPr>
+          <a:xfrm>
+            <a:off x="1067355" y="3364310"/>
+            <a:ext cx="410690" cy="246221"/>
+          </a:xfrm>
+          <a:prstGeom prst="rect">
+            <a:avLst/>
+          </a:prstGeom>
+          <a:noFill/>
+        </p:spPr>
+        <p:txBody>
+          <a:bodyPr wrap="none" rtlCol="0">
+            <a:spAutoFit/>
+          </a:bodyPr>
+          <a:lstStyle/>
+          <a:p>
+            <a:r>
+              <a:rPr kumimoji="1" lang="en-US" altLang="ja-JP" sz="1000" dirty="0"/>
+              <a:t>y=6</a:t>
+            </a:r>
+            <a:endParaRPr kumimoji="1" lang="ja-JP" altLang="en-US" sz="1000" dirty="0"/>
+          </a:p>
+        </p:txBody>
+      </p:sp>
+      <p:sp>
+        <p:nvSpPr>
+          <p:cNvPr id="46" name="テキスト ボックス 45">
+            <a:extLst>
+              <a:ext uri="{FF2B5EF4-FFF2-40B4-BE49-F238E27FC236}">
+                <a16:creationId xmlns:a16="http://schemas.microsoft.com/office/drawing/2014/main" id="{1B048F75-6F0F-467C-AB28-043E438595F2}"/>
+              </a:ext>
+            </a:extLst>
+          </p:cNvPr>
+          <p:cNvSpPr txBox="1"/>
+          <p:nvPr/>
+        </p:nvSpPr>
+        <p:spPr>
+          <a:xfrm>
+            <a:off x="1067355" y="3823038"/>
+            <a:ext cx="410690" cy="246221"/>
+          </a:xfrm>
+          <a:prstGeom prst="rect">
+            <a:avLst/>
+          </a:prstGeom>
+          <a:noFill/>
+        </p:spPr>
+        <p:txBody>
+          <a:bodyPr wrap="none" rtlCol="0">
+            <a:spAutoFit/>
+          </a:bodyPr>
+          <a:lstStyle/>
+          <a:p>
+            <a:r>
+              <a:rPr kumimoji="1" lang="en-US" altLang="ja-JP" sz="1000" dirty="0"/>
+              <a:t>y=7</a:t>
+            </a:r>
+            <a:endParaRPr kumimoji="1" lang="ja-JP" altLang="en-US" sz="1000" dirty="0"/>
+          </a:p>
+        </p:txBody>
+      </p:sp>
+      <p:sp>
+        <p:nvSpPr>
+          <p:cNvPr id="47" name="テキスト ボックス 46">
+            <a:extLst>
+              <a:ext uri="{FF2B5EF4-FFF2-40B4-BE49-F238E27FC236}">
+                <a16:creationId xmlns:a16="http://schemas.microsoft.com/office/drawing/2014/main" id="{B7157B86-70F4-4B37-A420-B3748ACA30AF}"/>
+              </a:ext>
+            </a:extLst>
+          </p:cNvPr>
+          <p:cNvSpPr txBox="1"/>
+          <p:nvPr/>
+        </p:nvSpPr>
+        <p:spPr>
+          <a:xfrm>
+            <a:off x="1067355" y="4281766"/>
+            <a:ext cx="410690" cy="246221"/>
+          </a:xfrm>
+          <a:prstGeom prst="rect">
+            <a:avLst/>
+          </a:prstGeom>
+          <a:noFill/>
+        </p:spPr>
+        <p:txBody>
+          <a:bodyPr wrap="none" rtlCol="0">
+            <a:spAutoFit/>
+          </a:bodyPr>
+          <a:lstStyle/>
+          <a:p>
+            <a:r>
+              <a:rPr kumimoji="1" lang="en-US" altLang="ja-JP" sz="1000" dirty="0"/>
+              <a:t>y=8</a:t>
+            </a:r>
+            <a:endParaRPr kumimoji="1" lang="ja-JP" altLang="en-US" sz="1000" dirty="0"/>
+          </a:p>
+        </p:txBody>
+      </p:sp>
+      <p:sp>
+        <p:nvSpPr>
+          <p:cNvPr id="48" name="テキスト ボックス 47">
+            <a:extLst>
+              <a:ext uri="{FF2B5EF4-FFF2-40B4-BE49-F238E27FC236}">
+                <a16:creationId xmlns:a16="http://schemas.microsoft.com/office/drawing/2014/main" id="{E28F1D93-3097-42F2-B2C2-7E6839B93B22}"/>
+              </a:ext>
+            </a:extLst>
+          </p:cNvPr>
+          <p:cNvSpPr txBox="1"/>
+          <p:nvPr/>
+        </p:nvSpPr>
+        <p:spPr>
+          <a:xfrm>
+            <a:off x="1067355" y="618464"/>
+            <a:ext cx="410690" cy="246221"/>
+          </a:xfrm>
+          <a:prstGeom prst="rect">
+            <a:avLst/>
+          </a:prstGeom>
+          <a:noFill/>
+        </p:spPr>
+        <p:txBody>
+          <a:bodyPr wrap="none" rtlCol="0">
+            <a:spAutoFit/>
+          </a:bodyPr>
+          <a:lstStyle/>
+          <a:p>
+            <a:r>
+              <a:rPr kumimoji="1" lang="en-US" altLang="ja-JP" sz="1000" dirty="0"/>
+              <a:t>y=0</a:t>
+            </a:r>
+            <a:endParaRPr kumimoji="1" lang="ja-JP" altLang="en-US" sz="1000" dirty="0"/>
+          </a:p>
+        </p:txBody>
+      </p:sp>
+      <p:sp>
+        <p:nvSpPr>
+          <p:cNvPr id="49" name="テキスト ボックス 48">
+            <a:extLst>
+              <a:ext uri="{FF2B5EF4-FFF2-40B4-BE49-F238E27FC236}">
+                <a16:creationId xmlns:a16="http://schemas.microsoft.com/office/drawing/2014/main" id="{F2E3F3C2-1887-4717-A8B9-D7FFA1141664}"/>
+              </a:ext>
+            </a:extLst>
+          </p:cNvPr>
+          <p:cNvSpPr txBox="1"/>
+          <p:nvPr/>
+        </p:nvSpPr>
+        <p:spPr>
+          <a:xfrm>
+            <a:off x="1067355" y="4759985"/>
+            <a:ext cx="410690" cy="246221"/>
+          </a:xfrm>
+          <a:prstGeom prst="rect">
+            <a:avLst/>
+          </a:prstGeom>
+          <a:noFill/>
+        </p:spPr>
+        <p:txBody>
+          <a:bodyPr wrap="none" rtlCol="0">
+            <a:spAutoFit/>
+          </a:bodyPr>
+          <a:lstStyle/>
+          <a:p>
+            <a:r>
+              <a:rPr kumimoji="1" lang="en-US" altLang="ja-JP" sz="1000" dirty="0"/>
+              <a:t>y=9</a:t>
+            </a:r>
+            <a:endParaRPr kumimoji="1" lang="ja-JP" altLang="en-US" sz="1000" dirty="0"/>
+          </a:p>
+        </p:txBody>
+      </p:sp>
+      <p:sp>
+        <p:nvSpPr>
+          <p:cNvPr id="50" name="テキスト ボックス 49">
+            <a:extLst>
+              <a:ext uri="{FF2B5EF4-FFF2-40B4-BE49-F238E27FC236}">
+                <a16:creationId xmlns:a16="http://schemas.microsoft.com/office/drawing/2014/main" id="{5C77F6A5-F713-4776-AA03-C945ACFC2811}"/>
+              </a:ext>
+            </a:extLst>
+          </p:cNvPr>
+          <p:cNvSpPr txBox="1"/>
+          <p:nvPr/>
+        </p:nvSpPr>
+        <p:spPr>
+          <a:xfrm>
+            <a:off x="32939" y="35913"/>
+            <a:ext cx="2675732" cy="369332"/>
+          </a:xfrm>
+          <a:prstGeom prst="rect">
+            <a:avLst/>
+          </a:prstGeom>
+          <a:noFill/>
+        </p:spPr>
+        <p:txBody>
+          <a:bodyPr wrap="none" rtlCol="0">
+            <a:spAutoFit/>
+          </a:bodyPr>
+          <a:lstStyle/>
+          <a:p>
+            <a:r>
+              <a:rPr kumimoji="1" lang="en-US" altLang="ja-JP"/>
+              <a:t>physical </a:t>
+            </a:r>
+            <a:r>
+              <a:rPr kumimoji="1" lang="en-US" altLang="ja-JP" dirty="0"/>
+              <a:t>router position</a:t>
+            </a:r>
+            <a:endParaRPr kumimoji="1" lang="ja-JP" altLang="en-US" dirty="0"/>
+          </a:p>
+        </p:txBody>
+      </p:sp>
+      <p:sp>
+        <p:nvSpPr>
+          <p:cNvPr id="51" name="楕円 50">
+            <a:extLst>
+              <a:ext uri="{FF2B5EF4-FFF2-40B4-BE49-F238E27FC236}">
+                <a16:creationId xmlns:a16="http://schemas.microsoft.com/office/drawing/2014/main" id="{DCF3F416-B40B-4708-8C66-E37E2989EAE9}"/>
+              </a:ext>
+            </a:extLst>
+          </p:cNvPr>
+          <p:cNvSpPr/>
+          <p:nvPr/>
+        </p:nvSpPr>
+        <p:spPr>
+          <a:xfrm>
+            <a:off x="6179170" y="4302485"/>
+            <a:ext cx="180000" cy="180000"/>
+          </a:xfrm>
+          <a:prstGeom prst="ellipse">
+            <a:avLst/>
+          </a:prstGeom>
+          <a:solidFill>
+            <a:schemeClr val="accent4">
+              <a:lumMod val="60000"/>
+              <a:lumOff val="40000"/>
+            </a:schemeClr>
+          </a:solidFill>
+        </p:spPr>
+        <p:style>
+          <a:lnRef idx="2">
+            <a:schemeClr val="accent1">
+              <a:shade val="50000"/>
+            </a:schemeClr>
+          </a:lnRef>
+          <a:fillRef idx="1">
+            <a:schemeClr val="accent1"/>
+          </a:fillRef>
+          <a:effectRef idx="0">
+            <a:schemeClr val="accent1"/>
+          </a:effectRef>
+          <a:fontRef idx="minor">
+            <a:schemeClr val="lt1"/>
+          </a:fontRef>
+        </p:style>
+        <p:txBody>
+          <a:bodyPr rtlCol="0" anchor="ctr"/>
+          <a:lstStyle/>
+          <a:p>
+            <a:pPr algn="ctr"/>
+            <a:endParaRPr kumimoji="1" lang="ja-JP" altLang="en-US"/>
+          </a:p>
+        </p:txBody>
+      </p:sp>
+      <p:sp>
+        <p:nvSpPr>
+          <p:cNvPr id="52" name="楕円 51">
+            <a:extLst>
+              <a:ext uri="{FF2B5EF4-FFF2-40B4-BE49-F238E27FC236}">
+                <a16:creationId xmlns:a16="http://schemas.microsoft.com/office/drawing/2014/main" id="{D4508B86-D563-4DD7-BD06-B8BDB48065B4}"/>
+              </a:ext>
+            </a:extLst>
+          </p:cNvPr>
+          <p:cNvSpPr/>
+          <p:nvPr/>
+        </p:nvSpPr>
+        <p:spPr>
+          <a:xfrm>
+            <a:off x="6179170" y="3850751"/>
+            <a:ext cx="180000" cy="180000"/>
+          </a:xfrm>
+          <a:prstGeom prst="ellipse">
+            <a:avLst/>
+          </a:prstGeom>
+          <a:solidFill>
+            <a:schemeClr val="accent4">
+              <a:lumMod val="60000"/>
+              <a:lumOff val="40000"/>
+            </a:schemeClr>
+          </a:solidFill>
+        </p:spPr>
+        <p:style>
+          <a:lnRef idx="2">
+            <a:schemeClr val="accent1">
+              <a:shade val="50000"/>
+            </a:schemeClr>
+          </a:lnRef>
+          <a:fillRef idx="1">
+            <a:schemeClr val="accent1"/>
+          </a:fillRef>
+          <a:effectRef idx="0">
+            <a:schemeClr val="accent1"/>
+          </a:effectRef>
+          <a:fontRef idx="minor">
+            <a:schemeClr val="lt1"/>
+          </a:fontRef>
+        </p:style>
+        <p:txBody>
+          <a:bodyPr rtlCol="0" anchor="ctr"/>
+          <a:lstStyle/>
+          <a:p>
+            <a:pPr algn="ctr"/>
+            <a:endParaRPr kumimoji="1" lang="ja-JP" altLang="en-US"/>
+          </a:p>
+        </p:txBody>
+      </p:sp>
+      <p:sp>
+        <p:nvSpPr>
+          <p:cNvPr id="53" name="テキスト ボックス 52">
+            <a:extLst>
+              <a:ext uri="{FF2B5EF4-FFF2-40B4-BE49-F238E27FC236}">
+                <a16:creationId xmlns:a16="http://schemas.microsoft.com/office/drawing/2014/main" id="{6BDF8EC2-041C-4FD5-B92F-C3141C82C09B}"/>
+              </a:ext>
+            </a:extLst>
+          </p:cNvPr>
+          <p:cNvSpPr txBox="1"/>
+          <p:nvPr/>
+        </p:nvSpPr>
+        <p:spPr>
+          <a:xfrm>
+            <a:off x="4491364" y="415585"/>
+            <a:ext cx="410690" cy="246221"/>
+          </a:xfrm>
+          <a:prstGeom prst="rect">
+            <a:avLst/>
+          </a:prstGeom>
+          <a:noFill/>
+        </p:spPr>
+        <p:txBody>
+          <a:bodyPr wrap="none" rtlCol="0">
+            <a:spAutoFit/>
+          </a:bodyPr>
+          <a:lstStyle/>
+          <a:p>
+            <a:r>
+              <a:rPr kumimoji="1" lang="en-US" altLang="ja-JP" sz="1000" dirty="0"/>
+              <a:t>x=6</a:t>
+            </a:r>
+            <a:endParaRPr kumimoji="1" lang="ja-JP" altLang="en-US" sz="1000" dirty="0"/>
+          </a:p>
+        </p:txBody>
+      </p:sp>
+      <p:sp>
+        <p:nvSpPr>
+          <p:cNvPr id="54" name="テキスト ボックス 53">
+            <a:extLst>
+              <a:ext uri="{FF2B5EF4-FFF2-40B4-BE49-F238E27FC236}">
+                <a16:creationId xmlns:a16="http://schemas.microsoft.com/office/drawing/2014/main" id="{481242A5-1DFE-4014-8A43-8C4E68D4A72C}"/>
+              </a:ext>
+            </a:extLst>
+          </p:cNvPr>
+          <p:cNvSpPr txBox="1"/>
+          <p:nvPr/>
+        </p:nvSpPr>
+        <p:spPr>
+          <a:xfrm>
+            <a:off x="5547631" y="415585"/>
+            <a:ext cx="410690" cy="246221"/>
+          </a:xfrm>
+          <a:prstGeom prst="rect">
+            <a:avLst/>
+          </a:prstGeom>
+          <a:noFill/>
+        </p:spPr>
+        <p:txBody>
+          <a:bodyPr wrap="none" rtlCol="0">
+            <a:spAutoFit/>
+          </a:bodyPr>
+          <a:lstStyle/>
+          <a:p>
+            <a:r>
+              <a:rPr kumimoji="1" lang="en-US" altLang="ja-JP" sz="1000" dirty="0"/>
+              <a:t>x=8</a:t>
+            </a:r>
+            <a:endParaRPr kumimoji="1" lang="ja-JP" altLang="en-US" sz="1000" dirty="0"/>
+          </a:p>
+        </p:txBody>
+      </p:sp>
+      <p:sp>
+        <p:nvSpPr>
+          <p:cNvPr id="55" name="テキスト ボックス 54">
+            <a:extLst>
+              <a:ext uri="{FF2B5EF4-FFF2-40B4-BE49-F238E27FC236}">
+                <a16:creationId xmlns:a16="http://schemas.microsoft.com/office/drawing/2014/main" id="{058C7046-D94E-4F8B-9EA0-51513C17F05F}"/>
+              </a:ext>
+            </a:extLst>
+          </p:cNvPr>
+          <p:cNvSpPr txBox="1"/>
+          <p:nvPr/>
+        </p:nvSpPr>
+        <p:spPr>
+          <a:xfrm>
+            <a:off x="5018385" y="415585"/>
+            <a:ext cx="410690" cy="246221"/>
+          </a:xfrm>
+          <a:prstGeom prst="rect">
+            <a:avLst/>
+          </a:prstGeom>
+          <a:noFill/>
+        </p:spPr>
+        <p:txBody>
+          <a:bodyPr wrap="none" rtlCol="0">
+            <a:spAutoFit/>
+          </a:bodyPr>
+          <a:lstStyle/>
+          <a:p>
+            <a:r>
+              <a:rPr kumimoji="1" lang="en-US" altLang="ja-JP" sz="1000" dirty="0"/>
+              <a:t>x=7</a:t>
+            </a:r>
+            <a:endParaRPr kumimoji="1" lang="ja-JP" altLang="en-US" sz="1000" dirty="0"/>
+          </a:p>
+        </p:txBody>
+      </p:sp>
+      <p:sp>
+        <p:nvSpPr>
+          <p:cNvPr id="56" name="テキスト ボックス 55">
+            <a:extLst>
+              <a:ext uri="{FF2B5EF4-FFF2-40B4-BE49-F238E27FC236}">
+                <a16:creationId xmlns:a16="http://schemas.microsoft.com/office/drawing/2014/main" id="{FF30D057-2E20-4D70-8A34-B17EA73C8CB3}"/>
+              </a:ext>
+            </a:extLst>
+          </p:cNvPr>
+          <p:cNvSpPr txBox="1"/>
+          <p:nvPr/>
+        </p:nvSpPr>
+        <p:spPr>
+          <a:xfrm>
+            <a:off x="6052657" y="415585"/>
+            <a:ext cx="410690" cy="246221"/>
+          </a:xfrm>
+          <a:prstGeom prst="rect">
+            <a:avLst/>
+          </a:prstGeom>
+          <a:noFill/>
+        </p:spPr>
+        <p:txBody>
+          <a:bodyPr wrap="none" rtlCol="0">
+            <a:spAutoFit/>
+          </a:bodyPr>
+          <a:lstStyle/>
+          <a:p>
+            <a:r>
+              <a:rPr kumimoji="1" lang="en-US" altLang="ja-JP" sz="1000"/>
+              <a:t>x=9</a:t>
+            </a:r>
+            <a:endParaRPr kumimoji="1" lang="ja-JP" altLang="en-US" sz="1000" dirty="0"/>
+          </a:p>
+        </p:txBody>
+      </p:sp>
+    </p:spTree>
+    <p:extLst>
+      <p:ext uri="{BB962C8B-B14F-4D97-AF65-F5344CB8AC3E}">
+        <p14:creationId xmlns:p14="http://schemas.microsoft.com/office/powerpoint/2010/main" val="105126792"/>
+      </p:ext>
+    </p:extLst>
+  </p:cSld>
+  <p:clrMapOvr>
+    <a:masterClrMapping/>
+  </p:clrMapOvr>
+</p:sld>
+</file>
+
+<file path=ppt/slides/slide2.xml><?xml version="1.0" encoding="utf-8"?>
+<p:sld xmlns:a="http://schemas.openxmlformats.org/drawingml/2006/main" xmlns:r="http://schemas.openxmlformats.org/officeDocument/2006/relationships" xmlns:p="http://schemas.openxmlformats.org/presentationml/2006/main">
+  <p:cSld>
+    <p:spTree>
+      <p:nvGrpSpPr>
+        <p:cNvPr id="1" name=""/>
+        <p:cNvGrpSpPr/>
+        <p:nvPr/>
+      </p:nvGrpSpPr>
+      <p:grpSpPr>
+        <a:xfrm>
+          <a:off x="0" y="0"/>
+          <a:ext cx="0" cy="0"/>
+          <a:chOff x="0" y="0"/>
+          <a:chExt cx="0" cy="0"/>
+        </a:xfrm>
+      </p:grpSpPr>
+      <p:graphicFrame>
+        <p:nvGraphicFramePr>
+          <p:cNvPr id="7" name="表 7">
+            <a:extLst>
+              <a:ext uri="{FF2B5EF4-FFF2-40B4-BE49-F238E27FC236}">
+                <a16:creationId xmlns:a16="http://schemas.microsoft.com/office/drawing/2014/main" id="{612DE2BB-82F5-4845-B555-44403EFDAF07}"/>
+              </a:ext>
+            </a:extLst>
+          </p:cNvPr>
+          <p:cNvGraphicFramePr>
+            <a:graphicFrameLocks noGrp="1"/>
+          </p:cNvGraphicFramePr>
           <p:nvPr>
             <p:extLst>
               <p:ext uri="{D42A27DB-BD31-4B8C-83A1-F6EECF244321}">
@@ -8222,4205 +12493,6 @@
     <p:extLst>
       <p:ext uri="{BB962C8B-B14F-4D97-AF65-F5344CB8AC3E}">
         <p14:creationId xmlns:p14="http://schemas.microsoft.com/office/powerpoint/2010/main" val="1390397350"/>
-      </p:ext>
-    </p:extLst>
-  </p:cSld>
-  <p:clrMapOvr>
-    <a:masterClrMapping/>
-  </p:clrMapOvr>
-</p:sld>
-</file>
-
-<file path=ppt/slides/slide2.xml><?xml version="1.0" encoding="utf-8"?>
-<p:sld xmlns:a="http://schemas.openxmlformats.org/drawingml/2006/main" xmlns:r="http://schemas.openxmlformats.org/officeDocument/2006/relationships" xmlns:p="http://schemas.openxmlformats.org/presentationml/2006/main">
-  <p:cSld>
-    <p:spTree>
-      <p:nvGrpSpPr>
-        <p:cNvPr id="1" name=""/>
-        <p:cNvGrpSpPr/>
-        <p:nvPr/>
-      </p:nvGrpSpPr>
-      <p:grpSpPr>
-        <a:xfrm>
-          <a:off x="0" y="0"/>
-          <a:ext cx="0" cy="0"/>
-          <a:chOff x="0" y="0"/>
-          <a:chExt cx="0" cy="0"/>
-        </a:xfrm>
-      </p:grpSpPr>
-      <p:graphicFrame>
-        <p:nvGraphicFramePr>
-          <p:cNvPr id="7" name="表 7">
-            <a:extLst>
-              <a:ext uri="{FF2B5EF4-FFF2-40B4-BE49-F238E27FC236}">
-                <a16:creationId xmlns:a16="http://schemas.microsoft.com/office/drawing/2014/main" id="{612DE2BB-82F5-4845-B555-44403EFDAF07}"/>
-              </a:ext>
-            </a:extLst>
-          </p:cNvPr>
-          <p:cNvGraphicFramePr>
-            <a:graphicFrameLocks noGrp="1"/>
-          </p:cNvGraphicFramePr>
-          <p:nvPr/>
-        </p:nvGraphicFramePr>
-        <p:xfrm>
-          <a:off x="1535576" y="727724"/>
-          <a:ext cx="9444852" cy="5964270"/>
-        </p:xfrm>
-        <a:graphic>
-          <a:graphicData uri="http://schemas.openxmlformats.org/drawingml/2006/table">
-            <a:tbl>
-              <a:tblPr>
-                <a:tableStyleId>{5C22544A-7EE6-4342-B048-85BDC9FD1C3A}</a:tableStyleId>
-              </a:tblPr>
-              <a:tblGrid>
-                <a:gridCol w="524714">
-                  <a:extLst>
-                    <a:ext uri="{9D8B030D-6E8A-4147-A177-3AD203B41FA5}">
-                      <a16:colId xmlns:a16="http://schemas.microsoft.com/office/drawing/2014/main" val="2353861698"/>
-                    </a:ext>
-                  </a:extLst>
-                </a:gridCol>
-                <a:gridCol w="524714">
-                  <a:extLst>
-                    <a:ext uri="{9D8B030D-6E8A-4147-A177-3AD203B41FA5}">
-                      <a16:colId xmlns:a16="http://schemas.microsoft.com/office/drawing/2014/main" val="2735365660"/>
-                    </a:ext>
-                  </a:extLst>
-                </a:gridCol>
-                <a:gridCol w="524714">
-                  <a:extLst>
-                    <a:ext uri="{9D8B030D-6E8A-4147-A177-3AD203B41FA5}">
-                      <a16:colId xmlns:a16="http://schemas.microsoft.com/office/drawing/2014/main" val="3262327200"/>
-                    </a:ext>
-                  </a:extLst>
-                </a:gridCol>
-                <a:gridCol w="524714">
-                  <a:extLst>
-                    <a:ext uri="{9D8B030D-6E8A-4147-A177-3AD203B41FA5}">
-                      <a16:colId xmlns:a16="http://schemas.microsoft.com/office/drawing/2014/main" val="3877163821"/>
-                    </a:ext>
-                  </a:extLst>
-                </a:gridCol>
-                <a:gridCol w="524714">
-                  <a:extLst>
-                    <a:ext uri="{9D8B030D-6E8A-4147-A177-3AD203B41FA5}">
-                      <a16:colId xmlns:a16="http://schemas.microsoft.com/office/drawing/2014/main" val="1410611288"/>
-                    </a:ext>
-                  </a:extLst>
-                </a:gridCol>
-                <a:gridCol w="524714">
-                  <a:extLst>
-                    <a:ext uri="{9D8B030D-6E8A-4147-A177-3AD203B41FA5}">
-                      <a16:colId xmlns:a16="http://schemas.microsoft.com/office/drawing/2014/main" val="1865361871"/>
-                    </a:ext>
-                  </a:extLst>
-                </a:gridCol>
-                <a:gridCol w="524714">
-                  <a:extLst>
-                    <a:ext uri="{9D8B030D-6E8A-4147-A177-3AD203B41FA5}">
-                      <a16:colId xmlns:a16="http://schemas.microsoft.com/office/drawing/2014/main" val="204369485"/>
-                    </a:ext>
-                  </a:extLst>
-                </a:gridCol>
-                <a:gridCol w="524714">
-                  <a:extLst>
-                    <a:ext uri="{9D8B030D-6E8A-4147-A177-3AD203B41FA5}">
-                      <a16:colId xmlns:a16="http://schemas.microsoft.com/office/drawing/2014/main" val="134617063"/>
-                    </a:ext>
-                  </a:extLst>
-                </a:gridCol>
-                <a:gridCol w="524714">
-                  <a:extLst>
-                    <a:ext uri="{9D8B030D-6E8A-4147-A177-3AD203B41FA5}">
-                      <a16:colId xmlns:a16="http://schemas.microsoft.com/office/drawing/2014/main" val="2040928400"/>
-                    </a:ext>
-                  </a:extLst>
-                </a:gridCol>
-                <a:gridCol w="524714">
-                  <a:extLst>
-                    <a:ext uri="{9D8B030D-6E8A-4147-A177-3AD203B41FA5}">
-                      <a16:colId xmlns:a16="http://schemas.microsoft.com/office/drawing/2014/main" val="1184395749"/>
-                    </a:ext>
-                  </a:extLst>
-                </a:gridCol>
-                <a:gridCol w="524714">
-                  <a:extLst>
-                    <a:ext uri="{9D8B030D-6E8A-4147-A177-3AD203B41FA5}">
-                      <a16:colId xmlns:a16="http://schemas.microsoft.com/office/drawing/2014/main" val="2005275472"/>
-                    </a:ext>
-                  </a:extLst>
-                </a:gridCol>
-                <a:gridCol w="524714">
-                  <a:extLst>
-                    <a:ext uri="{9D8B030D-6E8A-4147-A177-3AD203B41FA5}">
-                      <a16:colId xmlns:a16="http://schemas.microsoft.com/office/drawing/2014/main" val="3482882439"/>
-                    </a:ext>
-                  </a:extLst>
-                </a:gridCol>
-                <a:gridCol w="524714">
-                  <a:extLst>
-                    <a:ext uri="{9D8B030D-6E8A-4147-A177-3AD203B41FA5}">
-                      <a16:colId xmlns:a16="http://schemas.microsoft.com/office/drawing/2014/main" val="1118756785"/>
-                    </a:ext>
-                  </a:extLst>
-                </a:gridCol>
-                <a:gridCol w="524714">
-                  <a:extLst>
-                    <a:ext uri="{9D8B030D-6E8A-4147-A177-3AD203B41FA5}">
-                      <a16:colId xmlns:a16="http://schemas.microsoft.com/office/drawing/2014/main" val="2810762907"/>
-                    </a:ext>
-                  </a:extLst>
-                </a:gridCol>
-                <a:gridCol w="524714">
-                  <a:extLst>
-                    <a:ext uri="{9D8B030D-6E8A-4147-A177-3AD203B41FA5}">
-                      <a16:colId xmlns:a16="http://schemas.microsoft.com/office/drawing/2014/main" val="2376980172"/>
-                    </a:ext>
-                  </a:extLst>
-                </a:gridCol>
-                <a:gridCol w="524714">
-                  <a:extLst>
-                    <a:ext uri="{9D8B030D-6E8A-4147-A177-3AD203B41FA5}">
-                      <a16:colId xmlns:a16="http://schemas.microsoft.com/office/drawing/2014/main" val="1844653986"/>
-                    </a:ext>
-                  </a:extLst>
-                </a:gridCol>
-                <a:gridCol w="524714">
-                  <a:extLst>
-                    <a:ext uri="{9D8B030D-6E8A-4147-A177-3AD203B41FA5}">
-                      <a16:colId xmlns:a16="http://schemas.microsoft.com/office/drawing/2014/main" val="4175700290"/>
-                    </a:ext>
-                  </a:extLst>
-                </a:gridCol>
-                <a:gridCol w="524714">
-                  <a:extLst>
-                    <a:ext uri="{9D8B030D-6E8A-4147-A177-3AD203B41FA5}">
-                      <a16:colId xmlns:a16="http://schemas.microsoft.com/office/drawing/2014/main" val="3121511968"/>
-                    </a:ext>
-                  </a:extLst>
-                </a:gridCol>
-              </a:tblGrid>
-              <a:tr h="458790">
-                <a:tc>
-                  <a:txBody>
-                    <a:bodyPr/>
-                    <a:lstStyle/>
-                    <a:p>
-                      <a:endParaRPr kumimoji="1" lang="ja-JP" altLang="en-US" sz="800"/>
-                    </a:p>
-                  </a:txBody>
-                  <a:tcPr/>
-                </a:tc>
-                <a:tc>
-                  <a:txBody>
-                    <a:bodyPr/>
-                    <a:lstStyle/>
-                    <a:p>
-                      <a:endParaRPr kumimoji="1" lang="ja-JP" altLang="en-US" sz="800"/>
-                    </a:p>
-                  </a:txBody>
-                  <a:tcPr/>
-                </a:tc>
-                <a:tc>
-                  <a:txBody>
-                    <a:bodyPr/>
-                    <a:lstStyle/>
-                    <a:p>
-                      <a:endParaRPr kumimoji="1" lang="ja-JP" altLang="en-US" sz="800"/>
-                    </a:p>
-                  </a:txBody>
-                  <a:tcPr/>
-                </a:tc>
-                <a:tc>
-                  <a:txBody>
-                    <a:bodyPr/>
-                    <a:lstStyle/>
-                    <a:p>
-                      <a:endParaRPr kumimoji="1" lang="ja-JP" altLang="en-US" sz="800"/>
-                    </a:p>
-                  </a:txBody>
-                  <a:tcPr/>
-                </a:tc>
-                <a:tc>
-                  <a:txBody>
-                    <a:bodyPr/>
-                    <a:lstStyle/>
-                    <a:p>
-                      <a:endParaRPr kumimoji="1" lang="ja-JP" altLang="en-US" sz="800"/>
-                    </a:p>
-                  </a:txBody>
-                  <a:tcPr/>
-                </a:tc>
-                <a:tc>
-                  <a:txBody>
-                    <a:bodyPr/>
-                    <a:lstStyle/>
-                    <a:p>
-                      <a:endParaRPr kumimoji="1" lang="ja-JP" altLang="en-US" sz="800" dirty="0"/>
-                    </a:p>
-                  </a:txBody>
-                  <a:tcPr/>
-                </a:tc>
-                <a:tc>
-                  <a:txBody>
-                    <a:bodyPr/>
-                    <a:lstStyle/>
-                    <a:p>
-                      <a:endParaRPr kumimoji="1" lang="ja-JP" altLang="en-US" sz="800"/>
-                    </a:p>
-                  </a:txBody>
-                  <a:tcPr/>
-                </a:tc>
-                <a:tc>
-                  <a:txBody>
-                    <a:bodyPr/>
-                    <a:lstStyle/>
-                    <a:p>
-                      <a:endParaRPr kumimoji="1" lang="ja-JP" altLang="en-US" sz="800"/>
-                    </a:p>
-                  </a:txBody>
-                  <a:tcPr/>
-                </a:tc>
-                <a:tc>
-                  <a:txBody>
-                    <a:bodyPr/>
-                    <a:lstStyle/>
-                    <a:p>
-                      <a:endParaRPr kumimoji="1" lang="ja-JP" altLang="en-US" sz="800"/>
-                    </a:p>
-                  </a:txBody>
-                  <a:tcPr/>
-                </a:tc>
-                <a:tc>
-                  <a:txBody>
-                    <a:bodyPr/>
-                    <a:lstStyle/>
-                    <a:p>
-                      <a:endParaRPr kumimoji="1" lang="ja-JP" altLang="en-US" sz="800" dirty="0"/>
-                    </a:p>
-                  </a:txBody>
-                  <a:tcPr/>
-                </a:tc>
-                <a:tc>
-                  <a:txBody>
-                    <a:bodyPr/>
-                    <a:lstStyle/>
-                    <a:p>
-                      <a:endParaRPr kumimoji="1" lang="ja-JP" altLang="en-US" sz="800"/>
-                    </a:p>
-                  </a:txBody>
-                  <a:tcPr/>
-                </a:tc>
-                <a:tc>
-                  <a:txBody>
-                    <a:bodyPr/>
-                    <a:lstStyle/>
-                    <a:p>
-                      <a:endParaRPr kumimoji="1" lang="ja-JP" altLang="en-US" sz="800"/>
-                    </a:p>
-                  </a:txBody>
-                  <a:tcPr/>
-                </a:tc>
-                <a:tc>
-                  <a:txBody>
-                    <a:bodyPr/>
-                    <a:lstStyle/>
-                    <a:p>
-                      <a:endParaRPr kumimoji="1" lang="ja-JP" altLang="en-US" sz="800"/>
-                    </a:p>
-                  </a:txBody>
-                  <a:tcPr/>
-                </a:tc>
-                <a:tc>
-                  <a:txBody>
-                    <a:bodyPr/>
-                    <a:lstStyle/>
-                    <a:p>
-                      <a:endParaRPr kumimoji="1" lang="ja-JP" altLang="en-US" sz="800"/>
-                    </a:p>
-                  </a:txBody>
-                  <a:tcPr/>
-                </a:tc>
-                <a:tc>
-                  <a:txBody>
-                    <a:bodyPr/>
-                    <a:lstStyle/>
-                    <a:p>
-                      <a:endParaRPr kumimoji="1" lang="ja-JP" altLang="en-US" sz="800"/>
-                    </a:p>
-                  </a:txBody>
-                  <a:tcPr/>
-                </a:tc>
-                <a:tc>
-                  <a:txBody>
-                    <a:bodyPr/>
-                    <a:lstStyle/>
-                    <a:p>
-                      <a:endParaRPr kumimoji="1" lang="ja-JP" altLang="en-US" sz="800"/>
-                    </a:p>
-                  </a:txBody>
-                  <a:tcPr/>
-                </a:tc>
-                <a:tc>
-                  <a:txBody>
-                    <a:bodyPr/>
-                    <a:lstStyle/>
-                    <a:p>
-                      <a:endParaRPr kumimoji="1" lang="ja-JP" altLang="en-US" sz="800"/>
-                    </a:p>
-                  </a:txBody>
-                  <a:tcPr/>
-                </a:tc>
-                <a:tc>
-                  <a:txBody>
-                    <a:bodyPr/>
-                    <a:lstStyle/>
-                    <a:p>
-                      <a:endParaRPr kumimoji="1" lang="ja-JP" altLang="en-US" sz="800"/>
-                    </a:p>
-                  </a:txBody>
-                  <a:tcPr/>
-                </a:tc>
-                <a:extLst>
-                  <a:ext uri="{0D108BD9-81ED-4DB2-BD59-A6C34878D82A}">
-                    <a16:rowId xmlns:a16="http://schemas.microsoft.com/office/drawing/2014/main" val="1905640508"/>
-                  </a:ext>
-                </a:extLst>
-              </a:tr>
-              <a:tr h="458790">
-                <a:tc>
-                  <a:txBody>
-                    <a:bodyPr/>
-                    <a:lstStyle/>
-                    <a:p>
-                      <a:endParaRPr kumimoji="1" lang="ja-JP" altLang="en-US" sz="800"/>
-                    </a:p>
-                  </a:txBody>
-                  <a:tcPr/>
-                </a:tc>
-                <a:tc>
-                  <a:txBody>
-                    <a:bodyPr/>
-                    <a:lstStyle/>
-                    <a:p>
-                      <a:endParaRPr kumimoji="1" lang="ja-JP" altLang="en-US" sz="800"/>
-                    </a:p>
-                  </a:txBody>
-                  <a:tcPr/>
-                </a:tc>
-                <a:tc>
-                  <a:txBody>
-                    <a:bodyPr/>
-                    <a:lstStyle/>
-                    <a:p>
-                      <a:endParaRPr kumimoji="1" lang="ja-JP" altLang="en-US" sz="800"/>
-                    </a:p>
-                  </a:txBody>
-                  <a:tcPr/>
-                </a:tc>
-                <a:tc>
-                  <a:txBody>
-                    <a:bodyPr/>
-                    <a:lstStyle/>
-                    <a:p>
-                      <a:endParaRPr kumimoji="1" lang="ja-JP" altLang="en-US" sz="800"/>
-                    </a:p>
-                  </a:txBody>
-                  <a:tcPr/>
-                </a:tc>
-                <a:tc>
-                  <a:txBody>
-                    <a:bodyPr/>
-                    <a:lstStyle/>
-                    <a:p>
-                      <a:endParaRPr kumimoji="1" lang="ja-JP" altLang="en-US" sz="800"/>
-                    </a:p>
-                  </a:txBody>
-                  <a:tcPr/>
-                </a:tc>
-                <a:tc>
-                  <a:txBody>
-                    <a:bodyPr/>
-                    <a:lstStyle/>
-                    <a:p>
-                      <a:endParaRPr kumimoji="1" lang="ja-JP" altLang="en-US" sz="800"/>
-                    </a:p>
-                  </a:txBody>
-                  <a:tcPr/>
-                </a:tc>
-                <a:tc>
-                  <a:txBody>
-                    <a:bodyPr/>
-                    <a:lstStyle/>
-                    <a:p>
-                      <a:endParaRPr kumimoji="1" lang="ja-JP" altLang="en-US" sz="800"/>
-                    </a:p>
-                  </a:txBody>
-                  <a:tcPr/>
-                </a:tc>
-                <a:tc>
-                  <a:txBody>
-                    <a:bodyPr/>
-                    <a:lstStyle/>
-                    <a:p>
-                      <a:endParaRPr kumimoji="1" lang="ja-JP" altLang="en-US" sz="800"/>
-                    </a:p>
-                  </a:txBody>
-                  <a:tcPr/>
-                </a:tc>
-                <a:tc>
-                  <a:txBody>
-                    <a:bodyPr/>
-                    <a:lstStyle/>
-                    <a:p>
-                      <a:endParaRPr kumimoji="1" lang="ja-JP" altLang="en-US" sz="800"/>
-                    </a:p>
-                  </a:txBody>
-                  <a:tcPr/>
-                </a:tc>
-                <a:tc>
-                  <a:txBody>
-                    <a:bodyPr/>
-                    <a:lstStyle/>
-                    <a:p>
-                      <a:endParaRPr kumimoji="1" lang="ja-JP" altLang="en-US" sz="800"/>
-                    </a:p>
-                  </a:txBody>
-                  <a:tcPr/>
-                </a:tc>
-                <a:tc>
-                  <a:txBody>
-                    <a:bodyPr/>
-                    <a:lstStyle/>
-                    <a:p>
-                      <a:endParaRPr kumimoji="1" lang="ja-JP" altLang="en-US" sz="800"/>
-                    </a:p>
-                  </a:txBody>
-                  <a:tcPr/>
-                </a:tc>
-                <a:tc>
-                  <a:txBody>
-                    <a:bodyPr/>
-                    <a:lstStyle/>
-                    <a:p>
-                      <a:endParaRPr kumimoji="1" lang="ja-JP" altLang="en-US" sz="800"/>
-                    </a:p>
-                  </a:txBody>
-                  <a:tcPr/>
-                </a:tc>
-                <a:tc>
-                  <a:txBody>
-                    <a:bodyPr/>
-                    <a:lstStyle/>
-                    <a:p>
-                      <a:endParaRPr kumimoji="1" lang="ja-JP" altLang="en-US" sz="800" dirty="0"/>
-                    </a:p>
-                  </a:txBody>
-                  <a:tcPr/>
-                </a:tc>
-                <a:tc>
-                  <a:txBody>
-                    <a:bodyPr/>
-                    <a:lstStyle/>
-                    <a:p>
-                      <a:endParaRPr kumimoji="1" lang="ja-JP" altLang="en-US" sz="800"/>
-                    </a:p>
-                  </a:txBody>
-                  <a:tcPr/>
-                </a:tc>
-                <a:tc>
-                  <a:txBody>
-                    <a:bodyPr/>
-                    <a:lstStyle/>
-                    <a:p>
-                      <a:endParaRPr kumimoji="1" lang="ja-JP" altLang="en-US" sz="800"/>
-                    </a:p>
-                  </a:txBody>
-                  <a:tcPr/>
-                </a:tc>
-                <a:tc>
-                  <a:txBody>
-                    <a:bodyPr/>
-                    <a:lstStyle/>
-                    <a:p>
-                      <a:endParaRPr kumimoji="1" lang="ja-JP" altLang="en-US" sz="800"/>
-                    </a:p>
-                  </a:txBody>
-                  <a:tcPr/>
-                </a:tc>
-                <a:tc>
-                  <a:txBody>
-                    <a:bodyPr/>
-                    <a:lstStyle/>
-                    <a:p>
-                      <a:endParaRPr kumimoji="1" lang="ja-JP" altLang="en-US" sz="800"/>
-                    </a:p>
-                  </a:txBody>
-                  <a:tcPr/>
-                </a:tc>
-                <a:tc>
-                  <a:txBody>
-                    <a:bodyPr/>
-                    <a:lstStyle/>
-                    <a:p>
-                      <a:endParaRPr kumimoji="1" lang="ja-JP" altLang="en-US" sz="800"/>
-                    </a:p>
-                  </a:txBody>
-                  <a:tcPr/>
-                </a:tc>
-                <a:extLst>
-                  <a:ext uri="{0D108BD9-81ED-4DB2-BD59-A6C34878D82A}">
-                    <a16:rowId xmlns:a16="http://schemas.microsoft.com/office/drawing/2014/main" val="2212434784"/>
-                  </a:ext>
-                </a:extLst>
-              </a:tr>
-              <a:tr h="458790">
-                <a:tc>
-                  <a:txBody>
-                    <a:bodyPr/>
-                    <a:lstStyle/>
-                    <a:p>
-                      <a:endParaRPr kumimoji="1" lang="ja-JP" altLang="en-US" sz="800"/>
-                    </a:p>
-                  </a:txBody>
-                  <a:tcPr/>
-                </a:tc>
-                <a:tc>
-                  <a:txBody>
-                    <a:bodyPr/>
-                    <a:lstStyle/>
-                    <a:p>
-                      <a:endParaRPr kumimoji="1" lang="ja-JP" altLang="en-US" sz="800"/>
-                    </a:p>
-                  </a:txBody>
-                  <a:tcPr/>
-                </a:tc>
-                <a:tc>
-                  <a:txBody>
-                    <a:bodyPr/>
-                    <a:lstStyle/>
-                    <a:p>
-                      <a:endParaRPr kumimoji="1" lang="ja-JP" altLang="en-US" sz="800"/>
-                    </a:p>
-                  </a:txBody>
-                  <a:tcPr/>
-                </a:tc>
-                <a:tc>
-                  <a:txBody>
-                    <a:bodyPr/>
-                    <a:lstStyle/>
-                    <a:p>
-                      <a:endParaRPr kumimoji="1" lang="ja-JP" altLang="en-US" sz="800"/>
-                    </a:p>
-                  </a:txBody>
-                  <a:tcPr/>
-                </a:tc>
-                <a:tc>
-                  <a:txBody>
-                    <a:bodyPr/>
-                    <a:lstStyle/>
-                    <a:p>
-                      <a:endParaRPr kumimoji="1" lang="ja-JP" altLang="en-US" sz="800"/>
-                    </a:p>
-                  </a:txBody>
-                  <a:tcPr/>
-                </a:tc>
-                <a:tc>
-                  <a:txBody>
-                    <a:bodyPr/>
-                    <a:lstStyle/>
-                    <a:p>
-                      <a:endParaRPr kumimoji="1" lang="ja-JP" altLang="en-US" sz="800"/>
-                    </a:p>
-                  </a:txBody>
-                  <a:tcPr/>
-                </a:tc>
-                <a:tc>
-                  <a:txBody>
-                    <a:bodyPr/>
-                    <a:lstStyle/>
-                    <a:p>
-                      <a:endParaRPr kumimoji="1" lang="ja-JP" altLang="en-US" sz="800"/>
-                    </a:p>
-                  </a:txBody>
-                  <a:tcPr/>
-                </a:tc>
-                <a:tc>
-                  <a:txBody>
-                    <a:bodyPr/>
-                    <a:lstStyle/>
-                    <a:p>
-                      <a:endParaRPr kumimoji="1" lang="ja-JP" altLang="en-US" sz="800"/>
-                    </a:p>
-                  </a:txBody>
-                  <a:tcPr/>
-                </a:tc>
-                <a:tc>
-                  <a:txBody>
-                    <a:bodyPr/>
-                    <a:lstStyle/>
-                    <a:p>
-                      <a:endParaRPr kumimoji="1" lang="ja-JP" altLang="en-US" sz="800"/>
-                    </a:p>
-                  </a:txBody>
-                  <a:tcPr/>
-                </a:tc>
-                <a:tc>
-                  <a:txBody>
-                    <a:bodyPr/>
-                    <a:lstStyle/>
-                    <a:p>
-                      <a:endParaRPr kumimoji="1" lang="ja-JP" altLang="en-US" sz="800"/>
-                    </a:p>
-                  </a:txBody>
-                  <a:tcPr/>
-                </a:tc>
-                <a:tc>
-                  <a:txBody>
-                    <a:bodyPr/>
-                    <a:lstStyle/>
-                    <a:p>
-                      <a:endParaRPr kumimoji="1" lang="ja-JP" altLang="en-US" sz="800"/>
-                    </a:p>
-                  </a:txBody>
-                  <a:tcPr/>
-                </a:tc>
-                <a:tc>
-                  <a:txBody>
-                    <a:bodyPr/>
-                    <a:lstStyle/>
-                    <a:p>
-                      <a:endParaRPr kumimoji="1" lang="ja-JP" altLang="en-US" sz="800"/>
-                    </a:p>
-                  </a:txBody>
-                  <a:tcPr/>
-                </a:tc>
-                <a:tc>
-                  <a:txBody>
-                    <a:bodyPr/>
-                    <a:lstStyle/>
-                    <a:p>
-                      <a:endParaRPr kumimoji="1" lang="ja-JP" altLang="en-US" sz="800"/>
-                    </a:p>
-                  </a:txBody>
-                  <a:tcPr/>
-                </a:tc>
-                <a:tc>
-                  <a:txBody>
-                    <a:bodyPr/>
-                    <a:lstStyle/>
-                    <a:p>
-                      <a:endParaRPr kumimoji="1" lang="ja-JP" altLang="en-US" sz="800"/>
-                    </a:p>
-                  </a:txBody>
-                  <a:tcPr/>
-                </a:tc>
-                <a:tc>
-                  <a:txBody>
-                    <a:bodyPr/>
-                    <a:lstStyle/>
-                    <a:p>
-                      <a:endParaRPr kumimoji="1" lang="ja-JP" altLang="en-US" sz="800"/>
-                    </a:p>
-                  </a:txBody>
-                  <a:tcPr/>
-                </a:tc>
-                <a:tc>
-                  <a:txBody>
-                    <a:bodyPr/>
-                    <a:lstStyle/>
-                    <a:p>
-                      <a:endParaRPr kumimoji="1" lang="ja-JP" altLang="en-US" sz="800"/>
-                    </a:p>
-                  </a:txBody>
-                  <a:tcPr/>
-                </a:tc>
-                <a:tc>
-                  <a:txBody>
-                    <a:bodyPr/>
-                    <a:lstStyle/>
-                    <a:p>
-                      <a:endParaRPr kumimoji="1" lang="ja-JP" altLang="en-US" sz="800"/>
-                    </a:p>
-                  </a:txBody>
-                  <a:tcPr/>
-                </a:tc>
-                <a:tc>
-                  <a:txBody>
-                    <a:bodyPr/>
-                    <a:lstStyle/>
-                    <a:p>
-                      <a:endParaRPr kumimoji="1" lang="ja-JP" altLang="en-US" sz="800"/>
-                    </a:p>
-                  </a:txBody>
-                  <a:tcPr/>
-                </a:tc>
-                <a:extLst>
-                  <a:ext uri="{0D108BD9-81ED-4DB2-BD59-A6C34878D82A}">
-                    <a16:rowId xmlns:a16="http://schemas.microsoft.com/office/drawing/2014/main" val="430557182"/>
-                  </a:ext>
-                </a:extLst>
-              </a:tr>
-              <a:tr h="458790">
-                <a:tc>
-                  <a:txBody>
-                    <a:bodyPr/>
-                    <a:lstStyle/>
-                    <a:p>
-                      <a:endParaRPr kumimoji="1" lang="ja-JP" altLang="en-US" sz="800"/>
-                    </a:p>
-                  </a:txBody>
-                  <a:tcPr/>
-                </a:tc>
-                <a:tc>
-                  <a:txBody>
-                    <a:bodyPr/>
-                    <a:lstStyle/>
-                    <a:p>
-                      <a:endParaRPr kumimoji="1" lang="ja-JP" altLang="en-US" sz="800"/>
-                    </a:p>
-                  </a:txBody>
-                  <a:tcPr/>
-                </a:tc>
-                <a:tc>
-                  <a:txBody>
-                    <a:bodyPr/>
-                    <a:lstStyle/>
-                    <a:p>
-                      <a:endParaRPr kumimoji="1" lang="ja-JP" altLang="en-US" sz="800"/>
-                    </a:p>
-                  </a:txBody>
-                  <a:tcPr/>
-                </a:tc>
-                <a:tc>
-                  <a:txBody>
-                    <a:bodyPr/>
-                    <a:lstStyle/>
-                    <a:p>
-                      <a:endParaRPr kumimoji="1" lang="ja-JP" altLang="en-US" sz="800"/>
-                    </a:p>
-                  </a:txBody>
-                  <a:tcPr/>
-                </a:tc>
-                <a:tc>
-                  <a:txBody>
-                    <a:bodyPr/>
-                    <a:lstStyle/>
-                    <a:p>
-                      <a:endParaRPr kumimoji="1" lang="ja-JP" altLang="en-US" sz="800"/>
-                    </a:p>
-                  </a:txBody>
-                  <a:tcPr/>
-                </a:tc>
-                <a:tc>
-                  <a:txBody>
-                    <a:bodyPr/>
-                    <a:lstStyle/>
-                    <a:p>
-                      <a:endParaRPr kumimoji="1" lang="ja-JP" altLang="en-US" sz="800"/>
-                    </a:p>
-                  </a:txBody>
-                  <a:tcPr/>
-                </a:tc>
-                <a:tc>
-                  <a:txBody>
-                    <a:bodyPr/>
-                    <a:lstStyle/>
-                    <a:p>
-                      <a:endParaRPr kumimoji="1" lang="ja-JP" altLang="en-US" sz="800"/>
-                    </a:p>
-                  </a:txBody>
-                  <a:tcPr/>
-                </a:tc>
-                <a:tc>
-                  <a:txBody>
-                    <a:bodyPr/>
-                    <a:lstStyle/>
-                    <a:p>
-                      <a:endParaRPr kumimoji="1" lang="ja-JP" altLang="en-US" sz="800"/>
-                    </a:p>
-                  </a:txBody>
-                  <a:tcPr/>
-                </a:tc>
-                <a:tc>
-                  <a:txBody>
-                    <a:bodyPr/>
-                    <a:lstStyle/>
-                    <a:p>
-                      <a:endParaRPr kumimoji="1" lang="ja-JP" altLang="en-US" sz="800"/>
-                    </a:p>
-                  </a:txBody>
-                  <a:tcPr/>
-                </a:tc>
-                <a:tc>
-                  <a:txBody>
-                    <a:bodyPr/>
-                    <a:lstStyle/>
-                    <a:p>
-                      <a:endParaRPr kumimoji="1" lang="ja-JP" altLang="en-US" sz="800"/>
-                    </a:p>
-                  </a:txBody>
-                  <a:tcPr/>
-                </a:tc>
-                <a:tc>
-                  <a:txBody>
-                    <a:bodyPr/>
-                    <a:lstStyle/>
-                    <a:p>
-                      <a:endParaRPr kumimoji="1" lang="ja-JP" altLang="en-US" sz="800"/>
-                    </a:p>
-                  </a:txBody>
-                  <a:tcPr/>
-                </a:tc>
-                <a:tc>
-                  <a:txBody>
-                    <a:bodyPr/>
-                    <a:lstStyle/>
-                    <a:p>
-                      <a:endParaRPr kumimoji="1" lang="ja-JP" altLang="en-US" sz="800"/>
-                    </a:p>
-                  </a:txBody>
-                  <a:tcPr/>
-                </a:tc>
-                <a:tc>
-                  <a:txBody>
-                    <a:bodyPr/>
-                    <a:lstStyle/>
-                    <a:p>
-                      <a:endParaRPr kumimoji="1" lang="ja-JP" altLang="en-US" sz="800"/>
-                    </a:p>
-                  </a:txBody>
-                  <a:tcPr/>
-                </a:tc>
-                <a:tc>
-                  <a:txBody>
-                    <a:bodyPr/>
-                    <a:lstStyle/>
-                    <a:p>
-                      <a:endParaRPr kumimoji="1" lang="ja-JP" altLang="en-US" sz="800"/>
-                    </a:p>
-                  </a:txBody>
-                  <a:tcPr/>
-                </a:tc>
-                <a:tc>
-                  <a:txBody>
-                    <a:bodyPr/>
-                    <a:lstStyle/>
-                    <a:p>
-                      <a:endParaRPr kumimoji="1" lang="ja-JP" altLang="en-US" sz="800"/>
-                    </a:p>
-                  </a:txBody>
-                  <a:tcPr/>
-                </a:tc>
-                <a:tc>
-                  <a:txBody>
-                    <a:bodyPr/>
-                    <a:lstStyle/>
-                    <a:p>
-                      <a:endParaRPr kumimoji="1" lang="ja-JP" altLang="en-US" sz="800"/>
-                    </a:p>
-                  </a:txBody>
-                  <a:tcPr/>
-                </a:tc>
-                <a:tc>
-                  <a:txBody>
-                    <a:bodyPr/>
-                    <a:lstStyle/>
-                    <a:p>
-                      <a:endParaRPr kumimoji="1" lang="ja-JP" altLang="en-US" sz="800"/>
-                    </a:p>
-                  </a:txBody>
-                  <a:tcPr/>
-                </a:tc>
-                <a:tc>
-                  <a:txBody>
-                    <a:bodyPr/>
-                    <a:lstStyle/>
-                    <a:p>
-                      <a:endParaRPr kumimoji="1" lang="ja-JP" altLang="en-US" sz="800"/>
-                    </a:p>
-                  </a:txBody>
-                  <a:tcPr/>
-                </a:tc>
-                <a:extLst>
-                  <a:ext uri="{0D108BD9-81ED-4DB2-BD59-A6C34878D82A}">
-                    <a16:rowId xmlns:a16="http://schemas.microsoft.com/office/drawing/2014/main" val="1889777964"/>
-                  </a:ext>
-                </a:extLst>
-              </a:tr>
-              <a:tr h="458790">
-                <a:tc>
-                  <a:txBody>
-                    <a:bodyPr/>
-                    <a:lstStyle/>
-                    <a:p>
-                      <a:endParaRPr kumimoji="1" lang="ja-JP" altLang="en-US" sz="800"/>
-                    </a:p>
-                  </a:txBody>
-                  <a:tcPr/>
-                </a:tc>
-                <a:tc>
-                  <a:txBody>
-                    <a:bodyPr/>
-                    <a:lstStyle/>
-                    <a:p>
-                      <a:endParaRPr kumimoji="1" lang="ja-JP" altLang="en-US" sz="800"/>
-                    </a:p>
-                  </a:txBody>
-                  <a:tcPr/>
-                </a:tc>
-                <a:tc>
-                  <a:txBody>
-                    <a:bodyPr/>
-                    <a:lstStyle/>
-                    <a:p>
-                      <a:endParaRPr kumimoji="1" lang="ja-JP" altLang="en-US" sz="800"/>
-                    </a:p>
-                  </a:txBody>
-                  <a:tcPr/>
-                </a:tc>
-                <a:tc>
-                  <a:txBody>
-                    <a:bodyPr/>
-                    <a:lstStyle/>
-                    <a:p>
-                      <a:endParaRPr kumimoji="1" lang="ja-JP" altLang="en-US" sz="800"/>
-                    </a:p>
-                  </a:txBody>
-                  <a:tcPr/>
-                </a:tc>
-                <a:tc>
-                  <a:txBody>
-                    <a:bodyPr/>
-                    <a:lstStyle/>
-                    <a:p>
-                      <a:endParaRPr kumimoji="1" lang="ja-JP" altLang="en-US" sz="800"/>
-                    </a:p>
-                  </a:txBody>
-                  <a:tcPr/>
-                </a:tc>
-                <a:tc>
-                  <a:txBody>
-                    <a:bodyPr/>
-                    <a:lstStyle/>
-                    <a:p>
-                      <a:endParaRPr kumimoji="1" lang="ja-JP" altLang="en-US" sz="800"/>
-                    </a:p>
-                  </a:txBody>
-                  <a:tcPr/>
-                </a:tc>
-                <a:tc>
-                  <a:txBody>
-                    <a:bodyPr/>
-                    <a:lstStyle/>
-                    <a:p>
-                      <a:endParaRPr kumimoji="1" lang="ja-JP" altLang="en-US" sz="800"/>
-                    </a:p>
-                  </a:txBody>
-                  <a:tcPr/>
-                </a:tc>
-                <a:tc>
-                  <a:txBody>
-                    <a:bodyPr/>
-                    <a:lstStyle/>
-                    <a:p>
-                      <a:endParaRPr kumimoji="1" lang="ja-JP" altLang="en-US" sz="800"/>
-                    </a:p>
-                  </a:txBody>
-                  <a:tcPr/>
-                </a:tc>
-                <a:tc>
-                  <a:txBody>
-                    <a:bodyPr/>
-                    <a:lstStyle/>
-                    <a:p>
-                      <a:endParaRPr kumimoji="1" lang="ja-JP" altLang="en-US" sz="800"/>
-                    </a:p>
-                  </a:txBody>
-                  <a:tcPr/>
-                </a:tc>
-                <a:tc>
-                  <a:txBody>
-                    <a:bodyPr/>
-                    <a:lstStyle/>
-                    <a:p>
-                      <a:endParaRPr kumimoji="1" lang="ja-JP" altLang="en-US" sz="800"/>
-                    </a:p>
-                  </a:txBody>
-                  <a:tcPr/>
-                </a:tc>
-                <a:tc>
-                  <a:txBody>
-                    <a:bodyPr/>
-                    <a:lstStyle/>
-                    <a:p>
-                      <a:endParaRPr kumimoji="1" lang="ja-JP" altLang="en-US" sz="800"/>
-                    </a:p>
-                  </a:txBody>
-                  <a:tcPr/>
-                </a:tc>
-                <a:tc>
-                  <a:txBody>
-                    <a:bodyPr/>
-                    <a:lstStyle/>
-                    <a:p>
-                      <a:endParaRPr kumimoji="1" lang="ja-JP" altLang="en-US" sz="800"/>
-                    </a:p>
-                  </a:txBody>
-                  <a:tcPr/>
-                </a:tc>
-                <a:tc>
-                  <a:txBody>
-                    <a:bodyPr/>
-                    <a:lstStyle/>
-                    <a:p>
-                      <a:endParaRPr kumimoji="1" lang="ja-JP" altLang="en-US" sz="800"/>
-                    </a:p>
-                  </a:txBody>
-                  <a:tcPr/>
-                </a:tc>
-                <a:tc>
-                  <a:txBody>
-                    <a:bodyPr/>
-                    <a:lstStyle/>
-                    <a:p>
-                      <a:endParaRPr kumimoji="1" lang="ja-JP" altLang="en-US" sz="800"/>
-                    </a:p>
-                  </a:txBody>
-                  <a:tcPr/>
-                </a:tc>
-                <a:tc>
-                  <a:txBody>
-                    <a:bodyPr/>
-                    <a:lstStyle/>
-                    <a:p>
-                      <a:endParaRPr kumimoji="1" lang="ja-JP" altLang="en-US" sz="800"/>
-                    </a:p>
-                  </a:txBody>
-                  <a:tcPr/>
-                </a:tc>
-                <a:tc>
-                  <a:txBody>
-                    <a:bodyPr/>
-                    <a:lstStyle/>
-                    <a:p>
-                      <a:endParaRPr kumimoji="1" lang="ja-JP" altLang="en-US" sz="800"/>
-                    </a:p>
-                  </a:txBody>
-                  <a:tcPr/>
-                </a:tc>
-                <a:tc>
-                  <a:txBody>
-                    <a:bodyPr/>
-                    <a:lstStyle/>
-                    <a:p>
-                      <a:endParaRPr kumimoji="1" lang="ja-JP" altLang="en-US" sz="800"/>
-                    </a:p>
-                  </a:txBody>
-                  <a:tcPr/>
-                </a:tc>
-                <a:tc>
-                  <a:txBody>
-                    <a:bodyPr/>
-                    <a:lstStyle/>
-                    <a:p>
-                      <a:endParaRPr kumimoji="1" lang="ja-JP" altLang="en-US" sz="800"/>
-                    </a:p>
-                  </a:txBody>
-                  <a:tcPr/>
-                </a:tc>
-                <a:extLst>
-                  <a:ext uri="{0D108BD9-81ED-4DB2-BD59-A6C34878D82A}">
-                    <a16:rowId xmlns:a16="http://schemas.microsoft.com/office/drawing/2014/main" val="4237162179"/>
-                  </a:ext>
-                </a:extLst>
-              </a:tr>
-              <a:tr h="458790">
-                <a:tc>
-                  <a:txBody>
-                    <a:bodyPr/>
-                    <a:lstStyle/>
-                    <a:p>
-                      <a:endParaRPr kumimoji="1" lang="ja-JP" altLang="en-US" sz="800"/>
-                    </a:p>
-                  </a:txBody>
-                  <a:tcPr/>
-                </a:tc>
-                <a:tc>
-                  <a:txBody>
-                    <a:bodyPr/>
-                    <a:lstStyle/>
-                    <a:p>
-                      <a:endParaRPr kumimoji="1" lang="ja-JP" altLang="en-US" sz="800"/>
-                    </a:p>
-                  </a:txBody>
-                  <a:tcPr/>
-                </a:tc>
-                <a:tc>
-                  <a:txBody>
-                    <a:bodyPr/>
-                    <a:lstStyle/>
-                    <a:p>
-                      <a:endParaRPr kumimoji="1" lang="ja-JP" altLang="en-US" sz="800"/>
-                    </a:p>
-                  </a:txBody>
-                  <a:tcPr/>
-                </a:tc>
-                <a:tc>
-                  <a:txBody>
-                    <a:bodyPr/>
-                    <a:lstStyle/>
-                    <a:p>
-                      <a:endParaRPr kumimoji="1" lang="ja-JP" altLang="en-US" sz="800"/>
-                    </a:p>
-                  </a:txBody>
-                  <a:tcPr/>
-                </a:tc>
-                <a:tc>
-                  <a:txBody>
-                    <a:bodyPr/>
-                    <a:lstStyle/>
-                    <a:p>
-                      <a:endParaRPr kumimoji="1" lang="ja-JP" altLang="en-US" sz="800"/>
-                    </a:p>
-                  </a:txBody>
-                  <a:tcPr/>
-                </a:tc>
-                <a:tc>
-                  <a:txBody>
-                    <a:bodyPr/>
-                    <a:lstStyle/>
-                    <a:p>
-                      <a:endParaRPr kumimoji="1" lang="ja-JP" altLang="en-US" sz="800"/>
-                    </a:p>
-                  </a:txBody>
-                  <a:tcPr/>
-                </a:tc>
-                <a:tc>
-                  <a:txBody>
-                    <a:bodyPr/>
-                    <a:lstStyle/>
-                    <a:p>
-                      <a:endParaRPr kumimoji="1" lang="ja-JP" altLang="en-US" sz="800"/>
-                    </a:p>
-                  </a:txBody>
-                  <a:tcPr/>
-                </a:tc>
-                <a:tc>
-                  <a:txBody>
-                    <a:bodyPr/>
-                    <a:lstStyle/>
-                    <a:p>
-                      <a:endParaRPr kumimoji="1" lang="ja-JP" altLang="en-US" sz="800"/>
-                    </a:p>
-                  </a:txBody>
-                  <a:tcPr/>
-                </a:tc>
-                <a:tc>
-                  <a:txBody>
-                    <a:bodyPr/>
-                    <a:lstStyle/>
-                    <a:p>
-                      <a:endParaRPr kumimoji="1" lang="ja-JP" altLang="en-US" sz="800"/>
-                    </a:p>
-                  </a:txBody>
-                  <a:tcPr/>
-                </a:tc>
-                <a:tc>
-                  <a:txBody>
-                    <a:bodyPr/>
-                    <a:lstStyle/>
-                    <a:p>
-                      <a:endParaRPr kumimoji="1" lang="ja-JP" altLang="en-US" sz="800"/>
-                    </a:p>
-                  </a:txBody>
-                  <a:tcPr/>
-                </a:tc>
-                <a:tc>
-                  <a:txBody>
-                    <a:bodyPr/>
-                    <a:lstStyle/>
-                    <a:p>
-                      <a:endParaRPr kumimoji="1" lang="ja-JP" altLang="en-US" sz="800"/>
-                    </a:p>
-                  </a:txBody>
-                  <a:tcPr/>
-                </a:tc>
-                <a:tc>
-                  <a:txBody>
-                    <a:bodyPr/>
-                    <a:lstStyle/>
-                    <a:p>
-                      <a:endParaRPr kumimoji="1" lang="ja-JP" altLang="en-US" sz="800"/>
-                    </a:p>
-                  </a:txBody>
-                  <a:tcPr/>
-                </a:tc>
-                <a:tc>
-                  <a:txBody>
-                    <a:bodyPr/>
-                    <a:lstStyle/>
-                    <a:p>
-                      <a:endParaRPr kumimoji="1" lang="ja-JP" altLang="en-US" sz="800"/>
-                    </a:p>
-                  </a:txBody>
-                  <a:tcPr/>
-                </a:tc>
-                <a:tc>
-                  <a:txBody>
-                    <a:bodyPr/>
-                    <a:lstStyle/>
-                    <a:p>
-                      <a:endParaRPr kumimoji="1" lang="ja-JP" altLang="en-US" sz="800"/>
-                    </a:p>
-                  </a:txBody>
-                  <a:tcPr/>
-                </a:tc>
-                <a:tc>
-                  <a:txBody>
-                    <a:bodyPr/>
-                    <a:lstStyle/>
-                    <a:p>
-                      <a:endParaRPr kumimoji="1" lang="ja-JP" altLang="en-US" sz="800"/>
-                    </a:p>
-                  </a:txBody>
-                  <a:tcPr/>
-                </a:tc>
-                <a:tc>
-                  <a:txBody>
-                    <a:bodyPr/>
-                    <a:lstStyle/>
-                    <a:p>
-                      <a:endParaRPr kumimoji="1" lang="ja-JP" altLang="en-US" sz="800"/>
-                    </a:p>
-                  </a:txBody>
-                  <a:tcPr/>
-                </a:tc>
-                <a:tc>
-                  <a:txBody>
-                    <a:bodyPr/>
-                    <a:lstStyle/>
-                    <a:p>
-                      <a:endParaRPr kumimoji="1" lang="ja-JP" altLang="en-US" sz="800"/>
-                    </a:p>
-                  </a:txBody>
-                  <a:tcPr/>
-                </a:tc>
-                <a:tc>
-                  <a:txBody>
-                    <a:bodyPr/>
-                    <a:lstStyle/>
-                    <a:p>
-                      <a:endParaRPr kumimoji="1" lang="ja-JP" altLang="en-US" sz="800"/>
-                    </a:p>
-                  </a:txBody>
-                  <a:tcPr/>
-                </a:tc>
-                <a:extLst>
-                  <a:ext uri="{0D108BD9-81ED-4DB2-BD59-A6C34878D82A}">
-                    <a16:rowId xmlns:a16="http://schemas.microsoft.com/office/drawing/2014/main" val="133675700"/>
-                  </a:ext>
-                </a:extLst>
-              </a:tr>
-              <a:tr h="458790">
-                <a:tc>
-                  <a:txBody>
-                    <a:bodyPr/>
-                    <a:lstStyle/>
-                    <a:p>
-                      <a:endParaRPr kumimoji="1" lang="ja-JP" altLang="en-US" sz="800"/>
-                    </a:p>
-                  </a:txBody>
-                  <a:tcPr/>
-                </a:tc>
-                <a:tc>
-                  <a:txBody>
-                    <a:bodyPr/>
-                    <a:lstStyle/>
-                    <a:p>
-                      <a:endParaRPr kumimoji="1" lang="ja-JP" altLang="en-US" sz="800"/>
-                    </a:p>
-                  </a:txBody>
-                  <a:tcPr/>
-                </a:tc>
-                <a:tc>
-                  <a:txBody>
-                    <a:bodyPr/>
-                    <a:lstStyle/>
-                    <a:p>
-                      <a:endParaRPr kumimoji="1" lang="ja-JP" altLang="en-US" sz="800"/>
-                    </a:p>
-                  </a:txBody>
-                  <a:tcPr/>
-                </a:tc>
-                <a:tc>
-                  <a:txBody>
-                    <a:bodyPr/>
-                    <a:lstStyle/>
-                    <a:p>
-                      <a:endParaRPr kumimoji="1" lang="ja-JP" altLang="en-US" sz="800"/>
-                    </a:p>
-                  </a:txBody>
-                  <a:tcPr/>
-                </a:tc>
-                <a:tc>
-                  <a:txBody>
-                    <a:bodyPr/>
-                    <a:lstStyle/>
-                    <a:p>
-                      <a:endParaRPr kumimoji="1" lang="ja-JP" altLang="en-US" sz="800"/>
-                    </a:p>
-                  </a:txBody>
-                  <a:tcPr/>
-                </a:tc>
-                <a:tc>
-                  <a:txBody>
-                    <a:bodyPr/>
-                    <a:lstStyle/>
-                    <a:p>
-                      <a:endParaRPr kumimoji="1" lang="ja-JP" altLang="en-US" sz="800"/>
-                    </a:p>
-                  </a:txBody>
-                  <a:tcPr/>
-                </a:tc>
-                <a:tc>
-                  <a:txBody>
-                    <a:bodyPr/>
-                    <a:lstStyle/>
-                    <a:p>
-                      <a:endParaRPr kumimoji="1" lang="ja-JP" altLang="en-US" sz="800"/>
-                    </a:p>
-                  </a:txBody>
-                  <a:tcPr/>
-                </a:tc>
-                <a:tc>
-                  <a:txBody>
-                    <a:bodyPr/>
-                    <a:lstStyle/>
-                    <a:p>
-                      <a:endParaRPr kumimoji="1" lang="ja-JP" altLang="en-US" sz="800"/>
-                    </a:p>
-                  </a:txBody>
-                  <a:tcPr/>
-                </a:tc>
-                <a:tc>
-                  <a:txBody>
-                    <a:bodyPr/>
-                    <a:lstStyle/>
-                    <a:p>
-                      <a:endParaRPr kumimoji="1" lang="ja-JP" altLang="en-US" sz="800"/>
-                    </a:p>
-                  </a:txBody>
-                  <a:tcPr/>
-                </a:tc>
-                <a:tc>
-                  <a:txBody>
-                    <a:bodyPr/>
-                    <a:lstStyle/>
-                    <a:p>
-                      <a:endParaRPr kumimoji="1" lang="ja-JP" altLang="en-US" sz="800"/>
-                    </a:p>
-                  </a:txBody>
-                  <a:tcPr/>
-                </a:tc>
-                <a:tc>
-                  <a:txBody>
-                    <a:bodyPr/>
-                    <a:lstStyle/>
-                    <a:p>
-                      <a:endParaRPr kumimoji="1" lang="ja-JP" altLang="en-US" sz="800"/>
-                    </a:p>
-                  </a:txBody>
-                  <a:tcPr/>
-                </a:tc>
-                <a:tc>
-                  <a:txBody>
-                    <a:bodyPr/>
-                    <a:lstStyle/>
-                    <a:p>
-                      <a:endParaRPr kumimoji="1" lang="ja-JP" altLang="en-US" sz="800"/>
-                    </a:p>
-                  </a:txBody>
-                  <a:tcPr/>
-                </a:tc>
-                <a:tc>
-                  <a:txBody>
-                    <a:bodyPr/>
-                    <a:lstStyle/>
-                    <a:p>
-                      <a:endParaRPr kumimoji="1" lang="ja-JP" altLang="en-US" sz="800"/>
-                    </a:p>
-                  </a:txBody>
-                  <a:tcPr/>
-                </a:tc>
-                <a:tc>
-                  <a:txBody>
-                    <a:bodyPr/>
-                    <a:lstStyle/>
-                    <a:p>
-                      <a:endParaRPr kumimoji="1" lang="ja-JP" altLang="en-US" sz="800"/>
-                    </a:p>
-                  </a:txBody>
-                  <a:tcPr/>
-                </a:tc>
-                <a:tc>
-                  <a:txBody>
-                    <a:bodyPr/>
-                    <a:lstStyle/>
-                    <a:p>
-                      <a:endParaRPr kumimoji="1" lang="ja-JP" altLang="en-US" sz="800"/>
-                    </a:p>
-                  </a:txBody>
-                  <a:tcPr/>
-                </a:tc>
-                <a:tc>
-                  <a:txBody>
-                    <a:bodyPr/>
-                    <a:lstStyle/>
-                    <a:p>
-                      <a:endParaRPr kumimoji="1" lang="ja-JP" altLang="en-US" sz="800"/>
-                    </a:p>
-                  </a:txBody>
-                  <a:tcPr/>
-                </a:tc>
-                <a:tc>
-                  <a:txBody>
-                    <a:bodyPr/>
-                    <a:lstStyle/>
-                    <a:p>
-                      <a:endParaRPr kumimoji="1" lang="ja-JP" altLang="en-US" sz="800"/>
-                    </a:p>
-                  </a:txBody>
-                  <a:tcPr/>
-                </a:tc>
-                <a:tc>
-                  <a:txBody>
-                    <a:bodyPr/>
-                    <a:lstStyle/>
-                    <a:p>
-                      <a:endParaRPr kumimoji="1" lang="ja-JP" altLang="en-US" sz="800"/>
-                    </a:p>
-                  </a:txBody>
-                  <a:tcPr/>
-                </a:tc>
-                <a:extLst>
-                  <a:ext uri="{0D108BD9-81ED-4DB2-BD59-A6C34878D82A}">
-                    <a16:rowId xmlns:a16="http://schemas.microsoft.com/office/drawing/2014/main" val="1235163635"/>
-                  </a:ext>
-                </a:extLst>
-              </a:tr>
-              <a:tr h="458790">
-                <a:tc>
-                  <a:txBody>
-                    <a:bodyPr/>
-                    <a:lstStyle/>
-                    <a:p>
-                      <a:endParaRPr kumimoji="1" lang="ja-JP" altLang="en-US" sz="800"/>
-                    </a:p>
-                  </a:txBody>
-                  <a:tcPr/>
-                </a:tc>
-                <a:tc>
-                  <a:txBody>
-                    <a:bodyPr/>
-                    <a:lstStyle/>
-                    <a:p>
-                      <a:endParaRPr kumimoji="1" lang="ja-JP" altLang="en-US" sz="800"/>
-                    </a:p>
-                  </a:txBody>
-                  <a:tcPr/>
-                </a:tc>
-                <a:tc>
-                  <a:txBody>
-                    <a:bodyPr/>
-                    <a:lstStyle/>
-                    <a:p>
-                      <a:endParaRPr kumimoji="1" lang="ja-JP" altLang="en-US" sz="800"/>
-                    </a:p>
-                  </a:txBody>
-                  <a:tcPr/>
-                </a:tc>
-                <a:tc>
-                  <a:txBody>
-                    <a:bodyPr/>
-                    <a:lstStyle/>
-                    <a:p>
-                      <a:endParaRPr kumimoji="1" lang="ja-JP" altLang="en-US" sz="800"/>
-                    </a:p>
-                  </a:txBody>
-                  <a:tcPr/>
-                </a:tc>
-                <a:tc>
-                  <a:txBody>
-                    <a:bodyPr/>
-                    <a:lstStyle/>
-                    <a:p>
-                      <a:endParaRPr kumimoji="1" lang="ja-JP" altLang="en-US" sz="800"/>
-                    </a:p>
-                  </a:txBody>
-                  <a:tcPr/>
-                </a:tc>
-                <a:tc>
-                  <a:txBody>
-                    <a:bodyPr/>
-                    <a:lstStyle/>
-                    <a:p>
-                      <a:endParaRPr kumimoji="1" lang="ja-JP" altLang="en-US" sz="800"/>
-                    </a:p>
-                  </a:txBody>
-                  <a:tcPr/>
-                </a:tc>
-                <a:tc>
-                  <a:txBody>
-                    <a:bodyPr/>
-                    <a:lstStyle/>
-                    <a:p>
-                      <a:endParaRPr kumimoji="1" lang="ja-JP" altLang="en-US" sz="800"/>
-                    </a:p>
-                  </a:txBody>
-                  <a:tcPr/>
-                </a:tc>
-                <a:tc>
-                  <a:txBody>
-                    <a:bodyPr/>
-                    <a:lstStyle/>
-                    <a:p>
-                      <a:endParaRPr kumimoji="1" lang="ja-JP" altLang="en-US" sz="800"/>
-                    </a:p>
-                  </a:txBody>
-                  <a:tcPr/>
-                </a:tc>
-                <a:tc>
-                  <a:txBody>
-                    <a:bodyPr/>
-                    <a:lstStyle/>
-                    <a:p>
-                      <a:endParaRPr kumimoji="1" lang="ja-JP" altLang="en-US" sz="800" dirty="0"/>
-                    </a:p>
-                  </a:txBody>
-                  <a:tcPr/>
-                </a:tc>
-                <a:tc>
-                  <a:txBody>
-                    <a:bodyPr/>
-                    <a:lstStyle/>
-                    <a:p>
-                      <a:endParaRPr kumimoji="1" lang="ja-JP" altLang="en-US" sz="800" dirty="0"/>
-                    </a:p>
-                  </a:txBody>
-                  <a:tcPr/>
-                </a:tc>
-                <a:tc>
-                  <a:txBody>
-                    <a:bodyPr/>
-                    <a:lstStyle/>
-                    <a:p>
-                      <a:endParaRPr kumimoji="1" lang="ja-JP" altLang="en-US" sz="800" dirty="0"/>
-                    </a:p>
-                  </a:txBody>
-                  <a:tcPr/>
-                </a:tc>
-                <a:tc>
-                  <a:txBody>
-                    <a:bodyPr/>
-                    <a:lstStyle/>
-                    <a:p>
-                      <a:endParaRPr kumimoji="1" lang="ja-JP" altLang="en-US" sz="800" dirty="0"/>
-                    </a:p>
-                  </a:txBody>
-                  <a:tcPr/>
-                </a:tc>
-                <a:tc>
-                  <a:txBody>
-                    <a:bodyPr/>
-                    <a:lstStyle/>
-                    <a:p>
-                      <a:endParaRPr kumimoji="1" lang="ja-JP" altLang="en-US" sz="800" dirty="0"/>
-                    </a:p>
-                  </a:txBody>
-                  <a:tcPr/>
-                </a:tc>
-                <a:tc>
-                  <a:txBody>
-                    <a:bodyPr/>
-                    <a:lstStyle/>
-                    <a:p>
-                      <a:endParaRPr kumimoji="1" lang="ja-JP" altLang="en-US" sz="800" dirty="0"/>
-                    </a:p>
-                  </a:txBody>
-                  <a:tcPr/>
-                </a:tc>
-                <a:tc>
-                  <a:txBody>
-                    <a:bodyPr/>
-                    <a:lstStyle/>
-                    <a:p>
-                      <a:endParaRPr kumimoji="1" lang="ja-JP" altLang="en-US" sz="800" dirty="0"/>
-                    </a:p>
-                  </a:txBody>
-                  <a:tcPr/>
-                </a:tc>
-                <a:tc>
-                  <a:txBody>
-                    <a:bodyPr/>
-                    <a:lstStyle/>
-                    <a:p>
-                      <a:endParaRPr kumimoji="1" lang="ja-JP" altLang="en-US" sz="800" dirty="0"/>
-                    </a:p>
-                  </a:txBody>
-                  <a:tcPr/>
-                </a:tc>
-                <a:tc>
-                  <a:txBody>
-                    <a:bodyPr/>
-                    <a:lstStyle/>
-                    <a:p>
-                      <a:endParaRPr kumimoji="1" lang="ja-JP" altLang="en-US" sz="800" dirty="0"/>
-                    </a:p>
-                  </a:txBody>
-                  <a:tcPr/>
-                </a:tc>
-                <a:tc>
-                  <a:txBody>
-                    <a:bodyPr/>
-                    <a:lstStyle/>
-                    <a:p>
-                      <a:endParaRPr kumimoji="1" lang="ja-JP" altLang="en-US" sz="800" dirty="0"/>
-                    </a:p>
-                  </a:txBody>
-                  <a:tcPr/>
-                </a:tc>
-                <a:extLst>
-                  <a:ext uri="{0D108BD9-81ED-4DB2-BD59-A6C34878D82A}">
-                    <a16:rowId xmlns:a16="http://schemas.microsoft.com/office/drawing/2014/main" val="3124131586"/>
-                  </a:ext>
-                </a:extLst>
-              </a:tr>
-              <a:tr h="458790">
-                <a:tc>
-                  <a:txBody>
-                    <a:bodyPr/>
-                    <a:lstStyle/>
-                    <a:p>
-                      <a:endParaRPr kumimoji="1" lang="ja-JP" altLang="en-US" sz="800"/>
-                    </a:p>
-                  </a:txBody>
-                  <a:tcPr/>
-                </a:tc>
-                <a:tc>
-                  <a:txBody>
-                    <a:bodyPr/>
-                    <a:lstStyle/>
-                    <a:p>
-                      <a:endParaRPr kumimoji="1" lang="ja-JP" altLang="en-US" sz="800"/>
-                    </a:p>
-                  </a:txBody>
-                  <a:tcPr/>
-                </a:tc>
-                <a:tc>
-                  <a:txBody>
-                    <a:bodyPr/>
-                    <a:lstStyle/>
-                    <a:p>
-                      <a:endParaRPr kumimoji="1" lang="ja-JP" altLang="en-US" sz="800"/>
-                    </a:p>
-                  </a:txBody>
-                  <a:tcPr/>
-                </a:tc>
-                <a:tc>
-                  <a:txBody>
-                    <a:bodyPr/>
-                    <a:lstStyle/>
-                    <a:p>
-                      <a:endParaRPr kumimoji="1" lang="ja-JP" altLang="en-US" sz="800"/>
-                    </a:p>
-                  </a:txBody>
-                  <a:tcPr/>
-                </a:tc>
-                <a:tc>
-                  <a:txBody>
-                    <a:bodyPr/>
-                    <a:lstStyle/>
-                    <a:p>
-                      <a:endParaRPr kumimoji="1" lang="ja-JP" altLang="en-US" sz="800"/>
-                    </a:p>
-                  </a:txBody>
-                  <a:tcPr/>
-                </a:tc>
-                <a:tc>
-                  <a:txBody>
-                    <a:bodyPr/>
-                    <a:lstStyle/>
-                    <a:p>
-                      <a:endParaRPr kumimoji="1" lang="ja-JP" altLang="en-US" sz="800"/>
-                    </a:p>
-                  </a:txBody>
-                  <a:tcPr/>
-                </a:tc>
-                <a:tc>
-                  <a:txBody>
-                    <a:bodyPr/>
-                    <a:lstStyle/>
-                    <a:p>
-                      <a:endParaRPr kumimoji="1" lang="ja-JP" altLang="en-US" sz="800"/>
-                    </a:p>
-                  </a:txBody>
-                  <a:tcPr/>
-                </a:tc>
-                <a:tc>
-                  <a:txBody>
-                    <a:bodyPr/>
-                    <a:lstStyle/>
-                    <a:p>
-                      <a:endParaRPr kumimoji="1" lang="ja-JP" altLang="en-US" sz="800"/>
-                    </a:p>
-                  </a:txBody>
-                  <a:tcPr/>
-                </a:tc>
-                <a:tc>
-                  <a:txBody>
-                    <a:bodyPr/>
-                    <a:lstStyle/>
-                    <a:p>
-                      <a:endParaRPr kumimoji="1" lang="ja-JP" altLang="en-US" sz="800"/>
-                    </a:p>
-                  </a:txBody>
-                  <a:tcPr/>
-                </a:tc>
-                <a:tc>
-                  <a:txBody>
-                    <a:bodyPr/>
-                    <a:lstStyle/>
-                    <a:p>
-                      <a:endParaRPr kumimoji="1" lang="ja-JP" altLang="en-US" sz="800" dirty="0"/>
-                    </a:p>
-                  </a:txBody>
-                  <a:tcPr/>
-                </a:tc>
-                <a:tc>
-                  <a:txBody>
-                    <a:bodyPr/>
-                    <a:lstStyle/>
-                    <a:p>
-                      <a:endParaRPr kumimoji="1" lang="ja-JP" altLang="en-US" sz="800" dirty="0"/>
-                    </a:p>
-                  </a:txBody>
-                  <a:tcPr/>
-                </a:tc>
-                <a:tc>
-                  <a:txBody>
-                    <a:bodyPr/>
-                    <a:lstStyle/>
-                    <a:p>
-                      <a:endParaRPr kumimoji="1" lang="ja-JP" altLang="en-US" sz="800" dirty="0"/>
-                    </a:p>
-                  </a:txBody>
-                  <a:tcPr/>
-                </a:tc>
-                <a:tc>
-                  <a:txBody>
-                    <a:bodyPr/>
-                    <a:lstStyle/>
-                    <a:p>
-                      <a:endParaRPr kumimoji="1" lang="ja-JP" altLang="en-US" sz="800" dirty="0"/>
-                    </a:p>
-                  </a:txBody>
-                  <a:tcPr/>
-                </a:tc>
-                <a:tc>
-                  <a:txBody>
-                    <a:bodyPr/>
-                    <a:lstStyle/>
-                    <a:p>
-                      <a:endParaRPr kumimoji="1" lang="ja-JP" altLang="en-US" sz="800" dirty="0"/>
-                    </a:p>
-                  </a:txBody>
-                  <a:tcPr/>
-                </a:tc>
-                <a:tc>
-                  <a:txBody>
-                    <a:bodyPr/>
-                    <a:lstStyle/>
-                    <a:p>
-                      <a:endParaRPr kumimoji="1" lang="ja-JP" altLang="en-US" sz="800" dirty="0"/>
-                    </a:p>
-                  </a:txBody>
-                  <a:tcPr/>
-                </a:tc>
-                <a:tc>
-                  <a:txBody>
-                    <a:bodyPr/>
-                    <a:lstStyle/>
-                    <a:p>
-                      <a:endParaRPr kumimoji="1" lang="ja-JP" altLang="en-US" sz="800" dirty="0"/>
-                    </a:p>
-                  </a:txBody>
-                  <a:tcPr/>
-                </a:tc>
-                <a:tc>
-                  <a:txBody>
-                    <a:bodyPr/>
-                    <a:lstStyle/>
-                    <a:p>
-                      <a:endParaRPr kumimoji="1" lang="ja-JP" altLang="en-US" sz="800" dirty="0"/>
-                    </a:p>
-                  </a:txBody>
-                  <a:tcPr/>
-                </a:tc>
-                <a:tc>
-                  <a:txBody>
-                    <a:bodyPr/>
-                    <a:lstStyle/>
-                    <a:p>
-                      <a:endParaRPr kumimoji="1" lang="ja-JP" altLang="en-US" sz="800" dirty="0"/>
-                    </a:p>
-                  </a:txBody>
-                  <a:tcPr/>
-                </a:tc>
-                <a:extLst>
-                  <a:ext uri="{0D108BD9-81ED-4DB2-BD59-A6C34878D82A}">
-                    <a16:rowId xmlns:a16="http://schemas.microsoft.com/office/drawing/2014/main" val="442271358"/>
-                  </a:ext>
-                </a:extLst>
-              </a:tr>
-              <a:tr h="458790">
-                <a:tc>
-                  <a:txBody>
-                    <a:bodyPr/>
-                    <a:lstStyle/>
-                    <a:p>
-                      <a:endParaRPr kumimoji="1" lang="ja-JP" altLang="en-US" sz="800"/>
-                    </a:p>
-                  </a:txBody>
-                  <a:tcPr/>
-                </a:tc>
-                <a:tc>
-                  <a:txBody>
-                    <a:bodyPr/>
-                    <a:lstStyle/>
-                    <a:p>
-                      <a:endParaRPr kumimoji="1" lang="ja-JP" altLang="en-US" sz="800"/>
-                    </a:p>
-                  </a:txBody>
-                  <a:tcPr/>
-                </a:tc>
-                <a:tc>
-                  <a:txBody>
-                    <a:bodyPr/>
-                    <a:lstStyle/>
-                    <a:p>
-                      <a:endParaRPr kumimoji="1" lang="ja-JP" altLang="en-US" sz="800"/>
-                    </a:p>
-                  </a:txBody>
-                  <a:tcPr/>
-                </a:tc>
-                <a:tc>
-                  <a:txBody>
-                    <a:bodyPr/>
-                    <a:lstStyle/>
-                    <a:p>
-                      <a:endParaRPr kumimoji="1" lang="ja-JP" altLang="en-US" sz="800"/>
-                    </a:p>
-                  </a:txBody>
-                  <a:tcPr/>
-                </a:tc>
-                <a:tc>
-                  <a:txBody>
-                    <a:bodyPr/>
-                    <a:lstStyle/>
-                    <a:p>
-                      <a:endParaRPr kumimoji="1" lang="ja-JP" altLang="en-US" sz="800"/>
-                    </a:p>
-                  </a:txBody>
-                  <a:tcPr/>
-                </a:tc>
-                <a:tc>
-                  <a:txBody>
-                    <a:bodyPr/>
-                    <a:lstStyle/>
-                    <a:p>
-                      <a:endParaRPr kumimoji="1" lang="ja-JP" altLang="en-US" sz="800"/>
-                    </a:p>
-                  </a:txBody>
-                  <a:tcPr/>
-                </a:tc>
-                <a:tc>
-                  <a:txBody>
-                    <a:bodyPr/>
-                    <a:lstStyle/>
-                    <a:p>
-                      <a:endParaRPr kumimoji="1" lang="ja-JP" altLang="en-US" sz="800"/>
-                    </a:p>
-                  </a:txBody>
-                  <a:tcPr/>
-                </a:tc>
-                <a:tc>
-                  <a:txBody>
-                    <a:bodyPr/>
-                    <a:lstStyle/>
-                    <a:p>
-                      <a:endParaRPr kumimoji="1" lang="ja-JP" altLang="en-US" sz="800"/>
-                    </a:p>
-                  </a:txBody>
-                  <a:tcPr/>
-                </a:tc>
-                <a:tc>
-                  <a:txBody>
-                    <a:bodyPr/>
-                    <a:lstStyle/>
-                    <a:p>
-                      <a:endParaRPr kumimoji="1" lang="ja-JP" altLang="en-US" sz="800"/>
-                    </a:p>
-                  </a:txBody>
-                  <a:tcPr/>
-                </a:tc>
-                <a:tc>
-                  <a:txBody>
-                    <a:bodyPr/>
-                    <a:lstStyle/>
-                    <a:p>
-                      <a:endParaRPr kumimoji="1" lang="ja-JP" altLang="en-US" sz="800" dirty="0"/>
-                    </a:p>
-                  </a:txBody>
-                  <a:tcPr/>
-                </a:tc>
-                <a:tc>
-                  <a:txBody>
-                    <a:bodyPr/>
-                    <a:lstStyle/>
-                    <a:p>
-                      <a:endParaRPr kumimoji="1" lang="ja-JP" altLang="en-US" sz="800" dirty="0"/>
-                    </a:p>
-                  </a:txBody>
-                  <a:tcPr/>
-                </a:tc>
-                <a:tc>
-                  <a:txBody>
-                    <a:bodyPr/>
-                    <a:lstStyle/>
-                    <a:p>
-                      <a:endParaRPr kumimoji="1" lang="ja-JP" altLang="en-US" sz="800" dirty="0"/>
-                    </a:p>
-                  </a:txBody>
-                  <a:tcPr/>
-                </a:tc>
-                <a:tc>
-                  <a:txBody>
-                    <a:bodyPr/>
-                    <a:lstStyle/>
-                    <a:p>
-                      <a:endParaRPr kumimoji="1" lang="ja-JP" altLang="en-US" sz="800" dirty="0"/>
-                    </a:p>
-                  </a:txBody>
-                  <a:tcPr/>
-                </a:tc>
-                <a:tc>
-                  <a:txBody>
-                    <a:bodyPr/>
-                    <a:lstStyle/>
-                    <a:p>
-                      <a:endParaRPr kumimoji="1" lang="ja-JP" altLang="en-US" sz="800" dirty="0"/>
-                    </a:p>
-                  </a:txBody>
-                  <a:tcPr/>
-                </a:tc>
-                <a:tc>
-                  <a:txBody>
-                    <a:bodyPr/>
-                    <a:lstStyle/>
-                    <a:p>
-                      <a:endParaRPr kumimoji="1" lang="ja-JP" altLang="en-US" sz="800" dirty="0"/>
-                    </a:p>
-                  </a:txBody>
-                  <a:tcPr/>
-                </a:tc>
-                <a:tc>
-                  <a:txBody>
-                    <a:bodyPr/>
-                    <a:lstStyle/>
-                    <a:p>
-                      <a:endParaRPr kumimoji="1" lang="ja-JP" altLang="en-US" sz="800" dirty="0"/>
-                    </a:p>
-                  </a:txBody>
-                  <a:tcPr/>
-                </a:tc>
-                <a:tc>
-                  <a:txBody>
-                    <a:bodyPr/>
-                    <a:lstStyle/>
-                    <a:p>
-                      <a:endParaRPr kumimoji="1" lang="ja-JP" altLang="en-US" sz="800" dirty="0"/>
-                    </a:p>
-                  </a:txBody>
-                  <a:tcPr/>
-                </a:tc>
-                <a:tc>
-                  <a:txBody>
-                    <a:bodyPr/>
-                    <a:lstStyle/>
-                    <a:p>
-                      <a:endParaRPr kumimoji="1" lang="ja-JP" altLang="en-US" sz="800" dirty="0"/>
-                    </a:p>
-                  </a:txBody>
-                  <a:tcPr/>
-                </a:tc>
-                <a:extLst>
-                  <a:ext uri="{0D108BD9-81ED-4DB2-BD59-A6C34878D82A}">
-                    <a16:rowId xmlns:a16="http://schemas.microsoft.com/office/drawing/2014/main" val="3475717011"/>
-                  </a:ext>
-                </a:extLst>
-              </a:tr>
-              <a:tr h="458790">
-                <a:tc>
-                  <a:txBody>
-                    <a:bodyPr/>
-                    <a:lstStyle/>
-                    <a:p>
-                      <a:endParaRPr kumimoji="1" lang="ja-JP" altLang="en-US" sz="800"/>
-                    </a:p>
-                  </a:txBody>
-                  <a:tcPr/>
-                </a:tc>
-                <a:tc>
-                  <a:txBody>
-                    <a:bodyPr/>
-                    <a:lstStyle/>
-                    <a:p>
-                      <a:endParaRPr kumimoji="1" lang="ja-JP" altLang="en-US" sz="800"/>
-                    </a:p>
-                  </a:txBody>
-                  <a:tcPr/>
-                </a:tc>
-                <a:tc>
-                  <a:txBody>
-                    <a:bodyPr/>
-                    <a:lstStyle/>
-                    <a:p>
-                      <a:endParaRPr kumimoji="1" lang="ja-JP" altLang="en-US" sz="800"/>
-                    </a:p>
-                  </a:txBody>
-                  <a:tcPr/>
-                </a:tc>
-                <a:tc>
-                  <a:txBody>
-                    <a:bodyPr/>
-                    <a:lstStyle/>
-                    <a:p>
-                      <a:endParaRPr kumimoji="1" lang="ja-JP" altLang="en-US" sz="800"/>
-                    </a:p>
-                  </a:txBody>
-                  <a:tcPr/>
-                </a:tc>
-                <a:tc>
-                  <a:txBody>
-                    <a:bodyPr/>
-                    <a:lstStyle/>
-                    <a:p>
-                      <a:endParaRPr kumimoji="1" lang="ja-JP" altLang="en-US" sz="800"/>
-                    </a:p>
-                  </a:txBody>
-                  <a:tcPr/>
-                </a:tc>
-                <a:tc>
-                  <a:txBody>
-                    <a:bodyPr/>
-                    <a:lstStyle/>
-                    <a:p>
-                      <a:endParaRPr kumimoji="1" lang="ja-JP" altLang="en-US" sz="800"/>
-                    </a:p>
-                  </a:txBody>
-                  <a:tcPr/>
-                </a:tc>
-                <a:tc>
-                  <a:txBody>
-                    <a:bodyPr/>
-                    <a:lstStyle/>
-                    <a:p>
-                      <a:endParaRPr kumimoji="1" lang="ja-JP" altLang="en-US" sz="800"/>
-                    </a:p>
-                  </a:txBody>
-                  <a:tcPr/>
-                </a:tc>
-                <a:tc>
-                  <a:txBody>
-                    <a:bodyPr/>
-                    <a:lstStyle/>
-                    <a:p>
-                      <a:endParaRPr kumimoji="1" lang="ja-JP" altLang="en-US" sz="800"/>
-                    </a:p>
-                  </a:txBody>
-                  <a:tcPr/>
-                </a:tc>
-                <a:tc>
-                  <a:txBody>
-                    <a:bodyPr/>
-                    <a:lstStyle/>
-                    <a:p>
-                      <a:endParaRPr kumimoji="1" lang="ja-JP" altLang="en-US" sz="800"/>
-                    </a:p>
-                  </a:txBody>
-                  <a:tcPr/>
-                </a:tc>
-                <a:tc>
-                  <a:txBody>
-                    <a:bodyPr/>
-                    <a:lstStyle/>
-                    <a:p>
-                      <a:endParaRPr kumimoji="1" lang="ja-JP" altLang="en-US" sz="800" dirty="0"/>
-                    </a:p>
-                  </a:txBody>
-                  <a:tcPr/>
-                </a:tc>
-                <a:tc>
-                  <a:txBody>
-                    <a:bodyPr/>
-                    <a:lstStyle/>
-                    <a:p>
-                      <a:endParaRPr kumimoji="1" lang="ja-JP" altLang="en-US" sz="800" dirty="0"/>
-                    </a:p>
-                  </a:txBody>
-                  <a:tcPr/>
-                </a:tc>
-                <a:tc>
-                  <a:txBody>
-                    <a:bodyPr/>
-                    <a:lstStyle/>
-                    <a:p>
-                      <a:endParaRPr kumimoji="1" lang="ja-JP" altLang="en-US" sz="800" dirty="0"/>
-                    </a:p>
-                  </a:txBody>
-                  <a:tcPr/>
-                </a:tc>
-                <a:tc>
-                  <a:txBody>
-                    <a:bodyPr/>
-                    <a:lstStyle/>
-                    <a:p>
-                      <a:endParaRPr kumimoji="1" lang="ja-JP" altLang="en-US" sz="800" dirty="0"/>
-                    </a:p>
-                  </a:txBody>
-                  <a:tcPr/>
-                </a:tc>
-                <a:tc>
-                  <a:txBody>
-                    <a:bodyPr/>
-                    <a:lstStyle/>
-                    <a:p>
-                      <a:endParaRPr kumimoji="1" lang="ja-JP" altLang="en-US" sz="800" dirty="0"/>
-                    </a:p>
-                  </a:txBody>
-                  <a:tcPr/>
-                </a:tc>
-                <a:tc>
-                  <a:txBody>
-                    <a:bodyPr/>
-                    <a:lstStyle/>
-                    <a:p>
-                      <a:endParaRPr kumimoji="1" lang="ja-JP" altLang="en-US" sz="800" dirty="0"/>
-                    </a:p>
-                  </a:txBody>
-                  <a:tcPr/>
-                </a:tc>
-                <a:tc>
-                  <a:txBody>
-                    <a:bodyPr/>
-                    <a:lstStyle/>
-                    <a:p>
-                      <a:endParaRPr kumimoji="1" lang="ja-JP" altLang="en-US" sz="800" dirty="0"/>
-                    </a:p>
-                  </a:txBody>
-                  <a:tcPr/>
-                </a:tc>
-                <a:tc>
-                  <a:txBody>
-                    <a:bodyPr/>
-                    <a:lstStyle/>
-                    <a:p>
-                      <a:endParaRPr kumimoji="1" lang="ja-JP" altLang="en-US" sz="800" dirty="0"/>
-                    </a:p>
-                  </a:txBody>
-                  <a:tcPr/>
-                </a:tc>
-                <a:tc>
-                  <a:txBody>
-                    <a:bodyPr/>
-                    <a:lstStyle/>
-                    <a:p>
-                      <a:endParaRPr kumimoji="1" lang="ja-JP" altLang="en-US" sz="800" dirty="0"/>
-                    </a:p>
-                  </a:txBody>
-                  <a:tcPr/>
-                </a:tc>
-                <a:extLst>
-                  <a:ext uri="{0D108BD9-81ED-4DB2-BD59-A6C34878D82A}">
-                    <a16:rowId xmlns:a16="http://schemas.microsoft.com/office/drawing/2014/main" val="2472970756"/>
-                  </a:ext>
-                </a:extLst>
-              </a:tr>
-              <a:tr h="458790">
-                <a:tc>
-                  <a:txBody>
-                    <a:bodyPr/>
-                    <a:lstStyle/>
-                    <a:p>
-                      <a:endParaRPr kumimoji="1" lang="ja-JP" altLang="en-US" sz="800"/>
-                    </a:p>
-                  </a:txBody>
-                  <a:tcPr/>
-                </a:tc>
-                <a:tc>
-                  <a:txBody>
-                    <a:bodyPr/>
-                    <a:lstStyle/>
-                    <a:p>
-                      <a:endParaRPr kumimoji="1" lang="ja-JP" altLang="en-US" sz="800"/>
-                    </a:p>
-                  </a:txBody>
-                  <a:tcPr/>
-                </a:tc>
-                <a:tc>
-                  <a:txBody>
-                    <a:bodyPr/>
-                    <a:lstStyle/>
-                    <a:p>
-                      <a:endParaRPr kumimoji="1" lang="ja-JP" altLang="en-US" sz="800"/>
-                    </a:p>
-                  </a:txBody>
-                  <a:tcPr/>
-                </a:tc>
-                <a:tc>
-                  <a:txBody>
-                    <a:bodyPr/>
-                    <a:lstStyle/>
-                    <a:p>
-                      <a:endParaRPr kumimoji="1" lang="ja-JP" altLang="en-US" sz="800"/>
-                    </a:p>
-                  </a:txBody>
-                  <a:tcPr/>
-                </a:tc>
-                <a:tc>
-                  <a:txBody>
-                    <a:bodyPr/>
-                    <a:lstStyle/>
-                    <a:p>
-                      <a:endParaRPr kumimoji="1" lang="ja-JP" altLang="en-US" sz="800"/>
-                    </a:p>
-                  </a:txBody>
-                  <a:tcPr/>
-                </a:tc>
-                <a:tc>
-                  <a:txBody>
-                    <a:bodyPr/>
-                    <a:lstStyle/>
-                    <a:p>
-                      <a:endParaRPr kumimoji="1" lang="ja-JP" altLang="en-US" sz="800"/>
-                    </a:p>
-                  </a:txBody>
-                  <a:tcPr/>
-                </a:tc>
-                <a:tc>
-                  <a:txBody>
-                    <a:bodyPr/>
-                    <a:lstStyle/>
-                    <a:p>
-                      <a:endParaRPr kumimoji="1" lang="ja-JP" altLang="en-US" sz="800"/>
-                    </a:p>
-                  </a:txBody>
-                  <a:tcPr/>
-                </a:tc>
-                <a:tc>
-                  <a:txBody>
-                    <a:bodyPr/>
-                    <a:lstStyle/>
-                    <a:p>
-                      <a:endParaRPr kumimoji="1" lang="ja-JP" altLang="en-US" sz="800"/>
-                    </a:p>
-                  </a:txBody>
-                  <a:tcPr/>
-                </a:tc>
-                <a:tc>
-                  <a:txBody>
-                    <a:bodyPr/>
-                    <a:lstStyle/>
-                    <a:p>
-                      <a:endParaRPr kumimoji="1" lang="ja-JP" altLang="en-US" sz="800"/>
-                    </a:p>
-                  </a:txBody>
-                  <a:tcPr/>
-                </a:tc>
-                <a:tc>
-                  <a:txBody>
-                    <a:bodyPr/>
-                    <a:lstStyle/>
-                    <a:p>
-                      <a:endParaRPr kumimoji="1" lang="ja-JP" altLang="en-US" sz="800" dirty="0"/>
-                    </a:p>
-                  </a:txBody>
-                  <a:tcPr/>
-                </a:tc>
-                <a:tc>
-                  <a:txBody>
-                    <a:bodyPr/>
-                    <a:lstStyle/>
-                    <a:p>
-                      <a:endParaRPr kumimoji="1" lang="ja-JP" altLang="en-US" sz="800" dirty="0"/>
-                    </a:p>
-                  </a:txBody>
-                  <a:tcPr/>
-                </a:tc>
-                <a:tc>
-                  <a:txBody>
-                    <a:bodyPr/>
-                    <a:lstStyle/>
-                    <a:p>
-                      <a:endParaRPr kumimoji="1" lang="ja-JP" altLang="en-US" sz="800" dirty="0"/>
-                    </a:p>
-                  </a:txBody>
-                  <a:tcPr/>
-                </a:tc>
-                <a:tc>
-                  <a:txBody>
-                    <a:bodyPr/>
-                    <a:lstStyle/>
-                    <a:p>
-                      <a:endParaRPr kumimoji="1" lang="ja-JP" altLang="en-US" sz="800" dirty="0"/>
-                    </a:p>
-                  </a:txBody>
-                  <a:tcPr/>
-                </a:tc>
-                <a:tc>
-                  <a:txBody>
-                    <a:bodyPr/>
-                    <a:lstStyle/>
-                    <a:p>
-                      <a:endParaRPr kumimoji="1" lang="ja-JP" altLang="en-US" sz="800" dirty="0"/>
-                    </a:p>
-                  </a:txBody>
-                  <a:tcPr/>
-                </a:tc>
-                <a:tc>
-                  <a:txBody>
-                    <a:bodyPr/>
-                    <a:lstStyle/>
-                    <a:p>
-                      <a:endParaRPr kumimoji="1" lang="ja-JP" altLang="en-US" sz="800" dirty="0"/>
-                    </a:p>
-                  </a:txBody>
-                  <a:tcPr/>
-                </a:tc>
-                <a:tc>
-                  <a:txBody>
-                    <a:bodyPr/>
-                    <a:lstStyle/>
-                    <a:p>
-                      <a:endParaRPr kumimoji="1" lang="ja-JP" altLang="en-US" sz="800" dirty="0"/>
-                    </a:p>
-                  </a:txBody>
-                  <a:tcPr/>
-                </a:tc>
-                <a:tc>
-                  <a:txBody>
-                    <a:bodyPr/>
-                    <a:lstStyle/>
-                    <a:p>
-                      <a:endParaRPr kumimoji="1" lang="ja-JP" altLang="en-US" sz="800" dirty="0"/>
-                    </a:p>
-                  </a:txBody>
-                  <a:tcPr/>
-                </a:tc>
-                <a:tc>
-                  <a:txBody>
-                    <a:bodyPr/>
-                    <a:lstStyle/>
-                    <a:p>
-                      <a:endParaRPr kumimoji="1" lang="ja-JP" altLang="en-US" sz="800" dirty="0"/>
-                    </a:p>
-                  </a:txBody>
-                  <a:tcPr/>
-                </a:tc>
-                <a:extLst>
-                  <a:ext uri="{0D108BD9-81ED-4DB2-BD59-A6C34878D82A}">
-                    <a16:rowId xmlns:a16="http://schemas.microsoft.com/office/drawing/2014/main" val="788075729"/>
-                  </a:ext>
-                </a:extLst>
-              </a:tr>
-              <a:tr h="458790">
-                <a:tc>
-                  <a:txBody>
-                    <a:bodyPr/>
-                    <a:lstStyle/>
-                    <a:p>
-                      <a:endParaRPr kumimoji="1" lang="ja-JP" altLang="en-US" sz="800"/>
-                    </a:p>
-                  </a:txBody>
-                  <a:tcPr/>
-                </a:tc>
-                <a:tc>
-                  <a:txBody>
-                    <a:bodyPr/>
-                    <a:lstStyle/>
-                    <a:p>
-                      <a:endParaRPr kumimoji="1" lang="ja-JP" altLang="en-US" sz="800"/>
-                    </a:p>
-                  </a:txBody>
-                  <a:tcPr/>
-                </a:tc>
-                <a:tc>
-                  <a:txBody>
-                    <a:bodyPr/>
-                    <a:lstStyle/>
-                    <a:p>
-                      <a:endParaRPr kumimoji="1" lang="ja-JP" altLang="en-US" sz="800"/>
-                    </a:p>
-                  </a:txBody>
-                  <a:tcPr/>
-                </a:tc>
-                <a:tc>
-                  <a:txBody>
-                    <a:bodyPr/>
-                    <a:lstStyle/>
-                    <a:p>
-                      <a:endParaRPr kumimoji="1" lang="ja-JP" altLang="en-US" sz="800"/>
-                    </a:p>
-                  </a:txBody>
-                  <a:tcPr/>
-                </a:tc>
-                <a:tc>
-                  <a:txBody>
-                    <a:bodyPr/>
-                    <a:lstStyle/>
-                    <a:p>
-                      <a:endParaRPr kumimoji="1" lang="ja-JP" altLang="en-US" sz="800"/>
-                    </a:p>
-                  </a:txBody>
-                  <a:tcPr/>
-                </a:tc>
-                <a:tc>
-                  <a:txBody>
-                    <a:bodyPr/>
-                    <a:lstStyle/>
-                    <a:p>
-                      <a:endParaRPr kumimoji="1" lang="ja-JP" altLang="en-US" sz="800"/>
-                    </a:p>
-                  </a:txBody>
-                  <a:tcPr/>
-                </a:tc>
-                <a:tc>
-                  <a:txBody>
-                    <a:bodyPr/>
-                    <a:lstStyle/>
-                    <a:p>
-                      <a:endParaRPr kumimoji="1" lang="ja-JP" altLang="en-US" sz="800"/>
-                    </a:p>
-                  </a:txBody>
-                  <a:tcPr/>
-                </a:tc>
-                <a:tc>
-                  <a:txBody>
-                    <a:bodyPr/>
-                    <a:lstStyle/>
-                    <a:p>
-                      <a:endParaRPr kumimoji="1" lang="ja-JP" altLang="en-US" sz="800"/>
-                    </a:p>
-                  </a:txBody>
-                  <a:tcPr/>
-                </a:tc>
-                <a:tc>
-                  <a:txBody>
-                    <a:bodyPr/>
-                    <a:lstStyle/>
-                    <a:p>
-                      <a:endParaRPr kumimoji="1" lang="ja-JP" altLang="en-US" sz="800"/>
-                    </a:p>
-                  </a:txBody>
-                  <a:tcPr/>
-                </a:tc>
-                <a:tc>
-                  <a:txBody>
-                    <a:bodyPr/>
-                    <a:lstStyle/>
-                    <a:p>
-                      <a:endParaRPr kumimoji="1" lang="ja-JP" altLang="en-US" sz="800" dirty="0"/>
-                    </a:p>
-                  </a:txBody>
-                  <a:tcPr/>
-                </a:tc>
-                <a:tc>
-                  <a:txBody>
-                    <a:bodyPr/>
-                    <a:lstStyle/>
-                    <a:p>
-                      <a:endParaRPr kumimoji="1" lang="ja-JP" altLang="en-US" sz="800" dirty="0"/>
-                    </a:p>
-                  </a:txBody>
-                  <a:tcPr/>
-                </a:tc>
-                <a:tc>
-                  <a:txBody>
-                    <a:bodyPr/>
-                    <a:lstStyle/>
-                    <a:p>
-                      <a:endParaRPr kumimoji="1" lang="ja-JP" altLang="en-US" sz="800" dirty="0"/>
-                    </a:p>
-                  </a:txBody>
-                  <a:tcPr/>
-                </a:tc>
-                <a:tc>
-                  <a:txBody>
-                    <a:bodyPr/>
-                    <a:lstStyle/>
-                    <a:p>
-                      <a:endParaRPr kumimoji="1" lang="ja-JP" altLang="en-US" sz="800" dirty="0"/>
-                    </a:p>
-                  </a:txBody>
-                  <a:tcPr/>
-                </a:tc>
-                <a:tc>
-                  <a:txBody>
-                    <a:bodyPr/>
-                    <a:lstStyle/>
-                    <a:p>
-                      <a:endParaRPr kumimoji="1" lang="ja-JP" altLang="en-US" sz="800" dirty="0"/>
-                    </a:p>
-                  </a:txBody>
-                  <a:tcPr/>
-                </a:tc>
-                <a:tc>
-                  <a:txBody>
-                    <a:bodyPr/>
-                    <a:lstStyle/>
-                    <a:p>
-                      <a:endParaRPr kumimoji="1" lang="ja-JP" altLang="en-US" sz="800" dirty="0"/>
-                    </a:p>
-                  </a:txBody>
-                  <a:tcPr/>
-                </a:tc>
-                <a:tc>
-                  <a:txBody>
-                    <a:bodyPr/>
-                    <a:lstStyle/>
-                    <a:p>
-                      <a:endParaRPr kumimoji="1" lang="ja-JP" altLang="en-US" sz="800" dirty="0"/>
-                    </a:p>
-                  </a:txBody>
-                  <a:tcPr/>
-                </a:tc>
-                <a:tc>
-                  <a:txBody>
-                    <a:bodyPr/>
-                    <a:lstStyle/>
-                    <a:p>
-                      <a:endParaRPr kumimoji="1" lang="ja-JP" altLang="en-US" sz="800" dirty="0"/>
-                    </a:p>
-                  </a:txBody>
-                  <a:tcPr/>
-                </a:tc>
-                <a:tc>
-                  <a:txBody>
-                    <a:bodyPr/>
-                    <a:lstStyle/>
-                    <a:p>
-                      <a:endParaRPr kumimoji="1" lang="ja-JP" altLang="en-US" sz="800" dirty="0"/>
-                    </a:p>
-                  </a:txBody>
-                  <a:tcPr/>
-                </a:tc>
-                <a:extLst>
-                  <a:ext uri="{0D108BD9-81ED-4DB2-BD59-A6C34878D82A}">
-                    <a16:rowId xmlns:a16="http://schemas.microsoft.com/office/drawing/2014/main" val="2649154550"/>
-                  </a:ext>
-                </a:extLst>
-              </a:tr>
-            </a:tbl>
-          </a:graphicData>
-        </a:graphic>
-      </p:graphicFrame>
-      <p:cxnSp>
-        <p:nvCxnSpPr>
-          <p:cNvPr id="9" name="直線コネクタ 8">
-            <a:extLst>
-              <a:ext uri="{FF2B5EF4-FFF2-40B4-BE49-F238E27FC236}">
-                <a16:creationId xmlns:a16="http://schemas.microsoft.com/office/drawing/2014/main" id="{2971B035-466A-4896-985E-6D97D4B133B3}"/>
-              </a:ext>
-            </a:extLst>
-          </p:cNvPr>
-          <p:cNvCxnSpPr>
-            <a:cxnSpLocks/>
-          </p:cNvCxnSpPr>
-          <p:nvPr/>
-        </p:nvCxnSpPr>
-        <p:spPr>
-          <a:xfrm>
-            <a:off x="1535576" y="733432"/>
-            <a:ext cx="0" cy="4124318"/>
-          </a:xfrm>
-          <a:prstGeom prst="line">
-            <a:avLst/>
-          </a:prstGeom>
-          <a:ln w="15875">
-            <a:solidFill>
-              <a:schemeClr val="tx1"/>
-            </a:solidFill>
-          </a:ln>
-        </p:spPr>
-        <p:style>
-          <a:lnRef idx="1">
-            <a:schemeClr val="accent1"/>
-          </a:lnRef>
-          <a:fillRef idx="0">
-            <a:schemeClr val="accent1"/>
-          </a:fillRef>
-          <a:effectRef idx="0">
-            <a:schemeClr val="accent1"/>
-          </a:effectRef>
-          <a:fontRef idx="minor">
-            <a:schemeClr val="tx1"/>
-          </a:fontRef>
-        </p:style>
-      </p:cxnSp>
-      <p:cxnSp>
-        <p:nvCxnSpPr>
-          <p:cNvPr id="11" name="直線コネクタ 10">
-            <a:extLst>
-              <a:ext uri="{FF2B5EF4-FFF2-40B4-BE49-F238E27FC236}">
-                <a16:creationId xmlns:a16="http://schemas.microsoft.com/office/drawing/2014/main" id="{B5C291FE-B13E-4188-9860-98A85059B826}"/>
-              </a:ext>
-            </a:extLst>
-          </p:cNvPr>
-          <p:cNvCxnSpPr>
-            <a:cxnSpLocks/>
-          </p:cNvCxnSpPr>
-          <p:nvPr/>
-        </p:nvCxnSpPr>
-        <p:spPr>
-          <a:xfrm>
-            <a:off x="1530813" y="734511"/>
-            <a:ext cx="7098459" cy="0"/>
-          </a:xfrm>
-          <a:prstGeom prst="line">
-            <a:avLst/>
-          </a:prstGeom>
-          <a:ln w="15875">
-            <a:solidFill>
-              <a:schemeClr val="tx1"/>
-            </a:solidFill>
-          </a:ln>
-        </p:spPr>
-        <p:style>
-          <a:lnRef idx="1">
-            <a:schemeClr val="accent1"/>
-          </a:lnRef>
-          <a:fillRef idx="0">
-            <a:schemeClr val="accent1"/>
-          </a:fillRef>
-          <a:effectRef idx="0">
-            <a:schemeClr val="accent1"/>
-          </a:effectRef>
-          <a:fontRef idx="minor">
-            <a:schemeClr val="tx1"/>
-          </a:fontRef>
-        </p:style>
-      </p:cxnSp>
-      <p:sp>
-        <p:nvSpPr>
-          <p:cNvPr id="4" name="楕円 3">
-            <a:extLst>
-              <a:ext uri="{FF2B5EF4-FFF2-40B4-BE49-F238E27FC236}">
-                <a16:creationId xmlns:a16="http://schemas.microsoft.com/office/drawing/2014/main" id="{F11A78CE-6173-4277-9143-68E92B8415A6}"/>
-              </a:ext>
-            </a:extLst>
-          </p:cNvPr>
-          <p:cNvSpPr/>
-          <p:nvPr/>
-        </p:nvSpPr>
-        <p:spPr>
-          <a:xfrm>
-            <a:off x="4606709" y="1985897"/>
-            <a:ext cx="180000" cy="180000"/>
-          </a:xfrm>
-          <a:prstGeom prst="ellipse">
-            <a:avLst/>
-          </a:prstGeom>
-        </p:spPr>
-        <p:style>
-          <a:lnRef idx="2">
-            <a:schemeClr val="accent1">
-              <a:shade val="50000"/>
-            </a:schemeClr>
-          </a:lnRef>
-          <a:fillRef idx="1">
-            <a:schemeClr val="accent1"/>
-          </a:fillRef>
-          <a:effectRef idx="0">
-            <a:schemeClr val="accent1"/>
-          </a:effectRef>
-          <a:fontRef idx="minor">
-            <a:schemeClr val="lt1"/>
-          </a:fontRef>
-        </p:style>
-        <p:txBody>
-          <a:bodyPr rtlCol="0" anchor="ctr"/>
-          <a:lstStyle/>
-          <a:p>
-            <a:pPr algn="ctr"/>
-            <a:endParaRPr kumimoji="1" lang="ja-JP" altLang="en-US"/>
-          </a:p>
-        </p:txBody>
-      </p:sp>
-      <p:sp>
-        <p:nvSpPr>
-          <p:cNvPr id="6" name="楕円 5">
-            <a:extLst>
-              <a:ext uri="{FF2B5EF4-FFF2-40B4-BE49-F238E27FC236}">
-                <a16:creationId xmlns:a16="http://schemas.microsoft.com/office/drawing/2014/main" id="{54548464-B0F1-4C24-A619-1EC1FB3B5F38}"/>
-              </a:ext>
-            </a:extLst>
-          </p:cNvPr>
-          <p:cNvSpPr/>
-          <p:nvPr/>
-        </p:nvSpPr>
-        <p:spPr>
-          <a:xfrm>
-            <a:off x="4617536" y="2447530"/>
-            <a:ext cx="180000" cy="180000"/>
-          </a:xfrm>
-          <a:prstGeom prst="ellipse">
-            <a:avLst/>
-          </a:prstGeom>
-        </p:spPr>
-        <p:style>
-          <a:lnRef idx="2">
-            <a:schemeClr val="accent1">
-              <a:shade val="50000"/>
-            </a:schemeClr>
-          </a:lnRef>
-          <a:fillRef idx="1">
-            <a:schemeClr val="accent1"/>
-          </a:fillRef>
-          <a:effectRef idx="0">
-            <a:schemeClr val="accent1"/>
-          </a:effectRef>
-          <a:fontRef idx="minor">
-            <a:schemeClr val="lt1"/>
-          </a:fontRef>
-        </p:style>
-        <p:txBody>
-          <a:bodyPr rtlCol="0" anchor="ctr"/>
-          <a:lstStyle/>
-          <a:p>
-            <a:pPr algn="ctr"/>
-            <a:endParaRPr kumimoji="1" lang="ja-JP" altLang="en-US"/>
-          </a:p>
-        </p:txBody>
-      </p:sp>
-      <p:sp>
-        <p:nvSpPr>
-          <p:cNvPr id="15" name="楕円 14">
-            <a:extLst>
-              <a:ext uri="{FF2B5EF4-FFF2-40B4-BE49-F238E27FC236}">
-                <a16:creationId xmlns:a16="http://schemas.microsoft.com/office/drawing/2014/main" id="{D9BC0945-3532-4397-9DC1-264E701F7262}"/>
-              </a:ext>
-            </a:extLst>
-          </p:cNvPr>
-          <p:cNvSpPr/>
-          <p:nvPr/>
-        </p:nvSpPr>
-        <p:spPr>
-          <a:xfrm>
-            <a:off x="4617536" y="3376418"/>
-            <a:ext cx="180000" cy="180000"/>
-          </a:xfrm>
-          <a:prstGeom prst="ellipse">
-            <a:avLst/>
-          </a:prstGeom>
-        </p:spPr>
-        <p:style>
-          <a:lnRef idx="2">
-            <a:schemeClr val="accent1">
-              <a:shade val="50000"/>
-            </a:schemeClr>
-          </a:lnRef>
-          <a:fillRef idx="1">
-            <a:schemeClr val="accent1"/>
-          </a:fillRef>
-          <a:effectRef idx="0">
-            <a:schemeClr val="accent1"/>
-          </a:effectRef>
-          <a:fontRef idx="minor">
-            <a:schemeClr val="lt1"/>
-          </a:fontRef>
-        </p:style>
-        <p:txBody>
-          <a:bodyPr rtlCol="0" anchor="ctr"/>
-          <a:lstStyle/>
-          <a:p>
-            <a:pPr algn="ctr"/>
-            <a:endParaRPr kumimoji="1" lang="ja-JP" altLang="en-US"/>
-          </a:p>
-        </p:txBody>
-      </p:sp>
-      <p:sp>
-        <p:nvSpPr>
-          <p:cNvPr id="16" name="楕円 15">
-            <a:extLst>
-              <a:ext uri="{FF2B5EF4-FFF2-40B4-BE49-F238E27FC236}">
-                <a16:creationId xmlns:a16="http://schemas.microsoft.com/office/drawing/2014/main" id="{F9673B51-EBB5-4EE2-9521-313B55C18EF3}"/>
-              </a:ext>
-            </a:extLst>
-          </p:cNvPr>
-          <p:cNvSpPr/>
-          <p:nvPr/>
-        </p:nvSpPr>
-        <p:spPr>
-          <a:xfrm>
-            <a:off x="4617536" y="3838051"/>
-            <a:ext cx="180000" cy="180000"/>
-          </a:xfrm>
-          <a:prstGeom prst="ellipse">
-            <a:avLst/>
-          </a:prstGeom>
-        </p:spPr>
-        <p:style>
-          <a:lnRef idx="2">
-            <a:schemeClr val="accent1">
-              <a:shade val="50000"/>
-            </a:schemeClr>
-          </a:lnRef>
-          <a:fillRef idx="1">
-            <a:schemeClr val="accent1"/>
-          </a:fillRef>
-          <a:effectRef idx="0">
-            <a:schemeClr val="accent1"/>
-          </a:effectRef>
-          <a:fontRef idx="minor">
-            <a:schemeClr val="lt1"/>
-          </a:fontRef>
-        </p:style>
-        <p:txBody>
-          <a:bodyPr rtlCol="0" anchor="ctr"/>
-          <a:lstStyle/>
-          <a:p>
-            <a:pPr algn="ctr"/>
-            <a:endParaRPr kumimoji="1" lang="ja-JP" altLang="en-US"/>
-          </a:p>
-        </p:txBody>
-      </p:sp>
-      <p:sp>
-        <p:nvSpPr>
-          <p:cNvPr id="17" name="楕円 16">
-            <a:extLst>
-              <a:ext uri="{FF2B5EF4-FFF2-40B4-BE49-F238E27FC236}">
-                <a16:creationId xmlns:a16="http://schemas.microsoft.com/office/drawing/2014/main" id="{2F3A411B-BF67-4919-B1B8-3748CCE6ADB0}"/>
-              </a:ext>
-            </a:extLst>
-          </p:cNvPr>
-          <p:cNvSpPr/>
-          <p:nvPr/>
-        </p:nvSpPr>
-        <p:spPr>
-          <a:xfrm>
-            <a:off x="3559969" y="1100627"/>
-            <a:ext cx="180000" cy="180000"/>
-          </a:xfrm>
-          <a:prstGeom prst="ellipse">
-            <a:avLst/>
-          </a:prstGeom>
-          <a:solidFill>
-            <a:schemeClr val="accent2">
-              <a:lumMod val="60000"/>
-              <a:lumOff val="40000"/>
-            </a:schemeClr>
-          </a:solidFill>
-        </p:spPr>
-        <p:style>
-          <a:lnRef idx="2">
-            <a:schemeClr val="accent1">
-              <a:shade val="50000"/>
-            </a:schemeClr>
-          </a:lnRef>
-          <a:fillRef idx="1">
-            <a:schemeClr val="accent1"/>
-          </a:fillRef>
-          <a:effectRef idx="0">
-            <a:schemeClr val="accent1"/>
-          </a:effectRef>
-          <a:fontRef idx="minor">
-            <a:schemeClr val="lt1"/>
-          </a:fontRef>
-        </p:style>
-        <p:txBody>
-          <a:bodyPr rtlCol="0" anchor="ctr"/>
-          <a:lstStyle/>
-          <a:p>
-            <a:pPr algn="ctr"/>
-            <a:endParaRPr kumimoji="1" lang="ja-JP" altLang="en-US"/>
-          </a:p>
-        </p:txBody>
-      </p:sp>
-      <p:sp>
-        <p:nvSpPr>
-          <p:cNvPr id="18" name="楕円 17">
-            <a:extLst>
-              <a:ext uri="{FF2B5EF4-FFF2-40B4-BE49-F238E27FC236}">
-                <a16:creationId xmlns:a16="http://schemas.microsoft.com/office/drawing/2014/main" id="{72808DE2-9454-4B1C-98DE-26D74058BDE6}"/>
-              </a:ext>
-            </a:extLst>
-          </p:cNvPr>
-          <p:cNvSpPr/>
-          <p:nvPr/>
-        </p:nvSpPr>
-        <p:spPr>
-          <a:xfrm>
-            <a:off x="3559969" y="1553465"/>
-            <a:ext cx="180000" cy="180000"/>
-          </a:xfrm>
-          <a:prstGeom prst="ellipse">
-            <a:avLst/>
-          </a:prstGeom>
-          <a:solidFill>
-            <a:schemeClr val="accent2">
-              <a:lumMod val="60000"/>
-              <a:lumOff val="40000"/>
-            </a:schemeClr>
-          </a:solidFill>
-        </p:spPr>
-        <p:style>
-          <a:lnRef idx="2">
-            <a:schemeClr val="accent1">
-              <a:shade val="50000"/>
-            </a:schemeClr>
-          </a:lnRef>
-          <a:fillRef idx="1">
-            <a:schemeClr val="accent1"/>
-          </a:fillRef>
-          <a:effectRef idx="0">
-            <a:schemeClr val="accent1"/>
-          </a:effectRef>
-          <a:fontRef idx="minor">
-            <a:schemeClr val="lt1"/>
-          </a:fontRef>
-        </p:style>
-        <p:txBody>
-          <a:bodyPr rtlCol="0" anchor="ctr"/>
-          <a:lstStyle/>
-          <a:p>
-            <a:pPr algn="ctr"/>
-            <a:endParaRPr kumimoji="1" lang="ja-JP" altLang="en-US"/>
-          </a:p>
-        </p:txBody>
-      </p:sp>
-      <p:sp>
-        <p:nvSpPr>
-          <p:cNvPr id="19" name="楕円 18">
-            <a:extLst>
-              <a:ext uri="{FF2B5EF4-FFF2-40B4-BE49-F238E27FC236}">
-                <a16:creationId xmlns:a16="http://schemas.microsoft.com/office/drawing/2014/main" id="{77B133B1-5D83-4674-BEF9-10F53972CEAF}"/>
-              </a:ext>
-            </a:extLst>
-          </p:cNvPr>
-          <p:cNvSpPr/>
-          <p:nvPr/>
-        </p:nvSpPr>
-        <p:spPr>
-          <a:xfrm>
-            <a:off x="3559969" y="2030629"/>
-            <a:ext cx="180000" cy="180000"/>
-          </a:xfrm>
-          <a:prstGeom prst="ellipse">
-            <a:avLst/>
-          </a:prstGeom>
-          <a:solidFill>
-            <a:schemeClr val="accent2">
-              <a:lumMod val="60000"/>
-              <a:lumOff val="40000"/>
-            </a:schemeClr>
-          </a:solidFill>
-        </p:spPr>
-        <p:style>
-          <a:lnRef idx="2">
-            <a:schemeClr val="accent1">
-              <a:shade val="50000"/>
-            </a:schemeClr>
-          </a:lnRef>
-          <a:fillRef idx="1">
-            <a:schemeClr val="accent1"/>
-          </a:fillRef>
-          <a:effectRef idx="0">
-            <a:schemeClr val="accent1"/>
-          </a:effectRef>
-          <a:fontRef idx="minor">
-            <a:schemeClr val="lt1"/>
-          </a:fontRef>
-        </p:style>
-        <p:txBody>
-          <a:bodyPr rtlCol="0" anchor="ctr"/>
-          <a:lstStyle/>
-          <a:p>
-            <a:pPr algn="ctr"/>
-            <a:endParaRPr kumimoji="1" lang="ja-JP" altLang="en-US"/>
-          </a:p>
-        </p:txBody>
-      </p:sp>
-      <p:sp>
-        <p:nvSpPr>
-          <p:cNvPr id="20" name="楕円 19">
-            <a:extLst>
-              <a:ext uri="{FF2B5EF4-FFF2-40B4-BE49-F238E27FC236}">
-                <a16:creationId xmlns:a16="http://schemas.microsoft.com/office/drawing/2014/main" id="{D1D726DA-48C9-460A-A357-67430F2D33D6}"/>
-              </a:ext>
-            </a:extLst>
-          </p:cNvPr>
-          <p:cNvSpPr/>
-          <p:nvPr/>
-        </p:nvSpPr>
-        <p:spPr>
-          <a:xfrm>
-            <a:off x="3559969" y="2466772"/>
-            <a:ext cx="180000" cy="180000"/>
-          </a:xfrm>
-          <a:prstGeom prst="ellipse">
-            <a:avLst/>
-          </a:prstGeom>
-          <a:solidFill>
-            <a:schemeClr val="accent2">
-              <a:lumMod val="60000"/>
-              <a:lumOff val="40000"/>
-            </a:schemeClr>
-          </a:solidFill>
-        </p:spPr>
-        <p:style>
-          <a:lnRef idx="2">
-            <a:schemeClr val="accent1">
-              <a:shade val="50000"/>
-            </a:schemeClr>
-          </a:lnRef>
-          <a:fillRef idx="1">
-            <a:schemeClr val="accent1"/>
-          </a:fillRef>
-          <a:effectRef idx="0">
-            <a:schemeClr val="accent1"/>
-          </a:effectRef>
-          <a:fontRef idx="minor">
-            <a:schemeClr val="lt1"/>
-          </a:fontRef>
-        </p:style>
-        <p:txBody>
-          <a:bodyPr rtlCol="0" anchor="ctr"/>
-          <a:lstStyle/>
-          <a:p>
-            <a:pPr algn="ctr"/>
-            <a:endParaRPr kumimoji="1" lang="ja-JP" altLang="en-US"/>
-          </a:p>
-        </p:txBody>
-      </p:sp>
-      <p:sp>
-        <p:nvSpPr>
-          <p:cNvPr id="21" name="楕円 20">
-            <a:extLst>
-              <a:ext uri="{FF2B5EF4-FFF2-40B4-BE49-F238E27FC236}">
-                <a16:creationId xmlns:a16="http://schemas.microsoft.com/office/drawing/2014/main" id="{79678D53-80E6-47D2-BBAC-7B70AE306176}"/>
-              </a:ext>
-            </a:extLst>
-          </p:cNvPr>
-          <p:cNvSpPr/>
-          <p:nvPr/>
-        </p:nvSpPr>
-        <p:spPr>
-          <a:xfrm>
-            <a:off x="3559969" y="3407078"/>
-            <a:ext cx="180000" cy="180000"/>
-          </a:xfrm>
-          <a:prstGeom prst="ellipse">
-            <a:avLst/>
-          </a:prstGeom>
-          <a:solidFill>
-            <a:schemeClr val="accent2">
-              <a:lumMod val="60000"/>
-              <a:lumOff val="40000"/>
-            </a:schemeClr>
-          </a:solidFill>
-        </p:spPr>
-        <p:style>
-          <a:lnRef idx="2">
-            <a:schemeClr val="accent1">
-              <a:shade val="50000"/>
-            </a:schemeClr>
-          </a:lnRef>
-          <a:fillRef idx="1">
-            <a:schemeClr val="accent1"/>
-          </a:fillRef>
-          <a:effectRef idx="0">
-            <a:schemeClr val="accent1"/>
-          </a:effectRef>
-          <a:fontRef idx="minor">
-            <a:schemeClr val="lt1"/>
-          </a:fontRef>
-        </p:style>
-        <p:txBody>
-          <a:bodyPr rtlCol="0" anchor="ctr"/>
-          <a:lstStyle/>
-          <a:p>
-            <a:pPr algn="ctr"/>
-            <a:endParaRPr kumimoji="1" lang="ja-JP" altLang="en-US"/>
-          </a:p>
-        </p:txBody>
-      </p:sp>
-      <p:sp>
-        <p:nvSpPr>
-          <p:cNvPr id="22" name="楕円 21">
-            <a:extLst>
-              <a:ext uri="{FF2B5EF4-FFF2-40B4-BE49-F238E27FC236}">
-                <a16:creationId xmlns:a16="http://schemas.microsoft.com/office/drawing/2014/main" id="{F6151539-9B88-48F0-AE8B-B1B7ADAA03A6}"/>
-              </a:ext>
-            </a:extLst>
-          </p:cNvPr>
-          <p:cNvSpPr/>
-          <p:nvPr/>
-        </p:nvSpPr>
-        <p:spPr>
-          <a:xfrm>
-            <a:off x="3559969" y="3823038"/>
-            <a:ext cx="180000" cy="180000"/>
-          </a:xfrm>
-          <a:prstGeom prst="ellipse">
-            <a:avLst/>
-          </a:prstGeom>
-          <a:solidFill>
-            <a:schemeClr val="accent2">
-              <a:lumMod val="60000"/>
-              <a:lumOff val="40000"/>
-            </a:schemeClr>
-          </a:solidFill>
-        </p:spPr>
-        <p:style>
-          <a:lnRef idx="2">
-            <a:schemeClr val="accent1">
-              <a:shade val="50000"/>
-            </a:schemeClr>
-          </a:lnRef>
-          <a:fillRef idx="1">
-            <a:schemeClr val="accent1"/>
-          </a:fillRef>
-          <a:effectRef idx="0">
-            <a:schemeClr val="accent1"/>
-          </a:effectRef>
-          <a:fontRef idx="minor">
-            <a:schemeClr val="lt1"/>
-          </a:fontRef>
-        </p:style>
-        <p:txBody>
-          <a:bodyPr rtlCol="0" anchor="ctr"/>
-          <a:lstStyle/>
-          <a:p>
-            <a:pPr algn="ctr"/>
-            <a:endParaRPr kumimoji="1" lang="ja-JP" altLang="en-US"/>
-          </a:p>
-        </p:txBody>
-      </p:sp>
-      <p:sp>
-        <p:nvSpPr>
-          <p:cNvPr id="23" name="楕円 22">
-            <a:extLst>
-              <a:ext uri="{FF2B5EF4-FFF2-40B4-BE49-F238E27FC236}">
-                <a16:creationId xmlns:a16="http://schemas.microsoft.com/office/drawing/2014/main" id="{FA5736CE-F465-4097-BCD9-056FA97B254B}"/>
-              </a:ext>
-            </a:extLst>
-          </p:cNvPr>
-          <p:cNvSpPr/>
-          <p:nvPr/>
-        </p:nvSpPr>
-        <p:spPr>
-          <a:xfrm>
-            <a:off x="3559969" y="4280341"/>
-            <a:ext cx="180000" cy="180000"/>
-          </a:xfrm>
-          <a:prstGeom prst="ellipse">
-            <a:avLst/>
-          </a:prstGeom>
-          <a:solidFill>
-            <a:schemeClr val="accent2">
-              <a:lumMod val="60000"/>
-              <a:lumOff val="40000"/>
-            </a:schemeClr>
-          </a:solidFill>
-        </p:spPr>
-        <p:style>
-          <a:lnRef idx="2">
-            <a:schemeClr val="accent1">
-              <a:shade val="50000"/>
-            </a:schemeClr>
-          </a:lnRef>
-          <a:fillRef idx="1">
-            <a:schemeClr val="accent1"/>
-          </a:fillRef>
-          <a:effectRef idx="0">
-            <a:schemeClr val="accent1"/>
-          </a:effectRef>
-          <a:fontRef idx="minor">
-            <a:schemeClr val="lt1"/>
-          </a:fontRef>
-        </p:style>
-        <p:txBody>
-          <a:bodyPr rtlCol="0" anchor="ctr"/>
-          <a:lstStyle/>
-          <a:p>
-            <a:pPr algn="ctr"/>
-            <a:endParaRPr kumimoji="1" lang="ja-JP" altLang="en-US"/>
-          </a:p>
-        </p:txBody>
-      </p:sp>
-      <p:sp>
-        <p:nvSpPr>
-          <p:cNvPr id="24" name="楕円 23">
-            <a:extLst>
-              <a:ext uri="{FF2B5EF4-FFF2-40B4-BE49-F238E27FC236}">
-                <a16:creationId xmlns:a16="http://schemas.microsoft.com/office/drawing/2014/main" id="{193CE391-2D10-4764-8016-17BF44485FCB}"/>
-              </a:ext>
-            </a:extLst>
-          </p:cNvPr>
-          <p:cNvSpPr/>
-          <p:nvPr/>
-        </p:nvSpPr>
-        <p:spPr>
-          <a:xfrm>
-            <a:off x="3559969" y="4767750"/>
-            <a:ext cx="180000" cy="180000"/>
-          </a:xfrm>
-          <a:prstGeom prst="ellipse">
-            <a:avLst/>
-          </a:prstGeom>
-          <a:solidFill>
-            <a:schemeClr val="accent2">
-              <a:lumMod val="60000"/>
-              <a:lumOff val="40000"/>
-            </a:schemeClr>
-          </a:solidFill>
-        </p:spPr>
-        <p:style>
-          <a:lnRef idx="2">
-            <a:schemeClr val="accent1">
-              <a:shade val="50000"/>
-            </a:schemeClr>
-          </a:lnRef>
-          <a:fillRef idx="1">
-            <a:schemeClr val="accent1"/>
-          </a:fillRef>
-          <a:effectRef idx="0">
-            <a:schemeClr val="accent1"/>
-          </a:effectRef>
-          <a:fontRef idx="minor">
-            <a:schemeClr val="lt1"/>
-          </a:fontRef>
-        </p:style>
-        <p:txBody>
-          <a:bodyPr rtlCol="0" anchor="ctr"/>
-          <a:lstStyle/>
-          <a:p>
-            <a:pPr algn="ctr"/>
-            <a:endParaRPr kumimoji="1" lang="ja-JP" altLang="en-US"/>
-          </a:p>
-        </p:txBody>
-      </p:sp>
-      <p:sp>
-        <p:nvSpPr>
-          <p:cNvPr id="26" name="楕円 25">
-            <a:extLst>
-              <a:ext uri="{FF2B5EF4-FFF2-40B4-BE49-F238E27FC236}">
-                <a16:creationId xmlns:a16="http://schemas.microsoft.com/office/drawing/2014/main" id="{892C091E-5984-4A96-86EA-73AF325368A1}"/>
-              </a:ext>
-            </a:extLst>
-          </p:cNvPr>
-          <p:cNvSpPr/>
-          <p:nvPr/>
-        </p:nvSpPr>
-        <p:spPr>
-          <a:xfrm>
-            <a:off x="5662976" y="2013381"/>
-            <a:ext cx="180000" cy="180000"/>
-          </a:xfrm>
-          <a:prstGeom prst="ellipse">
-            <a:avLst/>
-          </a:prstGeom>
-          <a:solidFill>
-            <a:schemeClr val="accent4">
-              <a:lumMod val="60000"/>
-              <a:lumOff val="40000"/>
-            </a:schemeClr>
-          </a:solidFill>
-        </p:spPr>
-        <p:style>
-          <a:lnRef idx="2">
-            <a:schemeClr val="accent1">
-              <a:shade val="50000"/>
-            </a:schemeClr>
-          </a:lnRef>
-          <a:fillRef idx="1">
-            <a:schemeClr val="accent1"/>
-          </a:fillRef>
-          <a:effectRef idx="0">
-            <a:schemeClr val="accent1"/>
-          </a:effectRef>
-          <a:fontRef idx="minor">
-            <a:schemeClr val="lt1"/>
-          </a:fontRef>
-        </p:style>
-        <p:txBody>
-          <a:bodyPr rtlCol="0" anchor="ctr"/>
-          <a:lstStyle/>
-          <a:p>
-            <a:pPr algn="ctr"/>
-            <a:endParaRPr kumimoji="1" lang="ja-JP" altLang="en-US"/>
-          </a:p>
-        </p:txBody>
-      </p:sp>
-      <p:sp>
-        <p:nvSpPr>
-          <p:cNvPr id="27" name="楕円 26">
-            <a:extLst>
-              <a:ext uri="{FF2B5EF4-FFF2-40B4-BE49-F238E27FC236}">
-                <a16:creationId xmlns:a16="http://schemas.microsoft.com/office/drawing/2014/main" id="{800EB07A-4DA9-414A-8EFC-1BB499D0D1CF}"/>
-              </a:ext>
-            </a:extLst>
-          </p:cNvPr>
-          <p:cNvSpPr/>
-          <p:nvPr/>
-        </p:nvSpPr>
-        <p:spPr>
-          <a:xfrm>
-            <a:off x="5662976" y="1561647"/>
-            <a:ext cx="180000" cy="180000"/>
-          </a:xfrm>
-          <a:prstGeom prst="ellipse">
-            <a:avLst/>
-          </a:prstGeom>
-          <a:solidFill>
-            <a:schemeClr val="accent4">
-              <a:lumMod val="60000"/>
-              <a:lumOff val="40000"/>
-            </a:schemeClr>
-          </a:solidFill>
-        </p:spPr>
-        <p:style>
-          <a:lnRef idx="2">
-            <a:schemeClr val="accent1">
-              <a:shade val="50000"/>
-            </a:schemeClr>
-          </a:lnRef>
-          <a:fillRef idx="1">
-            <a:schemeClr val="accent1"/>
-          </a:fillRef>
-          <a:effectRef idx="0">
-            <a:schemeClr val="accent1"/>
-          </a:effectRef>
-          <a:fontRef idx="minor">
-            <a:schemeClr val="lt1"/>
-          </a:fontRef>
-        </p:style>
-        <p:txBody>
-          <a:bodyPr rtlCol="0" anchor="ctr"/>
-          <a:lstStyle/>
-          <a:p>
-            <a:pPr algn="ctr"/>
-            <a:endParaRPr kumimoji="1" lang="ja-JP" altLang="en-US"/>
-          </a:p>
-        </p:txBody>
-      </p:sp>
-      <p:sp>
-        <p:nvSpPr>
-          <p:cNvPr id="34" name="テキスト ボックス 33">
-            <a:extLst>
-              <a:ext uri="{FF2B5EF4-FFF2-40B4-BE49-F238E27FC236}">
-                <a16:creationId xmlns:a16="http://schemas.microsoft.com/office/drawing/2014/main" id="{68B5021D-CD40-4697-81BA-75EC24F270F8}"/>
-              </a:ext>
-            </a:extLst>
-          </p:cNvPr>
-          <p:cNvSpPr txBox="1"/>
-          <p:nvPr/>
-        </p:nvSpPr>
-        <p:spPr>
-          <a:xfrm>
-            <a:off x="1319623" y="415585"/>
-            <a:ext cx="410690" cy="246221"/>
-          </a:xfrm>
-          <a:prstGeom prst="rect">
-            <a:avLst/>
-          </a:prstGeom>
-          <a:noFill/>
-        </p:spPr>
-        <p:txBody>
-          <a:bodyPr wrap="none" rtlCol="0">
-            <a:spAutoFit/>
-          </a:bodyPr>
-          <a:lstStyle/>
-          <a:p>
-            <a:r>
-              <a:rPr kumimoji="1" lang="en-US" altLang="ja-JP" sz="1000" dirty="0"/>
-              <a:t>x=0</a:t>
-            </a:r>
-            <a:endParaRPr kumimoji="1" lang="ja-JP" altLang="en-US" sz="1000" dirty="0"/>
-          </a:p>
-        </p:txBody>
-      </p:sp>
-      <p:sp>
-        <p:nvSpPr>
-          <p:cNvPr id="35" name="テキスト ボックス 34">
-            <a:extLst>
-              <a:ext uri="{FF2B5EF4-FFF2-40B4-BE49-F238E27FC236}">
-                <a16:creationId xmlns:a16="http://schemas.microsoft.com/office/drawing/2014/main" id="{F5C3B077-98F4-40A1-8687-6B1E605C9485}"/>
-              </a:ext>
-            </a:extLst>
-          </p:cNvPr>
-          <p:cNvSpPr txBox="1"/>
-          <p:nvPr/>
-        </p:nvSpPr>
-        <p:spPr>
-          <a:xfrm>
-            <a:off x="1878423" y="415585"/>
-            <a:ext cx="410690" cy="246221"/>
-          </a:xfrm>
-          <a:prstGeom prst="rect">
-            <a:avLst/>
-          </a:prstGeom>
-          <a:noFill/>
-        </p:spPr>
-        <p:txBody>
-          <a:bodyPr wrap="none" rtlCol="0">
-            <a:spAutoFit/>
-          </a:bodyPr>
-          <a:lstStyle/>
-          <a:p>
-            <a:r>
-              <a:rPr kumimoji="1" lang="en-US" altLang="ja-JP" sz="1000" dirty="0"/>
-              <a:t>x=1</a:t>
-            </a:r>
-            <a:endParaRPr kumimoji="1" lang="ja-JP" altLang="en-US" sz="1000" dirty="0"/>
-          </a:p>
-        </p:txBody>
-      </p:sp>
-      <p:sp>
-        <p:nvSpPr>
-          <p:cNvPr id="36" name="テキスト ボックス 35">
-            <a:extLst>
-              <a:ext uri="{FF2B5EF4-FFF2-40B4-BE49-F238E27FC236}">
-                <a16:creationId xmlns:a16="http://schemas.microsoft.com/office/drawing/2014/main" id="{0458F8A7-6F5D-4C3D-A712-75177C4A3224}"/>
-              </a:ext>
-            </a:extLst>
-          </p:cNvPr>
-          <p:cNvSpPr txBox="1"/>
-          <p:nvPr/>
-        </p:nvSpPr>
-        <p:spPr>
-          <a:xfrm>
-            <a:off x="2437223" y="415585"/>
-            <a:ext cx="410690" cy="246221"/>
-          </a:xfrm>
-          <a:prstGeom prst="rect">
-            <a:avLst/>
-          </a:prstGeom>
-          <a:noFill/>
-        </p:spPr>
-        <p:txBody>
-          <a:bodyPr wrap="none" rtlCol="0">
-            <a:spAutoFit/>
-          </a:bodyPr>
-          <a:lstStyle/>
-          <a:p>
-            <a:r>
-              <a:rPr kumimoji="1" lang="en-US" altLang="ja-JP" sz="1000" dirty="0"/>
-              <a:t>x=2</a:t>
-            </a:r>
-            <a:endParaRPr kumimoji="1" lang="ja-JP" altLang="en-US" sz="1000" dirty="0"/>
-          </a:p>
-        </p:txBody>
-      </p:sp>
-      <p:sp>
-        <p:nvSpPr>
-          <p:cNvPr id="37" name="テキスト ボックス 36">
-            <a:extLst>
-              <a:ext uri="{FF2B5EF4-FFF2-40B4-BE49-F238E27FC236}">
-                <a16:creationId xmlns:a16="http://schemas.microsoft.com/office/drawing/2014/main" id="{AA4ED497-9EE7-4C9D-9242-BC47CCD9C3EF}"/>
-              </a:ext>
-            </a:extLst>
-          </p:cNvPr>
-          <p:cNvSpPr txBox="1"/>
-          <p:nvPr/>
-        </p:nvSpPr>
-        <p:spPr>
-          <a:xfrm>
-            <a:off x="2956911" y="415585"/>
-            <a:ext cx="410690" cy="246221"/>
-          </a:xfrm>
-          <a:prstGeom prst="rect">
-            <a:avLst/>
-          </a:prstGeom>
-          <a:noFill/>
-        </p:spPr>
-        <p:txBody>
-          <a:bodyPr wrap="none" rtlCol="0">
-            <a:spAutoFit/>
-          </a:bodyPr>
-          <a:lstStyle/>
-          <a:p>
-            <a:r>
-              <a:rPr kumimoji="1" lang="en-US" altLang="ja-JP" sz="1000" dirty="0"/>
-              <a:t>x=3</a:t>
-            </a:r>
-            <a:endParaRPr kumimoji="1" lang="ja-JP" altLang="en-US" sz="1000" dirty="0"/>
-          </a:p>
-        </p:txBody>
-      </p:sp>
-      <p:sp>
-        <p:nvSpPr>
-          <p:cNvPr id="38" name="テキスト ボックス 37">
-            <a:extLst>
-              <a:ext uri="{FF2B5EF4-FFF2-40B4-BE49-F238E27FC236}">
-                <a16:creationId xmlns:a16="http://schemas.microsoft.com/office/drawing/2014/main" id="{002EE19F-8696-40BE-B7EF-11D44A79FE44}"/>
-              </a:ext>
-            </a:extLst>
-          </p:cNvPr>
-          <p:cNvSpPr txBox="1"/>
-          <p:nvPr/>
-        </p:nvSpPr>
-        <p:spPr>
-          <a:xfrm>
-            <a:off x="3482663" y="415585"/>
-            <a:ext cx="410690" cy="246221"/>
-          </a:xfrm>
-          <a:prstGeom prst="rect">
-            <a:avLst/>
-          </a:prstGeom>
-          <a:noFill/>
-        </p:spPr>
-        <p:txBody>
-          <a:bodyPr wrap="none" rtlCol="0">
-            <a:spAutoFit/>
-          </a:bodyPr>
-          <a:lstStyle/>
-          <a:p>
-            <a:r>
-              <a:rPr kumimoji="1" lang="en-US" altLang="ja-JP" sz="1000" dirty="0"/>
-              <a:t>x=4</a:t>
-            </a:r>
-            <a:endParaRPr kumimoji="1" lang="ja-JP" altLang="en-US" sz="1000" dirty="0"/>
-          </a:p>
-        </p:txBody>
-      </p:sp>
-      <p:sp>
-        <p:nvSpPr>
-          <p:cNvPr id="39" name="テキスト ボックス 38">
-            <a:extLst>
-              <a:ext uri="{FF2B5EF4-FFF2-40B4-BE49-F238E27FC236}">
-                <a16:creationId xmlns:a16="http://schemas.microsoft.com/office/drawing/2014/main" id="{0E88C76E-92DF-4390-8AC7-328D6B7BB77D}"/>
-              </a:ext>
-            </a:extLst>
-          </p:cNvPr>
-          <p:cNvSpPr txBox="1"/>
-          <p:nvPr/>
-        </p:nvSpPr>
-        <p:spPr>
-          <a:xfrm>
-            <a:off x="3997701" y="415585"/>
-            <a:ext cx="410690" cy="246221"/>
-          </a:xfrm>
-          <a:prstGeom prst="rect">
-            <a:avLst/>
-          </a:prstGeom>
-          <a:noFill/>
-        </p:spPr>
-        <p:txBody>
-          <a:bodyPr wrap="none" rtlCol="0">
-            <a:spAutoFit/>
-          </a:bodyPr>
-          <a:lstStyle/>
-          <a:p>
-            <a:r>
-              <a:rPr kumimoji="1" lang="en-US" altLang="ja-JP" sz="1000" dirty="0"/>
-              <a:t>x=5</a:t>
-            </a:r>
-            <a:endParaRPr kumimoji="1" lang="ja-JP" altLang="en-US" sz="1000" dirty="0"/>
-          </a:p>
-        </p:txBody>
-      </p:sp>
-      <p:sp>
-        <p:nvSpPr>
-          <p:cNvPr id="40" name="テキスト ボックス 39">
-            <a:extLst>
-              <a:ext uri="{FF2B5EF4-FFF2-40B4-BE49-F238E27FC236}">
-                <a16:creationId xmlns:a16="http://schemas.microsoft.com/office/drawing/2014/main" id="{7F41EB26-4899-4501-BDFD-91EDC222E779}"/>
-              </a:ext>
-            </a:extLst>
-          </p:cNvPr>
-          <p:cNvSpPr txBox="1"/>
-          <p:nvPr/>
-        </p:nvSpPr>
-        <p:spPr>
-          <a:xfrm>
-            <a:off x="1067355" y="1049941"/>
-            <a:ext cx="410690" cy="246221"/>
-          </a:xfrm>
-          <a:prstGeom prst="rect">
-            <a:avLst/>
-          </a:prstGeom>
-          <a:noFill/>
-        </p:spPr>
-        <p:txBody>
-          <a:bodyPr wrap="none" rtlCol="0">
-            <a:spAutoFit/>
-          </a:bodyPr>
-          <a:lstStyle/>
-          <a:p>
-            <a:r>
-              <a:rPr kumimoji="1" lang="en-US" altLang="ja-JP" sz="1000" dirty="0"/>
-              <a:t>y=1</a:t>
-            </a:r>
-            <a:endParaRPr kumimoji="1" lang="ja-JP" altLang="en-US" sz="1000" dirty="0"/>
-          </a:p>
-        </p:txBody>
-      </p:sp>
-      <p:sp>
-        <p:nvSpPr>
-          <p:cNvPr id="41" name="テキスト ボックス 40">
-            <a:extLst>
-              <a:ext uri="{FF2B5EF4-FFF2-40B4-BE49-F238E27FC236}">
-                <a16:creationId xmlns:a16="http://schemas.microsoft.com/office/drawing/2014/main" id="{7398FB6C-7EA3-4C09-BDB5-9691E1BEAC07}"/>
-              </a:ext>
-            </a:extLst>
-          </p:cNvPr>
-          <p:cNvSpPr txBox="1"/>
-          <p:nvPr/>
-        </p:nvSpPr>
-        <p:spPr>
-          <a:xfrm>
-            <a:off x="1067355" y="1520355"/>
-            <a:ext cx="410690" cy="246221"/>
-          </a:xfrm>
-          <a:prstGeom prst="rect">
-            <a:avLst/>
-          </a:prstGeom>
-          <a:noFill/>
-        </p:spPr>
-        <p:txBody>
-          <a:bodyPr wrap="none" rtlCol="0">
-            <a:spAutoFit/>
-          </a:bodyPr>
-          <a:lstStyle/>
-          <a:p>
-            <a:r>
-              <a:rPr kumimoji="1" lang="en-US" altLang="ja-JP" sz="1000" dirty="0"/>
-              <a:t>y=2</a:t>
-            </a:r>
-            <a:endParaRPr kumimoji="1" lang="ja-JP" altLang="en-US" sz="1000" dirty="0"/>
-          </a:p>
-        </p:txBody>
-      </p:sp>
-      <p:sp>
-        <p:nvSpPr>
-          <p:cNvPr id="42" name="テキスト ボックス 41">
-            <a:extLst>
-              <a:ext uri="{FF2B5EF4-FFF2-40B4-BE49-F238E27FC236}">
-                <a16:creationId xmlns:a16="http://schemas.microsoft.com/office/drawing/2014/main" id="{55C445A6-4F20-4C39-A8F2-725EF94E2703}"/>
-              </a:ext>
-            </a:extLst>
-          </p:cNvPr>
-          <p:cNvSpPr txBox="1"/>
-          <p:nvPr/>
-        </p:nvSpPr>
-        <p:spPr>
-          <a:xfrm>
-            <a:off x="1067355" y="1982076"/>
-            <a:ext cx="410690" cy="246221"/>
-          </a:xfrm>
-          <a:prstGeom prst="rect">
-            <a:avLst/>
-          </a:prstGeom>
-          <a:noFill/>
-        </p:spPr>
-        <p:txBody>
-          <a:bodyPr wrap="none" rtlCol="0">
-            <a:spAutoFit/>
-          </a:bodyPr>
-          <a:lstStyle/>
-          <a:p>
-            <a:r>
-              <a:rPr kumimoji="1" lang="en-US" altLang="ja-JP" sz="1000" dirty="0"/>
-              <a:t>y=3</a:t>
-            </a:r>
-            <a:endParaRPr kumimoji="1" lang="ja-JP" altLang="en-US" sz="1000" dirty="0"/>
-          </a:p>
-        </p:txBody>
-      </p:sp>
-      <p:sp>
-        <p:nvSpPr>
-          <p:cNvPr id="43" name="テキスト ボックス 42">
-            <a:extLst>
-              <a:ext uri="{FF2B5EF4-FFF2-40B4-BE49-F238E27FC236}">
-                <a16:creationId xmlns:a16="http://schemas.microsoft.com/office/drawing/2014/main" id="{D77D1109-730F-4E84-BC96-10BF9B3DE8BD}"/>
-              </a:ext>
-            </a:extLst>
-          </p:cNvPr>
-          <p:cNvSpPr txBox="1"/>
-          <p:nvPr/>
-        </p:nvSpPr>
-        <p:spPr>
-          <a:xfrm>
-            <a:off x="1067355" y="2437786"/>
-            <a:ext cx="410690" cy="246221"/>
-          </a:xfrm>
-          <a:prstGeom prst="rect">
-            <a:avLst/>
-          </a:prstGeom>
-          <a:noFill/>
-        </p:spPr>
-        <p:txBody>
-          <a:bodyPr wrap="none" rtlCol="0">
-            <a:spAutoFit/>
-          </a:bodyPr>
-          <a:lstStyle/>
-          <a:p>
-            <a:r>
-              <a:rPr kumimoji="1" lang="en-US" altLang="ja-JP" sz="1000" dirty="0"/>
-              <a:t>y=4</a:t>
-            </a:r>
-            <a:endParaRPr kumimoji="1" lang="ja-JP" altLang="en-US" sz="1000" dirty="0"/>
-          </a:p>
-        </p:txBody>
-      </p:sp>
-      <p:sp>
-        <p:nvSpPr>
-          <p:cNvPr id="44" name="テキスト ボックス 43">
-            <a:extLst>
-              <a:ext uri="{FF2B5EF4-FFF2-40B4-BE49-F238E27FC236}">
-                <a16:creationId xmlns:a16="http://schemas.microsoft.com/office/drawing/2014/main" id="{07F294D3-9070-4220-98EE-603C4CEC0C8E}"/>
-              </a:ext>
-            </a:extLst>
-          </p:cNvPr>
-          <p:cNvSpPr txBox="1"/>
-          <p:nvPr/>
-        </p:nvSpPr>
-        <p:spPr>
-          <a:xfrm>
-            <a:off x="1067355" y="2905582"/>
-            <a:ext cx="410690" cy="246221"/>
-          </a:xfrm>
-          <a:prstGeom prst="rect">
-            <a:avLst/>
-          </a:prstGeom>
-          <a:noFill/>
-        </p:spPr>
-        <p:txBody>
-          <a:bodyPr wrap="none" rtlCol="0">
-            <a:spAutoFit/>
-          </a:bodyPr>
-          <a:lstStyle/>
-          <a:p>
-            <a:r>
-              <a:rPr kumimoji="1" lang="en-US" altLang="ja-JP" sz="1000" dirty="0"/>
-              <a:t>y=5</a:t>
-            </a:r>
-            <a:endParaRPr kumimoji="1" lang="ja-JP" altLang="en-US" sz="1000" dirty="0"/>
-          </a:p>
-        </p:txBody>
-      </p:sp>
-      <p:sp>
-        <p:nvSpPr>
-          <p:cNvPr id="45" name="テキスト ボックス 44">
-            <a:extLst>
-              <a:ext uri="{FF2B5EF4-FFF2-40B4-BE49-F238E27FC236}">
-                <a16:creationId xmlns:a16="http://schemas.microsoft.com/office/drawing/2014/main" id="{B55B1EAF-8E7C-485B-8C93-7047B1517D05}"/>
-              </a:ext>
-            </a:extLst>
-          </p:cNvPr>
-          <p:cNvSpPr txBox="1"/>
-          <p:nvPr/>
-        </p:nvSpPr>
-        <p:spPr>
-          <a:xfrm>
-            <a:off x="1067355" y="3364310"/>
-            <a:ext cx="410690" cy="246221"/>
-          </a:xfrm>
-          <a:prstGeom prst="rect">
-            <a:avLst/>
-          </a:prstGeom>
-          <a:noFill/>
-        </p:spPr>
-        <p:txBody>
-          <a:bodyPr wrap="none" rtlCol="0">
-            <a:spAutoFit/>
-          </a:bodyPr>
-          <a:lstStyle/>
-          <a:p>
-            <a:r>
-              <a:rPr kumimoji="1" lang="en-US" altLang="ja-JP" sz="1000" dirty="0"/>
-              <a:t>y=6</a:t>
-            </a:r>
-            <a:endParaRPr kumimoji="1" lang="ja-JP" altLang="en-US" sz="1000" dirty="0"/>
-          </a:p>
-        </p:txBody>
-      </p:sp>
-      <p:sp>
-        <p:nvSpPr>
-          <p:cNvPr id="46" name="テキスト ボックス 45">
-            <a:extLst>
-              <a:ext uri="{FF2B5EF4-FFF2-40B4-BE49-F238E27FC236}">
-                <a16:creationId xmlns:a16="http://schemas.microsoft.com/office/drawing/2014/main" id="{1B048F75-6F0F-467C-AB28-043E438595F2}"/>
-              </a:ext>
-            </a:extLst>
-          </p:cNvPr>
-          <p:cNvSpPr txBox="1"/>
-          <p:nvPr/>
-        </p:nvSpPr>
-        <p:spPr>
-          <a:xfrm>
-            <a:off x="1067355" y="3823038"/>
-            <a:ext cx="410690" cy="246221"/>
-          </a:xfrm>
-          <a:prstGeom prst="rect">
-            <a:avLst/>
-          </a:prstGeom>
-          <a:noFill/>
-        </p:spPr>
-        <p:txBody>
-          <a:bodyPr wrap="none" rtlCol="0">
-            <a:spAutoFit/>
-          </a:bodyPr>
-          <a:lstStyle/>
-          <a:p>
-            <a:r>
-              <a:rPr kumimoji="1" lang="en-US" altLang="ja-JP" sz="1000" dirty="0"/>
-              <a:t>y=7</a:t>
-            </a:r>
-            <a:endParaRPr kumimoji="1" lang="ja-JP" altLang="en-US" sz="1000" dirty="0"/>
-          </a:p>
-        </p:txBody>
-      </p:sp>
-      <p:sp>
-        <p:nvSpPr>
-          <p:cNvPr id="47" name="テキスト ボックス 46">
-            <a:extLst>
-              <a:ext uri="{FF2B5EF4-FFF2-40B4-BE49-F238E27FC236}">
-                <a16:creationId xmlns:a16="http://schemas.microsoft.com/office/drawing/2014/main" id="{B7157B86-70F4-4B37-A420-B3748ACA30AF}"/>
-              </a:ext>
-            </a:extLst>
-          </p:cNvPr>
-          <p:cNvSpPr txBox="1"/>
-          <p:nvPr/>
-        </p:nvSpPr>
-        <p:spPr>
-          <a:xfrm>
-            <a:off x="1067355" y="4281766"/>
-            <a:ext cx="410690" cy="246221"/>
-          </a:xfrm>
-          <a:prstGeom prst="rect">
-            <a:avLst/>
-          </a:prstGeom>
-          <a:noFill/>
-        </p:spPr>
-        <p:txBody>
-          <a:bodyPr wrap="none" rtlCol="0">
-            <a:spAutoFit/>
-          </a:bodyPr>
-          <a:lstStyle/>
-          <a:p>
-            <a:r>
-              <a:rPr kumimoji="1" lang="en-US" altLang="ja-JP" sz="1000" dirty="0"/>
-              <a:t>y=8</a:t>
-            </a:r>
-            <a:endParaRPr kumimoji="1" lang="ja-JP" altLang="en-US" sz="1000" dirty="0"/>
-          </a:p>
-        </p:txBody>
-      </p:sp>
-      <p:sp>
-        <p:nvSpPr>
-          <p:cNvPr id="48" name="テキスト ボックス 47">
-            <a:extLst>
-              <a:ext uri="{FF2B5EF4-FFF2-40B4-BE49-F238E27FC236}">
-                <a16:creationId xmlns:a16="http://schemas.microsoft.com/office/drawing/2014/main" id="{E28F1D93-3097-42F2-B2C2-7E6839B93B22}"/>
-              </a:ext>
-            </a:extLst>
-          </p:cNvPr>
-          <p:cNvSpPr txBox="1"/>
-          <p:nvPr/>
-        </p:nvSpPr>
-        <p:spPr>
-          <a:xfrm>
-            <a:off x="1067355" y="618464"/>
-            <a:ext cx="410690" cy="246221"/>
-          </a:xfrm>
-          <a:prstGeom prst="rect">
-            <a:avLst/>
-          </a:prstGeom>
-          <a:noFill/>
-        </p:spPr>
-        <p:txBody>
-          <a:bodyPr wrap="none" rtlCol="0">
-            <a:spAutoFit/>
-          </a:bodyPr>
-          <a:lstStyle/>
-          <a:p>
-            <a:r>
-              <a:rPr kumimoji="1" lang="en-US" altLang="ja-JP" sz="1000" dirty="0"/>
-              <a:t>y=0</a:t>
-            </a:r>
-            <a:endParaRPr kumimoji="1" lang="ja-JP" altLang="en-US" sz="1000" dirty="0"/>
-          </a:p>
-        </p:txBody>
-      </p:sp>
-      <p:sp>
-        <p:nvSpPr>
-          <p:cNvPr id="49" name="テキスト ボックス 48">
-            <a:extLst>
-              <a:ext uri="{FF2B5EF4-FFF2-40B4-BE49-F238E27FC236}">
-                <a16:creationId xmlns:a16="http://schemas.microsoft.com/office/drawing/2014/main" id="{F2E3F3C2-1887-4717-A8B9-D7FFA1141664}"/>
-              </a:ext>
-            </a:extLst>
-          </p:cNvPr>
-          <p:cNvSpPr txBox="1"/>
-          <p:nvPr/>
-        </p:nvSpPr>
-        <p:spPr>
-          <a:xfrm>
-            <a:off x="1067355" y="4759985"/>
-            <a:ext cx="410690" cy="246221"/>
-          </a:xfrm>
-          <a:prstGeom prst="rect">
-            <a:avLst/>
-          </a:prstGeom>
-          <a:noFill/>
-        </p:spPr>
-        <p:txBody>
-          <a:bodyPr wrap="none" rtlCol="0">
-            <a:spAutoFit/>
-          </a:bodyPr>
-          <a:lstStyle/>
-          <a:p>
-            <a:r>
-              <a:rPr kumimoji="1" lang="en-US" altLang="ja-JP" sz="1000" dirty="0"/>
-              <a:t>y=9</a:t>
-            </a:r>
-            <a:endParaRPr kumimoji="1" lang="ja-JP" altLang="en-US" sz="1000" dirty="0"/>
-          </a:p>
-        </p:txBody>
-      </p:sp>
-      <p:sp>
-        <p:nvSpPr>
-          <p:cNvPr id="50" name="テキスト ボックス 49">
-            <a:extLst>
-              <a:ext uri="{FF2B5EF4-FFF2-40B4-BE49-F238E27FC236}">
-                <a16:creationId xmlns:a16="http://schemas.microsoft.com/office/drawing/2014/main" id="{5C77F6A5-F713-4776-AA03-C945ACFC2811}"/>
-              </a:ext>
-            </a:extLst>
-          </p:cNvPr>
-          <p:cNvSpPr txBox="1"/>
-          <p:nvPr/>
-        </p:nvSpPr>
-        <p:spPr>
-          <a:xfrm>
-            <a:off x="32939" y="35913"/>
-            <a:ext cx="2675732" cy="369332"/>
-          </a:xfrm>
-          <a:prstGeom prst="rect">
-            <a:avLst/>
-          </a:prstGeom>
-          <a:noFill/>
-        </p:spPr>
-        <p:txBody>
-          <a:bodyPr wrap="none" rtlCol="0">
-            <a:spAutoFit/>
-          </a:bodyPr>
-          <a:lstStyle/>
-          <a:p>
-            <a:r>
-              <a:rPr kumimoji="1" lang="en-US" altLang="ja-JP"/>
-              <a:t>physical </a:t>
-            </a:r>
-            <a:r>
-              <a:rPr kumimoji="1" lang="en-US" altLang="ja-JP" dirty="0"/>
-              <a:t>router position</a:t>
-            </a:r>
-            <a:endParaRPr kumimoji="1" lang="ja-JP" altLang="en-US" dirty="0"/>
-          </a:p>
-        </p:txBody>
-      </p:sp>
-      <p:sp>
-        <p:nvSpPr>
-          <p:cNvPr id="51" name="楕円 50">
-            <a:extLst>
-              <a:ext uri="{FF2B5EF4-FFF2-40B4-BE49-F238E27FC236}">
-                <a16:creationId xmlns:a16="http://schemas.microsoft.com/office/drawing/2014/main" id="{DCF3F416-B40B-4708-8C66-E37E2989EAE9}"/>
-              </a:ext>
-            </a:extLst>
-          </p:cNvPr>
-          <p:cNvSpPr/>
-          <p:nvPr/>
-        </p:nvSpPr>
-        <p:spPr>
-          <a:xfrm>
-            <a:off x="5662976" y="4302485"/>
-            <a:ext cx="180000" cy="180000"/>
-          </a:xfrm>
-          <a:prstGeom prst="ellipse">
-            <a:avLst/>
-          </a:prstGeom>
-          <a:solidFill>
-            <a:schemeClr val="accent4">
-              <a:lumMod val="60000"/>
-              <a:lumOff val="40000"/>
-            </a:schemeClr>
-          </a:solidFill>
-        </p:spPr>
-        <p:style>
-          <a:lnRef idx="2">
-            <a:schemeClr val="accent1">
-              <a:shade val="50000"/>
-            </a:schemeClr>
-          </a:lnRef>
-          <a:fillRef idx="1">
-            <a:schemeClr val="accent1"/>
-          </a:fillRef>
-          <a:effectRef idx="0">
-            <a:schemeClr val="accent1"/>
-          </a:effectRef>
-          <a:fontRef idx="minor">
-            <a:schemeClr val="lt1"/>
-          </a:fontRef>
-        </p:style>
-        <p:txBody>
-          <a:bodyPr rtlCol="0" anchor="ctr"/>
-          <a:lstStyle/>
-          <a:p>
-            <a:pPr algn="ctr"/>
-            <a:endParaRPr kumimoji="1" lang="ja-JP" altLang="en-US"/>
-          </a:p>
-        </p:txBody>
-      </p:sp>
-      <p:sp>
-        <p:nvSpPr>
-          <p:cNvPr id="52" name="楕円 51">
-            <a:extLst>
-              <a:ext uri="{FF2B5EF4-FFF2-40B4-BE49-F238E27FC236}">
-                <a16:creationId xmlns:a16="http://schemas.microsoft.com/office/drawing/2014/main" id="{D4508B86-D563-4DD7-BD06-B8BDB48065B4}"/>
-              </a:ext>
-            </a:extLst>
-          </p:cNvPr>
-          <p:cNvSpPr/>
-          <p:nvPr/>
-        </p:nvSpPr>
-        <p:spPr>
-          <a:xfrm>
-            <a:off x="5662976" y="3850751"/>
-            <a:ext cx="180000" cy="180000"/>
-          </a:xfrm>
-          <a:prstGeom prst="ellipse">
-            <a:avLst/>
-          </a:prstGeom>
-          <a:solidFill>
-            <a:schemeClr val="accent4">
-              <a:lumMod val="60000"/>
-              <a:lumOff val="40000"/>
-            </a:schemeClr>
-          </a:solidFill>
-        </p:spPr>
-        <p:style>
-          <a:lnRef idx="2">
-            <a:schemeClr val="accent1">
-              <a:shade val="50000"/>
-            </a:schemeClr>
-          </a:lnRef>
-          <a:fillRef idx="1">
-            <a:schemeClr val="accent1"/>
-          </a:fillRef>
-          <a:effectRef idx="0">
-            <a:schemeClr val="accent1"/>
-          </a:effectRef>
-          <a:fontRef idx="minor">
-            <a:schemeClr val="lt1"/>
-          </a:fontRef>
-        </p:style>
-        <p:txBody>
-          <a:bodyPr rtlCol="0" anchor="ctr"/>
-          <a:lstStyle/>
-          <a:p>
-            <a:pPr algn="ctr"/>
-            <a:endParaRPr kumimoji="1" lang="ja-JP" altLang="en-US"/>
-          </a:p>
-        </p:txBody>
-      </p:sp>
-      <p:sp>
-        <p:nvSpPr>
-          <p:cNvPr id="53" name="テキスト ボックス 52">
-            <a:extLst>
-              <a:ext uri="{FF2B5EF4-FFF2-40B4-BE49-F238E27FC236}">
-                <a16:creationId xmlns:a16="http://schemas.microsoft.com/office/drawing/2014/main" id="{6BDF8EC2-041C-4FD5-B92F-C3141C82C09B}"/>
-              </a:ext>
-            </a:extLst>
-          </p:cNvPr>
-          <p:cNvSpPr txBox="1"/>
-          <p:nvPr/>
-        </p:nvSpPr>
-        <p:spPr>
-          <a:xfrm>
-            <a:off x="4491364" y="415585"/>
-            <a:ext cx="410690" cy="246221"/>
-          </a:xfrm>
-          <a:prstGeom prst="rect">
-            <a:avLst/>
-          </a:prstGeom>
-          <a:noFill/>
-        </p:spPr>
-        <p:txBody>
-          <a:bodyPr wrap="none" rtlCol="0">
-            <a:spAutoFit/>
-          </a:bodyPr>
-          <a:lstStyle/>
-          <a:p>
-            <a:r>
-              <a:rPr kumimoji="1" lang="en-US" altLang="ja-JP" sz="1000" dirty="0"/>
-              <a:t>x=6</a:t>
-            </a:r>
-            <a:endParaRPr kumimoji="1" lang="ja-JP" altLang="en-US" sz="1000" dirty="0"/>
-          </a:p>
-        </p:txBody>
-      </p:sp>
-      <p:sp>
-        <p:nvSpPr>
-          <p:cNvPr id="54" name="テキスト ボックス 53">
-            <a:extLst>
-              <a:ext uri="{FF2B5EF4-FFF2-40B4-BE49-F238E27FC236}">
-                <a16:creationId xmlns:a16="http://schemas.microsoft.com/office/drawing/2014/main" id="{481242A5-1DFE-4014-8A43-8C4E68D4A72C}"/>
-              </a:ext>
-            </a:extLst>
-          </p:cNvPr>
-          <p:cNvSpPr txBox="1"/>
-          <p:nvPr/>
-        </p:nvSpPr>
-        <p:spPr>
-          <a:xfrm>
-            <a:off x="5547631" y="415585"/>
-            <a:ext cx="410690" cy="246221"/>
-          </a:xfrm>
-          <a:prstGeom prst="rect">
-            <a:avLst/>
-          </a:prstGeom>
-          <a:noFill/>
-        </p:spPr>
-        <p:txBody>
-          <a:bodyPr wrap="none" rtlCol="0">
-            <a:spAutoFit/>
-          </a:bodyPr>
-          <a:lstStyle/>
-          <a:p>
-            <a:r>
-              <a:rPr kumimoji="1" lang="en-US" altLang="ja-JP" sz="1000"/>
-              <a:t>x=8</a:t>
-            </a:r>
-            <a:endParaRPr kumimoji="1" lang="ja-JP" altLang="en-US" sz="1000" dirty="0"/>
-          </a:p>
-        </p:txBody>
-      </p:sp>
-    </p:spTree>
-    <p:extLst>
-      <p:ext uri="{BB962C8B-B14F-4D97-AF65-F5344CB8AC3E}">
-        <p14:creationId xmlns:p14="http://schemas.microsoft.com/office/powerpoint/2010/main" val="105126792"/>
       </p:ext>
     </p:extLst>
   </p:cSld>

--- a/position.pptx
+++ b/position.pptx
@@ -6770,7 +6770,7 @@
         </p:nvSpPr>
         <p:spPr>
           <a:xfrm>
-            <a:off x="4606709" y="1985897"/>
+            <a:off x="4604202" y="2014413"/>
             <a:ext cx="180000" cy="180000"/>
           </a:xfrm>
           <a:prstGeom prst="ellipse">
@@ -6816,7 +6816,7 @@
         </p:nvSpPr>
         <p:spPr>
           <a:xfrm>
-            <a:off x="4617536" y="2447530"/>
+            <a:off x="4598304" y="2482155"/>
             <a:ext cx="180000" cy="180000"/>
           </a:xfrm>
           <a:prstGeom prst="ellipse">
@@ -6862,7 +6862,7 @@
         </p:nvSpPr>
         <p:spPr>
           <a:xfrm>
-            <a:off x="5133730" y="3376418"/>
+            <a:off x="4606709" y="3385135"/>
             <a:ext cx="180000" cy="180000"/>
           </a:xfrm>
           <a:prstGeom prst="ellipse">
@@ -6908,7 +6908,7 @@
         </p:nvSpPr>
         <p:spPr>
           <a:xfrm>
-            <a:off x="5133730" y="3838051"/>
+            <a:off x="4608895" y="3859877"/>
             <a:ext cx="180000" cy="180000"/>
           </a:xfrm>
           <a:prstGeom prst="ellipse">
@@ -7162,7 +7162,7 @@
         </p:nvSpPr>
         <p:spPr>
           <a:xfrm>
-            <a:off x="4076163" y="3407078"/>
+            <a:off x="3549142" y="3423545"/>
             <a:ext cx="180000" cy="180000"/>
           </a:xfrm>
           <a:prstGeom prst="ellipse">
@@ -7214,7 +7214,7 @@
         </p:nvSpPr>
         <p:spPr>
           <a:xfrm>
-            <a:off x="4076163" y="3823038"/>
+            <a:off x="3549142" y="3839505"/>
             <a:ext cx="180000" cy="180000"/>
           </a:xfrm>
           <a:prstGeom prst="ellipse">
@@ -7266,7 +7266,7 @@
         </p:nvSpPr>
         <p:spPr>
           <a:xfrm>
-            <a:off x="4076163" y="4280341"/>
+            <a:off x="3549142" y="4296808"/>
             <a:ext cx="180000" cy="180000"/>
           </a:xfrm>
           <a:prstGeom prst="ellipse">
@@ -7318,7 +7318,7 @@
         </p:nvSpPr>
         <p:spPr>
           <a:xfrm>
-            <a:off x="4076163" y="4767750"/>
+            <a:off x="3549142" y="4784217"/>
             <a:ext cx="180000" cy="180000"/>
           </a:xfrm>
           <a:prstGeom prst="ellipse">
@@ -8090,7 +8090,7 @@
         </p:nvSpPr>
         <p:spPr>
           <a:xfrm>
-            <a:off x="6179170" y="4302485"/>
+            <a:off x="5652149" y="4318952"/>
             <a:ext cx="180000" cy="180000"/>
           </a:xfrm>
           <a:prstGeom prst="ellipse">
@@ -8142,7 +8142,7 @@
         </p:nvSpPr>
         <p:spPr>
           <a:xfrm>
-            <a:off x="6179170" y="3850751"/>
+            <a:off x="5652149" y="3867218"/>
             <a:ext cx="180000" cy="180000"/>
           </a:xfrm>
           <a:prstGeom prst="ellipse">

--- a/position.pptx
+++ b/position.pptx
@@ -198,7 +198,7 @@
           <a:p>
             <a:fld id="{98125669-4230-4A9E-999F-BF115143650C}" type="datetimeFigureOut">
               <a:rPr kumimoji="1" lang="ja-JP" altLang="en-US" smtClean="0"/>
-              <a:t>2021/8/3</a:t>
+              <a:t>2021/8/5</a:t>
             </a:fld>
             <a:endParaRPr kumimoji="1" lang="ja-JP" altLang="en-US"/>
           </a:p>
@@ -728,7 +728,7 @@
           <a:p>
             <a:fld id="{E3DEF428-208D-4894-970D-3901F29AD818}" type="datetimeFigureOut">
               <a:rPr kumimoji="1" lang="ja-JP" altLang="en-US" smtClean="0"/>
-              <a:t>2021/8/3</a:t>
+              <a:t>2021/8/5</a:t>
             </a:fld>
             <a:endParaRPr kumimoji="1" lang="ja-JP" altLang="en-US"/>
           </a:p>
@@ -958,7 +958,7 @@
           <a:p>
             <a:fld id="{E3DEF428-208D-4894-970D-3901F29AD818}" type="datetimeFigureOut">
               <a:rPr kumimoji="1" lang="ja-JP" altLang="en-US" smtClean="0"/>
-              <a:t>2021/8/3</a:t>
+              <a:t>2021/8/5</a:t>
             </a:fld>
             <a:endParaRPr kumimoji="1" lang="ja-JP" altLang="en-US"/>
           </a:p>
@@ -1198,7 +1198,7 @@
           <a:p>
             <a:fld id="{E3DEF428-208D-4894-970D-3901F29AD818}" type="datetimeFigureOut">
               <a:rPr kumimoji="1" lang="ja-JP" altLang="en-US" smtClean="0"/>
-              <a:t>2021/8/3</a:t>
+              <a:t>2021/8/5</a:t>
             </a:fld>
             <a:endParaRPr kumimoji="1" lang="ja-JP" altLang="en-US"/>
           </a:p>
@@ -1428,7 +1428,7 @@
           <a:p>
             <a:fld id="{E3DEF428-208D-4894-970D-3901F29AD818}" type="datetimeFigureOut">
               <a:rPr kumimoji="1" lang="ja-JP" altLang="en-US" smtClean="0"/>
-              <a:t>2021/8/3</a:t>
+              <a:t>2021/8/5</a:t>
             </a:fld>
             <a:endParaRPr kumimoji="1" lang="ja-JP" altLang="en-US"/>
           </a:p>
@@ -1703,7 +1703,7 @@
           <a:p>
             <a:fld id="{E3DEF428-208D-4894-970D-3901F29AD818}" type="datetimeFigureOut">
               <a:rPr kumimoji="1" lang="ja-JP" altLang="en-US" smtClean="0"/>
-              <a:t>2021/8/3</a:t>
+              <a:t>2021/8/5</a:t>
             </a:fld>
             <a:endParaRPr kumimoji="1" lang="ja-JP" altLang="en-US"/>
           </a:p>
@@ -2032,7 +2032,7 @@
           <a:p>
             <a:fld id="{E3DEF428-208D-4894-970D-3901F29AD818}" type="datetimeFigureOut">
               <a:rPr kumimoji="1" lang="ja-JP" altLang="en-US" smtClean="0"/>
-              <a:t>2021/8/3</a:t>
+              <a:t>2021/8/5</a:t>
             </a:fld>
             <a:endParaRPr kumimoji="1" lang="ja-JP" altLang="en-US"/>
           </a:p>
@@ -2508,7 +2508,7 @@
           <a:p>
             <a:fld id="{E3DEF428-208D-4894-970D-3901F29AD818}" type="datetimeFigureOut">
               <a:rPr kumimoji="1" lang="ja-JP" altLang="en-US" smtClean="0"/>
-              <a:t>2021/8/3</a:t>
+              <a:t>2021/8/5</a:t>
             </a:fld>
             <a:endParaRPr kumimoji="1" lang="ja-JP" altLang="en-US"/>
           </a:p>
@@ -2649,7 +2649,7 @@
           <a:p>
             <a:fld id="{E3DEF428-208D-4894-970D-3901F29AD818}" type="datetimeFigureOut">
               <a:rPr kumimoji="1" lang="ja-JP" altLang="en-US" smtClean="0"/>
-              <a:t>2021/8/3</a:t>
+              <a:t>2021/8/5</a:t>
             </a:fld>
             <a:endParaRPr kumimoji="1" lang="ja-JP" altLang="en-US"/>
           </a:p>
@@ -2762,7 +2762,7 @@
           <a:p>
             <a:fld id="{E3DEF428-208D-4894-970D-3901F29AD818}" type="datetimeFigureOut">
               <a:rPr kumimoji="1" lang="ja-JP" altLang="en-US" smtClean="0"/>
-              <a:t>2021/8/3</a:t>
+              <a:t>2021/8/5</a:t>
             </a:fld>
             <a:endParaRPr kumimoji="1" lang="ja-JP" altLang="en-US"/>
           </a:p>
@@ -3105,7 +3105,7 @@
           <a:p>
             <a:fld id="{E3DEF428-208D-4894-970D-3901F29AD818}" type="datetimeFigureOut">
               <a:rPr kumimoji="1" lang="ja-JP" altLang="en-US" smtClean="0"/>
-              <a:t>2021/8/3</a:t>
+              <a:t>2021/8/5</a:t>
             </a:fld>
             <a:endParaRPr kumimoji="1" lang="ja-JP" altLang="en-US"/>
           </a:p>
@@ -3393,7 +3393,7 @@
           <a:p>
             <a:fld id="{E3DEF428-208D-4894-970D-3901F29AD818}" type="datetimeFigureOut">
               <a:rPr kumimoji="1" lang="ja-JP" altLang="en-US" smtClean="0"/>
-              <a:t>2021/8/3</a:t>
+              <a:t>2021/8/5</a:t>
             </a:fld>
             <a:endParaRPr kumimoji="1" lang="ja-JP" altLang="en-US"/>
           </a:p>
@@ -3666,7 +3666,7 @@
           <a:p>
             <a:fld id="{E3DEF428-208D-4894-970D-3901F29AD818}" type="datetimeFigureOut">
               <a:rPr kumimoji="1" lang="ja-JP" altLang="en-US" smtClean="0"/>
-              <a:t>2021/8/3</a:t>
+              <a:t>2021/8/5</a:t>
             </a:fld>
             <a:endParaRPr kumimoji="1" lang="ja-JP" altLang="en-US"/>
           </a:p>
@@ -6687,7 +6687,7 @@
         <p:spPr>
           <a:xfrm>
             <a:off x="1535576" y="733432"/>
-            <a:ext cx="0" cy="4124318"/>
+            <a:ext cx="0" cy="5843214"/>
           </a:xfrm>
           <a:prstGeom prst="line">
             <a:avLst/>
@@ -8317,8 +8317,192 @@
           <a:lstStyle/>
           <a:p>
             <a:r>
+              <a:rPr kumimoji="1" lang="en-US" altLang="ja-JP" sz="1000" dirty="0"/>
+              <a:t>x=9</a:t>
+            </a:r>
+            <a:endParaRPr kumimoji="1" lang="ja-JP" altLang="en-US" sz="1000" dirty="0"/>
+          </a:p>
+        </p:txBody>
+      </p:sp>
+      <p:sp>
+        <p:nvSpPr>
+          <p:cNvPr id="57" name="テキスト ボックス 56">
+            <a:extLst>
+              <a:ext uri="{FF2B5EF4-FFF2-40B4-BE49-F238E27FC236}">
+                <a16:creationId xmlns:a16="http://schemas.microsoft.com/office/drawing/2014/main" id="{BA5B8E08-F11B-4847-A740-4DA4A563FBFA}"/>
+              </a:ext>
+            </a:extLst>
+          </p:cNvPr>
+          <p:cNvSpPr txBox="1"/>
+          <p:nvPr/>
+        </p:nvSpPr>
+        <p:spPr>
+          <a:xfrm>
+            <a:off x="6609503" y="415585"/>
+            <a:ext cx="481222" cy="246221"/>
+          </a:xfrm>
+          <a:prstGeom prst="rect">
+            <a:avLst/>
+          </a:prstGeom>
+          <a:noFill/>
+        </p:spPr>
+        <p:txBody>
+          <a:bodyPr wrap="none" rtlCol="0">
+            <a:spAutoFit/>
+          </a:bodyPr>
+          <a:lstStyle/>
+          <a:p>
+            <a:r>
+              <a:rPr kumimoji="1" lang="en-US" altLang="ja-JP" sz="1000" dirty="0"/>
+              <a:t>x=10</a:t>
+            </a:r>
+            <a:endParaRPr kumimoji="1" lang="ja-JP" altLang="en-US" sz="1000" dirty="0"/>
+          </a:p>
+        </p:txBody>
+      </p:sp>
+      <p:sp>
+        <p:nvSpPr>
+          <p:cNvPr id="58" name="テキスト ボックス 57">
+            <a:extLst>
+              <a:ext uri="{FF2B5EF4-FFF2-40B4-BE49-F238E27FC236}">
+                <a16:creationId xmlns:a16="http://schemas.microsoft.com/office/drawing/2014/main" id="{65521D3E-715B-4E96-BDFA-09EF693F90C1}"/>
+              </a:ext>
+            </a:extLst>
+          </p:cNvPr>
+          <p:cNvSpPr txBox="1"/>
+          <p:nvPr/>
+        </p:nvSpPr>
+        <p:spPr>
+          <a:xfrm>
+            <a:off x="7090725" y="415585"/>
+            <a:ext cx="481222" cy="246221"/>
+          </a:xfrm>
+          <a:prstGeom prst="rect">
+            <a:avLst/>
+          </a:prstGeom>
+          <a:noFill/>
+        </p:spPr>
+        <p:txBody>
+          <a:bodyPr wrap="none" rtlCol="0">
+            <a:spAutoFit/>
+          </a:bodyPr>
+          <a:lstStyle/>
+          <a:p>
+            <a:r>
+              <a:rPr kumimoji="1" lang="en-US" altLang="ja-JP" sz="1000" dirty="0"/>
+              <a:t>x=11</a:t>
+            </a:r>
+            <a:endParaRPr kumimoji="1" lang="ja-JP" altLang="en-US" sz="1000" dirty="0"/>
+          </a:p>
+        </p:txBody>
+      </p:sp>
+      <p:sp>
+        <p:nvSpPr>
+          <p:cNvPr id="59" name="テキスト ボックス 58">
+            <a:extLst>
+              <a:ext uri="{FF2B5EF4-FFF2-40B4-BE49-F238E27FC236}">
+                <a16:creationId xmlns:a16="http://schemas.microsoft.com/office/drawing/2014/main" id="{8F5331B5-8ECF-46B6-A3B1-2E0A00C3F0EE}"/>
+              </a:ext>
+            </a:extLst>
+          </p:cNvPr>
+          <p:cNvSpPr txBox="1"/>
+          <p:nvPr/>
+        </p:nvSpPr>
+        <p:spPr>
+          <a:xfrm>
+            <a:off x="7571947" y="415585"/>
+            <a:ext cx="481222" cy="246221"/>
+          </a:xfrm>
+          <a:prstGeom prst="rect">
+            <a:avLst/>
+          </a:prstGeom>
+          <a:noFill/>
+        </p:spPr>
+        <p:txBody>
+          <a:bodyPr wrap="none" rtlCol="0">
+            <a:spAutoFit/>
+          </a:bodyPr>
+          <a:lstStyle/>
+          <a:p>
+            <a:r>
+              <a:rPr kumimoji="1" lang="en-US" altLang="ja-JP" sz="1000" dirty="0"/>
+              <a:t>x=12</a:t>
+            </a:r>
+            <a:endParaRPr kumimoji="1" lang="ja-JP" altLang="en-US" sz="1000" dirty="0"/>
+          </a:p>
+        </p:txBody>
+      </p:sp>
+      <p:sp>
+        <p:nvSpPr>
+          <p:cNvPr id="60" name="テキスト ボックス 59">
+            <a:extLst>
+              <a:ext uri="{FF2B5EF4-FFF2-40B4-BE49-F238E27FC236}">
+                <a16:creationId xmlns:a16="http://schemas.microsoft.com/office/drawing/2014/main" id="{91510064-A81D-4797-9B2B-73E5545E345D}"/>
+              </a:ext>
+            </a:extLst>
+          </p:cNvPr>
+          <p:cNvSpPr txBox="1"/>
+          <p:nvPr/>
+        </p:nvSpPr>
+        <p:spPr>
+          <a:xfrm>
+            <a:off x="1067355" y="5214534"/>
+            <a:ext cx="481222" cy="246221"/>
+          </a:xfrm>
+          <a:prstGeom prst="rect">
+            <a:avLst/>
+          </a:prstGeom>
+          <a:noFill/>
+        </p:spPr>
+        <p:txBody>
+          <a:bodyPr wrap="none" rtlCol="0">
+            <a:spAutoFit/>
+          </a:bodyPr>
+          <a:lstStyle/>
+          <a:p>
+            <a:r>
+              <a:rPr kumimoji="1" lang="en-US" altLang="ja-JP" sz="1000" dirty="0"/>
+              <a:t>y=10</a:t>
+            </a:r>
+            <a:endParaRPr kumimoji="1" lang="ja-JP" altLang="en-US" sz="1000" dirty="0"/>
+          </a:p>
+        </p:txBody>
+      </p:sp>
+      <p:sp>
+        <p:nvSpPr>
+          <p:cNvPr id="61" name="テキスト ボックス 60">
+            <a:extLst>
+              <a:ext uri="{FF2B5EF4-FFF2-40B4-BE49-F238E27FC236}">
+                <a16:creationId xmlns:a16="http://schemas.microsoft.com/office/drawing/2014/main" id="{ACCE6AF7-F0EB-40B5-8DD1-99D5EFC01E12}"/>
+              </a:ext>
+            </a:extLst>
+          </p:cNvPr>
+          <p:cNvSpPr txBox="1"/>
+          <p:nvPr/>
+        </p:nvSpPr>
+        <p:spPr>
+          <a:xfrm>
+            <a:off x="1067355" y="5649369"/>
+            <a:ext cx="481222" cy="246221"/>
+          </a:xfrm>
+          <a:prstGeom prst="rect">
+            <a:avLst/>
+          </a:prstGeom>
+          <a:noFill/>
+        </p:spPr>
+        <p:txBody>
+          <a:bodyPr wrap="none" rtlCol="0">
+            <a:spAutoFit/>
+          </a:bodyPr>
+          <a:lstStyle/>
+          <a:p>
+            <a:r>
+              <a:rPr kumimoji="1" lang="en-US" altLang="ja-JP" sz="1000" dirty="0"/>
+              <a:t>y</a:t>
+            </a:r>
+            <a:r>
               <a:rPr kumimoji="1" lang="en-US" altLang="ja-JP" sz="1000"/>
-              <a:t>x=9</a:t>
+              <a:t>=11</a:t>
             </a:r>
             <a:endParaRPr kumimoji="1" lang="ja-JP" altLang="en-US" sz="1000" dirty="0"/>
           </a:p>

--- a/position.pptx
+++ b/position.pptx
@@ -5,11 +5,10 @@
     <p:sldMasterId id="2147483648" r:id="rId1"/>
   </p:sldMasterIdLst>
   <p:notesMasterIdLst>
-    <p:notesMasterId r:id="rId4"/>
+    <p:notesMasterId r:id="rId3"/>
   </p:notesMasterIdLst>
   <p:sldIdLst>
     <p:sldId id="257" r:id="rId2"/>
-    <p:sldId id="256" r:id="rId3"/>
   </p:sldIdLst>
   <p:sldSz cx="12192000" cy="6858000"/>
   <p:notesSz cx="6858000" cy="9144000"/>
@@ -198,7 +197,7 @@
           <a:p>
             <a:fld id="{98125669-4230-4A9E-999F-BF115143650C}" type="datetimeFigureOut">
               <a:rPr kumimoji="1" lang="ja-JP" altLang="en-US" smtClean="0"/>
-              <a:t>2021/8/5</a:t>
+              <a:t>2021/8/13</a:t>
             </a:fld>
             <a:endParaRPr kumimoji="1" lang="ja-JP" altLang="en-US"/>
           </a:p>
@@ -728,7 +727,7 @@
           <a:p>
             <a:fld id="{E3DEF428-208D-4894-970D-3901F29AD818}" type="datetimeFigureOut">
               <a:rPr kumimoji="1" lang="ja-JP" altLang="en-US" smtClean="0"/>
-              <a:t>2021/8/5</a:t>
+              <a:t>2021/8/13</a:t>
             </a:fld>
             <a:endParaRPr kumimoji="1" lang="ja-JP" altLang="en-US"/>
           </a:p>
@@ -958,7 +957,7 @@
           <a:p>
             <a:fld id="{E3DEF428-208D-4894-970D-3901F29AD818}" type="datetimeFigureOut">
               <a:rPr kumimoji="1" lang="ja-JP" altLang="en-US" smtClean="0"/>
-              <a:t>2021/8/5</a:t>
+              <a:t>2021/8/13</a:t>
             </a:fld>
             <a:endParaRPr kumimoji="1" lang="ja-JP" altLang="en-US"/>
           </a:p>
@@ -1198,7 +1197,7 @@
           <a:p>
             <a:fld id="{E3DEF428-208D-4894-970D-3901F29AD818}" type="datetimeFigureOut">
               <a:rPr kumimoji="1" lang="ja-JP" altLang="en-US" smtClean="0"/>
-              <a:t>2021/8/5</a:t>
+              <a:t>2021/8/13</a:t>
             </a:fld>
             <a:endParaRPr kumimoji="1" lang="ja-JP" altLang="en-US"/>
           </a:p>
@@ -1428,7 +1427,7 @@
           <a:p>
             <a:fld id="{E3DEF428-208D-4894-970D-3901F29AD818}" type="datetimeFigureOut">
               <a:rPr kumimoji="1" lang="ja-JP" altLang="en-US" smtClean="0"/>
-              <a:t>2021/8/5</a:t>
+              <a:t>2021/8/13</a:t>
             </a:fld>
             <a:endParaRPr kumimoji="1" lang="ja-JP" altLang="en-US"/>
           </a:p>
@@ -1703,7 +1702,7 @@
           <a:p>
             <a:fld id="{E3DEF428-208D-4894-970D-3901F29AD818}" type="datetimeFigureOut">
               <a:rPr kumimoji="1" lang="ja-JP" altLang="en-US" smtClean="0"/>
-              <a:t>2021/8/5</a:t>
+              <a:t>2021/8/13</a:t>
             </a:fld>
             <a:endParaRPr kumimoji="1" lang="ja-JP" altLang="en-US"/>
           </a:p>
@@ -2032,7 +2031,7 @@
           <a:p>
             <a:fld id="{E3DEF428-208D-4894-970D-3901F29AD818}" type="datetimeFigureOut">
               <a:rPr kumimoji="1" lang="ja-JP" altLang="en-US" smtClean="0"/>
-              <a:t>2021/8/5</a:t>
+              <a:t>2021/8/13</a:t>
             </a:fld>
             <a:endParaRPr kumimoji="1" lang="ja-JP" altLang="en-US"/>
           </a:p>
@@ -2508,7 +2507,7 @@
           <a:p>
             <a:fld id="{E3DEF428-208D-4894-970D-3901F29AD818}" type="datetimeFigureOut">
               <a:rPr kumimoji="1" lang="ja-JP" altLang="en-US" smtClean="0"/>
-              <a:t>2021/8/5</a:t>
+              <a:t>2021/8/13</a:t>
             </a:fld>
             <a:endParaRPr kumimoji="1" lang="ja-JP" altLang="en-US"/>
           </a:p>
@@ -2649,7 +2648,7 @@
           <a:p>
             <a:fld id="{E3DEF428-208D-4894-970D-3901F29AD818}" type="datetimeFigureOut">
               <a:rPr kumimoji="1" lang="ja-JP" altLang="en-US" smtClean="0"/>
-              <a:t>2021/8/5</a:t>
+              <a:t>2021/8/13</a:t>
             </a:fld>
             <a:endParaRPr kumimoji="1" lang="ja-JP" altLang="en-US"/>
           </a:p>
@@ -2762,7 +2761,7 @@
           <a:p>
             <a:fld id="{E3DEF428-208D-4894-970D-3901F29AD818}" type="datetimeFigureOut">
               <a:rPr kumimoji="1" lang="ja-JP" altLang="en-US" smtClean="0"/>
-              <a:t>2021/8/5</a:t>
+              <a:t>2021/8/13</a:t>
             </a:fld>
             <a:endParaRPr kumimoji="1" lang="ja-JP" altLang="en-US"/>
           </a:p>
@@ -3105,7 +3104,7 @@
           <a:p>
             <a:fld id="{E3DEF428-208D-4894-970D-3901F29AD818}" type="datetimeFigureOut">
               <a:rPr kumimoji="1" lang="ja-JP" altLang="en-US" smtClean="0"/>
-              <a:t>2021/8/5</a:t>
+              <a:t>2021/8/13</a:t>
             </a:fld>
             <a:endParaRPr kumimoji="1" lang="ja-JP" altLang="en-US"/>
           </a:p>
@@ -3393,7 +3392,7 @@
           <a:p>
             <a:fld id="{E3DEF428-208D-4894-970D-3901F29AD818}" type="datetimeFigureOut">
               <a:rPr kumimoji="1" lang="ja-JP" altLang="en-US" smtClean="0"/>
-              <a:t>2021/8/5</a:t>
+              <a:t>2021/8/13</a:t>
             </a:fld>
             <a:endParaRPr kumimoji="1" lang="ja-JP" altLang="en-US"/>
           </a:p>
@@ -3666,7 +3665,7 @@
           <a:p>
             <a:fld id="{E3DEF428-208D-4894-970D-3901F29AD818}" type="datetimeFigureOut">
               <a:rPr kumimoji="1" lang="ja-JP" altLang="en-US" smtClean="0"/>
-              <a:t>2021/8/5</a:t>
+              <a:t>2021/8/13</a:t>
             </a:fld>
             <a:endParaRPr kumimoji="1" lang="ja-JP" altLang="en-US"/>
           </a:p>
@@ -6686,7 +6685,7 @@
         </p:nvCxnSpPr>
         <p:spPr>
           <a:xfrm>
-            <a:off x="1535576" y="733432"/>
+            <a:off x="1538525" y="733432"/>
             <a:ext cx="0" cy="5843214"/>
           </a:xfrm>
           <a:prstGeom prst="line">
@@ -6770,7 +6769,7 @@
         </p:nvSpPr>
         <p:spPr>
           <a:xfrm>
-            <a:off x="4604202" y="2014413"/>
+            <a:off x="4603599" y="2014413"/>
             <a:ext cx="180000" cy="180000"/>
           </a:xfrm>
           <a:prstGeom prst="ellipse">
@@ -6816,7 +6815,7 @@
         </p:nvSpPr>
         <p:spPr>
           <a:xfrm>
-            <a:off x="4598304" y="2482155"/>
+            <a:off x="4603599" y="2482155"/>
             <a:ext cx="180000" cy="180000"/>
           </a:xfrm>
           <a:prstGeom prst="ellipse">
@@ -6862,7 +6861,7 @@
         </p:nvSpPr>
         <p:spPr>
           <a:xfrm>
-            <a:off x="4606709" y="3385135"/>
+            <a:off x="4603599" y="2938270"/>
             <a:ext cx="180000" cy="180000"/>
           </a:xfrm>
           <a:prstGeom prst="ellipse">
@@ -6908,7 +6907,7 @@
         </p:nvSpPr>
         <p:spPr>
           <a:xfrm>
-            <a:off x="4608895" y="3859877"/>
+            <a:off x="4603599" y="3413012"/>
             <a:ext cx="180000" cy="180000"/>
           </a:xfrm>
           <a:prstGeom prst="ellipse">
@@ -6954,7 +6953,7 @@
         </p:nvSpPr>
         <p:spPr>
           <a:xfrm>
-            <a:off x="3559969" y="1100627"/>
+            <a:off x="3554555" y="1100627"/>
             <a:ext cx="180000" cy="180000"/>
           </a:xfrm>
           <a:prstGeom prst="ellipse">
@@ -7006,7 +7005,7 @@
         </p:nvSpPr>
         <p:spPr>
           <a:xfrm>
-            <a:off x="3559969" y="1553465"/>
+            <a:off x="3554555" y="1553465"/>
             <a:ext cx="180000" cy="180000"/>
           </a:xfrm>
           <a:prstGeom prst="ellipse">
@@ -7058,7 +7057,7 @@
         </p:nvSpPr>
         <p:spPr>
           <a:xfrm>
-            <a:off x="3559969" y="2030629"/>
+            <a:off x="3554555" y="2030629"/>
             <a:ext cx="180000" cy="180000"/>
           </a:xfrm>
           <a:prstGeom prst="ellipse">
@@ -7110,7 +7109,7 @@
         </p:nvSpPr>
         <p:spPr>
           <a:xfrm>
-            <a:off x="3559969" y="2466772"/>
+            <a:off x="3554555" y="2466772"/>
             <a:ext cx="180000" cy="180000"/>
           </a:xfrm>
           <a:prstGeom prst="ellipse">
@@ -7162,7 +7161,7 @@
         </p:nvSpPr>
         <p:spPr>
           <a:xfrm>
-            <a:off x="3549142" y="3423545"/>
+            <a:off x="3554555" y="2976680"/>
             <a:ext cx="180000" cy="180000"/>
           </a:xfrm>
           <a:prstGeom prst="ellipse">
@@ -7214,7 +7213,7 @@
         </p:nvSpPr>
         <p:spPr>
           <a:xfrm>
-            <a:off x="3549142" y="3839505"/>
+            <a:off x="3554555" y="3392640"/>
             <a:ext cx="180000" cy="180000"/>
           </a:xfrm>
           <a:prstGeom prst="ellipse">
@@ -7266,7 +7265,7 @@
         </p:nvSpPr>
         <p:spPr>
           <a:xfrm>
-            <a:off x="3549142" y="4296808"/>
+            <a:off x="3554555" y="3849943"/>
             <a:ext cx="180000" cy="180000"/>
           </a:xfrm>
           <a:prstGeom prst="ellipse">
@@ -7318,7 +7317,7 @@
         </p:nvSpPr>
         <p:spPr>
           <a:xfrm>
-            <a:off x="3549142" y="4784217"/>
+            <a:off x="3554555" y="4337352"/>
             <a:ext cx="180000" cy="180000"/>
           </a:xfrm>
           <a:prstGeom prst="ellipse">
@@ -7370,7 +7369,7 @@
         </p:nvSpPr>
         <p:spPr>
           <a:xfrm>
-            <a:off x="5662976" y="2013381"/>
+            <a:off x="5657562" y="2013381"/>
             <a:ext cx="180000" cy="180000"/>
           </a:xfrm>
           <a:prstGeom prst="ellipse">
@@ -7422,7 +7421,7 @@
         </p:nvSpPr>
         <p:spPr>
           <a:xfrm>
-            <a:off x="5662976" y="1561647"/>
+            <a:off x="5657562" y="1561647"/>
             <a:ext cx="180000" cy="180000"/>
           </a:xfrm>
           <a:prstGeom prst="ellipse">
@@ -7475,7 +7474,7 @@
         <p:spPr>
           <a:xfrm>
             <a:off x="1319623" y="415585"/>
-            <a:ext cx="410690" cy="246221"/>
+            <a:ext cx="519694" cy="246221"/>
           </a:xfrm>
           <a:prstGeom prst="rect">
             <a:avLst/>
@@ -7490,7 +7489,7 @@
           <a:p>
             <a:r>
               <a:rPr kumimoji="1" lang="en-US" altLang="ja-JP" sz="1000" dirty="0"/>
-              <a:t>x=0</a:t>
+              <a:t>col=0</a:t>
             </a:r>
             <a:endParaRPr kumimoji="1" lang="ja-JP" altLang="en-US" sz="1000" dirty="0"/>
           </a:p>
@@ -7511,7 +7510,7 @@
         <p:spPr>
           <a:xfrm>
             <a:off x="1878423" y="415585"/>
-            <a:ext cx="410690" cy="246221"/>
+            <a:ext cx="519694" cy="246221"/>
           </a:xfrm>
           <a:prstGeom prst="rect">
             <a:avLst/>
@@ -7526,7 +7525,7 @@
           <a:p>
             <a:r>
               <a:rPr kumimoji="1" lang="en-US" altLang="ja-JP" sz="1000" dirty="0"/>
-              <a:t>x=1</a:t>
+              <a:t>col=1</a:t>
             </a:r>
             <a:endParaRPr kumimoji="1" lang="ja-JP" altLang="en-US" sz="1000" dirty="0"/>
           </a:p>
@@ -7547,7 +7546,7 @@
         <p:spPr>
           <a:xfrm>
             <a:off x="2437223" y="415585"/>
-            <a:ext cx="410690" cy="246221"/>
+            <a:ext cx="519694" cy="246221"/>
           </a:xfrm>
           <a:prstGeom prst="rect">
             <a:avLst/>
@@ -7562,7 +7561,7 @@
           <a:p>
             <a:r>
               <a:rPr kumimoji="1" lang="en-US" altLang="ja-JP" sz="1000" dirty="0"/>
-              <a:t>x=2</a:t>
+              <a:t>col=2</a:t>
             </a:r>
             <a:endParaRPr kumimoji="1" lang="ja-JP" altLang="en-US" sz="1000" dirty="0"/>
           </a:p>
@@ -7583,7 +7582,7 @@
         <p:spPr>
           <a:xfrm>
             <a:off x="2956911" y="415585"/>
-            <a:ext cx="410690" cy="246221"/>
+            <a:ext cx="519694" cy="246221"/>
           </a:xfrm>
           <a:prstGeom prst="rect">
             <a:avLst/>
@@ -7598,7 +7597,7 @@
           <a:p>
             <a:r>
               <a:rPr kumimoji="1" lang="en-US" altLang="ja-JP" sz="1000" dirty="0"/>
-              <a:t>x=3</a:t>
+              <a:t>col=3</a:t>
             </a:r>
             <a:endParaRPr kumimoji="1" lang="ja-JP" altLang="en-US" sz="1000" dirty="0"/>
           </a:p>
@@ -7619,7 +7618,7 @@
         <p:spPr>
           <a:xfrm>
             <a:off x="3482663" y="415585"/>
-            <a:ext cx="410690" cy="246221"/>
+            <a:ext cx="519694" cy="246221"/>
           </a:xfrm>
           <a:prstGeom prst="rect">
             <a:avLst/>
@@ -7634,7 +7633,7 @@
           <a:p>
             <a:r>
               <a:rPr kumimoji="1" lang="en-US" altLang="ja-JP" sz="1000" dirty="0"/>
-              <a:t>x=4</a:t>
+              <a:t>col=4</a:t>
             </a:r>
             <a:endParaRPr kumimoji="1" lang="ja-JP" altLang="en-US" sz="1000" dirty="0"/>
           </a:p>
@@ -7655,7 +7654,7 @@
         <p:spPr>
           <a:xfrm>
             <a:off x="3997701" y="415585"/>
-            <a:ext cx="410690" cy="246221"/>
+            <a:ext cx="519694" cy="246221"/>
           </a:xfrm>
           <a:prstGeom prst="rect">
             <a:avLst/>
@@ -7670,7 +7669,7 @@
           <a:p>
             <a:r>
               <a:rPr kumimoji="1" lang="en-US" altLang="ja-JP" sz="1000" dirty="0"/>
-              <a:t>x=5</a:t>
+              <a:t>col=5</a:t>
             </a:r>
             <a:endParaRPr kumimoji="1" lang="ja-JP" altLang="en-US" sz="1000" dirty="0"/>
           </a:p>
@@ -7690,8 +7689,8 @@
         </p:nvSpPr>
         <p:spPr>
           <a:xfrm>
-            <a:off x="1067355" y="1049941"/>
-            <a:ext cx="410690" cy="246221"/>
+            <a:off x="901812" y="1049941"/>
+            <a:ext cx="566181" cy="246221"/>
           </a:xfrm>
           <a:prstGeom prst="rect">
             <a:avLst/>
@@ -7706,7 +7705,7 @@
           <a:p>
             <a:r>
               <a:rPr kumimoji="1" lang="en-US" altLang="ja-JP" sz="1000" dirty="0"/>
-              <a:t>y=1</a:t>
+              <a:t>row=1</a:t>
             </a:r>
             <a:endParaRPr kumimoji="1" lang="ja-JP" altLang="en-US" sz="1000" dirty="0"/>
           </a:p>
@@ -7726,8 +7725,8 @@
         </p:nvSpPr>
         <p:spPr>
           <a:xfrm>
-            <a:off x="1067355" y="1520355"/>
-            <a:ext cx="410690" cy="246221"/>
+            <a:off x="901812" y="1520355"/>
+            <a:ext cx="566181" cy="246221"/>
           </a:xfrm>
           <a:prstGeom prst="rect">
             <a:avLst/>
@@ -7742,7 +7741,7 @@
           <a:p>
             <a:r>
               <a:rPr kumimoji="1" lang="en-US" altLang="ja-JP" sz="1000" dirty="0"/>
-              <a:t>y=2</a:t>
+              <a:t>row=2</a:t>
             </a:r>
             <a:endParaRPr kumimoji="1" lang="ja-JP" altLang="en-US" sz="1000" dirty="0"/>
           </a:p>
@@ -7762,8 +7761,8 @@
         </p:nvSpPr>
         <p:spPr>
           <a:xfrm>
-            <a:off x="1067355" y="1982076"/>
-            <a:ext cx="410690" cy="246221"/>
+            <a:off x="901812" y="1982076"/>
+            <a:ext cx="566181" cy="246221"/>
           </a:xfrm>
           <a:prstGeom prst="rect">
             <a:avLst/>
@@ -7778,7 +7777,7 @@
           <a:p>
             <a:r>
               <a:rPr kumimoji="1" lang="en-US" altLang="ja-JP" sz="1000" dirty="0"/>
-              <a:t>y=3</a:t>
+              <a:t>row=3</a:t>
             </a:r>
             <a:endParaRPr kumimoji="1" lang="ja-JP" altLang="en-US" sz="1000" dirty="0"/>
           </a:p>
@@ -7798,8 +7797,8 @@
         </p:nvSpPr>
         <p:spPr>
           <a:xfrm>
-            <a:off x="1067355" y="2437786"/>
-            <a:ext cx="410690" cy="246221"/>
+            <a:off x="901812" y="2437786"/>
+            <a:ext cx="566181" cy="246221"/>
           </a:xfrm>
           <a:prstGeom prst="rect">
             <a:avLst/>
@@ -7814,7 +7813,7 @@
           <a:p>
             <a:r>
               <a:rPr kumimoji="1" lang="en-US" altLang="ja-JP" sz="1000" dirty="0"/>
-              <a:t>y=4</a:t>
+              <a:t>row=4</a:t>
             </a:r>
             <a:endParaRPr kumimoji="1" lang="ja-JP" altLang="en-US" sz="1000" dirty="0"/>
           </a:p>
@@ -7834,8 +7833,8 @@
         </p:nvSpPr>
         <p:spPr>
           <a:xfrm>
-            <a:off x="1067355" y="2905582"/>
-            <a:ext cx="410690" cy="246221"/>
+            <a:off x="901812" y="2905582"/>
+            <a:ext cx="566181" cy="246221"/>
           </a:xfrm>
           <a:prstGeom prst="rect">
             <a:avLst/>
@@ -7850,7 +7849,7 @@
           <a:p>
             <a:r>
               <a:rPr kumimoji="1" lang="en-US" altLang="ja-JP" sz="1000" dirty="0"/>
-              <a:t>y=5</a:t>
+              <a:t>row=5</a:t>
             </a:r>
             <a:endParaRPr kumimoji="1" lang="ja-JP" altLang="en-US" sz="1000" dirty="0"/>
           </a:p>
@@ -7870,8 +7869,8 @@
         </p:nvSpPr>
         <p:spPr>
           <a:xfrm>
-            <a:off x="1067355" y="3364310"/>
-            <a:ext cx="410690" cy="246221"/>
+            <a:off x="901812" y="3364310"/>
+            <a:ext cx="566181" cy="246221"/>
           </a:xfrm>
           <a:prstGeom prst="rect">
             <a:avLst/>
@@ -7886,7 +7885,7 @@
           <a:p>
             <a:r>
               <a:rPr kumimoji="1" lang="en-US" altLang="ja-JP" sz="1000" dirty="0"/>
-              <a:t>y=6</a:t>
+              <a:t>row=6</a:t>
             </a:r>
             <a:endParaRPr kumimoji="1" lang="ja-JP" altLang="en-US" sz="1000" dirty="0"/>
           </a:p>
@@ -7906,8 +7905,8 @@
         </p:nvSpPr>
         <p:spPr>
           <a:xfrm>
-            <a:off x="1067355" y="3823038"/>
-            <a:ext cx="410690" cy="246221"/>
+            <a:off x="901812" y="3823038"/>
+            <a:ext cx="566181" cy="246221"/>
           </a:xfrm>
           <a:prstGeom prst="rect">
             <a:avLst/>
@@ -7922,7 +7921,7 @@
           <a:p>
             <a:r>
               <a:rPr kumimoji="1" lang="en-US" altLang="ja-JP" sz="1000" dirty="0"/>
-              <a:t>y=7</a:t>
+              <a:t>row=7</a:t>
             </a:r>
             <a:endParaRPr kumimoji="1" lang="ja-JP" altLang="en-US" sz="1000" dirty="0"/>
           </a:p>
@@ -7942,8 +7941,8 @@
         </p:nvSpPr>
         <p:spPr>
           <a:xfrm>
-            <a:off x="1067355" y="4281766"/>
-            <a:ext cx="410690" cy="246221"/>
+            <a:off x="901812" y="4281766"/>
+            <a:ext cx="566181" cy="246221"/>
           </a:xfrm>
           <a:prstGeom prst="rect">
             <a:avLst/>
@@ -7958,7 +7957,7 @@
           <a:p>
             <a:r>
               <a:rPr kumimoji="1" lang="en-US" altLang="ja-JP" sz="1000" dirty="0"/>
-              <a:t>y=8</a:t>
+              <a:t>row=8</a:t>
             </a:r>
             <a:endParaRPr kumimoji="1" lang="ja-JP" altLang="en-US" sz="1000" dirty="0"/>
           </a:p>
@@ -7978,8 +7977,8 @@
         </p:nvSpPr>
         <p:spPr>
           <a:xfrm>
-            <a:off x="1067355" y="618464"/>
-            <a:ext cx="410690" cy="246221"/>
+            <a:off x="901812" y="618464"/>
+            <a:ext cx="566181" cy="246221"/>
           </a:xfrm>
           <a:prstGeom prst="rect">
             <a:avLst/>
@@ -7994,7 +7993,7 @@
           <a:p>
             <a:r>
               <a:rPr kumimoji="1" lang="en-US" altLang="ja-JP" sz="1000" dirty="0"/>
-              <a:t>y=0</a:t>
+              <a:t>row=0</a:t>
             </a:r>
             <a:endParaRPr kumimoji="1" lang="ja-JP" altLang="en-US" sz="1000" dirty="0"/>
           </a:p>
@@ -8014,8 +8013,8 @@
         </p:nvSpPr>
         <p:spPr>
           <a:xfrm>
-            <a:off x="1067355" y="4759985"/>
-            <a:ext cx="410690" cy="246221"/>
+            <a:off x="901812" y="4759985"/>
+            <a:ext cx="566181" cy="246221"/>
           </a:xfrm>
           <a:prstGeom prst="rect">
             <a:avLst/>
@@ -8030,7 +8029,7 @@
           <a:p>
             <a:r>
               <a:rPr kumimoji="1" lang="en-US" altLang="ja-JP" sz="1000" dirty="0"/>
-              <a:t>y=9</a:t>
+              <a:t>row=9</a:t>
             </a:r>
             <a:endParaRPr kumimoji="1" lang="ja-JP" altLang="en-US" sz="1000" dirty="0"/>
           </a:p>
@@ -8090,7 +8089,7 @@
         </p:nvSpPr>
         <p:spPr>
           <a:xfrm>
-            <a:off x="5652149" y="4318952"/>
+            <a:off x="5657562" y="3872087"/>
             <a:ext cx="180000" cy="180000"/>
           </a:xfrm>
           <a:prstGeom prst="ellipse">
@@ -8142,7 +8141,7 @@
         </p:nvSpPr>
         <p:spPr>
           <a:xfrm>
-            <a:off x="5652149" y="3867218"/>
+            <a:off x="5657562" y="3420353"/>
             <a:ext cx="180000" cy="180000"/>
           </a:xfrm>
           <a:prstGeom prst="ellipse">
@@ -8195,7 +8194,7 @@
         <p:spPr>
           <a:xfrm>
             <a:off x="4491364" y="415585"/>
-            <a:ext cx="410690" cy="246221"/>
+            <a:ext cx="519694" cy="246221"/>
           </a:xfrm>
           <a:prstGeom prst="rect">
             <a:avLst/>
@@ -8210,7 +8209,7 @@
           <a:p>
             <a:r>
               <a:rPr kumimoji="1" lang="en-US" altLang="ja-JP" sz="1000" dirty="0"/>
-              <a:t>x=6</a:t>
+              <a:t>col=6</a:t>
             </a:r>
             <a:endParaRPr kumimoji="1" lang="ja-JP" altLang="en-US" sz="1000" dirty="0"/>
           </a:p>
@@ -8231,7 +8230,7 @@
         <p:spPr>
           <a:xfrm>
             <a:off x="5547631" y="415585"/>
-            <a:ext cx="410690" cy="246221"/>
+            <a:ext cx="519694" cy="246221"/>
           </a:xfrm>
           <a:prstGeom prst="rect">
             <a:avLst/>
@@ -8246,7 +8245,7 @@
           <a:p>
             <a:r>
               <a:rPr kumimoji="1" lang="en-US" altLang="ja-JP" sz="1000" dirty="0"/>
-              <a:t>x=8</a:t>
+              <a:t>col=8</a:t>
             </a:r>
             <a:endParaRPr kumimoji="1" lang="ja-JP" altLang="en-US" sz="1000" dirty="0"/>
           </a:p>
@@ -8267,7 +8266,7 @@
         <p:spPr>
           <a:xfrm>
             <a:off x="5018385" y="415585"/>
-            <a:ext cx="410690" cy="246221"/>
+            <a:ext cx="519694" cy="246221"/>
           </a:xfrm>
           <a:prstGeom prst="rect">
             <a:avLst/>
@@ -8282,7 +8281,7 @@
           <a:p>
             <a:r>
               <a:rPr kumimoji="1" lang="en-US" altLang="ja-JP" sz="1000" dirty="0"/>
-              <a:t>x=7</a:t>
+              <a:t>col=7</a:t>
             </a:r>
             <a:endParaRPr kumimoji="1" lang="ja-JP" altLang="en-US" sz="1000" dirty="0"/>
           </a:p>
@@ -8303,7 +8302,7 @@
         <p:spPr>
           <a:xfrm>
             <a:off x="6052657" y="415585"/>
-            <a:ext cx="410690" cy="246221"/>
+            <a:ext cx="519694" cy="246221"/>
           </a:xfrm>
           <a:prstGeom prst="rect">
             <a:avLst/>
@@ -8318,7 +8317,7 @@
           <a:p>
             <a:r>
               <a:rPr kumimoji="1" lang="en-US" altLang="ja-JP" sz="1000" dirty="0"/>
-              <a:t>x=9</a:t>
+              <a:t>col=9</a:t>
             </a:r>
             <a:endParaRPr kumimoji="1" lang="ja-JP" altLang="en-US" sz="1000" dirty="0"/>
           </a:p>
@@ -8339,7 +8338,7 @@
         <p:spPr>
           <a:xfrm>
             <a:off x="6609503" y="415585"/>
-            <a:ext cx="481222" cy="246221"/>
+            <a:ext cx="590226" cy="246221"/>
           </a:xfrm>
           <a:prstGeom prst="rect">
             <a:avLst/>
@@ -8354,7 +8353,7 @@
           <a:p>
             <a:r>
               <a:rPr kumimoji="1" lang="en-US" altLang="ja-JP" sz="1000" dirty="0"/>
-              <a:t>x=10</a:t>
+              <a:t>col=10</a:t>
             </a:r>
             <a:endParaRPr kumimoji="1" lang="ja-JP" altLang="en-US" sz="1000" dirty="0"/>
           </a:p>
@@ -8375,7 +8374,7 @@
         <p:spPr>
           <a:xfrm>
             <a:off x="7090725" y="415585"/>
-            <a:ext cx="481222" cy="246221"/>
+            <a:ext cx="590226" cy="246221"/>
           </a:xfrm>
           <a:prstGeom prst="rect">
             <a:avLst/>
@@ -8390,7 +8389,7 @@
           <a:p>
             <a:r>
               <a:rPr kumimoji="1" lang="en-US" altLang="ja-JP" sz="1000" dirty="0"/>
-              <a:t>x=11</a:t>
+              <a:t>col=11</a:t>
             </a:r>
             <a:endParaRPr kumimoji="1" lang="ja-JP" altLang="en-US" sz="1000" dirty="0"/>
           </a:p>
@@ -8411,7 +8410,7 @@
         <p:spPr>
           <a:xfrm>
             <a:off x="7571947" y="415585"/>
-            <a:ext cx="481222" cy="246221"/>
+            <a:ext cx="590226" cy="246221"/>
           </a:xfrm>
           <a:prstGeom prst="rect">
             <a:avLst/>
@@ -8426,7 +8425,7 @@
           <a:p>
             <a:r>
               <a:rPr kumimoji="1" lang="en-US" altLang="ja-JP" sz="1000" dirty="0"/>
-              <a:t>x=12</a:t>
+              <a:t>col=12</a:t>
             </a:r>
             <a:endParaRPr kumimoji="1" lang="ja-JP" altLang="en-US" sz="1000" dirty="0"/>
           </a:p>
@@ -8446,8 +8445,8 @@
         </p:nvSpPr>
         <p:spPr>
           <a:xfrm>
-            <a:off x="1067355" y="5214534"/>
-            <a:ext cx="481222" cy="246221"/>
+            <a:off x="901812" y="5214534"/>
+            <a:ext cx="636713" cy="246221"/>
           </a:xfrm>
           <a:prstGeom prst="rect">
             <a:avLst/>
@@ -8462,7 +8461,7 @@
           <a:p>
             <a:r>
               <a:rPr kumimoji="1" lang="en-US" altLang="ja-JP" sz="1000" dirty="0"/>
-              <a:t>y=10</a:t>
+              <a:t>row=10</a:t>
             </a:r>
             <a:endParaRPr kumimoji="1" lang="ja-JP" altLang="en-US" sz="1000" dirty="0"/>
           </a:p>
@@ -8482,8 +8481,8 @@
         </p:nvSpPr>
         <p:spPr>
           <a:xfrm>
-            <a:off x="1067355" y="5649369"/>
-            <a:ext cx="481222" cy="246221"/>
+            <a:off x="901812" y="5649369"/>
+            <a:ext cx="636713" cy="246221"/>
           </a:xfrm>
           <a:prstGeom prst="rect">
             <a:avLst/>
@@ -8498,11 +8497,7 @@
           <a:p>
             <a:r>
               <a:rPr kumimoji="1" lang="en-US" altLang="ja-JP" sz="1000" dirty="0"/>
-              <a:t>y</a:t>
-            </a:r>
-            <a:r>
-              <a:rPr kumimoji="1" lang="en-US" altLang="ja-JP" sz="1000"/>
-              <a:t>=11</a:t>
+              <a:t>row=11</a:t>
             </a:r>
             <a:endParaRPr kumimoji="1" lang="ja-JP" altLang="en-US" sz="1000" dirty="0"/>
           </a:p>
@@ -8512,4171 +8507,6 @@
     <p:extLst>
       <p:ext uri="{BB962C8B-B14F-4D97-AF65-F5344CB8AC3E}">
         <p14:creationId xmlns:p14="http://schemas.microsoft.com/office/powerpoint/2010/main" val="105126792"/>
-      </p:ext>
-    </p:extLst>
-  </p:cSld>
-  <p:clrMapOvr>
-    <a:masterClrMapping/>
-  </p:clrMapOvr>
-</p:sld>
-</file>
-
-<file path=ppt/slides/slide2.xml><?xml version="1.0" encoding="utf-8"?>
-<p:sld xmlns:a="http://schemas.openxmlformats.org/drawingml/2006/main" xmlns:r="http://schemas.openxmlformats.org/officeDocument/2006/relationships" xmlns:p="http://schemas.openxmlformats.org/presentationml/2006/main">
-  <p:cSld>
-    <p:spTree>
-      <p:nvGrpSpPr>
-        <p:cNvPr id="1" name=""/>
-        <p:cNvGrpSpPr/>
-        <p:nvPr/>
-      </p:nvGrpSpPr>
-      <p:grpSpPr>
-        <a:xfrm>
-          <a:off x="0" y="0"/>
-          <a:ext cx="0" cy="0"/>
-          <a:chOff x="0" y="0"/>
-          <a:chExt cx="0" cy="0"/>
-        </a:xfrm>
-      </p:grpSpPr>
-      <p:graphicFrame>
-        <p:nvGraphicFramePr>
-          <p:cNvPr id="7" name="表 7">
-            <a:extLst>
-              <a:ext uri="{FF2B5EF4-FFF2-40B4-BE49-F238E27FC236}">
-                <a16:creationId xmlns:a16="http://schemas.microsoft.com/office/drawing/2014/main" id="{612DE2BB-82F5-4845-B555-44403EFDAF07}"/>
-              </a:ext>
-            </a:extLst>
-          </p:cNvPr>
-          <p:cNvGraphicFramePr>
-            <a:graphicFrameLocks noGrp="1"/>
-          </p:cNvGraphicFramePr>
-          <p:nvPr>
-            <p:extLst>
-              <p:ext uri="{D42A27DB-BD31-4B8C-83A1-F6EECF244321}">
-                <p14:modId xmlns:p14="http://schemas.microsoft.com/office/powerpoint/2010/main" val="149186238"/>
-              </p:ext>
-            </p:extLst>
-          </p:nvPr>
-        </p:nvGraphicFramePr>
-        <p:xfrm>
-          <a:off x="1535576" y="727724"/>
-          <a:ext cx="9444852" cy="5964270"/>
-        </p:xfrm>
-        <a:graphic>
-          <a:graphicData uri="http://schemas.openxmlformats.org/drawingml/2006/table">
-            <a:tbl>
-              <a:tblPr>
-                <a:tableStyleId>{5C22544A-7EE6-4342-B048-85BDC9FD1C3A}</a:tableStyleId>
-              </a:tblPr>
-              <a:tblGrid>
-                <a:gridCol w="524714">
-                  <a:extLst>
-                    <a:ext uri="{9D8B030D-6E8A-4147-A177-3AD203B41FA5}">
-                      <a16:colId xmlns:a16="http://schemas.microsoft.com/office/drawing/2014/main" val="2353861698"/>
-                    </a:ext>
-                  </a:extLst>
-                </a:gridCol>
-                <a:gridCol w="524714">
-                  <a:extLst>
-                    <a:ext uri="{9D8B030D-6E8A-4147-A177-3AD203B41FA5}">
-                      <a16:colId xmlns:a16="http://schemas.microsoft.com/office/drawing/2014/main" val="2735365660"/>
-                    </a:ext>
-                  </a:extLst>
-                </a:gridCol>
-                <a:gridCol w="524714">
-                  <a:extLst>
-                    <a:ext uri="{9D8B030D-6E8A-4147-A177-3AD203B41FA5}">
-                      <a16:colId xmlns:a16="http://schemas.microsoft.com/office/drawing/2014/main" val="3262327200"/>
-                    </a:ext>
-                  </a:extLst>
-                </a:gridCol>
-                <a:gridCol w="524714">
-                  <a:extLst>
-                    <a:ext uri="{9D8B030D-6E8A-4147-A177-3AD203B41FA5}">
-                      <a16:colId xmlns:a16="http://schemas.microsoft.com/office/drawing/2014/main" val="3877163821"/>
-                    </a:ext>
-                  </a:extLst>
-                </a:gridCol>
-                <a:gridCol w="524714">
-                  <a:extLst>
-                    <a:ext uri="{9D8B030D-6E8A-4147-A177-3AD203B41FA5}">
-                      <a16:colId xmlns:a16="http://schemas.microsoft.com/office/drawing/2014/main" val="1410611288"/>
-                    </a:ext>
-                  </a:extLst>
-                </a:gridCol>
-                <a:gridCol w="524714">
-                  <a:extLst>
-                    <a:ext uri="{9D8B030D-6E8A-4147-A177-3AD203B41FA5}">
-                      <a16:colId xmlns:a16="http://schemas.microsoft.com/office/drawing/2014/main" val="1865361871"/>
-                    </a:ext>
-                  </a:extLst>
-                </a:gridCol>
-                <a:gridCol w="524714">
-                  <a:extLst>
-                    <a:ext uri="{9D8B030D-6E8A-4147-A177-3AD203B41FA5}">
-                      <a16:colId xmlns:a16="http://schemas.microsoft.com/office/drawing/2014/main" val="204369485"/>
-                    </a:ext>
-                  </a:extLst>
-                </a:gridCol>
-                <a:gridCol w="524714">
-                  <a:extLst>
-                    <a:ext uri="{9D8B030D-6E8A-4147-A177-3AD203B41FA5}">
-                      <a16:colId xmlns:a16="http://schemas.microsoft.com/office/drawing/2014/main" val="134617063"/>
-                    </a:ext>
-                  </a:extLst>
-                </a:gridCol>
-                <a:gridCol w="524714">
-                  <a:extLst>
-                    <a:ext uri="{9D8B030D-6E8A-4147-A177-3AD203B41FA5}">
-                      <a16:colId xmlns:a16="http://schemas.microsoft.com/office/drawing/2014/main" val="2040928400"/>
-                    </a:ext>
-                  </a:extLst>
-                </a:gridCol>
-                <a:gridCol w="524714">
-                  <a:extLst>
-                    <a:ext uri="{9D8B030D-6E8A-4147-A177-3AD203B41FA5}">
-                      <a16:colId xmlns:a16="http://schemas.microsoft.com/office/drawing/2014/main" val="1184395749"/>
-                    </a:ext>
-                  </a:extLst>
-                </a:gridCol>
-                <a:gridCol w="524714">
-                  <a:extLst>
-                    <a:ext uri="{9D8B030D-6E8A-4147-A177-3AD203B41FA5}">
-                      <a16:colId xmlns:a16="http://schemas.microsoft.com/office/drawing/2014/main" val="2005275472"/>
-                    </a:ext>
-                  </a:extLst>
-                </a:gridCol>
-                <a:gridCol w="524714">
-                  <a:extLst>
-                    <a:ext uri="{9D8B030D-6E8A-4147-A177-3AD203B41FA5}">
-                      <a16:colId xmlns:a16="http://schemas.microsoft.com/office/drawing/2014/main" val="3482882439"/>
-                    </a:ext>
-                  </a:extLst>
-                </a:gridCol>
-                <a:gridCol w="524714">
-                  <a:extLst>
-                    <a:ext uri="{9D8B030D-6E8A-4147-A177-3AD203B41FA5}">
-                      <a16:colId xmlns:a16="http://schemas.microsoft.com/office/drawing/2014/main" val="1118756785"/>
-                    </a:ext>
-                  </a:extLst>
-                </a:gridCol>
-                <a:gridCol w="524714">
-                  <a:extLst>
-                    <a:ext uri="{9D8B030D-6E8A-4147-A177-3AD203B41FA5}">
-                      <a16:colId xmlns:a16="http://schemas.microsoft.com/office/drawing/2014/main" val="2810762907"/>
-                    </a:ext>
-                  </a:extLst>
-                </a:gridCol>
-                <a:gridCol w="524714">
-                  <a:extLst>
-                    <a:ext uri="{9D8B030D-6E8A-4147-A177-3AD203B41FA5}">
-                      <a16:colId xmlns:a16="http://schemas.microsoft.com/office/drawing/2014/main" val="2376980172"/>
-                    </a:ext>
-                  </a:extLst>
-                </a:gridCol>
-                <a:gridCol w="524714">
-                  <a:extLst>
-                    <a:ext uri="{9D8B030D-6E8A-4147-A177-3AD203B41FA5}">
-                      <a16:colId xmlns:a16="http://schemas.microsoft.com/office/drawing/2014/main" val="1844653986"/>
-                    </a:ext>
-                  </a:extLst>
-                </a:gridCol>
-                <a:gridCol w="524714">
-                  <a:extLst>
-                    <a:ext uri="{9D8B030D-6E8A-4147-A177-3AD203B41FA5}">
-                      <a16:colId xmlns:a16="http://schemas.microsoft.com/office/drawing/2014/main" val="4175700290"/>
-                    </a:ext>
-                  </a:extLst>
-                </a:gridCol>
-                <a:gridCol w="524714">
-                  <a:extLst>
-                    <a:ext uri="{9D8B030D-6E8A-4147-A177-3AD203B41FA5}">
-                      <a16:colId xmlns:a16="http://schemas.microsoft.com/office/drawing/2014/main" val="3121511968"/>
-                    </a:ext>
-                  </a:extLst>
-                </a:gridCol>
-              </a:tblGrid>
-              <a:tr h="458790">
-                <a:tc>
-                  <a:txBody>
-                    <a:bodyPr/>
-                    <a:lstStyle/>
-                    <a:p>
-                      <a:endParaRPr kumimoji="1" lang="ja-JP" altLang="en-US" sz="800"/>
-                    </a:p>
-                  </a:txBody>
-                  <a:tcPr/>
-                </a:tc>
-                <a:tc>
-                  <a:txBody>
-                    <a:bodyPr/>
-                    <a:lstStyle/>
-                    <a:p>
-                      <a:endParaRPr kumimoji="1" lang="ja-JP" altLang="en-US" sz="800"/>
-                    </a:p>
-                  </a:txBody>
-                  <a:tcPr/>
-                </a:tc>
-                <a:tc>
-                  <a:txBody>
-                    <a:bodyPr/>
-                    <a:lstStyle/>
-                    <a:p>
-                      <a:endParaRPr kumimoji="1" lang="ja-JP" altLang="en-US" sz="800"/>
-                    </a:p>
-                  </a:txBody>
-                  <a:tcPr/>
-                </a:tc>
-                <a:tc>
-                  <a:txBody>
-                    <a:bodyPr/>
-                    <a:lstStyle/>
-                    <a:p>
-                      <a:endParaRPr kumimoji="1" lang="ja-JP" altLang="en-US" sz="800"/>
-                    </a:p>
-                  </a:txBody>
-                  <a:tcPr/>
-                </a:tc>
-                <a:tc>
-                  <a:txBody>
-                    <a:bodyPr/>
-                    <a:lstStyle/>
-                    <a:p>
-                      <a:endParaRPr kumimoji="1" lang="ja-JP" altLang="en-US" sz="800"/>
-                    </a:p>
-                  </a:txBody>
-                  <a:tcPr/>
-                </a:tc>
-                <a:tc>
-                  <a:txBody>
-                    <a:bodyPr/>
-                    <a:lstStyle/>
-                    <a:p>
-                      <a:endParaRPr kumimoji="1" lang="ja-JP" altLang="en-US" sz="800" dirty="0"/>
-                    </a:p>
-                  </a:txBody>
-                  <a:tcPr/>
-                </a:tc>
-                <a:tc>
-                  <a:txBody>
-                    <a:bodyPr/>
-                    <a:lstStyle/>
-                    <a:p>
-                      <a:endParaRPr kumimoji="1" lang="ja-JP" altLang="en-US" sz="800"/>
-                    </a:p>
-                  </a:txBody>
-                  <a:tcPr/>
-                </a:tc>
-                <a:tc>
-                  <a:txBody>
-                    <a:bodyPr/>
-                    <a:lstStyle/>
-                    <a:p>
-                      <a:endParaRPr kumimoji="1" lang="ja-JP" altLang="en-US" sz="800"/>
-                    </a:p>
-                  </a:txBody>
-                  <a:tcPr/>
-                </a:tc>
-                <a:tc>
-                  <a:txBody>
-                    <a:bodyPr/>
-                    <a:lstStyle/>
-                    <a:p>
-                      <a:endParaRPr kumimoji="1" lang="ja-JP" altLang="en-US" sz="800"/>
-                    </a:p>
-                  </a:txBody>
-                  <a:tcPr/>
-                </a:tc>
-                <a:tc>
-                  <a:txBody>
-                    <a:bodyPr/>
-                    <a:lstStyle/>
-                    <a:p>
-                      <a:endParaRPr kumimoji="1" lang="ja-JP" altLang="en-US" sz="800" dirty="0"/>
-                    </a:p>
-                  </a:txBody>
-                  <a:tcPr/>
-                </a:tc>
-                <a:tc>
-                  <a:txBody>
-                    <a:bodyPr/>
-                    <a:lstStyle/>
-                    <a:p>
-                      <a:endParaRPr kumimoji="1" lang="ja-JP" altLang="en-US" sz="800"/>
-                    </a:p>
-                  </a:txBody>
-                  <a:tcPr/>
-                </a:tc>
-                <a:tc>
-                  <a:txBody>
-                    <a:bodyPr/>
-                    <a:lstStyle/>
-                    <a:p>
-                      <a:endParaRPr kumimoji="1" lang="ja-JP" altLang="en-US" sz="800"/>
-                    </a:p>
-                  </a:txBody>
-                  <a:tcPr/>
-                </a:tc>
-                <a:tc>
-                  <a:txBody>
-                    <a:bodyPr/>
-                    <a:lstStyle/>
-                    <a:p>
-                      <a:endParaRPr kumimoji="1" lang="ja-JP" altLang="en-US" sz="800"/>
-                    </a:p>
-                  </a:txBody>
-                  <a:tcPr/>
-                </a:tc>
-                <a:tc>
-                  <a:txBody>
-                    <a:bodyPr/>
-                    <a:lstStyle/>
-                    <a:p>
-                      <a:endParaRPr kumimoji="1" lang="ja-JP" altLang="en-US" sz="800"/>
-                    </a:p>
-                  </a:txBody>
-                  <a:tcPr/>
-                </a:tc>
-                <a:tc>
-                  <a:txBody>
-                    <a:bodyPr/>
-                    <a:lstStyle/>
-                    <a:p>
-                      <a:endParaRPr kumimoji="1" lang="ja-JP" altLang="en-US" sz="800"/>
-                    </a:p>
-                  </a:txBody>
-                  <a:tcPr/>
-                </a:tc>
-                <a:tc>
-                  <a:txBody>
-                    <a:bodyPr/>
-                    <a:lstStyle/>
-                    <a:p>
-                      <a:endParaRPr kumimoji="1" lang="ja-JP" altLang="en-US" sz="800"/>
-                    </a:p>
-                  </a:txBody>
-                  <a:tcPr/>
-                </a:tc>
-                <a:tc>
-                  <a:txBody>
-                    <a:bodyPr/>
-                    <a:lstStyle/>
-                    <a:p>
-                      <a:endParaRPr kumimoji="1" lang="ja-JP" altLang="en-US" sz="800"/>
-                    </a:p>
-                  </a:txBody>
-                  <a:tcPr/>
-                </a:tc>
-                <a:tc>
-                  <a:txBody>
-                    <a:bodyPr/>
-                    <a:lstStyle/>
-                    <a:p>
-                      <a:endParaRPr kumimoji="1" lang="ja-JP" altLang="en-US" sz="800"/>
-                    </a:p>
-                  </a:txBody>
-                  <a:tcPr/>
-                </a:tc>
-                <a:extLst>
-                  <a:ext uri="{0D108BD9-81ED-4DB2-BD59-A6C34878D82A}">
-                    <a16:rowId xmlns:a16="http://schemas.microsoft.com/office/drawing/2014/main" val="1905640508"/>
-                  </a:ext>
-                </a:extLst>
-              </a:tr>
-              <a:tr h="458790">
-                <a:tc>
-                  <a:txBody>
-                    <a:bodyPr/>
-                    <a:lstStyle/>
-                    <a:p>
-                      <a:endParaRPr kumimoji="1" lang="ja-JP" altLang="en-US" sz="800"/>
-                    </a:p>
-                  </a:txBody>
-                  <a:tcPr/>
-                </a:tc>
-                <a:tc>
-                  <a:txBody>
-                    <a:bodyPr/>
-                    <a:lstStyle/>
-                    <a:p>
-                      <a:endParaRPr kumimoji="1" lang="ja-JP" altLang="en-US" sz="800"/>
-                    </a:p>
-                  </a:txBody>
-                  <a:tcPr/>
-                </a:tc>
-                <a:tc>
-                  <a:txBody>
-                    <a:bodyPr/>
-                    <a:lstStyle/>
-                    <a:p>
-                      <a:endParaRPr kumimoji="1" lang="ja-JP" altLang="en-US" sz="800"/>
-                    </a:p>
-                  </a:txBody>
-                  <a:tcPr/>
-                </a:tc>
-                <a:tc>
-                  <a:txBody>
-                    <a:bodyPr/>
-                    <a:lstStyle/>
-                    <a:p>
-                      <a:endParaRPr kumimoji="1" lang="ja-JP" altLang="en-US" sz="800"/>
-                    </a:p>
-                  </a:txBody>
-                  <a:tcPr/>
-                </a:tc>
-                <a:tc>
-                  <a:txBody>
-                    <a:bodyPr/>
-                    <a:lstStyle/>
-                    <a:p>
-                      <a:endParaRPr kumimoji="1" lang="ja-JP" altLang="en-US" sz="800"/>
-                    </a:p>
-                  </a:txBody>
-                  <a:tcPr/>
-                </a:tc>
-                <a:tc>
-                  <a:txBody>
-                    <a:bodyPr/>
-                    <a:lstStyle/>
-                    <a:p>
-                      <a:endParaRPr kumimoji="1" lang="ja-JP" altLang="en-US" sz="800"/>
-                    </a:p>
-                  </a:txBody>
-                  <a:tcPr/>
-                </a:tc>
-                <a:tc>
-                  <a:txBody>
-                    <a:bodyPr/>
-                    <a:lstStyle/>
-                    <a:p>
-                      <a:endParaRPr kumimoji="1" lang="ja-JP" altLang="en-US" sz="800"/>
-                    </a:p>
-                  </a:txBody>
-                  <a:tcPr/>
-                </a:tc>
-                <a:tc>
-                  <a:txBody>
-                    <a:bodyPr/>
-                    <a:lstStyle/>
-                    <a:p>
-                      <a:endParaRPr kumimoji="1" lang="ja-JP" altLang="en-US" sz="800"/>
-                    </a:p>
-                  </a:txBody>
-                  <a:tcPr/>
-                </a:tc>
-                <a:tc>
-                  <a:txBody>
-                    <a:bodyPr/>
-                    <a:lstStyle/>
-                    <a:p>
-                      <a:endParaRPr kumimoji="1" lang="ja-JP" altLang="en-US" sz="800"/>
-                    </a:p>
-                  </a:txBody>
-                  <a:tcPr/>
-                </a:tc>
-                <a:tc>
-                  <a:txBody>
-                    <a:bodyPr/>
-                    <a:lstStyle/>
-                    <a:p>
-                      <a:endParaRPr kumimoji="1" lang="ja-JP" altLang="en-US" sz="800"/>
-                    </a:p>
-                  </a:txBody>
-                  <a:tcPr/>
-                </a:tc>
-                <a:tc>
-                  <a:txBody>
-                    <a:bodyPr/>
-                    <a:lstStyle/>
-                    <a:p>
-                      <a:endParaRPr kumimoji="1" lang="ja-JP" altLang="en-US" sz="800"/>
-                    </a:p>
-                  </a:txBody>
-                  <a:tcPr/>
-                </a:tc>
-                <a:tc>
-                  <a:txBody>
-                    <a:bodyPr/>
-                    <a:lstStyle/>
-                    <a:p>
-                      <a:endParaRPr kumimoji="1" lang="ja-JP" altLang="en-US" sz="800"/>
-                    </a:p>
-                  </a:txBody>
-                  <a:tcPr/>
-                </a:tc>
-                <a:tc>
-                  <a:txBody>
-                    <a:bodyPr/>
-                    <a:lstStyle/>
-                    <a:p>
-                      <a:endParaRPr kumimoji="1" lang="ja-JP" altLang="en-US" sz="800" dirty="0"/>
-                    </a:p>
-                  </a:txBody>
-                  <a:tcPr/>
-                </a:tc>
-                <a:tc>
-                  <a:txBody>
-                    <a:bodyPr/>
-                    <a:lstStyle/>
-                    <a:p>
-                      <a:endParaRPr kumimoji="1" lang="ja-JP" altLang="en-US" sz="800"/>
-                    </a:p>
-                  </a:txBody>
-                  <a:tcPr/>
-                </a:tc>
-                <a:tc>
-                  <a:txBody>
-                    <a:bodyPr/>
-                    <a:lstStyle/>
-                    <a:p>
-                      <a:endParaRPr kumimoji="1" lang="ja-JP" altLang="en-US" sz="800"/>
-                    </a:p>
-                  </a:txBody>
-                  <a:tcPr/>
-                </a:tc>
-                <a:tc>
-                  <a:txBody>
-                    <a:bodyPr/>
-                    <a:lstStyle/>
-                    <a:p>
-                      <a:endParaRPr kumimoji="1" lang="ja-JP" altLang="en-US" sz="800"/>
-                    </a:p>
-                  </a:txBody>
-                  <a:tcPr/>
-                </a:tc>
-                <a:tc>
-                  <a:txBody>
-                    <a:bodyPr/>
-                    <a:lstStyle/>
-                    <a:p>
-                      <a:endParaRPr kumimoji="1" lang="ja-JP" altLang="en-US" sz="800"/>
-                    </a:p>
-                  </a:txBody>
-                  <a:tcPr/>
-                </a:tc>
-                <a:tc>
-                  <a:txBody>
-                    <a:bodyPr/>
-                    <a:lstStyle/>
-                    <a:p>
-                      <a:endParaRPr kumimoji="1" lang="ja-JP" altLang="en-US" sz="800"/>
-                    </a:p>
-                  </a:txBody>
-                  <a:tcPr/>
-                </a:tc>
-                <a:extLst>
-                  <a:ext uri="{0D108BD9-81ED-4DB2-BD59-A6C34878D82A}">
-                    <a16:rowId xmlns:a16="http://schemas.microsoft.com/office/drawing/2014/main" val="2212434784"/>
-                  </a:ext>
-                </a:extLst>
-              </a:tr>
-              <a:tr h="458790">
-                <a:tc>
-                  <a:txBody>
-                    <a:bodyPr/>
-                    <a:lstStyle/>
-                    <a:p>
-                      <a:endParaRPr kumimoji="1" lang="ja-JP" altLang="en-US" sz="800"/>
-                    </a:p>
-                  </a:txBody>
-                  <a:tcPr/>
-                </a:tc>
-                <a:tc>
-                  <a:txBody>
-                    <a:bodyPr/>
-                    <a:lstStyle/>
-                    <a:p>
-                      <a:endParaRPr kumimoji="1" lang="ja-JP" altLang="en-US" sz="800"/>
-                    </a:p>
-                  </a:txBody>
-                  <a:tcPr/>
-                </a:tc>
-                <a:tc>
-                  <a:txBody>
-                    <a:bodyPr/>
-                    <a:lstStyle/>
-                    <a:p>
-                      <a:endParaRPr kumimoji="1" lang="ja-JP" altLang="en-US" sz="800"/>
-                    </a:p>
-                  </a:txBody>
-                  <a:tcPr/>
-                </a:tc>
-                <a:tc>
-                  <a:txBody>
-                    <a:bodyPr/>
-                    <a:lstStyle/>
-                    <a:p>
-                      <a:endParaRPr kumimoji="1" lang="ja-JP" altLang="en-US" sz="800"/>
-                    </a:p>
-                  </a:txBody>
-                  <a:tcPr/>
-                </a:tc>
-                <a:tc>
-                  <a:txBody>
-                    <a:bodyPr/>
-                    <a:lstStyle/>
-                    <a:p>
-                      <a:endParaRPr kumimoji="1" lang="ja-JP" altLang="en-US" sz="800"/>
-                    </a:p>
-                  </a:txBody>
-                  <a:tcPr/>
-                </a:tc>
-                <a:tc>
-                  <a:txBody>
-                    <a:bodyPr/>
-                    <a:lstStyle/>
-                    <a:p>
-                      <a:endParaRPr kumimoji="1" lang="ja-JP" altLang="en-US" sz="800"/>
-                    </a:p>
-                  </a:txBody>
-                  <a:tcPr/>
-                </a:tc>
-                <a:tc>
-                  <a:txBody>
-                    <a:bodyPr/>
-                    <a:lstStyle/>
-                    <a:p>
-                      <a:endParaRPr kumimoji="1" lang="ja-JP" altLang="en-US" sz="800"/>
-                    </a:p>
-                  </a:txBody>
-                  <a:tcPr/>
-                </a:tc>
-                <a:tc>
-                  <a:txBody>
-                    <a:bodyPr/>
-                    <a:lstStyle/>
-                    <a:p>
-                      <a:endParaRPr kumimoji="1" lang="ja-JP" altLang="en-US" sz="800"/>
-                    </a:p>
-                  </a:txBody>
-                  <a:tcPr/>
-                </a:tc>
-                <a:tc>
-                  <a:txBody>
-                    <a:bodyPr/>
-                    <a:lstStyle/>
-                    <a:p>
-                      <a:endParaRPr kumimoji="1" lang="ja-JP" altLang="en-US" sz="800"/>
-                    </a:p>
-                  </a:txBody>
-                  <a:tcPr/>
-                </a:tc>
-                <a:tc>
-                  <a:txBody>
-                    <a:bodyPr/>
-                    <a:lstStyle/>
-                    <a:p>
-                      <a:endParaRPr kumimoji="1" lang="ja-JP" altLang="en-US" sz="800"/>
-                    </a:p>
-                  </a:txBody>
-                  <a:tcPr/>
-                </a:tc>
-                <a:tc>
-                  <a:txBody>
-                    <a:bodyPr/>
-                    <a:lstStyle/>
-                    <a:p>
-                      <a:endParaRPr kumimoji="1" lang="ja-JP" altLang="en-US" sz="800"/>
-                    </a:p>
-                  </a:txBody>
-                  <a:tcPr/>
-                </a:tc>
-                <a:tc>
-                  <a:txBody>
-                    <a:bodyPr/>
-                    <a:lstStyle/>
-                    <a:p>
-                      <a:endParaRPr kumimoji="1" lang="ja-JP" altLang="en-US" sz="800"/>
-                    </a:p>
-                  </a:txBody>
-                  <a:tcPr/>
-                </a:tc>
-                <a:tc>
-                  <a:txBody>
-                    <a:bodyPr/>
-                    <a:lstStyle/>
-                    <a:p>
-                      <a:endParaRPr kumimoji="1" lang="ja-JP" altLang="en-US" sz="800"/>
-                    </a:p>
-                  </a:txBody>
-                  <a:tcPr/>
-                </a:tc>
-                <a:tc>
-                  <a:txBody>
-                    <a:bodyPr/>
-                    <a:lstStyle/>
-                    <a:p>
-                      <a:endParaRPr kumimoji="1" lang="ja-JP" altLang="en-US" sz="800"/>
-                    </a:p>
-                  </a:txBody>
-                  <a:tcPr/>
-                </a:tc>
-                <a:tc>
-                  <a:txBody>
-                    <a:bodyPr/>
-                    <a:lstStyle/>
-                    <a:p>
-                      <a:endParaRPr kumimoji="1" lang="ja-JP" altLang="en-US" sz="800"/>
-                    </a:p>
-                  </a:txBody>
-                  <a:tcPr/>
-                </a:tc>
-                <a:tc>
-                  <a:txBody>
-                    <a:bodyPr/>
-                    <a:lstStyle/>
-                    <a:p>
-                      <a:endParaRPr kumimoji="1" lang="ja-JP" altLang="en-US" sz="800"/>
-                    </a:p>
-                  </a:txBody>
-                  <a:tcPr/>
-                </a:tc>
-                <a:tc>
-                  <a:txBody>
-                    <a:bodyPr/>
-                    <a:lstStyle/>
-                    <a:p>
-                      <a:endParaRPr kumimoji="1" lang="ja-JP" altLang="en-US" sz="800"/>
-                    </a:p>
-                  </a:txBody>
-                  <a:tcPr/>
-                </a:tc>
-                <a:tc>
-                  <a:txBody>
-                    <a:bodyPr/>
-                    <a:lstStyle/>
-                    <a:p>
-                      <a:endParaRPr kumimoji="1" lang="ja-JP" altLang="en-US" sz="800"/>
-                    </a:p>
-                  </a:txBody>
-                  <a:tcPr/>
-                </a:tc>
-                <a:extLst>
-                  <a:ext uri="{0D108BD9-81ED-4DB2-BD59-A6C34878D82A}">
-                    <a16:rowId xmlns:a16="http://schemas.microsoft.com/office/drawing/2014/main" val="430557182"/>
-                  </a:ext>
-                </a:extLst>
-              </a:tr>
-              <a:tr h="458790">
-                <a:tc>
-                  <a:txBody>
-                    <a:bodyPr/>
-                    <a:lstStyle/>
-                    <a:p>
-                      <a:endParaRPr kumimoji="1" lang="ja-JP" altLang="en-US" sz="800"/>
-                    </a:p>
-                  </a:txBody>
-                  <a:tcPr/>
-                </a:tc>
-                <a:tc>
-                  <a:txBody>
-                    <a:bodyPr/>
-                    <a:lstStyle/>
-                    <a:p>
-                      <a:endParaRPr kumimoji="1" lang="ja-JP" altLang="en-US" sz="800"/>
-                    </a:p>
-                  </a:txBody>
-                  <a:tcPr/>
-                </a:tc>
-                <a:tc>
-                  <a:txBody>
-                    <a:bodyPr/>
-                    <a:lstStyle/>
-                    <a:p>
-                      <a:endParaRPr kumimoji="1" lang="ja-JP" altLang="en-US" sz="800"/>
-                    </a:p>
-                  </a:txBody>
-                  <a:tcPr/>
-                </a:tc>
-                <a:tc>
-                  <a:txBody>
-                    <a:bodyPr/>
-                    <a:lstStyle/>
-                    <a:p>
-                      <a:endParaRPr kumimoji="1" lang="ja-JP" altLang="en-US" sz="800"/>
-                    </a:p>
-                  </a:txBody>
-                  <a:tcPr/>
-                </a:tc>
-                <a:tc>
-                  <a:txBody>
-                    <a:bodyPr/>
-                    <a:lstStyle/>
-                    <a:p>
-                      <a:endParaRPr kumimoji="1" lang="ja-JP" altLang="en-US" sz="800"/>
-                    </a:p>
-                  </a:txBody>
-                  <a:tcPr/>
-                </a:tc>
-                <a:tc>
-                  <a:txBody>
-                    <a:bodyPr/>
-                    <a:lstStyle/>
-                    <a:p>
-                      <a:endParaRPr kumimoji="1" lang="ja-JP" altLang="en-US" sz="800"/>
-                    </a:p>
-                  </a:txBody>
-                  <a:tcPr/>
-                </a:tc>
-                <a:tc>
-                  <a:txBody>
-                    <a:bodyPr/>
-                    <a:lstStyle/>
-                    <a:p>
-                      <a:endParaRPr kumimoji="1" lang="ja-JP" altLang="en-US" sz="800"/>
-                    </a:p>
-                  </a:txBody>
-                  <a:tcPr/>
-                </a:tc>
-                <a:tc>
-                  <a:txBody>
-                    <a:bodyPr/>
-                    <a:lstStyle/>
-                    <a:p>
-                      <a:endParaRPr kumimoji="1" lang="ja-JP" altLang="en-US" sz="800"/>
-                    </a:p>
-                  </a:txBody>
-                  <a:tcPr/>
-                </a:tc>
-                <a:tc>
-                  <a:txBody>
-                    <a:bodyPr/>
-                    <a:lstStyle/>
-                    <a:p>
-                      <a:endParaRPr kumimoji="1" lang="ja-JP" altLang="en-US" sz="800"/>
-                    </a:p>
-                  </a:txBody>
-                  <a:tcPr/>
-                </a:tc>
-                <a:tc>
-                  <a:txBody>
-                    <a:bodyPr/>
-                    <a:lstStyle/>
-                    <a:p>
-                      <a:endParaRPr kumimoji="1" lang="ja-JP" altLang="en-US" sz="800"/>
-                    </a:p>
-                  </a:txBody>
-                  <a:tcPr/>
-                </a:tc>
-                <a:tc>
-                  <a:txBody>
-                    <a:bodyPr/>
-                    <a:lstStyle/>
-                    <a:p>
-                      <a:endParaRPr kumimoji="1" lang="ja-JP" altLang="en-US" sz="800"/>
-                    </a:p>
-                  </a:txBody>
-                  <a:tcPr/>
-                </a:tc>
-                <a:tc>
-                  <a:txBody>
-                    <a:bodyPr/>
-                    <a:lstStyle/>
-                    <a:p>
-                      <a:endParaRPr kumimoji="1" lang="ja-JP" altLang="en-US" sz="800"/>
-                    </a:p>
-                  </a:txBody>
-                  <a:tcPr/>
-                </a:tc>
-                <a:tc>
-                  <a:txBody>
-                    <a:bodyPr/>
-                    <a:lstStyle/>
-                    <a:p>
-                      <a:endParaRPr kumimoji="1" lang="ja-JP" altLang="en-US" sz="800"/>
-                    </a:p>
-                  </a:txBody>
-                  <a:tcPr/>
-                </a:tc>
-                <a:tc>
-                  <a:txBody>
-                    <a:bodyPr/>
-                    <a:lstStyle/>
-                    <a:p>
-                      <a:endParaRPr kumimoji="1" lang="ja-JP" altLang="en-US" sz="800"/>
-                    </a:p>
-                  </a:txBody>
-                  <a:tcPr/>
-                </a:tc>
-                <a:tc>
-                  <a:txBody>
-                    <a:bodyPr/>
-                    <a:lstStyle/>
-                    <a:p>
-                      <a:endParaRPr kumimoji="1" lang="ja-JP" altLang="en-US" sz="800"/>
-                    </a:p>
-                  </a:txBody>
-                  <a:tcPr/>
-                </a:tc>
-                <a:tc>
-                  <a:txBody>
-                    <a:bodyPr/>
-                    <a:lstStyle/>
-                    <a:p>
-                      <a:endParaRPr kumimoji="1" lang="ja-JP" altLang="en-US" sz="800"/>
-                    </a:p>
-                  </a:txBody>
-                  <a:tcPr/>
-                </a:tc>
-                <a:tc>
-                  <a:txBody>
-                    <a:bodyPr/>
-                    <a:lstStyle/>
-                    <a:p>
-                      <a:endParaRPr kumimoji="1" lang="ja-JP" altLang="en-US" sz="800"/>
-                    </a:p>
-                  </a:txBody>
-                  <a:tcPr/>
-                </a:tc>
-                <a:tc>
-                  <a:txBody>
-                    <a:bodyPr/>
-                    <a:lstStyle/>
-                    <a:p>
-                      <a:endParaRPr kumimoji="1" lang="ja-JP" altLang="en-US" sz="800"/>
-                    </a:p>
-                  </a:txBody>
-                  <a:tcPr/>
-                </a:tc>
-                <a:extLst>
-                  <a:ext uri="{0D108BD9-81ED-4DB2-BD59-A6C34878D82A}">
-                    <a16:rowId xmlns:a16="http://schemas.microsoft.com/office/drawing/2014/main" val="1889777964"/>
-                  </a:ext>
-                </a:extLst>
-              </a:tr>
-              <a:tr h="458790">
-                <a:tc>
-                  <a:txBody>
-                    <a:bodyPr/>
-                    <a:lstStyle/>
-                    <a:p>
-                      <a:endParaRPr kumimoji="1" lang="ja-JP" altLang="en-US" sz="800"/>
-                    </a:p>
-                  </a:txBody>
-                  <a:tcPr/>
-                </a:tc>
-                <a:tc>
-                  <a:txBody>
-                    <a:bodyPr/>
-                    <a:lstStyle/>
-                    <a:p>
-                      <a:endParaRPr kumimoji="1" lang="ja-JP" altLang="en-US" sz="800"/>
-                    </a:p>
-                  </a:txBody>
-                  <a:tcPr/>
-                </a:tc>
-                <a:tc>
-                  <a:txBody>
-                    <a:bodyPr/>
-                    <a:lstStyle/>
-                    <a:p>
-                      <a:endParaRPr kumimoji="1" lang="ja-JP" altLang="en-US" sz="800"/>
-                    </a:p>
-                  </a:txBody>
-                  <a:tcPr/>
-                </a:tc>
-                <a:tc>
-                  <a:txBody>
-                    <a:bodyPr/>
-                    <a:lstStyle/>
-                    <a:p>
-                      <a:endParaRPr kumimoji="1" lang="ja-JP" altLang="en-US" sz="800"/>
-                    </a:p>
-                  </a:txBody>
-                  <a:tcPr/>
-                </a:tc>
-                <a:tc>
-                  <a:txBody>
-                    <a:bodyPr/>
-                    <a:lstStyle/>
-                    <a:p>
-                      <a:endParaRPr kumimoji="1" lang="ja-JP" altLang="en-US" sz="800"/>
-                    </a:p>
-                  </a:txBody>
-                  <a:tcPr/>
-                </a:tc>
-                <a:tc>
-                  <a:txBody>
-                    <a:bodyPr/>
-                    <a:lstStyle/>
-                    <a:p>
-                      <a:endParaRPr kumimoji="1" lang="ja-JP" altLang="en-US" sz="800"/>
-                    </a:p>
-                  </a:txBody>
-                  <a:tcPr/>
-                </a:tc>
-                <a:tc>
-                  <a:txBody>
-                    <a:bodyPr/>
-                    <a:lstStyle/>
-                    <a:p>
-                      <a:endParaRPr kumimoji="1" lang="ja-JP" altLang="en-US" sz="800"/>
-                    </a:p>
-                  </a:txBody>
-                  <a:tcPr/>
-                </a:tc>
-                <a:tc>
-                  <a:txBody>
-                    <a:bodyPr/>
-                    <a:lstStyle/>
-                    <a:p>
-                      <a:endParaRPr kumimoji="1" lang="ja-JP" altLang="en-US" sz="800"/>
-                    </a:p>
-                  </a:txBody>
-                  <a:tcPr/>
-                </a:tc>
-                <a:tc>
-                  <a:txBody>
-                    <a:bodyPr/>
-                    <a:lstStyle/>
-                    <a:p>
-                      <a:endParaRPr kumimoji="1" lang="ja-JP" altLang="en-US" sz="800"/>
-                    </a:p>
-                  </a:txBody>
-                  <a:tcPr/>
-                </a:tc>
-                <a:tc>
-                  <a:txBody>
-                    <a:bodyPr/>
-                    <a:lstStyle/>
-                    <a:p>
-                      <a:endParaRPr kumimoji="1" lang="ja-JP" altLang="en-US" sz="800"/>
-                    </a:p>
-                  </a:txBody>
-                  <a:tcPr/>
-                </a:tc>
-                <a:tc>
-                  <a:txBody>
-                    <a:bodyPr/>
-                    <a:lstStyle/>
-                    <a:p>
-                      <a:endParaRPr kumimoji="1" lang="ja-JP" altLang="en-US" sz="800"/>
-                    </a:p>
-                  </a:txBody>
-                  <a:tcPr/>
-                </a:tc>
-                <a:tc>
-                  <a:txBody>
-                    <a:bodyPr/>
-                    <a:lstStyle/>
-                    <a:p>
-                      <a:endParaRPr kumimoji="1" lang="ja-JP" altLang="en-US" sz="800"/>
-                    </a:p>
-                  </a:txBody>
-                  <a:tcPr/>
-                </a:tc>
-                <a:tc>
-                  <a:txBody>
-                    <a:bodyPr/>
-                    <a:lstStyle/>
-                    <a:p>
-                      <a:endParaRPr kumimoji="1" lang="ja-JP" altLang="en-US" sz="800"/>
-                    </a:p>
-                  </a:txBody>
-                  <a:tcPr/>
-                </a:tc>
-                <a:tc>
-                  <a:txBody>
-                    <a:bodyPr/>
-                    <a:lstStyle/>
-                    <a:p>
-                      <a:endParaRPr kumimoji="1" lang="ja-JP" altLang="en-US" sz="800"/>
-                    </a:p>
-                  </a:txBody>
-                  <a:tcPr/>
-                </a:tc>
-                <a:tc>
-                  <a:txBody>
-                    <a:bodyPr/>
-                    <a:lstStyle/>
-                    <a:p>
-                      <a:endParaRPr kumimoji="1" lang="ja-JP" altLang="en-US" sz="800"/>
-                    </a:p>
-                  </a:txBody>
-                  <a:tcPr/>
-                </a:tc>
-                <a:tc>
-                  <a:txBody>
-                    <a:bodyPr/>
-                    <a:lstStyle/>
-                    <a:p>
-                      <a:endParaRPr kumimoji="1" lang="ja-JP" altLang="en-US" sz="800"/>
-                    </a:p>
-                  </a:txBody>
-                  <a:tcPr/>
-                </a:tc>
-                <a:tc>
-                  <a:txBody>
-                    <a:bodyPr/>
-                    <a:lstStyle/>
-                    <a:p>
-                      <a:endParaRPr kumimoji="1" lang="ja-JP" altLang="en-US" sz="800"/>
-                    </a:p>
-                  </a:txBody>
-                  <a:tcPr/>
-                </a:tc>
-                <a:tc>
-                  <a:txBody>
-                    <a:bodyPr/>
-                    <a:lstStyle/>
-                    <a:p>
-                      <a:endParaRPr kumimoji="1" lang="ja-JP" altLang="en-US" sz="800"/>
-                    </a:p>
-                  </a:txBody>
-                  <a:tcPr/>
-                </a:tc>
-                <a:extLst>
-                  <a:ext uri="{0D108BD9-81ED-4DB2-BD59-A6C34878D82A}">
-                    <a16:rowId xmlns:a16="http://schemas.microsoft.com/office/drawing/2014/main" val="4237162179"/>
-                  </a:ext>
-                </a:extLst>
-              </a:tr>
-              <a:tr h="458790">
-                <a:tc>
-                  <a:txBody>
-                    <a:bodyPr/>
-                    <a:lstStyle/>
-                    <a:p>
-                      <a:endParaRPr kumimoji="1" lang="ja-JP" altLang="en-US" sz="800"/>
-                    </a:p>
-                  </a:txBody>
-                  <a:tcPr/>
-                </a:tc>
-                <a:tc>
-                  <a:txBody>
-                    <a:bodyPr/>
-                    <a:lstStyle/>
-                    <a:p>
-                      <a:endParaRPr kumimoji="1" lang="ja-JP" altLang="en-US" sz="800"/>
-                    </a:p>
-                  </a:txBody>
-                  <a:tcPr/>
-                </a:tc>
-                <a:tc>
-                  <a:txBody>
-                    <a:bodyPr/>
-                    <a:lstStyle/>
-                    <a:p>
-                      <a:endParaRPr kumimoji="1" lang="ja-JP" altLang="en-US" sz="800"/>
-                    </a:p>
-                  </a:txBody>
-                  <a:tcPr/>
-                </a:tc>
-                <a:tc>
-                  <a:txBody>
-                    <a:bodyPr/>
-                    <a:lstStyle/>
-                    <a:p>
-                      <a:endParaRPr kumimoji="1" lang="ja-JP" altLang="en-US" sz="800"/>
-                    </a:p>
-                  </a:txBody>
-                  <a:tcPr/>
-                </a:tc>
-                <a:tc>
-                  <a:txBody>
-                    <a:bodyPr/>
-                    <a:lstStyle/>
-                    <a:p>
-                      <a:endParaRPr kumimoji="1" lang="ja-JP" altLang="en-US" sz="800"/>
-                    </a:p>
-                  </a:txBody>
-                  <a:tcPr/>
-                </a:tc>
-                <a:tc>
-                  <a:txBody>
-                    <a:bodyPr/>
-                    <a:lstStyle/>
-                    <a:p>
-                      <a:endParaRPr kumimoji="1" lang="ja-JP" altLang="en-US" sz="800"/>
-                    </a:p>
-                  </a:txBody>
-                  <a:tcPr/>
-                </a:tc>
-                <a:tc>
-                  <a:txBody>
-                    <a:bodyPr/>
-                    <a:lstStyle/>
-                    <a:p>
-                      <a:endParaRPr kumimoji="1" lang="ja-JP" altLang="en-US" sz="800"/>
-                    </a:p>
-                  </a:txBody>
-                  <a:tcPr/>
-                </a:tc>
-                <a:tc>
-                  <a:txBody>
-                    <a:bodyPr/>
-                    <a:lstStyle/>
-                    <a:p>
-                      <a:endParaRPr kumimoji="1" lang="ja-JP" altLang="en-US" sz="800"/>
-                    </a:p>
-                  </a:txBody>
-                  <a:tcPr/>
-                </a:tc>
-                <a:tc>
-                  <a:txBody>
-                    <a:bodyPr/>
-                    <a:lstStyle/>
-                    <a:p>
-                      <a:endParaRPr kumimoji="1" lang="ja-JP" altLang="en-US" sz="800"/>
-                    </a:p>
-                  </a:txBody>
-                  <a:tcPr/>
-                </a:tc>
-                <a:tc>
-                  <a:txBody>
-                    <a:bodyPr/>
-                    <a:lstStyle/>
-                    <a:p>
-                      <a:endParaRPr kumimoji="1" lang="ja-JP" altLang="en-US" sz="800"/>
-                    </a:p>
-                  </a:txBody>
-                  <a:tcPr/>
-                </a:tc>
-                <a:tc>
-                  <a:txBody>
-                    <a:bodyPr/>
-                    <a:lstStyle/>
-                    <a:p>
-                      <a:endParaRPr kumimoji="1" lang="ja-JP" altLang="en-US" sz="800"/>
-                    </a:p>
-                  </a:txBody>
-                  <a:tcPr/>
-                </a:tc>
-                <a:tc>
-                  <a:txBody>
-                    <a:bodyPr/>
-                    <a:lstStyle/>
-                    <a:p>
-                      <a:endParaRPr kumimoji="1" lang="ja-JP" altLang="en-US" sz="800"/>
-                    </a:p>
-                  </a:txBody>
-                  <a:tcPr/>
-                </a:tc>
-                <a:tc>
-                  <a:txBody>
-                    <a:bodyPr/>
-                    <a:lstStyle/>
-                    <a:p>
-                      <a:endParaRPr kumimoji="1" lang="ja-JP" altLang="en-US" sz="800"/>
-                    </a:p>
-                  </a:txBody>
-                  <a:tcPr/>
-                </a:tc>
-                <a:tc>
-                  <a:txBody>
-                    <a:bodyPr/>
-                    <a:lstStyle/>
-                    <a:p>
-                      <a:endParaRPr kumimoji="1" lang="ja-JP" altLang="en-US" sz="800"/>
-                    </a:p>
-                  </a:txBody>
-                  <a:tcPr/>
-                </a:tc>
-                <a:tc>
-                  <a:txBody>
-                    <a:bodyPr/>
-                    <a:lstStyle/>
-                    <a:p>
-                      <a:endParaRPr kumimoji="1" lang="ja-JP" altLang="en-US" sz="800"/>
-                    </a:p>
-                  </a:txBody>
-                  <a:tcPr/>
-                </a:tc>
-                <a:tc>
-                  <a:txBody>
-                    <a:bodyPr/>
-                    <a:lstStyle/>
-                    <a:p>
-                      <a:endParaRPr kumimoji="1" lang="ja-JP" altLang="en-US" sz="800"/>
-                    </a:p>
-                  </a:txBody>
-                  <a:tcPr/>
-                </a:tc>
-                <a:tc>
-                  <a:txBody>
-                    <a:bodyPr/>
-                    <a:lstStyle/>
-                    <a:p>
-                      <a:endParaRPr kumimoji="1" lang="ja-JP" altLang="en-US" sz="800"/>
-                    </a:p>
-                  </a:txBody>
-                  <a:tcPr/>
-                </a:tc>
-                <a:tc>
-                  <a:txBody>
-                    <a:bodyPr/>
-                    <a:lstStyle/>
-                    <a:p>
-                      <a:endParaRPr kumimoji="1" lang="ja-JP" altLang="en-US" sz="800"/>
-                    </a:p>
-                  </a:txBody>
-                  <a:tcPr/>
-                </a:tc>
-                <a:extLst>
-                  <a:ext uri="{0D108BD9-81ED-4DB2-BD59-A6C34878D82A}">
-                    <a16:rowId xmlns:a16="http://schemas.microsoft.com/office/drawing/2014/main" val="133675700"/>
-                  </a:ext>
-                </a:extLst>
-              </a:tr>
-              <a:tr h="458790">
-                <a:tc>
-                  <a:txBody>
-                    <a:bodyPr/>
-                    <a:lstStyle/>
-                    <a:p>
-                      <a:endParaRPr kumimoji="1" lang="ja-JP" altLang="en-US" sz="800"/>
-                    </a:p>
-                  </a:txBody>
-                  <a:tcPr/>
-                </a:tc>
-                <a:tc>
-                  <a:txBody>
-                    <a:bodyPr/>
-                    <a:lstStyle/>
-                    <a:p>
-                      <a:endParaRPr kumimoji="1" lang="ja-JP" altLang="en-US" sz="800"/>
-                    </a:p>
-                  </a:txBody>
-                  <a:tcPr/>
-                </a:tc>
-                <a:tc>
-                  <a:txBody>
-                    <a:bodyPr/>
-                    <a:lstStyle/>
-                    <a:p>
-                      <a:endParaRPr kumimoji="1" lang="ja-JP" altLang="en-US" sz="800"/>
-                    </a:p>
-                  </a:txBody>
-                  <a:tcPr/>
-                </a:tc>
-                <a:tc>
-                  <a:txBody>
-                    <a:bodyPr/>
-                    <a:lstStyle/>
-                    <a:p>
-                      <a:endParaRPr kumimoji="1" lang="ja-JP" altLang="en-US" sz="800"/>
-                    </a:p>
-                  </a:txBody>
-                  <a:tcPr/>
-                </a:tc>
-                <a:tc>
-                  <a:txBody>
-                    <a:bodyPr/>
-                    <a:lstStyle/>
-                    <a:p>
-                      <a:endParaRPr kumimoji="1" lang="ja-JP" altLang="en-US" sz="800"/>
-                    </a:p>
-                  </a:txBody>
-                  <a:tcPr/>
-                </a:tc>
-                <a:tc>
-                  <a:txBody>
-                    <a:bodyPr/>
-                    <a:lstStyle/>
-                    <a:p>
-                      <a:endParaRPr kumimoji="1" lang="ja-JP" altLang="en-US" sz="800"/>
-                    </a:p>
-                  </a:txBody>
-                  <a:tcPr/>
-                </a:tc>
-                <a:tc>
-                  <a:txBody>
-                    <a:bodyPr/>
-                    <a:lstStyle/>
-                    <a:p>
-                      <a:endParaRPr kumimoji="1" lang="ja-JP" altLang="en-US" sz="800"/>
-                    </a:p>
-                  </a:txBody>
-                  <a:tcPr/>
-                </a:tc>
-                <a:tc>
-                  <a:txBody>
-                    <a:bodyPr/>
-                    <a:lstStyle/>
-                    <a:p>
-                      <a:endParaRPr kumimoji="1" lang="ja-JP" altLang="en-US" sz="800"/>
-                    </a:p>
-                  </a:txBody>
-                  <a:tcPr/>
-                </a:tc>
-                <a:tc>
-                  <a:txBody>
-                    <a:bodyPr/>
-                    <a:lstStyle/>
-                    <a:p>
-                      <a:endParaRPr kumimoji="1" lang="ja-JP" altLang="en-US" sz="800"/>
-                    </a:p>
-                  </a:txBody>
-                  <a:tcPr/>
-                </a:tc>
-                <a:tc>
-                  <a:txBody>
-                    <a:bodyPr/>
-                    <a:lstStyle/>
-                    <a:p>
-                      <a:endParaRPr kumimoji="1" lang="ja-JP" altLang="en-US" sz="800"/>
-                    </a:p>
-                  </a:txBody>
-                  <a:tcPr/>
-                </a:tc>
-                <a:tc>
-                  <a:txBody>
-                    <a:bodyPr/>
-                    <a:lstStyle/>
-                    <a:p>
-                      <a:endParaRPr kumimoji="1" lang="ja-JP" altLang="en-US" sz="800"/>
-                    </a:p>
-                  </a:txBody>
-                  <a:tcPr/>
-                </a:tc>
-                <a:tc>
-                  <a:txBody>
-                    <a:bodyPr/>
-                    <a:lstStyle/>
-                    <a:p>
-                      <a:endParaRPr kumimoji="1" lang="ja-JP" altLang="en-US" sz="800"/>
-                    </a:p>
-                  </a:txBody>
-                  <a:tcPr/>
-                </a:tc>
-                <a:tc>
-                  <a:txBody>
-                    <a:bodyPr/>
-                    <a:lstStyle/>
-                    <a:p>
-                      <a:endParaRPr kumimoji="1" lang="ja-JP" altLang="en-US" sz="800"/>
-                    </a:p>
-                  </a:txBody>
-                  <a:tcPr/>
-                </a:tc>
-                <a:tc>
-                  <a:txBody>
-                    <a:bodyPr/>
-                    <a:lstStyle/>
-                    <a:p>
-                      <a:endParaRPr kumimoji="1" lang="ja-JP" altLang="en-US" sz="800"/>
-                    </a:p>
-                  </a:txBody>
-                  <a:tcPr/>
-                </a:tc>
-                <a:tc>
-                  <a:txBody>
-                    <a:bodyPr/>
-                    <a:lstStyle/>
-                    <a:p>
-                      <a:endParaRPr kumimoji="1" lang="ja-JP" altLang="en-US" sz="800"/>
-                    </a:p>
-                  </a:txBody>
-                  <a:tcPr/>
-                </a:tc>
-                <a:tc>
-                  <a:txBody>
-                    <a:bodyPr/>
-                    <a:lstStyle/>
-                    <a:p>
-                      <a:endParaRPr kumimoji="1" lang="ja-JP" altLang="en-US" sz="800"/>
-                    </a:p>
-                  </a:txBody>
-                  <a:tcPr/>
-                </a:tc>
-                <a:tc>
-                  <a:txBody>
-                    <a:bodyPr/>
-                    <a:lstStyle/>
-                    <a:p>
-                      <a:endParaRPr kumimoji="1" lang="ja-JP" altLang="en-US" sz="800"/>
-                    </a:p>
-                  </a:txBody>
-                  <a:tcPr/>
-                </a:tc>
-                <a:tc>
-                  <a:txBody>
-                    <a:bodyPr/>
-                    <a:lstStyle/>
-                    <a:p>
-                      <a:endParaRPr kumimoji="1" lang="ja-JP" altLang="en-US" sz="800"/>
-                    </a:p>
-                  </a:txBody>
-                  <a:tcPr/>
-                </a:tc>
-                <a:extLst>
-                  <a:ext uri="{0D108BD9-81ED-4DB2-BD59-A6C34878D82A}">
-                    <a16:rowId xmlns:a16="http://schemas.microsoft.com/office/drawing/2014/main" val="1235163635"/>
-                  </a:ext>
-                </a:extLst>
-              </a:tr>
-              <a:tr h="458790">
-                <a:tc>
-                  <a:txBody>
-                    <a:bodyPr/>
-                    <a:lstStyle/>
-                    <a:p>
-                      <a:endParaRPr kumimoji="1" lang="ja-JP" altLang="en-US" sz="800"/>
-                    </a:p>
-                  </a:txBody>
-                  <a:tcPr/>
-                </a:tc>
-                <a:tc>
-                  <a:txBody>
-                    <a:bodyPr/>
-                    <a:lstStyle/>
-                    <a:p>
-                      <a:endParaRPr kumimoji="1" lang="ja-JP" altLang="en-US" sz="800"/>
-                    </a:p>
-                  </a:txBody>
-                  <a:tcPr/>
-                </a:tc>
-                <a:tc>
-                  <a:txBody>
-                    <a:bodyPr/>
-                    <a:lstStyle/>
-                    <a:p>
-                      <a:endParaRPr kumimoji="1" lang="ja-JP" altLang="en-US" sz="800"/>
-                    </a:p>
-                  </a:txBody>
-                  <a:tcPr/>
-                </a:tc>
-                <a:tc>
-                  <a:txBody>
-                    <a:bodyPr/>
-                    <a:lstStyle/>
-                    <a:p>
-                      <a:endParaRPr kumimoji="1" lang="ja-JP" altLang="en-US" sz="800"/>
-                    </a:p>
-                  </a:txBody>
-                  <a:tcPr/>
-                </a:tc>
-                <a:tc>
-                  <a:txBody>
-                    <a:bodyPr/>
-                    <a:lstStyle/>
-                    <a:p>
-                      <a:endParaRPr kumimoji="1" lang="ja-JP" altLang="en-US" sz="800"/>
-                    </a:p>
-                  </a:txBody>
-                  <a:tcPr/>
-                </a:tc>
-                <a:tc>
-                  <a:txBody>
-                    <a:bodyPr/>
-                    <a:lstStyle/>
-                    <a:p>
-                      <a:endParaRPr kumimoji="1" lang="ja-JP" altLang="en-US" sz="800"/>
-                    </a:p>
-                  </a:txBody>
-                  <a:tcPr/>
-                </a:tc>
-                <a:tc>
-                  <a:txBody>
-                    <a:bodyPr/>
-                    <a:lstStyle/>
-                    <a:p>
-                      <a:endParaRPr kumimoji="1" lang="ja-JP" altLang="en-US" sz="800"/>
-                    </a:p>
-                  </a:txBody>
-                  <a:tcPr/>
-                </a:tc>
-                <a:tc>
-                  <a:txBody>
-                    <a:bodyPr/>
-                    <a:lstStyle/>
-                    <a:p>
-                      <a:endParaRPr kumimoji="1" lang="ja-JP" altLang="en-US" sz="800"/>
-                    </a:p>
-                  </a:txBody>
-                  <a:tcPr/>
-                </a:tc>
-                <a:tc>
-                  <a:txBody>
-                    <a:bodyPr/>
-                    <a:lstStyle/>
-                    <a:p>
-                      <a:endParaRPr kumimoji="1" lang="ja-JP" altLang="en-US" sz="800" dirty="0"/>
-                    </a:p>
-                  </a:txBody>
-                  <a:tcPr/>
-                </a:tc>
-                <a:tc>
-                  <a:txBody>
-                    <a:bodyPr/>
-                    <a:lstStyle/>
-                    <a:p>
-                      <a:endParaRPr kumimoji="1" lang="ja-JP" altLang="en-US" sz="800" dirty="0"/>
-                    </a:p>
-                  </a:txBody>
-                  <a:tcPr/>
-                </a:tc>
-                <a:tc>
-                  <a:txBody>
-                    <a:bodyPr/>
-                    <a:lstStyle/>
-                    <a:p>
-                      <a:endParaRPr kumimoji="1" lang="ja-JP" altLang="en-US" sz="800" dirty="0"/>
-                    </a:p>
-                  </a:txBody>
-                  <a:tcPr/>
-                </a:tc>
-                <a:tc>
-                  <a:txBody>
-                    <a:bodyPr/>
-                    <a:lstStyle/>
-                    <a:p>
-                      <a:endParaRPr kumimoji="1" lang="ja-JP" altLang="en-US" sz="800" dirty="0"/>
-                    </a:p>
-                  </a:txBody>
-                  <a:tcPr/>
-                </a:tc>
-                <a:tc>
-                  <a:txBody>
-                    <a:bodyPr/>
-                    <a:lstStyle/>
-                    <a:p>
-                      <a:endParaRPr kumimoji="1" lang="ja-JP" altLang="en-US" sz="800" dirty="0"/>
-                    </a:p>
-                  </a:txBody>
-                  <a:tcPr/>
-                </a:tc>
-                <a:tc>
-                  <a:txBody>
-                    <a:bodyPr/>
-                    <a:lstStyle/>
-                    <a:p>
-                      <a:endParaRPr kumimoji="1" lang="ja-JP" altLang="en-US" sz="800" dirty="0"/>
-                    </a:p>
-                  </a:txBody>
-                  <a:tcPr/>
-                </a:tc>
-                <a:tc>
-                  <a:txBody>
-                    <a:bodyPr/>
-                    <a:lstStyle/>
-                    <a:p>
-                      <a:endParaRPr kumimoji="1" lang="ja-JP" altLang="en-US" sz="800" dirty="0"/>
-                    </a:p>
-                  </a:txBody>
-                  <a:tcPr/>
-                </a:tc>
-                <a:tc>
-                  <a:txBody>
-                    <a:bodyPr/>
-                    <a:lstStyle/>
-                    <a:p>
-                      <a:endParaRPr kumimoji="1" lang="ja-JP" altLang="en-US" sz="800" dirty="0"/>
-                    </a:p>
-                  </a:txBody>
-                  <a:tcPr/>
-                </a:tc>
-                <a:tc>
-                  <a:txBody>
-                    <a:bodyPr/>
-                    <a:lstStyle/>
-                    <a:p>
-                      <a:endParaRPr kumimoji="1" lang="ja-JP" altLang="en-US" sz="800" dirty="0"/>
-                    </a:p>
-                  </a:txBody>
-                  <a:tcPr/>
-                </a:tc>
-                <a:tc>
-                  <a:txBody>
-                    <a:bodyPr/>
-                    <a:lstStyle/>
-                    <a:p>
-                      <a:endParaRPr kumimoji="1" lang="ja-JP" altLang="en-US" sz="800" dirty="0"/>
-                    </a:p>
-                  </a:txBody>
-                  <a:tcPr/>
-                </a:tc>
-                <a:extLst>
-                  <a:ext uri="{0D108BD9-81ED-4DB2-BD59-A6C34878D82A}">
-                    <a16:rowId xmlns:a16="http://schemas.microsoft.com/office/drawing/2014/main" val="3124131586"/>
-                  </a:ext>
-                </a:extLst>
-              </a:tr>
-              <a:tr h="458790">
-                <a:tc>
-                  <a:txBody>
-                    <a:bodyPr/>
-                    <a:lstStyle/>
-                    <a:p>
-                      <a:endParaRPr kumimoji="1" lang="ja-JP" altLang="en-US" sz="800"/>
-                    </a:p>
-                  </a:txBody>
-                  <a:tcPr/>
-                </a:tc>
-                <a:tc>
-                  <a:txBody>
-                    <a:bodyPr/>
-                    <a:lstStyle/>
-                    <a:p>
-                      <a:endParaRPr kumimoji="1" lang="ja-JP" altLang="en-US" sz="800"/>
-                    </a:p>
-                  </a:txBody>
-                  <a:tcPr/>
-                </a:tc>
-                <a:tc>
-                  <a:txBody>
-                    <a:bodyPr/>
-                    <a:lstStyle/>
-                    <a:p>
-                      <a:endParaRPr kumimoji="1" lang="ja-JP" altLang="en-US" sz="800"/>
-                    </a:p>
-                  </a:txBody>
-                  <a:tcPr/>
-                </a:tc>
-                <a:tc>
-                  <a:txBody>
-                    <a:bodyPr/>
-                    <a:lstStyle/>
-                    <a:p>
-                      <a:endParaRPr kumimoji="1" lang="ja-JP" altLang="en-US" sz="800"/>
-                    </a:p>
-                  </a:txBody>
-                  <a:tcPr/>
-                </a:tc>
-                <a:tc>
-                  <a:txBody>
-                    <a:bodyPr/>
-                    <a:lstStyle/>
-                    <a:p>
-                      <a:endParaRPr kumimoji="1" lang="ja-JP" altLang="en-US" sz="800"/>
-                    </a:p>
-                  </a:txBody>
-                  <a:tcPr/>
-                </a:tc>
-                <a:tc>
-                  <a:txBody>
-                    <a:bodyPr/>
-                    <a:lstStyle/>
-                    <a:p>
-                      <a:endParaRPr kumimoji="1" lang="ja-JP" altLang="en-US" sz="800"/>
-                    </a:p>
-                  </a:txBody>
-                  <a:tcPr/>
-                </a:tc>
-                <a:tc>
-                  <a:txBody>
-                    <a:bodyPr/>
-                    <a:lstStyle/>
-                    <a:p>
-                      <a:endParaRPr kumimoji="1" lang="ja-JP" altLang="en-US" sz="800"/>
-                    </a:p>
-                  </a:txBody>
-                  <a:tcPr/>
-                </a:tc>
-                <a:tc>
-                  <a:txBody>
-                    <a:bodyPr/>
-                    <a:lstStyle/>
-                    <a:p>
-                      <a:endParaRPr kumimoji="1" lang="ja-JP" altLang="en-US" sz="800"/>
-                    </a:p>
-                  </a:txBody>
-                  <a:tcPr/>
-                </a:tc>
-                <a:tc>
-                  <a:txBody>
-                    <a:bodyPr/>
-                    <a:lstStyle/>
-                    <a:p>
-                      <a:endParaRPr kumimoji="1" lang="ja-JP" altLang="en-US" sz="800"/>
-                    </a:p>
-                  </a:txBody>
-                  <a:tcPr/>
-                </a:tc>
-                <a:tc>
-                  <a:txBody>
-                    <a:bodyPr/>
-                    <a:lstStyle/>
-                    <a:p>
-                      <a:endParaRPr kumimoji="1" lang="ja-JP" altLang="en-US" sz="800" dirty="0"/>
-                    </a:p>
-                  </a:txBody>
-                  <a:tcPr/>
-                </a:tc>
-                <a:tc>
-                  <a:txBody>
-                    <a:bodyPr/>
-                    <a:lstStyle/>
-                    <a:p>
-                      <a:endParaRPr kumimoji="1" lang="ja-JP" altLang="en-US" sz="800" dirty="0"/>
-                    </a:p>
-                  </a:txBody>
-                  <a:tcPr/>
-                </a:tc>
-                <a:tc>
-                  <a:txBody>
-                    <a:bodyPr/>
-                    <a:lstStyle/>
-                    <a:p>
-                      <a:endParaRPr kumimoji="1" lang="ja-JP" altLang="en-US" sz="800" dirty="0"/>
-                    </a:p>
-                  </a:txBody>
-                  <a:tcPr/>
-                </a:tc>
-                <a:tc>
-                  <a:txBody>
-                    <a:bodyPr/>
-                    <a:lstStyle/>
-                    <a:p>
-                      <a:endParaRPr kumimoji="1" lang="ja-JP" altLang="en-US" sz="800" dirty="0"/>
-                    </a:p>
-                  </a:txBody>
-                  <a:tcPr/>
-                </a:tc>
-                <a:tc>
-                  <a:txBody>
-                    <a:bodyPr/>
-                    <a:lstStyle/>
-                    <a:p>
-                      <a:endParaRPr kumimoji="1" lang="ja-JP" altLang="en-US" sz="800" dirty="0"/>
-                    </a:p>
-                  </a:txBody>
-                  <a:tcPr/>
-                </a:tc>
-                <a:tc>
-                  <a:txBody>
-                    <a:bodyPr/>
-                    <a:lstStyle/>
-                    <a:p>
-                      <a:endParaRPr kumimoji="1" lang="ja-JP" altLang="en-US" sz="800" dirty="0"/>
-                    </a:p>
-                  </a:txBody>
-                  <a:tcPr/>
-                </a:tc>
-                <a:tc>
-                  <a:txBody>
-                    <a:bodyPr/>
-                    <a:lstStyle/>
-                    <a:p>
-                      <a:endParaRPr kumimoji="1" lang="ja-JP" altLang="en-US" sz="800" dirty="0"/>
-                    </a:p>
-                  </a:txBody>
-                  <a:tcPr/>
-                </a:tc>
-                <a:tc>
-                  <a:txBody>
-                    <a:bodyPr/>
-                    <a:lstStyle/>
-                    <a:p>
-                      <a:endParaRPr kumimoji="1" lang="ja-JP" altLang="en-US" sz="800" dirty="0"/>
-                    </a:p>
-                  </a:txBody>
-                  <a:tcPr/>
-                </a:tc>
-                <a:tc>
-                  <a:txBody>
-                    <a:bodyPr/>
-                    <a:lstStyle/>
-                    <a:p>
-                      <a:endParaRPr kumimoji="1" lang="ja-JP" altLang="en-US" sz="800" dirty="0"/>
-                    </a:p>
-                  </a:txBody>
-                  <a:tcPr/>
-                </a:tc>
-                <a:extLst>
-                  <a:ext uri="{0D108BD9-81ED-4DB2-BD59-A6C34878D82A}">
-                    <a16:rowId xmlns:a16="http://schemas.microsoft.com/office/drawing/2014/main" val="442271358"/>
-                  </a:ext>
-                </a:extLst>
-              </a:tr>
-              <a:tr h="458790">
-                <a:tc>
-                  <a:txBody>
-                    <a:bodyPr/>
-                    <a:lstStyle/>
-                    <a:p>
-                      <a:endParaRPr kumimoji="1" lang="ja-JP" altLang="en-US" sz="800"/>
-                    </a:p>
-                  </a:txBody>
-                  <a:tcPr/>
-                </a:tc>
-                <a:tc>
-                  <a:txBody>
-                    <a:bodyPr/>
-                    <a:lstStyle/>
-                    <a:p>
-                      <a:endParaRPr kumimoji="1" lang="ja-JP" altLang="en-US" sz="800"/>
-                    </a:p>
-                  </a:txBody>
-                  <a:tcPr/>
-                </a:tc>
-                <a:tc>
-                  <a:txBody>
-                    <a:bodyPr/>
-                    <a:lstStyle/>
-                    <a:p>
-                      <a:endParaRPr kumimoji="1" lang="ja-JP" altLang="en-US" sz="800"/>
-                    </a:p>
-                  </a:txBody>
-                  <a:tcPr/>
-                </a:tc>
-                <a:tc>
-                  <a:txBody>
-                    <a:bodyPr/>
-                    <a:lstStyle/>
-                    <a:p>
-                      <a:endParaRPr kumimoji="1" lang="ja-JP" altLang="en-US" sz="800"/>
-                    </a:p>
-                  </a:txBody>
-                  <a:tcPr/>
-                </a:tc>
-                <a:tc>
-                  <a:txBody>
-                    <a:bodyPr/>
-                    <a:lstStyle/>
-                    <a:p>
-                      <a:endParaRPr kumimoji="1" lang="ja-JP" altLang="en-US" sz="800"/>
-                    </a:p>
-                  </a:txBody>
-                  <a:tcPr/>
-                </a:tc>
-                <a:tc>
-                  <a:txBody>
-                    <a:bodyPr/>
-                    <a:lstStyle/>
-                    <a:p>
-                      <a:endParaRPr kumimoji="1" lang="ja-JP" altLang="en-US" sz="800"/>
-                    </a:p>
-                  </a:txBody>
-                  <a:tcPr/>
-                </a:tc>
-                <a:tc>
-                  <a:txBody>
-                    <a:bodyPr/>
-                    <a:lstStyle/>
-                    <a:p>
-                      <a:endParaRPr kumimoji="1" lang="ja-JP" altLang="en-US" sz="800"/>
-                    </a:p>
-                  </a:txBody>
-                  <a:tcPr/>
-                </a:tc>
-                <a:tc>
-                  <a:txBody>
-                    <a:bodyPr/>
-                    <a:lstStyle/>
-                    <a:p>
-                      <a:endParaRPr kumimoji="1" lang="ja-JP" altLang="en-US" sz="800"/>
-                    </a:p>
-                  </a:txBody>
-                  <a:tcPr/>
-                </a:tc>
-                <a:tc>
-                  <a:txBody>
-                    <a:bodyPr/>
-                    <a:lstStyle/>
-                    <a:p>
-                      <a:endParaRPr kumimoji="1" lang="ja-JP" altLang="en-US" sz="800"/>
-                    </a:p>
-                  </a:txBody>
-                  <a:tcPr/>
-                </a:tc>
-                <a:tc>
-                  <a:txBody>
-                    <a:bodyPr/>
-                    <a:lstStyle/>
-                    <a:p>
-                      <a:endParaRPr kumimoji="1" lang="ja-JP" altLang="en-US" sz="800" dirty="0"/>
-                    </a:p>
-                  </a:txBody>
-                  <a:tcPr/>
-                </a:tc>
-                <a:tc>
-                  <a:txBody>
-                    <a:bodyPr/>
-                    <a:lstStyle/>
-                    <a:p>
-                      <a:endParaRPr kumimoji="1" lang="ja-JP" altLang="en-US" sz="800" dirty="0"/>
-                    </a:p>
-                  </a:txBody>
-                  <a:tcPr/>
-                </a:tc>
-                <a:tc>
-                  <a:txBody>
-                    <a:bodyPr/>
-                    <a:lstStyle/>
-                    <a:p>
-                      <a:endParaRPr kumimoji="1" lang="ja-JP" altLang="en-US" sz="800" dirty="0"/>
-                    </a:p>
-                  </a:txBody>
-                  <a:tcPr/>
-                </a:tc>
-                <a:tc>
-                  <a:txBody>
-                    <a:bodyPr/>
-                    <a:lstStyle/>
-                    <a:p>
-                      <a:endParaRPr kumimoji="1" lang="ja-JP" altLang="en-US" sz="800" dirty="0"/>
-                    </a:p>
-                  </a:txBody>
-                  <a:tcPr/>
-                </a:tc>
-                <a:tc>
-                  <a:txBody>
-                    <a:bodyPr/>
-                    <a:lstStyle/>
-                    <a:p>
-                      <a:endParaRPr kumimoji="1" lang="ja-JP" altLang="en-US" sz="800" dirty="0"/>
-                    </a:p>
-                  </a:txBody>
-                  <a:tcPr/>
-                </a:tc>
-                <a:tc>
-                  <a:txBody>
-                    <a:bodyPr/>
-                    <a:lstStyle/>
-                    <a:p>
-                      <a:endParaRPr kumimoji="1" lang="ja-JP" altLang="en-US" sz="800" dirty="0"/>
-                    </a:p>
-                  </a:txBody>
-                  <a:tcPr/>
-                </a:tc>
-                <a:tc>
-                  <a:txBody>
-                    <a:bodyPr/>
-                    <a:lstStyle/>
-                    <a:p>
-                      <a:endParaRPr kumimoji="1" lang="ja-JP" altLang="en-US" sz="800" dirty="0"/>
-                    </a:p>
-                  </a:txBody>
-                  <a:tcPr/>
-                </a:tc>
-                <a:tc>
-                  <a:txBody>
-                    <a:bodyPr/>
-                    <a:lstStyle/>
-                    <a:p>
-                      <a:endParaRPr kumimoji="1" lang="ja-JP" altLang="en-US" sz="800" dirty="0"/>
-                    </a:p>
-                  </a:txBody>
-                  <a:tcPr/>
-                </a:tc>
-                <a:tc>
-                  <a:txBody>
-                    <a:bodyPr/>
-                    <a:lstStyle/>
-                    <a:p>
-                      <a:endParaRPr kumimoji="1" lang="ja-JP" altLang="en-US" sz="800" dirty="0"/>
-                    </a:p>
-                  </a:txBody>
-                  <a:tcPr/>
-                </a:tc>
-                <a:extLst>
-                  <a:ext uri="{0D108BD9-81ED-4DB2-BD59-A6C34878D82A}">
-                    <a16:rowId xmlns:a16="http://schemas.microsoft.com/office/drawing/2014/main" val="3475717011"/>
-                  </a:ext>
-                </a:extLst>
-              </a:tr>
-              <a:tr h="458790">
-                <a:tc>
-                  <a:txBody>
-                    <a:bodyPr/>
-                    <a:lstStyle/>
-                    <a:p>
-                      <a:endParaRPr kumimoji="1" lang="ja-JP" altLang="en-US" sz="800"/>
-                    </a:p>
-                  </a:txBody>
-                  <a:tcPr/>
-                </a:tc>
-                <a:tc>
-                  <a:txBody>
-                    <a:bodyPr/>
-                    <a:lstStyle/>
-                    <a:p>
-                      <a:endParaRPr kumimoji="1" lang="ja-JP" altLang="en-US" sz="800"/>
-                    </a:p>
-                  </a:txBody>
-                  <a:tcPr/>
-                </a:tc>
-                <a:tc>
-                  <a:txBody>
-                    <a:bodyPr/>
-                    <a:lstStyle/>
-                    <a:p>
-                      <a:endParaRPr kumimoji="1" lang="ja-JP" altLang="en-US" sz="800"/>
-                    </a:p>
-                  </a:txBody>
-                  <a:tcPr/>
-                </a:tc>
-                <a:tc>
-                  <a:txBody>
-                    <a:bodyPr/>
-                    <a:lstStyle/>
-                    <a:p>
-                      <a:endParaRPr kumimoji="1" lang="ja-JP" altLang="en-US" sz="800"/>
-                    </a:p>
-                  </a:txBody>
-                  <a:tcPr/>
-                </a:tc>
-                <a:tc>
-                  <a:txBody>
-                    <a:bodyPr/>
-                    <a:lstStyle/>
-                    <a:p>
-                      <a:endParaRPr kumimoji="1" lang="ja-JP" altLang="en-US" sz="800"/>
-                    </a:p>
-                  </a:txBody>
-                  <a:tcPr/>
-                </a:tc>
-                <a:tc>
-                  <a:txBody>
-                    <a:bodyPr/>
-                    <a:lstStyle/>
-                    <a:p>
-                      <a:endParaRPr kumimoji="1" lang="ja-JP" altLang="en-US" sz="800"/>
-                    </a:p>
-                  </a:txBody>
-                  <a:tcPr/>
-                </a:tc>
-                <a:tc>
-                  <a:txBody>
-                    <a:bodyPr/>
-                    <a:lstStyle/>
-                    <a:p>
-                      <a:endParaRPr kumimoji="1" lang="ja-JP" altLang="en-US" sz="800"/>
-                    </a:p>
-                  </a:txBody>
-                  <a:tcPr/>
-                </a:tc>
-                <a:tc>
-                  <a:txBody>
-                    <a:bodyPr/>
-                    <a:lstStyle/>
-                    <a:p>
-                      <a:endParaRPr kumimoji="1" lang="ja-JP" altLang="en-US" sz="800"/>
-                    </a:p>
-                  </a:txBody>
-                  <a:tcPr/>
-                </a:tc>
-                <a:tc>
-                  <a:txBody>
-                    <a:bodyPr/>
-                    <a:lstStyle/>
-                    <a:p>
-                      <a:endParaRPr kumimoji="1" lang="ja-JP" altLang="en-US" sz="800"/>
-                    </a:p>
-                  </a:txBody>
-                  <a:tcPr/>
-                </a:tc>
-                <a:tc>
-                  <a:txBody>
-                    <a:bodyPr/>
-                    <a:lstStyle/>
-                    <a:p>
-                      <a:endParaRPr kumimoji="1" lang="ja-JP" altLang="en-US" sz="800" dirty="0"/>
-                    </a:p>
-                  </a:txBody>
-                  <a:tcPr/>
-                </a:tc>
-                <a:tc>
-                  <a:txBody>
-                    <a:bodyPr/>
-                    <a:lstStyle/>
-                    <a:p>
-                      <a:endParaRPr kumimoji="1" lang="ja-JP" altLang="en-US" sz="800" dirty="0"/>
-                    </a:p>
-                  </a:txBody>
-                  <a:tcPr/>
-                </a:tc>
-                <a:tc>
-                  <a:txBody>
-                    <a:bodyPr/>
-                    <a:lstStyle/>
-                    <a:p>
-                      <a:endParaRPr kumimoji="1" lang="ja-JP" altLang="en-US" sz="800" dirty="0"/>
-                    </a:p>
-                  </a:txBody>
-                  <a:tcPr/>
-                </a:tc>
-                <a:tc>
-                  <a:txBody>
-                    <a:bodyPr/>
-                    <a:lstStyle/>
-                    <a:p>
-                      <a:endParaRPr kumimoji="1" lang="ja-JP" altLang="en-US" sz="800" dirty="0"/>
-                    </a:p>
-                  </a:txBody>
-                  <a:tcPr/>
-                </a:tc>
-                <a:tc>
-                  <a:txBody>
-                    <a:bodyPr/>
-                    <a:lstStyle/>
-                    <a:p>
-                      <a:endParaRPr kumimoji="1" lang="ja-JP" altLang="en-US" sz="800" dirty="0"/>
-                    </a:p>
-                  </a:txBody>
-                  <a:tcPr/>
-                </a:tc>
-                <a:tc>
-                  <a:txBody>
-                    <a:bodyPr/>
-                    <a:lstStyle/>
-                    <a:p>
-                      <a:endParaRPr kumimoji="1" lang="ja-JP" altLang="en-US" sz="800" dirty="0"/>
-                    </a:p>
-                  </a:txBody>
-                  <a:tcPr/>
-                </a:tc>
-                <a:tc>
-                  <a:txBody>
-                    <a:bodyPr/>
-                    <a:lstStyle/>
-                    <a:p>
-                      <a:endParaRPr kumimoji="1" lang="ja-JP" altLang="en-US" sz="800" dirty="0"/>
-                    </a:p>
-                  </a:txBody>
-                  <a:tcPr/>
-                </a:tc>
-                <a:tc>
-                  <a:txBody>
-                    <a:bodyPr/>
-                    <a:lstStyle/>
-                    <a:p>
-                      <a:endParaRPr kumimoji="1" lang="ja-JP" altLang="en-US" sz="800" dirty="0"/>
-                    </a:p>
-                  </a:txBody>
-                  <a:tcPr/>
-                </a:tc>
-                <a:tc>
-                  <a:txBody>
-                    <a:bodyPr/>
-                    <a:lstStyle/>
-                    <a:p>
-                      <a:endParaRPr kumimoji="1" lang="ja-JP" altLang="en-US" sz="800" dirty="0"/>
-                    </a:p>
-                  </a:txBody>
-                  <a:tcPr/>
-                </a:tc>
-                <a:extLst>
-                  <a:ext uri="{0D108BD9-81ED-4DB2-BD59-A6C34878D82A}">
-                    <a16:rowId xmlns:a16="http://schemas.microsoft.com/office/drawing/2014/main" val="2472970756"/>
-                  </a:ext>
-                </a:extLst>
-              </a:tr>
-              <a:tr h="458790">
-                <a:tc>
-                  <a:txBody>
-                    <a:bodyPr/>
-                    <a:lstStyle/>
-                    <a:p>
-                      <a:endParaRPr kumimoji="1" lang="ja-JP" altLang="en-US" sz="800"/>
-                    </a:p>
-                  </a:txBody>
-                  <a:tcPr/>
-                </a:tc>
-                <a:tc>
-                  <a:txBody>
-                    <a:bodyPr/>
-                    <a:lstStyle/>
-                    <a:p>
-                      <a:endParaRPr kumimoji="1" lang="ja-JP" altLang="en-US" sz="800"/>
-                    </a:p>
-                  </a:txBody>
-                  <a:tcPr/>
-                </a:tc>
-                <a:tc>
-                  <a:txBody>
-                    <a:bodyPr/>
-                    <a:lstStyle/>
-                    <a:p>
-                      <a:endParaRPr kumimoji="1" lang="ja-JP" altLang="en-US" sz="800"/>
-                    </a:p>
-                  </a:txBody>
-                  <a:tcPr/>
-                </a:tc>
-                <a:tc>
-                  <a:txBody>
-                    <a:bodyPr/>
-                    <a:lstStyle/>
-                    <a:p>
-                      <a:endParaRPr kumimoji="1" lang="ja-JP" altLang="en-US" sz="800"/>
-                    </a:p>
-                  </a:txBody>
-                  <a:tcPr/>
-                </a:tc>
-                <a:tc>
-                  <a:txBody>
-                    <a:bodyPr/>
-                    <a:lstStyle/>
-                    <a:p>
-                      <a:endParaRPr kumimoji="1" lang="ja-JP" altLang="en-US" sz="800"/>
-                    </a:p>
-                  </a:txBody>
-                  <a:tcPr/>
-                </a:tc>
-                <a:tc>
-                  <a:txBody>
-                    <a:bodyPr/>
-                    <a:lstStyle/>
-                    <a:p>
-                      <a:endParaRPr kumimoji="1" lang="ja-JP" altLang="en-US" sz="800"/>
-                    </a:p>
-                  </a:txBody>
-                  <a:tcPr/>
-                </a:tc>
-                <a:tc>
-                  <a:txBody>
-                    <a:bodyPr/>
-                    <a:lstStyle/>
-                    <a:p>
-                      <a:endParaRPr kumimoji="1" lang="ja-JP" altLang="en-US" sz="800"/>
-                    </a:p>
-                  </a:txBody>
-                  <a:tcPr/>
-                </a:tc>
-                <a:tc>
-                  <a:txBody>
-                    <a:bodyPr/>
-                    <a:lstStyle/>
-                    <a:p>
-                      <a:endParaRPr kumimoji="1" lang="ja-JP" altLang="en-US" sz="800"/>
-                    </a:p>
-                  </a:txBody>
-                  <a:tcPr/>
-                </a:tc>
-                <a:tc>
-                  <a:txBody>
-                    <a:bodyPr/>
-                    <a:lstStyle/>
-                    <a:p>
-                      <a:endParaRPr kumimoji="1" lang="ja-JP" altLang="en-US" sz="800"/>
-                    </a:p>
-                  </a:txBody>
-                  <a:tcPr/>
-                </a:tc>
-                <a:tc>
-                  <a:txBody>
-                    <a:bodyPr/>
-                    <a:lstStyle/>
-                    <a:p>
-                      <a:endParaRPr kumimoji="1" lang="ja-JP" altLang="en-US" sz="800" dirty="0"/>
-                    </a:p>
-                  </a:txBody>
-                  <a:tcPr/>
-                </a:tc>
-                <a:tc>
-                  <a:txBody>
-                    <a:bodyPr/>
-                    <a:lstStyle/>
-                    <a:p>
-                      <a:endParaRPr kumimoji="1" lang="ja-JP" altLang="en-US" sz="800" dirty="0"/>
-                    </a:p>
-                  </a:txBody>
-                  <a:tcPr/>
-                </a:tc>
-                <a:tc>
-                  <a:txBody>
-                    <a:bodyPr/>
-                    <a:lstStyle/>
-                    <a:p>
-                      <a:endParaRPr kumimoji="1" lang="ja-JP" altLang="en-US" sz="800" dirty="0"/>
-                    </a:p>
-                  </a:txBody>
-                  <a:tcPr/>
-                </a:tc>
-                <a:tc>
-                  <a:txBody>
-                    <a:bodyPr/>
-                    <a:lstStyle/>
-                    <a:p>
-                      <a:endParaRPr kumimoji="1" lang="ja-JP" altLang="en-US" sz="800" dirty="0"/>
-                    </a:p>
-                  </a:txBody>
-                  <a:tcPr/>
-                </a:tc>
-                <a:tc>
-                  <a:txBody>
-                    <a:bodyPr/>
-                    <a:lstStyle/>
-                    <a:p>
-                      <a:endParaRPr kumimoji="1" lang="ja-JP" altLang="en-US" sz="800" dirty="0"/>
-                    </a:p>
-                  </a:txBody>
-                  <a:tcPr/>
-                </a:tc>
-                <a:tc>
-                  <a:txBody>
-                    <a:bodyPr/>
-                    <a:lstStyle/>
-                    <a:p>
-                      <a:endParaRPr kumimoji="1" lang="ja-JP" altLang="en-US" sz="800" dirty="0"/>
-                    </a:p>
-                  </a:txBody>
-                  <a:tcPr/>
-                </a:tc>
-                <a:tc>
-                  <a:txBody>
-                    <a:bodyPr/>
-                    <a:lstStyle/>
-                    <a:p>
-                      <a:endParaRPr kumimoji="1" lang="ja-JP" altLang="en-US" sz="800" dirty="0"/>
-                    </a:p>
-                  </a:txBody>
-                  <a:tcPr/>
-                </a:tc>
-                <a:tc>
-                  <a:txBody>
-                    <a:bodyPr/>
-                    <a:lstStyle/>
-                    <a:p>
-                      <a:endParaRPr kumimoji="1" lang="ja-JP" altLang="en-US" sz="800" dirty="0"/>
-                    </a:p>
-                  </a:txBody>
-                  <a:tcPr/>
-                </a:tc>
-                <a:tc>
-                  <a:txBody>
-                    <a:bodyPr/>
-                    <a:lstStyle/>
-                    <a:p>
-                      <a:endParaRPr kumimoji="1" lang="ja-JP" altLang="en-US" sz="800" dirty="0"/>
-                    </a:p>
-                  </a:txBody>
-                  <a:tcPr/>
-                </a:tc>
-                <a:extLst>
-                  <a:ext uri="{0D108BD9-81ED-4DB2-BD59-A6C34878D82A}">
-                    <a16:rowId xmlns:a16="http://schemas.microsoft.com/office/drawing/2014/main" val="788075729"/>
-                  </a:ext>
-                </a:extLst>
-              </a:tr>
-              <a:tr h="458790">
-                <a:tc>
-                  <a:txBody>
-                    <a:bodyPr/>
-                    <a:lstStyle/>
-                    <a:p>
-                      <a:endParaRPr kumimoji="1" lang="ja-JP" altLang="en-US" sz="800"/>
-                    </a:p>
-                  </a:txBody>
-                  <a:tcPr/>
-                </a:tc>
-                <a:tc>
-                  <a:txBody>
-                    <a:bodyPr/>
-                    <a:lstStyle/>
-                    <a:p>
-                      <a:endParaRPr kumimoji="1" lang="ja-JP" altLang="en-US" sz="800"/>
-                    </a:p>
-                  </a:txBody>
-                  <a:tcPr/>
-                </a:tc>
-                <a:tc>
-                  <a:txBody>
-                    <a:bodyPr/>
-                    <a:lstStyle/>
-                    <a:p>
-                      <a:endParaRPr kumimoji="1" lang="ja-JP" altLang="en-US" sz="800"/>
-                    </a:p>
-                  </a:txBody>
-                  <a:tcPr/>
-                </a:tc>
-                <a:tc>
-                  <a:txBody>
-                    <a:bodyPr/>
-                    <a:lstStyle/>
-                    <a:p>
-                      <a:endParaRPr kumimoji="1" lang="ja-JP" altLang="en-US" sz="800"/>
-                    </a:p>
-                  </a:txBody>
-                  <a:tcPr/>
-                </a:tc>
-                <a:tc>
-                  <a:txBody>
-                    <a:bodyPr/>
-                    <a:lstStyle/>
-                    <a:p>
-                      <a:endParaRPr kumimoji="1" lang="ja-JP" altLang="en-US" sz="800"/>
-                    </a:p>
-                  </a:txBody>
-                  <a:tcPr/>
-                </a:tc>
-                <a:tc>
-                  <a:txBody>
-                    <a:bodyPr/>
-                    <a:lstStyle/>
-                    <a:p>
-                      <a:endParaRPr kumimoji="1" lang="ja-JP" altLang="en-US" sz="800"/>
-                    </a:p>
-                  </a:txBody>
-                  <a:tcPr/>
-                </a:tc>
-                <a:tc>
-                  <a:txBody>
-                    <a:bodyPr/>
-                    <a:lstStyle/>
-                    <a:p>
-                      <a:endParaRPr kumimoji="1" lang="ja-JP" altLang="en-US" sz="800"/>
-                    </a:p>
-                  </a:txBody>
-                  <a:tcPr/>
-                </a:tc>
-                <a:tc>
-                  <a:txBody>
-                    <a:bodyPr/>
-                    <a:lstStyle/>
-                    <a:p>
-                      <a:endParaRPr kumimoji="1" lang="ja-JP" altLang="en-US" sz="800"/>
-                    </a:p>
-                  </a:txBody>
-                  <a:tcPr/>
-                </a:tc>
-                <a:tc>
-                  <a:txBody>
-                    <a:bodyPr/>
-                    <a:lstStyle/>
-                    <a:p>
-                      <a:endParaRPr kumimoji="1" lang="ja-JP" altLang="en-US" sz="800"/>
-                    </a:p>
-                  </a:txBody>
-                  <a:tcPr/>
-                </a:tc>
-                <a:tc>
-                  <a:txBody>
-                    <a:bodyPr/>
-                    <a:lstStyle/>
-                    <a:p>
-                      <a:endParaRPr kumimoji="1" lang="ja-JP" altLang="en-US" sz="800" dirty="0"/>
-                    </a:p>
-                  </a:txBody>
-                  <a:tcPr/>
-                </a:tc>
-                <a:tc>
-                  <a:txBody>
-                    <a:bodyPr/>
-                    <a:lstStyle/>
-                    <a:p>
-                      <a:endParaRPr kumimoji="1" lang="ja-JP" altLang="en-US" sz="800" dirty="0"/>
-                    </a:p>
-                  </a:txBody>
-                  <a:tcPr/>
-                </a:tc>
-                <a:tc>
-                  <a:txBody>
-                    <a:bodyPr/>
-                    <a:lstStyle/>
-                    <a:p>
-                      <a:endParaRPr kumimoji="1" lang="ja-JP" altLang="en-US" sz="800" dirty="0"/>
-                    </a:p>
-                  </a:txBody>
-                  <a:tcPr/>
-                </a:tc>
-                <a:tc>
-                  <a:txBody>
-                    <a:bodyPr/>
-                    <a:lstStyle/>
-                    <a:p>
-                      <a:endParaRPr kumimoji="1" lang="ja-JP" altLang="en-US" sz="800" dirty="0"/>
-                    </a:p>
-                  </a:txBody>
-                  <a:tcPr/>
-                </a:tc>
-                <a:tc>
-                  <a:txBody>
-                    <a:bodyPr/>
-                    <a:lstStyle/>
-                    <a:p>
-                      <a:endParaRPr kumimoji="1" lang="ja-JP" altLang="en-US" sz="800" dirty="0"/>
-                    </a:p>
-                  </a:txBody>
-                  <a:tcPr/>
-                </a:tc>
-                <a:tc>
-                  <a:txBody>
-                    <a:bodyPr/>
-                    <a:lstStyle/>
-                    <a:p>
-                      <a:endParaRPr kumimoji="1" lang="ja-JP" altLang="en-US" sz="800" dirty="0"/>
-                    </a:p>
-                  </a:txBody>
-                  <a:tcPr/>
-                </a:tc>
-                <a:tc>
-                  <a:txBody>
-                    <a:bodyPr/>
-                    <a:lstStyle/>
-                    <a:p>
-                      <a:endParaRPr kumimoji="1" lang="ja-JP" altLang="en-US" sz="800" dirty="0"/>
-                    </a:p>
-                  </a:txBody>
-                  <a:tcPr/>
-                </a:tc>
-                <a:tc>
-                  <a:txBody>
-                    <a:bodyPr/>
-                    <a:lstStyle/>
-                    <a:p>
-                      <a:endParaRPr kumimoji="1" lang="ja-JP" altLang="en-US" sz="800" dirty="0"/>
-                    </a:p>
-                  </a:txBody>
-                  <a:tcPr/>
-                </a:tc>
-                <a:tc>
-                  <a:txBody>
-                    <a:bodyPr/>
-                    <a:lstStyle/>
-                    <a:p>
-                      <a:endParaRPr kumimoji="1" lang="ja-JP" altLang="en-US" sz="800" dirty="0"/>
-                    </a:p>
-                  </a:txBody>
-                  <a:tcPr/>
-                </a:tc>
-                <a:extLst>
-                  <a:ext uri="{0D108BD9-81ED-4DB2-BD59-A6C34878D82A}">
-                    <a16:rowId xmlns:a16="http://schemas.microsoft.com/office/drawing/2014/main" val="2649154550"/>
-                  </a:ext>
-                </a:extLst>
-              </a:tr>
-            </a:tbl>
-          </a:graphicData>
-        </a:graphic>
-      </p:graphicFrame>
-      <p:cxnSp>
-        <p:nvCxnSpPr>
-          <p:cNvPr id="9" name="直線コネクタ 8">
-            <a:extLst>
-              <a:ext uri="{FF2B5EF4-FFF2-40B4-BE49-F238E27FC236}">
-                <a16:creationId xmlns:a16="http://schemas.microsoft.com/office/drawing/2014/main" id="{2971B035-466A-4896-985E-6D97D4B133B3}"/>
-              </a:ext>
-            </a:extLst>
-          </p:cNvPr>
-          <p:cNvCxnSpPr>
-            <a:cxnSpLocks/>
-          </p:cNvCxnSpPr>
-          <p:nvPr/>
-        </p:nvCxnSpPr>
-        <p:spPr>
-          <a:xfrm>
-            <a:off x="1556047" y="733432"/>
-            <a:ext cx="0" cy="4124318"/>
-          </a:xfrm>
-          <a:prstGeom prst="line">
-            <a:avLst/>
-          </a:prstGeom>
-          <a:ln w="15875">
-            <a:solidFill>
-              <a:schemeClr val="tx1"/>
-            </a:solidFill>
-          </a:ln>
-        </p:spPr>
-        <p:style>
-          <a:lnRef idx="1">
-            <a:schemeClr val="accent1"/>
-          </a:lnRef>
-          <a:fillRef idx="0">
-            <a:schemeClr val="accent1"/>
-          </a:fillRef>
-          <a:effectRef idx="0">
-            <a:schemeClr val="accent1"/>
-          </a:effectRef>
-          <a:fontRef idx="minor">
-            <a:schemeClr val="tx1"/>
-          </a:fontRef>
-        </p:style>
-      </p:cxnSp>
-      <p:cxnSp>
-        <p:nvCxnSpPr>
-          <p:cNvPr id="11" name="直線コネクタ 10">
-            <a:extLst>
-              <a:ext uri="{FF2B5EF4-FFF2-40B4-BE49-F238E27FC236}">
-                <a16:creationId xmlns:a16="http://schemas.microsoft.com/office/drawing/2014/main" id="{B5C291FE-B13E-4188-9860-98A85059B826}"/>
-              </a:ext>
-            </a:extLst>
-          </p:cNvPr>
-          <p:cNvCxnSpPr>
-            <a:cxnSpLocks/>
-          </p:cNvCxnSpPr>
-          <p:nvPr/>
-        </p:nvCxnSpPr>
-        <p:spPr>
-          <a:xfrm>
-            <a:off x="1556047" y="734511"/>
-            <a:ext cx="4317703" cy="0"/>
-          </a:xfrm>
-          <a:prstGeom prst="line">
-            <a:avLst/>
-          </a:prstGeom>
-          <a:ln w="15875">
-            <a:solidFill>
-              <a:schemeClr val="tx1"/>
-            </a:solidFill>
-          </a:ln>
-        </p:spPr>
-        <p:style>
-          <a:lnRef idx="1">
-            <a:schemeClr val="accent1"/>
-          </a:lnRef>
-          <a:fillRef idx="0">
-            <a:schemeClr val="accent1"/>
-          </a:fillRef>
-          <a:effectRef idx="0">
-            <a:schemeClr val="accent1"/>
-          </a:effectRef>
-          <a:fontRef idx="minor">
-            <a:schemeClr val="tx1"/>
-          </a:fontRef>
-        </p:style>
-      </p:cxnSp>
-      <p:sp>
-        <p:nvSpPr>
-          <p:cNvPr id="4" name="楕円 3">
-            <a:extLst>
-              <a:ext uri="{FF2B5EF4-FFF2-40B4-BE49-F238E27FC236}">
-                <a16:creationId xmlns:a16="http://schemas.microsoft.com/office/drawing/2014/main" id="{F11A78CE-6173-4277-9143-68E92B8415A6}"/>
-              </a:ext>
-            </a:extLst>
-          </p:cNvPr>
-          <p:cNvSpPr/>
-          <p:nvPr/>
-        </p:nvSpPr>
-        <p:spPr>
-          <a:xfrm>
-            <a:off x="3540919" y="1573876"/>
-            <a:ext cx="180000" cy="180000"/>
-          </a:xfrm>
-          <a:prstGeom prst="ellipse">
-            <a:avLst/>
-          </a:prstGeom>
-        </p:spPr>
-        <p:style>
-          <a:lnRef idx="2">
-            <a:schemeClr val="accent1">
-              <a:shade val="50000"/>
-            </a:schemeClr>
-          </a:lnRef>
-          <a:fillRef idx="1">
-            <a:schemeClr val="accent1"/>
-          </a:fillRef>
-          <a:effectRef idx="0">
-            <a:schemeClr val="accent1"/>
-          </a:effectRef>
-          <a:fontRef idx="minor">
-            <a:schemeClr val="lt1"/>
-          </a:fontRef>
-        </p:style>
-        <p:txBody>
-          <a:bodyPr rtlCol="0" anchor="ctr"/>
-          <a:lstStyle/>
-          <a:p>
-            <a:pPr algn="ctr"/>
-            <a:endParaRPr kumimoji="1" lang="ja-JP" altLang="en-US"/>
-          </a:p>
-        </p:txBody>
-      </p:sp>
-      <p:sp>
-        <p:nvSpPr>
-          <p:cNvPr id="6" name="楕円 5">
-            <a:extLst>
-              <a:ext uri="{FF2B5EF4-FFF2-40B4-BE49-F238E27FC236}">
-                <a16:creationId xmlns:a16="http://schemas.microsoft.com/office/drawing/2014/main" id="{54548464-B0F1-4C24-A619-1EC1FB3B5F38}"/>
-              </a:ext>
-            </a:extLst>
-          </p:cNvPr>
-          <p:cNvSpPr/>
-          <p:nvPr/>
-        </p:nvSpPr>
-        <p:spPr>
-          <a:xfrm>
-            <a:off x="3551746" y="2015186"/>
-            <a:ext cx="180000" cy="180000"/>
-          </a:xfrm>
-          <a:prstGeom prst="ellipse">
-            <a:avLst/>
-          </a:prstGeom>
-        </p:spPr>
-        <p:style>
-          <a:lnRef idx="2">
-            <a:schemeClr val="accent1">
-              <a:shade val="50000"/>
-            </a:schemeClr>
-          </a:lnRef>
-          <a:fillRef idx="1">
-            <a:schemeClr val="accent1"/>
-          </a:fillRef>
-          <a:effectRef idx="0">
-            <a:schemeClr val="accent1"/>
-          </a:effectRef>
-          <a:fontRef idx="minor">
-            <a:schemeClr val="lt1"/>
-          </a:fontRef>
-        </p:style>
-        <p:txBody>
-          <a:bodyPr rtlCol="0" anchor="ctr"/>
-          <a:lstStyle/>
-          <a:p>
-            <a:pPr algn="ctr"/>
-            <a:endParaRPr kumimoji="1" lang="ja-JP" altLang="en-US"/>
-          </a:p>
-        </p:txBody>
-      </p:sp>
-      <p:sp>
-        <p:nvSpPr>
-          <p:cNvPr id="15" name="楕円 14">
-            <a:extLst>
-              <a:ext uri="{FF2B5EF4-FFF2-40B4-BE49-F238E27FC236}">
-                <a16:creationId xmlns:a16="http://schemas.microsoft.com/office/drawing/2014/main" id="{D9BC0945-3532-4397-9DC1-264E701F7262}"/>
-              </a:ext>
-            </a:extLst>
-          </p:cNvPr>
-          <p:cNvSpPr/>
-          <p:nvPr/>
-        </p:nvSpPr>
-        <p:spPr>
-          <a:xfrm>
-            <a:off x="4071434" y="3392436"/>
-            <a:ext cx="180000" cy="180000"/>
-          </a:xfrm>
-          <a:prstGeom prst="ellipse">
-            <a:avLst/>
-          </a:prstGeom>
-        </p:spPr>
-        <p:style>
-          <a:lnRef idx="2">
-            <a:schemeClr val="accent1">
-              <a:shade val="50000"/>
-            </a:schemeClr>
-          </a:lnRef>
-          <a:fillRef idx="1">
-            <a:schemeClr val="accent1"/>
-          </a:fillRef>
-          <a:effectRef idx="0">
-            <a:schemeClr val="accent1"/>
-          </a:effectRef>
-          <a:fontRef idx="minor">
-            <a:schemeClr val="lt1"/>
-          </a:fontRef>
-        </p:style>
-        <p:txBody>
-          <a:bodyPr rtlCol="0" anchor="ctr"/>
-          <a:lstStyle/>
-          <a:p>
-            <a:pPr algn="ctr"/>
-            <a:endParaRPr kumimoji="1" lang="ja-JP" altLang="en-US"/>
-          </a:p>
-        </p:txBody>
-      </p:sp>
-      <p:sp>
-        <p:nvSpPr>
-          <p:cNvPr id="16" name="楕円 15">
-            <a:extLst>
-              <a:ext uri="{FF2B5EF4-FFF2-40B4-BE49-F238E27FC236}">
-                <a16:creationId xmlns:a16="http://schemas.microsoft.com/office/drawing/2014/main" id="{F9673B51-EBB5-4EE2-9521-313B55C18EF3}"/>
-              </a:ext>
-            </a:extLst>
-          </p:cNvPr>
-          <p:cNvSpPr/>
-          <p:nvPr/>
-        </p:nvSpPr>
-        <p:spPr>
-          <a:xfrm>
-            <a:off x="4071434" y="3854069"/>
-            <a:ext cx="180000" cy="180000"/>
-          </a:xfrm>
-          <a:prstGeom prst="ellipse">
-            <a:avLst/>
-          </a:prstGeom>
-        </p:spPr>
-        <p:style>
-          <a:lnRef idx="2">
-            <a:schemeClr val="accent1">
-              <a:shade val="50000"/>
-            </a:schemeClr>
-          </a:lnRef>
-          <a:fillRef idx="1">
-            <a:schemeClr val="accent1"/>
-          </a:fillRef>
-          <a:effectRef idx="0">
-            <a:schemeClr val="accent1"/>
-          </a:effectRef>
-          <a:fontRef idx="minor">
-            <a:schemeClr val="lt1"/>
-          </a:fontRef>
-        </p:style>
-        <p:txBody>
-          <a:bodyPr rtlCol="0" anchor="ctr"/>
-          <a:lstStyle/>
-          <a:p>
-            <a:pPr algn="ctr"/>
-            <a:endParaRPr kumimoji="1" lang="ja-JP" altLang="en-US"/>
-          </a:p>
-        </p:txBody>
-      </p:sp>
-      <p:sp>
-        <p:nvSpPr>
-          <p:cNvPr id="17" name="楕円 16">
-            <a:extLst>
-              <a:ext uri="{FF2B5EF4-FFF2-40B4-BE49-F238E27FC236}">
-                <a16:creationId xmlns:a16="http://schemas.microsoft.com/office/drawing/2014/main" id="{2F3A411B-BF67-4919-B1B8-3748CCE6ADB0}"/>
-              </a:ext>
-            </a:extLst>
-          </p:cNvPr>
-          <p:cNvSpPr/>
-          <p:nvPr/>
-        </p:nvSpPr>
-        <p:spPr>
-          <a:xfrm>
-            <a:off x="2494179" y="1100627"/>
-            <a:ext cx="180000" cy="180000"/>
-          </a:xfrm>
-          <a:prstGeom prst="ellipse">
-            <a:avLst/>
-          </a:prstGeom>
-          <a:solidFill>
-            <a:schemeClr val="accent2">
-              <a:lumMod val="60000"/>
-              <a:lumOff val="40000"/>
-            </a:schemeClr>
-          </a:solidFill>
-        </p:spPr>
-        <p:style>
-          <a:lnRef idx="2">
-            <a:schemeClr val="accent1">
-              <a:shade val="50000"/>
-            </a:schemeClr>
-          </a:lnRef>
-          <a:fillRef idx="1">
-            <a:schemeClr val="accent1"/>
-          </a:fillRef>
-          <a:effectRef idx="0">
-            <a:schemeClr val="accent1"/>
-          </a:effectRef>
-          <a:fontRef idx="minor">
-            <a:schemeClr val="lt1"/>
-          </a:fontRef>
-        </p:style>
-        <p:txBody>
-          <a:bodyPr rtlCol="0" anchor="ctr"/>
-          <a:lstStyle/>
-          <a:p>
-            <a:pPr algn="ctr"/>
-            <a:endParaRPr kumimoji="1" lang="ja-JP" altLang="en-US"/>
-          </a:p>
-        </p:txBody>
-      </p:sp>
-      <p:sp>
-        <p:nvSpPr>
-          <p:cNvPr id="18" name="楕円 17">
-            <a:extLst>
-              <a:ext uri="{FF2B5EF4-FFF2-40B4-BE49-F238E27FC236}">
-                <a16:creationId xmlns:a16="http://schemas.microsoft.com/office/drawing/2014/main" id="{72808DE2-9454-4B1C-98DE-26D74058BDE6}"/>
-              </a:ext>
-            </a:extLst>
-          </p:cNvPr>
-          <p:cNvSpPr/>
-          <p:nvPr/>
-        </p:nvSpPr>
-        <p:spPr>
-          <a:xfrm>
-            <a:off x="2494179" y="1541938"/>
-            <a:ext cx="180000" cy="180000"/>
-          </a:xfrm>
-          <a:prstGeom prst="ellipse">
-            <a:avLst/>
-          </a:prstGeom>
-          <a:solidFill>
-            <a:schemeClr val="accent2">
-              <a:lumMod val="60000"/>
-              <a:lumOff val="40000"/>
-            </a:schemeClr>
-          </a:solidFill>
-        </p:spPr>
-        <p:style>
-          <a:lnRef idx="2">
-            <a:schemeClr val="accent1">
-              <a:shade val="50000"/>
-            </a:schemeClr>
-          </a:lnRef>
-          <a:fillRef idx="1">
-            <a:schemeClr val="accent1"/>
-          </a:fillRef>
-          <a:effectRef idx="0">
-            <a:schemeClr val="accent1"/>
-          </a:effectRef>
-          <a:fontRef idx="minor">
-            <a:schemeClr val="lt1"/>
-          </a:fontRef>
-        </p:style>
-        <p:txBody>
-          <a:bodyPr rtlCol="0" anchor="ctr"/>
-          <a:lstStyle/>
-          <a:p>
-            <a:pPr algn="ctr"/>
-            <a:endParaRPr kumimoji="1" lang="ja-JP" altLang="en-US"/>
-          </a:p>
-        </p:txBody>
-      </p:sp>
-      <p:sp>
-        <p:nvSpPr>
-          <p:cNvPr id="19" name="楕円 18">
-            <a:extLst>
-              <a:ext uri="{FF2B5EF4-FFF2-40B4-BE49-F238E27FC236}">
-                <a16:creationId xmlns:a16="http://schemas.microsoft.com/office/drawing/2014/main" id="{77B133B1-5D83-4674-BEF9-10F53972CEAF}"/>
-              </a:ext>
-            </a:extLst>
-          </p:cNvPr>
-          <p:cNvSpPr/>
-          <p:nvPr/>
-        </p:nvSpPr>
-        <p:spPr>
-          <a:xfrm>
-            <a:off x="2494179" y="2034077"/>
-            <a:ext cx="180000" cy="180000"/>
-          </a:xfrm>
-          <a:prstGeom prst="ellipse">
-            <a:avLst/>
-          </a:prstGeom>
-          <a:solidFill>
-            <a:schemeClr val="accent2">
-              <a:lumMod val="60000"/>
-              <a:lumOff val="40000"/>
-            </a:schemeClr>
-          </a:solidFill>
-        </p:spPr>
-        <p:style>
-          <a:lnRef idx="2">
-            <a:schemeClr val="accent1">
-              <a:shade val="50000"/>
-            </a:schemeClr>
-          </a:lnRef>
-          <a:fillRef idx="1">
-            <a:schemeClr val="accent1"/>
-          </a:fillRef>
-          <a:effectRef idx="0">
-            <a:schemeClr val="accent1"/>
-          </a:effectRef>
-          <a:fontRef idx="minor">
-            <a:schemeClr val="lt1"/>
-          </a:fontRef>
-        </p:style>
-        <p:txBody>
-          <a:bodyPr rtlCol="0" anchor="ctr"/>
-          <a:lstStyle/>
-          <a:p>
-            <a:pPr algn="ctr"/>
-            <a:endParaRPr kumimoji="1" lang="ja-JP" altLang="en-US"/>
-          </a:p>
-        </p:txBody>
-      </p:sp>
-      <p:sp>
-        <p:nvSpPr>
-          <p:cNvPr id="20" name="楕円 19">
-            <a:extLst>
-              <a:ext uri="{FF2B5EF4-FFF2-40B4-BE49-F238E27FC236}">
-                <a16:creationId xmlns:a16="http://schemas.microsoft.com/office/drawing/2014/main" id="{D1D726DA-48C9-460A-A357-67430F2D33D6}"/>
-              </a:ext>
-            </a:extLst>
-          </p:cNvPr>
-          <p:cNvSpPr/>
-          <p:nvPr/>
-        </p:nvSpPr>
-        <p:spPr>
-          <a:xfrm>
-            <a:off x="2494179" y="2475388"/>
-            <a:ext cx="180000" cy="180000"/>
-          </a:xfrm>
-          <a:prstGeom prst="ellipse">
-            <a:avLst/>
-          </a:prstGeom>
-          <a:solidFill>
-            <a:schemeClr val="accent2">
-              <a:lumMod val="60000"/>
-              <a:lumOff val="40000"/>
-            </a:schemeClr>
-          </a:solidFill>
-        </p:spPr>
-        <p:style>
-          <a:lnRef idx="2">
-            <a:schemeClr val="accent1">
-              <a:shade val="50000"/>
-            </a:schemeClr>
-          </a:lnRef>
-          <a:fillRef idx="1">
-            <a:schemeClr val="accent1"/>
-          </a:fillRef>
-          <a:effectRef idx="0">
-            <a:schemeClr val="accent1"/>
-          </a:effectRef>
-          <a:fontRef idx="minor">
-            <a:schemeClr val="lt1"/>
-          </a:fontRef>
-        </p:style>
-        <p:txBody>
-          <a:bodyPr rtlCol="0" anchor="ctr"/>
-          <a:lstStyle/>
-          <a:p>
-            <a:pPr algn="ctr"/>
-            <a:endParaRPr kumimoji="1" lang="ja-JP" altLang="en-US"/>
-          </a:p>
-        </p:txBody>
-      </p:sp>
-      <p:sp>
-        <p:nvSpPr>
-          <p:cNvPr id="21" name="楕円 20">
-            <a:extLst>
-              <a:ext uri="{FF2B5EF4-FFF2-40B4-BE49-F238E27FC236}">
-                <a16:creationId xmlns:a16="http://schemas.microsoft.com/office/drawing/2014/main" id="{79678D53-80E6-47D2-BBAC-7B70AE306176}"/>
-              </a:ext>
-            </a:extLst>
-          </p:cNvPr>
-          <p:cNvSpPr/>
-          <p:nvPr/>
-        </p:nvSpPr>
-        <p:spPr>
-          <a:xfrm>
-            <a:off x="3008335" y="2935787"/>
-            <a:ext cx="180000" cy="180000"/>
-          </a:xfrm>
-          <a:prstGeom prst="ellipse">
-            <a:avLst/>
-          </a:prstGeom>
-          <a:solidFill>
-            <a:schemeClr val="accent2">
-              <a:lumMod val="60000"/>
-              <a:lumOff val="40000"/>
-            </a:schemeClr>
-          </a:solidFill>
-        </p:spPr>
-        <p:style>
-          <a:lnRef idx="2">
-            <a:schemeClr val="accent1">
-              <a:shade val="50000"/>
-            </a:schemeClr>
-          </a:lnRef>
-          <a:fillRef idx="1">
-            <a:schemeClr val="accent1"/>
-          </a:fillRef>
-          <a:effectRef idx="0">
-            <a:schemeClr val="accent1"/>
-          </a:effectRef>
-          <a:fontRef idx="minor">
-            <a:schemeClr val="lt1"/>
-          </a:fontRef>
-        </p:style>
-        <p:txBody>
-          <a:bodyPr rtlCol="0" anchor="ctr"/>
-          <a:lstStyle/>
-          <a:p>
-            <a:pPr algn="ctr"/>
-            <a:endParaRPr kumimoji="1" lang="ja-JP" altLang="en-US"/>
-          </a:p>
-        </p:txBody>
-      </p:sp>
-      <p:sp>
-        <p:nvSpPr>
-          <p:cNvPr id="22" name="楕円 21">
-            <a:extLst>
-              <a:ext uri="{FF2B5EF4-FFF2-40B4-BE49-F238E27FC236}">
-                <a16:creationId xmlns:a16="http://schemas.microsoft.com/office/drawing/2014/main" id="{F6151539-9B88-48F0-AE8B-B1B7ADAA03A6}"/>
-              </a:ext>
-            </a:extLst>
-          </p:cNvPr>
-          <p:cNvSpPr/>
-          <p:nvPr/>
-        </p:nvSpPr>
-        <p:spPr>
-          <a:xfrm>
-            <a:off x="3008335" y="3377098"/>
-            <a:ext cx="180000" cy="180000"/>
-          </a:xfrm>
-          <a:prstGeom prst="ellipse">
-            <a:avLst/>
-          </a:prstGeom>
-          <a:solidFill>
-            <a:schemeClr val="accent2">
-              <a:lumMod val="60000"/>
-              <a:lumOff val="40000"/>
-            </a:schemeClr>
-          </a:solidFill>
-        </p:spPr>
-        <p:style>
-          <a:lnRef idx="2">
-            <a:schemeClr val="accent1">
-              <a:shade val="50000"/>
-            </a:schemeClr>
-          </a:lnRef>
-          <a:fillRef idx="1">
-            <a:schemeClr val="accent1"/>
-          </a:fillRef>
-          <a:effectRef idx="0">
-            <a:schemeClr val="accent1"/>
-          </a:effectRef>
-          <a:fontRef idx="minor">
-            <a:schemeClr val="lt1"/>
-          </a:fontRef>
-        </p:style>
-        <p:txBody>
-          <a:bodyPr rtlCol="0" anchor="ctr"/>
-          <a:lstStyle/>
-          <a:p>
-            <a:pPr algn="ctr"/>
-            <a:endParaRPr kumimoji="1" lang="ja-JP" altLang="en-US"/>
-          </a:p>
-        </p:txBody>
-      </p:sp>
-      <p:sp>
-        <p:nvSpPr>
-          <p:cNvPr id="23" name="楕円 22">
-            <a:extLst>
-              <a:ext uri="{FF2B5EF4-FFF2-40B4-BE49-F238E27FC236}">
-                <a16:creationId xmlns:a16="http://schemas.microsoft.com/office/drawing/2014/main" id="{FA5736CE-F465-4097-BCD9-056FA97B254B}"/>
-              </a:ext>
-            </a:extLst>
-          </p:cNvPr>
-          <p:cNvSpPr/>
-          <p:nvPr/>
-        </p:nvSpPr>
-        <p:spPr>
-          <a:xfrm>
-            <a:off x="3008335" y="3869237"/>
-            <a:ext cx="180000" cy="180000"/>
-          </a:xfrm>
-          <a:prstGeom prst="ellipse">
-            <a:avLst/>
-          </a:prstGeom>
-          <a:solidFill>
-            <a:schemeClr val="accent2">
-              <a:lumMod val="60000"/>
-              <a:lumOff val="40000"/>
-            </a:schemeClr>
-          </a:solidFill>
-        </p:spPr>
-        <p:style>
-          <a:lnRef idx="2">
-            <a:schemeClr val="accent1">
-              <a:shade val="50000"/>
-            </a:schemeClr>
-          </a:lnRef>
-          <a:fillRef idx="1">
-            <a:schemeClr val="accent1"/>
-          </a:fillRef>
-          <a:effectRef idx="0">
-            <a:schemeClr val="accent1"/>
-          </a:effectRef>
-          <a:fontRef idx="minor">
-            <a:schemeClr val="lt1"/>
-          </a:fontRef>
-        </p:style>
-        <p:txBody>
-          <a:bodyPr rtlCol="0" anchor="ctr"/>
-          <a:lstStyle/>
-          <a:p>
-            <a:pPr algn="ctr"/>
-            <a:endParaRPr kumimoji="1" lang="ja-JP" altLang="en-US"/>
-          </a:p>
-        </p:txBody>
-      </p:sp>
-      <p:sp>
-        <p:nvSpPr>
-          <p:cNvPr id="24" name="楕円 23">
-            <a:extLst>
-              <a:ext uri="{FF2B5EF4-FFF2-40B4-BE49-F238E27FC236}">
-                <a16:creationId xmlns:a16="http://schemas.microsoft.com/office/drawing/2014/main" id="{193CE391-2D10-4764-8016-17BF44485FCB}"/>
-              </a:ext>
-            </a:extLst>
-          </p:cNvPr>
-          <p:cNvSpPr/>
-          <p:nvPr/>
-        </p:nvSpPr>
-        <p:spPr>
-          <a:xfrm>
-            <a:off x="3008335" y="4310548"/>
-            <a:ext cx="180000" cy="180000"/>
-          </a:xfrm>
-          <a:prstGeom prst="ellipse">
-            <a:avLst/>
-          </a:prstGeom>
-          <a:solidFill>
-            <a:schemeClr val="accent2">
-              <a:lumMod val="60000"/>
-              <a:lumOff val="40000"/>
-            </a:schemeClr>
-          </a:solidFill>
-        </p:spPr>
-        <p:style>
-          <a:lnRef idx="2">
-            <a:schemeClr val="accent1">
-              <a:shade val="50000"/>
-            </a:schemeClr>
-          </a:lnRef>
-          <a:fillRef idx="1">
-            <a:schemeClr val="accent1"/>
-          </a:fillRef>
-          <a:effectRef idx="0">
-            <a:schemeClr val="accent1"/>
-          </a:effectRef>
-          <a:fontRef idx="minor">
-            <a:schemeClr val="lt1"/>
-          </a:fontRef>
-        </p:style>
-        <p:txBody>
-          <a:bodyPr rtlCol="0" anchor="ctr"/>
-          <a:lstStyle/>
-          <a:p>
-            <a:pPr algn="ctr"/>
-            <a:endParaRPr kumimoji="1" lang="ja-JP" altLang="en-US"/>
-          </a:p>
-        </p:txBody>
-      </p:sp>
-      <p:sp>
-        <p:nvSpPr>
-          <p:cNvPr id="26" name="楕円 25">
-            <a:extLst>
-              <a:ext uri="{FF2B5EF4-FFF2-40B4-BE49-F238E27FC236}">
-                <a16:creationId xmlns:a16="http://schemas.microsoft.com/office/drawing/2014/main" id="{892C091E-5984-4A96-86EA-73AF325368A1}"/>
-              </a:ext>
-            </a:extLst>
-          </p:cNvPr>
-          <p:cNvSpPr/>
-          <p:nvPr/>
-        </p:nvSpPr>
-        <p:spPr>
-          <a:xfrm>
-            <a:off x="4597186" y="1541938"/>
-            <a:ext cx="180000" cy="180000"/>
-          </a:xfrm>
-          <a:prstGeom prst="ellipse">
-            <a:avLst/>
-          </a:prstGeom>
-          <a:solidFill>
-            <a:schemeClr val="accent4">
-              <a:lumMod val="60000"/>
-              <a:lumOff val="40000"/>
-            </a:schemeClr>
-          </a:solidFill>
-        </p:spPr>
-        <p:style>
-          <a:lnRef idx="2">
-            <a:schemeClr val="accent1">
-              <a:shade val="50000"/>
-            </a:schemeClr>
-          </a:lnRef>
-          <a:fillRef idx="1">
-            <a:schemeClr val="accent1"/>
-          </a:fillRef>
-          <a:effectRef idx="0">
-            <a:schemeClr val="accent1"/>
-          </a:effectRef>
-          <a:fontRef idx="minor">
-            <a:schemeClr val="lt1"/>
-          </a:fontRef>
-        </p:style>
-        <p:txBody>
-          <a:bodyPr rtlCol="0" anchor="ctr"/>
-          <a:lstStyle/>
-          <a:p>
-            <a:pPr algn="ctr"/>
-            <a:endParaRPr kumimoji="1" lang="ja-JP" altLang="en-US"/>
-          </a:p>
-        </p:txBody>
-      </p:sp>
-      <p:sp>
-        <p:nvSpPr>
-          <p:cNvPr id="27" name="楕円 26">
-            <a:extLst>
-              <a:ext uri="{FF2B5EF4-FFF2-40B4-BE49-F238E27FC236}">
-                <a16:creationId xmlns:a16="http://schemas.microsoft.com/office/drawing/2014/main" id="{800EB07A-4DA9-414A-8EFC-1BB499D0D1CF}"/>
-              </a:ext>
-            </a:extLst>
-          </p:cNvPr>
-          <p:cNvSpPr/>
-          <p:nvPr/>
-        </p:nvSpPr>
-        <p:spPr>
-          <a:xfrm>
-            <a:off x="4597186" y="2034077"/>
-            <a:ext cx="180000" cy="180000"/>
-          </a:xfrm>
-          <a:prstGeom prst="ellipse">
-            <a:avLst/>
-          </a:prstGeom>
-          <a:solidFill>
-            <a:schemeClr val="accent4">
-              <a:lumMod val="60000"/>
-              <a:lumOff val="40000"/>
-            </a:schemeClr>
-          </a:solidFill>
-        </p:spPr>
-        <p:style>
-          <a:lnRef idx="2">
-            <a:schemeClr val="accent1">
-              <a:shade val="50000"/>
-            </a:schemeClr>
-          </a:lnRef>
-          <a:fillRef idx="1">
-            <a:schemeClr val="accent1"/>
-          </a:fillRef>
-          <a:effectRef idx="0">
-            <a:schemeClr val="accent1"/>
-          </a:effectRef>
-          <a:fontRef idx="minor">
-            <a:schemeClr val="lt1"/>
-          </a:fontRef>
-        </p:style>
-        <p:txBody>
-          <a:bodyPr rtlCol="0" anchor="ctr"/>
-          <a:lstStyle/>
-          <a:p>
-            <a:pPr algn="ctr"/>
-            <a:endParaRPr kumimoji="1" lang="ja-JP" altLang="en-US"/>
-          </a:p>
-        </p:txBody>
-      </p:sp>
-      <p:sp>
-        <p:nvSpPr>
-          <p:cNvPr id="30" name="楕円 29">
-            <a:extLst>
-              <a:ext uri="{FF2B5EF4-FFF2-40B4-BE49-F238E27FC236}">
-                <a16:creationId xmlns:a16="http://schemas.microsoft.com/office/drawing/2014/main" id="{C0419E21-8288-4B3B-A1CB-E9ED24CFBBAE}"/>
-              </a:ext>
-            </a:extLst>
-          </p:cNvPr>
-          <p:cNvSpPr/>
-          <p:nvPr/>
-        </p:nvSpPr>
-        <p:spPr>
-          <a:xfrm>
-            <a:off x="5108441" y="3377098"/>
-            <a:ext cx="180000" cy="180000"/>
-          </a:xfrm>
-          <a:prstGeom prst="ellipse">
-            <a:avLst/>
-          </a:prstGeom>
-          <a:solidFill>
-            <a:schemeClr val="accent4">
-              <a:lumMod val="60000"/>
-              <a:lumOff val="40000"/>
-            </a:schemeClr>
-          </a:solidFill>
-        </p:spPr>
-        <p:style>
-          <a:lnRef idx="2">
-            <a:schemeClr val="accent1">
-              <a:shade val="50000"/>
-            </a:schemeClr>
-          </a:lnRef>
-          <a:fillRef idx="1">
-            <a:schemeClr val="accent1"/>
-          </a:fillRef>
-          <a:effectRef idx="0">
-            <a:schemeClr val="accent1"/>
-          </a:effectRef>
-          <a:fontRef idx="minor">
-            <a:schemeClr val="lt1"/>
-          </a:fontRef>
-        </p:style>
-        <p:txBody>
-          <a:bodyPr rtlCol="0" anchor="ctr"/>
-          <a:lstStyle/>
-          <a:p>
-            <a:pPr algn="ctr"/>
-            <a:endParaRPr kumimoji="1" lang="ja-JP" altLang="en-US"/>
-          </a:p>
-        </p:txBody>
-      </p:sp>
-      <p:sp>
-        <p:nvSpPr>
-          <p:cNvPr id="31" name="楕円 30">
-            <a:extLst>
-              <a:ext uri="{FF2B5EF4-FFF2-40B4-BE49-F238E27FC236}">
-                <a16:creationId xmlns:a16="http://schemas.microsoft.com/office/drawing/2014/main" id="{3DEF1F97-51D7-476E-9551-23BBF756DE91}"/>
-              </a:ext>
-            </a:extLst>
-          </p:cNvPr>
-          <p:cNvSpPr/>
-          <p:nvPr/>
-        </p:nvSpPr>
-        <p:spPr>
-          <a:xfrm>
-            <a:off x="5108441" y="3869237"/>
-            <a:ext cx="180000" cy="180000"/>
-          </a:xfrm>
-          <a:prstGeom prst="ellipse">
-            <a:avLst/>
-          </a:prstGeom>
-          <a:solidFill>
-            <a:schemeClr val="accent4">
-              <a:lumMod val="60000"/>
-              <a:lumOff val="40000"/>
-            </a:schemeClr>
-          </a:solidFill>
-        </p:spPr>
-        <p:style>
-          <a:lnRef idx="2">
-            <a:schemeClr val="accent1">
-              <a:shade val="50000"/>
-            </a:schemeClr>
-          </a:lnRef>
-          <a:fillRef idx="1">
-            <a:schemeClr val="accent1"/>
-          </a:fillRef>
-          <a:effectRef idx="0">
-            <a:schemeClr val="accent1"/>
-          </a:effectRef>
-          <a:fontRef idx="minor">
-            <a:schemeClr val="lt1"/>
-          </a:fontRef>
-        </p:style>
-        <p:txBody>
-          <a:bodyPr rtlCol="0" anchor="ctr"/>
-          <a:lstStyle/>
-          <a:p>
-            <a:pPr algn="ctr"/>
-            <a:endParaRPr kumimoji="1" lang="ja-JP" altLang="en-US"/>
-          </a:p>
-        </p:txBody>
-      </p:sp>
-      <p:sp>
-        <p:nvSpPr>
-          <p:cNvPr id="34" name="テキスト ボックス 33">
-            <a:extLst>
-              <a:ext uri="{FF2B5EF4-FFF2-40B4-BE49-F238E27FC236}">
-                <a16:creationId xmlns:a16="http://schemas.microsoft.com/office/drawing/2014/main" id="{68B5021D-CD40-4697-81BA-75EC24F270F8}"/>
-              </a:ext>
-            </a:extLst>
-          </p:cNvPr>
-          <p:cNvSpPr txBox="1"/>
-          <p:nvPr/>
-        </p:nvSpPr>
-        <p:spPr>
-          <a:xfrm>
-            <a:off x="1319622" y="415585"/>
-            <a:ext cx="410690" cy="246221"/>
-          </a:xfrm>
-          <a:prstGeom prst="rect">
-            <a:avLst/>
-          </a:prstGeom>
-          <a:noFill/>
-        </p:spPr>
-        <p:txBody>
-          <a:bodyPr wrap="none" rtlCol="0">
-            <a:spAutoFit/>
-          </a:bodyPr>
-          <a:lstStyle/>
-          <a:p>
-            <a:r>
-              <a:rPr kumimoji="1" lang="en-US" altLang="ja-JP" sz="1000" dirty="0"/>
-              <a:t>x=0</a:t>
-            </a:r>
-            <a:endParaRPr kumimoji="1" lang="ja-JP" altLang="en-US" sz="1000" dirty="0"/>
-          </a:p>
-        </p:txBody>
-      </p:sp>
-      <p:sp>
-        <p:nvSpPr>
-          <p:cNvPr id="35" name="テキスト ボックス 34">
-            <a:extLst>
-              <a:ext uri="{FF2B5EF4-FFF2-40B4-BE49-F238E27FC236}">
-                <a16:creationId xmlns:a16="http://schemas.microsoft.com/office/drawing/2014/main" id="{F5C3B077-98F4-40A1-8687-6B1E605C9485}"/>
-              </a:ext>
-            </a:extLst>
-          </p:cNvPr>
-          <p:cNvSpPr txBox="1"/>
-          <p:nvPr/>
-        </p:nvSpPr>
-        <p:spPr>
-          <a:xfrm>
-            <a:off x="1878422" y="415585"/>
-            <a:ext cx="410690" cy="246221"/>
-          </a:xfrm>
-          <a:prstGeom prst="rect">
-            <a:avLst/>
-          </a:prstGeom>
-          <a:noFill/>
-        </p:spPr>
-        <p:txBody>
-          <a:bodyPr wrap="none" rtlCol="0">
-            <a:spAutoFit/>
-          </a:bodyPr>
-          <a:lstStyle/>
-          <a:p>
-            <a:r>
-              <a:rPr kumimoji="1" lang="en-US" altLang="ja-JP" sz="1000" dirty="0"/>
-              <a:t>x=1</a:t>
-            </a:r>
-            <a:endParaRPr kumimoji="1" lang="ja-JP" altLang="en-US" sz="1000" dirty="0"/>
-          </a:p>
-        </p:txBody>
-      </p:sp>
-      <p:sp>
-        <p:nvSpPr>
-          <p:cNvPr id="36" name="テキスト ボックス 35">
-            <a:extLst>
-              <a:ext uri="{FF2B5EF4-FFF2-40B4-BE49-F238E27FC236}">
-                <a16:creationId xmlns:a16="http://schemas.microsoft.com/office/drawing/2014/main" id="{0458F8A7-6F5D-4C3D-A712-75177C4A3224}"/>
-              </a:ext>
-            </a:extLst>
-          </p:cNvPr>
-          <p:cNvSpPr txBox="1"/>
-          <p:nvPr/>
-        </p:nvSpPr>
-        <p:spPr>
-          <a:xfrm>
-            <a:off x="2437222" y="415585"/>
-            <a:ext cx="410690" cy="246221"/>
-          </a:xfrm>
-          <a:prstGeom prst="rect">
-            <a:avLst/>
-          </a:prstGeom>
-          <a:noFill/>
-        </p:spPr>
-        <p:txBody>
-          <a:bodyPr wrap="none" rtlCol="0">
-            <a:spAutoFit/>
-          </a:bodyPr>
-          <a:lstStyle/>
-          <a:p>
-            <a:r>
-              <a:rPr kumimoji="1" lang="en-US" altLang="ja-JP" sz="1000" dirty="0"/>
-              <a:t>x=2</a:t>
-            </a:r>
-            <a:endParaRPr kumimoji="1" lang="ja-JP" altLang="en-US" sz="1000" dirty="0"/>
-          </a:p>
-        </p:txBody>
-      </p:sp>
-      <p:sp>
-        <p:nvSpPr>
-          <p:cNvPr id="37" name="テキスト ボックス 36">
-            <a:extLst>
-              <a:ext uri="{FF2B5EF4-FFF2-40B4-BE49-F238E27FC236}">
-                <a16:creationId xmlns:a16="http://schemas.microsoft.com/office/drawing/2014/main" id="{AA4ED497-9EE7-4C9D-9242-BC47CCD9C3EF}"/>
-              </a:ext>
-            </a:extLst>
-          </p:cNvPr>
-          <p:cNvSpPr txBox="1"/>
-          <p:nvPr/>
-        </p:nvSpPr>
-        <p:spPr>
-          <a:xfrm>
-            <a:off x="2956910" y="415585"/>
-            <a:ext cx="410690" cy="246221"/>
-          </a:xfrm>
-          <a:prstGeom prst="rect">
-            <a:avLst/>
-          </a:prstGeom>
-          <a:noFill/>
-        </p:spPr>
-        <p:txBody>
-          <a:bodyPr wrap="none" rtlCol="0">
-            <a:spAutoFit/>
-          </a:bodyPr>
-          <a:lstStyle/>
-          <a:p>
-            <a:r>
-              <a:rPr kumimoji="1" lang="en-US" altLang="ja-JP" sz="1000" dirty="0"/>
-              <a:t>x=3</a:t>
-            </a:r>
-            <a:endParaRPr kumimoji="1" lang="ja-JP" altLang="en-US" sz="1000" dirty="0"/>
-          </a:p>
-        </p:txBody>
-      </p:sp>
-      <p:sp>
-        <p:nvSpPr>
-          <p:cNvPr id="38" name="テキスト ボックス 37">
-            <a:extLst>
-              <a:ext uri="{FF2B5EF4-FFF2-40B4-BE49-F238E27FC236}">
-                <a16:creationId xmlns:a16="http://schemas.microsoft.com/office/drawing/2014/main" id="{002EE19F-8696-40BE-B7EF-11D44A79FE44}"/>
-              </a:ext>
-            </a:extLst>
-          </p:cNvPr>
-          <p:cNvSpPr txBox="1"/>
-          <p:nvPr/>
-        </p:nvSpPr>
-        <p:spPr>
-          <a:xfrm>
-            <a:off x="3482662" y="415585"/>
-            <a:ext cx="410690" cy="246221"/>
-          </a:xfrm>
-          <a:prstGeom prst="rect">
-            <a:avLst/>
-          </a:prstGeom>
-          <a:noFill/>
-        </p:spPr>
-        <p:txBody>
-          <a:bodyPr wrap="none" rtlCol="0">
-            <a:spAutoFit/>
-          </a:bodyPr>
-          <a:lstStyle/>
-          <a:p>
-            <a:r>
-              <a:rPr kumimoji="1" lang="en-US" altLang="ja-JP" sz="1000" dirty="0"/>
-              <a:t>x=4</a:t>
-            </a:r>
-            <a:endParaRPr kumimoji="1" lang="ja-JP" altLang="en-US" sz="1000" dirty="0"/>
-          </a:p>
-        </p:txBody>
-      </p:sp>
-      <p:sp>
-        <p:nvSpPr>
-          <p:cNvPr id="39" name="テキスト ボックス 38">
-            <a:extLst>
-              <a:ext uri="{FF2B5EF4-FFF2-40B4-BE49-F238E27FC236}">
-                <a16:creationId xmlns:a16="http://schemas.microsoft.com/office/drawing/2014/main" id="{0E88C76E-92DF-4390-8AC7-328D6B7BB77D}"/>
-              </a:ext>
-            </a:extLst>
-          </p:cNvPr>
-          <p:cNvSpPr txBox="1"/>
-          <p:nvPr/>
-        </p:nvSpPr>
-        <p:spPr>
-          <a:xfrm>
-            <a:off x="3997700" y="415585"/>
-            <a:ext cx="410690" cy="246221"/>
-          </a:xfrm>
-          <a:prstGeom prst="rect">
-            <a:avLst/>
-          </a:prstGeom>
-          <a:noFill/>
-        </p:spPr>
-        <p:txBody>
-          <a:bodyPr wrap="none" rtlCol="0">
-            <a:spAutoFit/>
-          </a:bodyPr>
-          <a:lstStyle/>
-          <a:p>
-            <a:r>
-              <a:rPr kumimoji="1" lang="en-US" altLang="ja-JP" sz="1000" dirty="0"/>
-              <a:t>x=5</a:t>
-            </a:r>
-            <a:endParaRPr kumimoji="1" lang="ja-JP" altLang="en-US" sz="1000" dirty="0"/>
-          </a:p>
-        </p:txBody>
-      </p:sp>
-      <p:sp>
-        <p:nvSpPr>
-          <p:cNvPr id="40" name="テキスト ボックス 39">
-            <a:extLst>
-              <a:ext uri="{FF2B5EF4-FFF2-40B4-BE49-F238E27FC236}">
-                <a16:creationId xmlns:a16="http://schemas.microsoft.com/office/drawing/2014/main" id="{7F41EB26-4899-4501-BDFD-91EDC222E779}"/>
-              </a:ext>
-            </a:extLst>
-          </p:cNvPr>
-          <p:cNvSpPr txBox="1"/>
-          <p:nvPr/>
-        </p:nvSpPr>
-        <p:spPr>
-          <a:xfrm>
-            <a:off x="1067355" y="1049941"/>
-            <a:ext cx="410690" cy="246221"/>
-          </a:xfrm>
-          <a:prstGeom prst="rect">
-            <a:avLst/>
-          </a:prstGeom>
-          <a:noFill/>
-        </p:spPr>
-        <p:txBody>
-          <a:bodyPr wrap="none" rtlCol="0">
-            <a:spAutoFit/>
-          </a:bodyPr>
-          <a:lstStyle/>
-          <a:p>
-            <a:r>
-              <a:rPr kumimoji="1" lang="en-US" altLang="ja-JP" sz="1000" dirty="0"/>
-              <a:t>y=1</a:t>
-            </a:r>
-            <a:endParaRPr kumimoji="1" lang="ja-JP" altLang="en-US" sz="1000" dirty="0"/>
-          </a:p>
-        </p:txBody>
-      </p:sp>
-      <p:sp>
-        <p:nvSpPr>
-          <p:cNvPr id="41" name="テキスト ボックス 40">
-            <a:extLst>
-              <a:ext uri="{FF2B5EF4-FFF2-40B4-BE49-F238E27FC236}">
-                <a16:creationId xmlns:a16="http://schemas.microsoft.com/office/drawing/2014/main" id="{7398FB6C-7EA3-4C09-BDB5-9691E1BEAC07}"/>
-              </a:ext>
-            </a:extLst>
-          </p:cNvPr>
-          <p:cNvSpPr txBox="1"/>
-          <p:nvPr/>
-        </p:nvSpPr>
-        <p:spPr>
-          <a:xfrm>
-            <a:off x="1067355" y="1520355"/>
-            <a:ext cx="410690" cy="246221"/>
-          </a:xfrm>
-          <a:prstGeom prst="rect">
-            <a:avLst/>
-          </a:prstGeom>
-          <a:noFill/>
-        </p:spPr>
-        <p:txBody>
-          <a:bodyPr wrap="none" rtlCol="0">
-            <a:spAutoFit/>
-          </a:bodyPr>
-          <a:lstStyle/>
-          <a:p>
-            <a:r>
-              <a:rPr kumimoji="1" lang="en-US" altLang="ja-JP" sz="1000" dirty="0"/>
-              <a:t>y=2</a:t>
-            </a:r>
-            <a:endParaRPr kumimoji="1" lang="ja-JP" altLang="en-US" sz="1000" dirty="0"/>
-          </a:p>
-        </p:txBody>
-      </p:sp>
-      <p:sp>
-        <p:nvSpPr>
-          <p:cNvPr id="42" name="テキスト ボックス 41">
-            <a:extLst>
-              <a:ext uri="{FF2B5EF4-FFF2-40B4-BE49-F238E27FC236}">
-                <a16:creationId xmlns:a16="http://schemas.microsoft.com/office/drawing/2014/main" id="{55C445A6-4F20-4C39-A8F2-725EF94E2703}"/>
-              </a:ext>
-            </a:extLst>
-          </p:cNvPr>
-          <p:cNvSpPr txBox="1"/>
-          <p:nvPr/>
-        </p:nvSpPr>
-        <p:spPr>
-          <a:xfrm>
-            <a:off x="1067355" y="1982076"/>
-            <a:ext cx="410690" cy="246221"/>
-          </a:xfrm>
-          <a:prstGeom prst="rect">
-            <a:avLst/>
-          </a:prstGeom>
-          <a:noFill/>
-        </p:spPr>
-        <p:txBody>
-          <a:bodyPr wrap="none" rtlCol="0">
-            <a:spAutoFit/>
-          </a:bodyPr>
-          <a:lstStyle/>
-          <a:p>
-            <a:r>
-              <a:rPr kumimoji="1" lang="en-US" altLang="ja-JP" sz="1000" dirty="0"/>
-              <a:t>y=3</a:t>
-            </a:r>
-            <a:endParaRPr kumimoji="1" lang="ja-JP" altLang="en-US" sz="1000" dirty="0"/>
-          </a:p>
-        </p:txBody>
-      </p:sp>
-      <p:sp>
-        <p:nvSpPr>
-          <p:cNvPr id="43" name="テキスト ボックス 42">
-            <a:extLst>
-              <a:ext uri="{FF2B5EF4-FFF2-40B4-BE49-F238E27FC236}">
-                <a16:creationId xmlns:a16="http://schemas.microsoft.com/office/drawing/2014/main" id="{D77D1109-730F-4E84-BC96-10BF9B3DE8BD}"/>
-              </a:ext>
-            </a:extLst>
-          </p:cNvPr>
-          <p:cNvSpPr txBox="1"/>
-          <p:nvPr/>
-        </p:nvSpPr>
-        <p:spPr>
-          <a:xfrm>
-            <a:off x="1067355" y="2437786"/>
-            <a:ext cx="410690" cy="246221"/>
-          </a:xfrm>
-          <a:prstGeom prst="rect">
-            <a:avLst/>
-          </a:prstGeom>
-          <a:noFill/>
-        </p:spPr>
-        <p:txBody>
-          <a:bodyPr wrap="none" rtlCol="0">
-            <a:spAutoFit/>
-          </a:bodyPr>
-          <a:lstStyle/>
-          <a:p>
-            <a:r>
-              <a:rPr kumimoji="1" lang="en-US" altLang="ja-JP" sz="1000" dirty="0"/>
-              <a:t>y=4</a:t>
-            </a:r>
-            <a:endParaRPr kumimoji="1" lang="ja-JP" altLang="en-US" sz="1000" dirty="0"/>
-          </a:p>
-        </p:txBody>
-      </p:sp>
-      <p:sp>
-        <p:nvSpPr>
-          <p:cNvPr id="44" name="テキスト ボックス 43">
-            <a:extLst>
-              <a:ext uri="{FF2B5EF4-FFF2-40B4-BE49-F238E27FC236}">
-                <a16:creationId xmlns:a16="http://schemas.microsoft.com/office/drawing/2014/main" id="{07F294D3-9070-4220-98EE-603C4CEC0C8E}"/>
-              </a:ext>
-            </a:extLst>
-          </p:cNvPr>
-          <p:cNvSpPr txBox="1"/>
-          <p:nvPr/>
-        </p:nvSpPr>
-        <p:spPr>
-          <a:xfrm>
-            <a:off x="1067355" y="2905582"/>
-            <a:ext cx="410690" cy="246221"/>
-          </a:xfrm>
-          <a:prstGeom prst="rect">
-            <a:avLst/>
-          </a:prstGeom>
-          <a:noFill/>
-        </p:spPr>
-        <p:txBody>
-          <a:bodyPr wrap="none" rtlCol="0">
-            <a:spAutoFit/>
-          </a:bodyPr>
-          <a:lstStyle/>
-          <a:p>
-            <a:r>
-              <a:rPr kumimoji="1" lang="en-US" altLang="ja-JP" sz="1000" dirty="0"/>
-              <a:t>y=5</a:t>
-            </a:r>
-            <a:endParaRPr kumimoji="1" lang="ja-JP" altLang="en-US" sz="1000" dirty="0"/>
-          </a:p>
-        </p:txBody>
-      </p:sp>
-      <p:sp>
-        <p:nvSpPr>
-          <p:cNvPr id="45" name="テキスト ボックス 44">
-            <a:extLst>
-              <a:ext uri="{FF2B5EF4-FFF2-40B4-BE49-F238E27FC236}">
-                <a16:creationId xmlns:a16="http://schemas.microsoft.com/office/drawing/2014/main" id="{B55B1EAF-8E7C-485B-8C93-7047B1517D05}"/>
-              </a:ext>
-            </a:extLst>
-          </p:cNvPr>
-          <p:cNvSpPr txBox="1"/>
-          <p:nvPr/>
-        </p:nvSpPr>
-        <p:spPr>
-          <a:xfrm>
-            <a:off x="1067355" y="3364310"/>
-            <a:ext cx="410690" cy="246221"/>
-          </a:xfrm>
-          <a:prstGeom prst="rect">
-            <a:avLst/>
-          </a:prstGeom>
-          <a:noFill/>
-        </p:spPr>
-        <p:txBody>
-          <a:bodyPr wrap="none" rtlCol="0">
-            <a:spAutoFit/>
-          </a:bodyPr>
-          <a:lstStyle/>
-          <a:p>
-            <a:r>
-              <a:rPr kumimoji="1" lang="en-US" altLang="ja-JP" sz="1000" dirty="0"/>
-              <a:t>y=6</a:t>
-            </a:r>
-            <a:endParaRPr kumimoji="1" lang="ja-JP" altLang="en-US" sz="1000" dirty="0"/>
-          </a:p>
-        </p:txBody>
-      </p:sp>
-      <p:sp>
-        <p:nvSpPr>
-          <p:cNvPr id="46" name="テキスト ボックス 45">
-            <a:extLst>
-              <a:ext uri="{FF2B5EF4-FFF2-40B4-BE49-F238E27FC236}">
-                <a16:creationId xmlns:a16="http://schemas.microsoft.com/office/drawing/2014/main" id="{1B048F75-6F0F-467C-AB28-043E438595F2}"/>
-              </a:ext>
-            </a:extLst>
-          </p:cNvPr>
-          <p:cNvSpPr txBox="1"/>
-          <p:nvPr/>
-        </p:nvSpPr>
-        <p:spPr>
-          <a:xfrm>
-            <a:off x="1067355" y="3823038"/>
-            <a:ext cx="410690" cy="246221"/>
-          </a:xfrm>
-          <a:prstGeom prst="rect">
-            <a:avLst/>
-          </a:prstGeom>
-          <a:noFill/>
-        </p:spPr>
-        <p:txBody>
-          <a:bodyPr wrap="none" rtlCol="0">
-            <a:spAutoFit/>
-          </a:bodyPr>
-          <a:lstStyle/>
-          <a:p>
-            <a:r>
-              <a:rPr kumimoji="1" lang="en-US" altLang="ja-JP" sz="1000" dirty="0"/>
-              <a:t>y=7</a:t>
-            </a:r>
-            <a:endParaRPr kumimoji="1" lang="ja-JP" altLang="en-US" sz="1000" dirty="0"/>
-          </a:p>
-        </p:txBody>
-      </p:sp>
-      <p:sp>
-        <p:nvSpPr>
-          <p:cNvPr id="47" name="テキスト ボックス 46">
-            <a:extLst>
-              <a:ext uri="{FF2B5EF4-FFF2-40B4-BE49-F238E27FC236}">
-                <a16:creationId xmlns:a16="http://schemas.microsoft.com/office/drawing/2014/main" id="{B7157B86-70F4-4B37-A420-B3748ACA30AF}"/>
-              </a:ext>
-            </a:extLst>
-          </p:cNvPr>
-          <p:cNvSpPr txBox="1"/>
-          <p:nvPr/>
-        </p:nvSpPr>
-        <p:spPr>
-          <a:xfrm>
-            <a:off x="1067355" y="4281766"/>
-            <a:ext cx="410690" cy="246221"/>
-          </a:xfrm>
-          <a:prstGeom prst="rect">
-            <a:avLst/>
-          </a:prstGeom>
-          <a:noFill/>
-        </p:spPr>
-        <p:txBody>
-          <a:bodyPr wrap="none" rtlCol="0">
-            <a:spAutoFit/>
-          </a:bodyPr>
-          <a:lstStyle/>
-          <a:p>
-            <a:r>
-              <a:rPr kumimoji="1" lang="en-US" altLang="ja-JP" sz="1000" dirty="0"/>
-              <a:t>y=8</a:t>
-            </a:r>
-            <a:endParaRPr kumimoji="1" lang="ja-JP" altLang="en-US" sz="1000" dirty="0"/>
-          </a:p>
-        </p:txBody>
-      </p:sp>
-      <p:sp>
-        <p:nvSpPr>
-          <p:cNvPr id="48" name="テキスト ボックス 47">
-            <a:extLst>
-              <a:ext uri="{FF2B5EF4-FFF2-40B4-BE49-F238E27FC236}">
-                <a16:creationId xmlns:a16="http://schemas.microsoft.com/office/drawing/2014/main" id="{E28F1D93-3097-42F2-B2C2-7E6839B93B22}"/>
-              </a:ext>
-            </a:extLst>
-          </p:cNvPr>
-          <p:cNvSpPr txBox="1"/>
-          <p:nvPr/>
-        </p:nvSpPr>
-        <p:spPr>
-          <a:xfrm>
-            <a:off x="1067355" y="618464"/>
-            <a:ext cx="410690" cy="246221"/>
-          </a:xfrm>
-          <a:prstGeom prst="rect">
-            <a:avLst/>
-          </a:prstGeom>
-          <a:noFill/>
-        </p:spPr>
-        <p:txBody>
-          <a:bodyPr wrap="none" rtlCol="0">
-            <a:spAutoFit/>
-          </a:bodyPr>
-          <a:lstStyle/>
-          <a:p>
-            <a:r>
-              <a:rPr kumimoji="1" lang="en-US" altLang="ja-JP" sz="1000" dirty="0"/>
-              <a:t>y=0</a:t>
-            </a:r>
-            <a:endParaRPr kumimoji="1" lang="ja-JP" altLang="en-US" sz="1000" dirty="0"/>
-          </a:p>
-        </p:txBody>
-      </p:sp>
-      <p:sp>
-        <p:nvSpPr>
-          <p:cNvPr id="53" name="テキスト ボックス 52">
-            <a:extLst>
-              <a:ext uri="{FF2B5EF4-FFF2-40B4-BE49-F238E27FC236}">
-                <a16:creationId xmlns:a16="http://schemas.microsoft.com/office/drawing/2014/main" id="{3F53126C-CE44-47A3-966A-14B5EAA30E96}"/>
-              </a:ext>
-            </a:extLst>
-          </p:cNvPr>
-          <p:cNvSpPr txBox="1"/>
-          <p:nvPr/>
-        </p:nvSpPr>
-        <p:spPr>
-          <a:xfrm>
-            <a:off x="32939" y="35913"/>
-            <a:ext cx="2492990" cy="369332"/>
-          </a:xfrm>
-          <a:prstGeom prst="rect">
-            <a:avLst/>
-          </a:prstGeom>
-          <a:noFill/>
-        </p:spPr>
-        <p:txBody>
-          <a:bodyPr wrap="none" rtlCol="0">
-            <a:spAutoFit/>
-          </a:bodyPr>
-          <a:lstStyle/>
-          <a:p>
-            <a:r>
-              <a:rPr kumimoji="1" lang="en-US" altLang="ja-JP" dirty="0"/>
-              <a:t>logical router position</a:t>
-            </a:r>
-            <a:endParaRPr kumimoji="1" lang="ja-JP" altLang="en-US" dirty="0"/>
-          </a:p>
-        </p:txBody>
-      </p:sp>
-      <p:sp>
-        <p:nvSpPr>
-          <p:cNvPr id="49" name="テキスト ボックス 48">
-            <a:extLst>
-              <a:ext uri="{FF2B5EF4-FFF2-40B4-BE49-F238E27FC236}">
-                <a16:creationId xmlns:a16="http://schemas.microsoft.com/office/drawing/2014/main" id="{92A60D90-46EC-4A31-BEBA-3581F1A3E148}"/>
-              </a:ext>
-            </a:extLst>
-          </p:cNvPr>
-          <p:cNvSpPr txBox="1"/>
-          <p:nvPr/>
-        </p:nvSpPr>
-        <p:spPr>
-          <a:xfrm>
-            <a:off x="4481841" y="415585"/>
-            <a:ext cx="410690" cy="246221"/>
-          </a:xfrm>
-          <a:prstGeom prst="rect">
-            <a:avLst/>
-          </a:prstGeom>
-          <a:noFill/>
-        </p:spPr>
-        <p:txBody>
-          <a:bodyPr wrap="none" rtlCol="0">
-            <a:spAutoFit/>
-          </a:bodyPr>
-          <a:lstStyle/>
-          <a:p>
-            <a:r>
-              <a:rPr kumimoji="1" lang="en-US" altLang="ja-JP" sz="1000" dirty="0"/>
-              <a:t>x=6</a:t>
-            </a:r>
-            <a:endParaRPr kumimoji="1" lang="ja-JP" altLang="en-US" sz="1000" dirty="0"/>
-          </a:p>
-        </p:txBody>
-      </p:sp>
-      <p:sp>
-        <p:nvSpPr>
-          <p:cNvPr id="50" name="テキスト ボックス 49">
-            <a:extLst>
-              <a:ext uri="{FF2B5EF4-FFF2-40B4-BE49-F238E27FC236}">
-                <a16:creationId xmlns:a16="http://schemas.microsoft.com/office/drawing/2014/main" id="{C2A520F0-6B5C-4D6F-AF4B-CDCCCD496479}"/>
-              </a:ext>
-            </a:extLst>
-          </p:cNvPr>
-          <p:cNvSpPr txBox="1"/>
-          <p:nvPr/>
-        </p:nvSpPr>
-        <p:spPr>
-          <a:xfrm>
-            <a:off x="5038959" y="415585"/>
-            <a:ext cx="410690" cy="246221"/>
-          </a:xfrm>
-          <a:prstGeom prst="rect">
-            <a:avLst/>
-          </a:prstGeom>
-          <a:noFill/>
-        </p:spPr>
-        <p:txBody>
-          <a:bodyPr wrap="none" rtlCol="0">
-            <a:spAutoFit/>
-          </a:bodyPr>
-          <a:lstStyle/>
-          <a:p>
-            <a:r>
-              <a:rPr kumimoji="1" lang="en-US" altLang="ja-JP" sz="1000"/>
-              <a:t>x=7</a:t>
-            </a:r>
-            <a:endParaRPr kumimoji="1" lang="ja-JP" altLang="en-US" sz="1000" dirty="0"/>
-          </a:p>
-        </p:txBody>
-      </p:sp>
-    </p:spTree>
-    <p:extLst>
-      <p:ext uri="{BB962C8B-B14F-4D97-AF65-F5344CB8AC3E}">
-        <p14:creationId xmlns:p14="http://schemas.microsoft.com/office/powerpoint/2010/main" val="1390397350"/>
       </p:ext>
     </p:extLst>
   </p:cSld>
